--- a/figs/src/diagrams.pptx
+++ b/figs/src/diagrams.pptx
@@ -250,7 +250,7 @@
           <a:p>
             <a:fld id="{340F2CB1-ACB2-C444-8228-DEE1E7B6F0A8}" type="datetimeFigureOut">
               <a:rPr lang="en-US" smtClean="0"/>
-              <a:t>10/20/15</a:t>
+              <a:t>11/25/15</a:t>
             </a:fld>
             <a:endParaRPr lang="en-US"/>
           </a:p>
@@ -420,7 +420,7 @@
           <a:p>
             <a:fld id="{340F2CB1-ACB2-C444-8228-DEE1E7B6F0A8}" type="datetimeFigureOut">
               <a:rPr lang="en-US" smtClean="0"/>
-              <a:t>10/20/15</a:t>
+              <a:t>11/25/15</a:t>
             </a:fld>
             <a:endParaRPr lang="en-US"/>
           </a:p>
@@ -600,7 +600,7 @@
           <a:p>
             <a:fld id="{340F2CB1-ACB2-C444-8228-DEE1E7B6F0A8}" type="datetimeFigureOut">
               <a:rPr lang="en-US" smtClean="0"/>
-              <a:t>10/20/15</a:t>
+              <a:t>11/25/15</a:t>
             </a:fld>
             <a:endParaRPr lang="en-US"/>
           </a:p>
@@ -770,7 +770,7 @@
           <a:p>
             <a:fld id="{340F2CB1-ACB2-C444-8228-DEE1E7B6F0A8}" type="datetimeFigureOut">
               <a:rPr lang="en-US" smtClean="0"/>
-              <a:t>10/20/15</a:t>
+              <a:t>11/25/15</a:t>
             </a:fld>
             <a:endParaRPr lang="en-US"/>
           </a:p>
@@ -1016,7 +1016,7 @@
           <a:p>
             <a:fld id="{340F2CB1-ACB2-C444-8228-DEE1E7B6F0A8}" type="datetimeFigureOut">
               <a:rPr lang="en-US" smtClean="0"/>
-              <a:t>10/20/15</a:t>
+              <a:t>11/25/15</a:t>
             </a:fld>
             <a:endParaRPr lang="en-US"/>
           </a:p>
@@ -1248,7 +1248,7 @@
           <a:p>
             <a:fld id="{340F2CB1-ACB2-C444-8228-DEE1E7B6F0A8}" type="datetimeFigureOut">
               <a:rPr lang="en-US" smtClean="0"/>
-              <a:t>10/20/15</a:t>
+              <a:t>11/25/15</a:t>
             </a:fld>
             <a:endParaRPr lang="en-US"/>
           </a:p>
@@ -1615,7 +1615,7 @@
           <a:p>
             <a:fld id="{340F2CB1-ACB2-C444-8228-DEE1E7B6F0A8}" type="datetimeFigureOut">
               <a:rPr lang="en-US" smtClean="0"/>
-              <a:t>10/20/15</a:t>
+              <a:t>11/25/15</a:t>
             </a:fld>
             <a:endParaRPr lang="en-US"/>
           </a:p>
@@ -1733,7 +1733,7 @@
           <a:p>
             <a:fld id="{340F2CB1-ACB2-C444-8228-DEE1E7B6F0A8}" type="datetimeFigureOut">
               <a:rPr lang="en-US" smtClean="0"/>
-              <a:t>10/20/15</a:t>
+              <a:t>11/25/15</a:t>
             </a:fld>
             <a:endParaRPr lang="en-US"/>
           </a:p>
@@ -1828,7 +1828,7 @@
           <a:p>
             <a:fld id="{340F2CB1-ACB2-C444-8228-DEE1E7B6F0A8}" type="datetimeFigureOut">
               <a:rPr lang="en-US" smtClean="0"/>
-              <a:t>10/20/15</a:t>
+              <a:t>11/25/15</a:t>
             </a:fld>
             <a:endParaRPr lang="en-US"/>
           </a:p>
@@ -2105,7 +2105,7 @@
           <a:p>
             <a:fld id="{340F2CB1-ACB2-C444-8228-DEE1E7B6F0A8}" type="datetimeFigureOut">
               <a:rPr lang="en-US" smtClean="0"/>
-              <a:t>10/20/15</a:t>
+              <a:t>11/25/15</a:t>
             </a:fld>
             <a:endParaRPr lang="en-US"/>
           </a:p>
@@ -2358,7 +2358,7 @@
           <a:p>
             <a:fld id="{340F2CB1-ACB2-C444-8228-DEE1E7B6F0A8}" type="datetimeFigureOut">
               <a:rPr lang="en-US" smtClean="0"/>
-              <a:t>10/20/15</a:t>
+              <a:t>11/25/15</a:t>
             </a:fld>
             <a:endParaRPr lang="en-US"/>
           </a:p>
@@ -2571,7 +2571,7 @@
           <a:p>
             <a:fld id="{340F2CB1-ACB2-C444-8228-DEE1E7B6F0A8}" type="datetimeFigureOut">
               <a:rPr lang="en-US" smtClean="0"/>
-              <a:t>10/20/15</a:t>
+              <a:t>11/25/15</a:t>
             </a:fld>
             <a:endParaRPr lang="en-US"/>
           </a:p>
@@ -7874,19 +7874,19 @@
         </p:nvSpPr>
         <p:spPr>
           <a:xfrm>
-            <a:off x="1121200" y="525050"/>
-            <a:ext cx="392163" cy="392163"/>
+            <a:off x="511600" y="1100959"/>
+            <a:ext cx="498493" cy="498493"/>
           </a:xfrm>
           <a:prstGeom prst="ellipse">
             <a:avLst/>
           </a:prstGeom>
           <a:solidFill>
-            <a:schemeClr val="accent1">
+            <a:schemeClr val="accent6">
               <a:lumMod val="60000"/>
               <a:lumOff val="40000"/>
             </a:schemeClr>
           </a:solidFill>
-          <a:ln>
+          <a:ln w="6350">
             <a:solidFill>
               <a:schemeClr val="tx1"/>
             </a:solidFill>
@@ -7914,55 +7914,241 @@
           <a:p>
             <a:pPr algn="ctr"/>
             <a:r>
-              <a:rPr lang="en-US" sz="1000" dirty="0" smtClean="0">
+              <a:rPr lang="en-US" sz="900" dirty="0" smtClean="0">
+                <a:solidFill>
+                  <a:schemeClr val="tx1"/>
+                </a:solidFill>
+              </a:rPr>
+              <a:t>SRC1</a:t>
+            </a:r>
+            <a:endParaRPr lang="en-US" sz="900" dirty="0">
+              <a:solidFill>
+                <a:schemeClr val="tx1"/>
+              </a:solidFill>
+            </a:endParaRPr>
+          </a:p>
+        </p:txBody>
+      </p:sp>
+      <p:sp>
+        <p:nvSpPr>
+          <p:cNvPr id="5" name="Can 4"/>
+          <p:cNvSpPr/>
+          <p:nvPr/>
+        </p:nvSpPr>
+        <p:spPr>
+          <a:xfrm>
+            <a:off x="1687915" y="1100959"/>
+            <a:ext cx="472468" cy="498493"/>
+          </a:xfrm>
+          <a:prstGeom prst="can">
+            <a:avLst>
+              <a:gd name="adj" fmla="val 44344"/>
+            </a:avLst>
+          </a:prstGeom>
+          <a:solidFill>
+            <a:schemeClr val="bg2">
+              <a:lumMod val="90000"/>
+            </a:schemeClr>
+          </a:solidFill>
+          <a:ln w="6350">
+            <a:solidFill>
+              <a:schemeClr val="tx1"/>
+            </a:solidFill>
+            <a:prstDash val="dash"/>
+          </a:ln>
+        </p:spPr>
+        <p:style>
+          <a:lnRef idx="2">
+            <a:schemeClr val="accent3">
+              <a:shade val="50000"/>
+            </a:schemeClr>
+          </a:lnRef>
+          <a:fillRef idx="1">
+            <a:schemeClr val="accent3"/>
+          </a:fillRef>
+          <a:effectRef idx="0">
+            <a:schemeClr val="accent3"/>
+          </a:effectRef>
+          <a:fontRef idx="minor">
+            <a:schemeClr val="lt1"/>
+          </a:fontRef>
+        </p:style>
+        <p:txBody>
+          <a:bodyPr lIns="0" tIns="0" rIns="0" bIns="0" rtlCol="0" anchor="ctr"/>
+          <a:lstStyle/>
+          <a:p>
+            <a:pPr algn="ctr"/>
+            <a:r>
+              <a:rPr lang="en-US" sz="900" dirty="0" smtClean="0">
+                <a:solidFill>
+                  <a:schemeClr val="tx1"/>
+                </a:solidFill>
+              </a:rPr>
+              <a:t>IS1</a:t>
+            </a:r>
+            <a:endParaRPr lang="en-US" sz="900" dirty="0">
+              <a:solidFill>
+                <a:schemeClr val="tx1"/>
+              </a:solidFill>
+            </a:endParaRPr>
+          </a:p>
+        </p:txBody>
+      </p:sp>
+      <p:sp>
+        <p:nvSpPr>
+          <p:cNvPr id="6" name="Oval 5"/>
+          <p:cNvSpPr/>
+          <p:nvPr/>
+        </p:nvSpPr>
+        <p:spPr>
+          <a:xfrm>
+            <a:off x="511600" y="2234935"/>
+            <a:ext cx="498493" cy="498493"/>
+          </a:xfrm>
+          <a:prstGeom prst="ellipse">
+            <a:avLst/>
+          </a:prstGeom>
+          <a:solidFill>
+            <a:schemeClr val="accent6">
+              <a:lumMod val="60000"/>
+              <a:lumOff val="40000"/>
+            </a:schemeClr>
+          </a:solidFill>
+          <a:ln w="6350">
+            <a:solidFill>
+              <a:schemeClr val="tx1"/>
+            </a:solidFill>
+          </a:ln>
+        </p:spPr>
+        <p:style>
+          <a:lnRef idx="2">
+            <a:schemeClr val="accent1">
+              <a:shade val="50000"/>
+            </a:schemeClr>
+          </a:lnRef>
+          <a:fillRef idx="1">
+            <a:schemeClr val="accent1"/>
+          </a:fillRef>
+          <a:effectRef idx="0">
+            <a:schemeClr val="accent1"/>
+          </a:effectRef>
+          <a:fontRef idx="minor">
+            <a:schemeClr val="lt1"/>
+          </a:fontRef>
+        </p:style>
+        <p:txBody>
+          <a:bodyPr lIns="0" tIns="0" rIns="0" bIns="0" rtlCol="0" anchor="ctr"/>
+          <a:lstStyle/>
+          <a:p>
+            <a:pPr algn="ctr"/>
+            <a:r>
+              <a:rPr lang="en-US" sz="900" dirty="0" smtClean="0">
+                <a:solidFill>
+                  <a:schemeClr val="tx1"/>
+                </a:solidFill>
+              </a:rPr>
+              <a:t>SRC2</a:t>
+            </a:r>
+            <a:endParaRPr lang="en-US" sz="900" dirty="0"/>
+          </a:p>
+        </p:txBody>
+      </p:sp>
+      <p:sp>
+        <p:nvSpPr>
+          <p:cNvPr id="9" name="Oval 8"/>
+          <p:cNvSpPr/>
+          <p:nvPr/>
+        </p:nvSpPr>
+        <p:spPr>
+          <a:xfrm>
+            <a:off x="2812716" y="1093145"/>
+            <a:ext cx="498493" cy="498493"/>
+          </a:xfrm>
+          <a:prstGeom prst="ellipse">
+            <a:avLst/>
+          </a:prstGeom>
+          <a:solidFill>
+            <a:schemeClr val="accent6">
+              <a:lumMod val="60000"/>
+              <a:lumOff val="40000"/>
+            </a:schemeClr>
+          </a:solidFill>
+          <a:ln w="6350">
+            <a:solidFill>
+              <a:schemeClr val="tx1"/>
+            </a:solidFill>
+          </a:ln>
+        </p:spPr>
+        <p:style>
+          <a:lnRef idx="2">
+            <a:schemeClr val="accent1">
+              <a:shade val="50000"/>
+            </a:schemeClr>
+          </a:lnRef>
+          <a:fillRef idx="1">
+            <a:schemeClr val="accent1"/>
+          </a:fillRef>
+          <a:effectRef idx="0">
+            <a:schemeClr val="accent1"/>
+          </a:effectRef>
+          <a:fontRef idx="minor">
+            <a:schemeClr val="lt1"/>
+          </a:fontRef>
+        </p:style>
+        <p:txBody>
+          <a:bodyPr lIns="0" tIns="0" rIns="0" bIns="0" rtlCol="0" anchor="ctr"/>
+          <a:lstStyle/>
+          <a:p>
+            <a:pPr algn="ctr"/>
+            <a:r>
+              <a:rPr lang="en-US" sz="900" dirty="0" smtClean="0">
                 <a:solidFill>
                   <a:schemeClr val="tx1"/>
                 </a:solidFill>
               </a:rPr>
               <a:t>OP1</a:t>
             </a:r>
-            <a:endParaRPr lang="en-US" sz="1000" dirty="0">
-              <a:solidFill>
-                <a:schemeClr val="tx1"/>
-              </a:solidFill>
-            </a:endParaRPr>
-          </a:p>
-        </p:txBody>
-      </p:sp>
-      <p:sp>
-        <p:nvSpPr>
-          <p:cNvPr id="5" name="Can 4"/>
+            <a:endParaRPr lang="en-US" sz="900" dirty="0"/>
+          </a:p>
+        </p:txBody>
+      </p:sp>
+      <p:sp>
+        <p:nvSpPr>
+          <p:cNvPr id="10" name="Oval 9"/>
           <p:cNvSpPr/>
           <p:nvPr/>
         </p:nvSpPr>
         <p:spPr>
           <a:xfrm>
-            <a:off x="1856005" y="525050"/>
-            <a:ext cx="371689" cy="392163"/>
-          </a:xfrm>
-          <a:prstGeom prst="can">
-            <a:avLst>
-              <a:gd name="adj" fmla="val 44344"/>
-            </a:avLst>
-          </a:prstGeom>
-          <a:ln w="12700">
+            <a:off x="2812716" y="2240627"/>
+            <a:ext cx="498493" cy="498493"/>
+          </a:xfrm>
+          <a:prstGeom prst="ellipse">
+            <a:avLst/>
+          </a:prstGeom>
+          <a:solidFill>
+            <a:schemeClr val="accent6">
+              <a:lumMod val="60000"/>
+              <a:lumOff val="40000"/>
+            </a:schemeClr>
+          </a:solidFill>
+          <a:ln w="6350">
             <a:solidFill>
               <a:schemeClr val="tx1"/>
             </a:solidFill>
-            <a:prstDash val="sysDot"/>
-          </a:ln>
-        </p:spPr>
-        <p:style>
-          <a:lnRef idx="2">
-            <a:schemeClr val="accent3">
+          </a:ln>
+        </p:spPr>
+        <p:style>
+          <a:lnRef idx="2">
+            <a:schemeClr val="accent1">
               <a:shade val="50000"/>
             </a:schemeClr>
           </a:lnRef>
           <a:fillRef idx="1">
-            <a:schemeClr val="accent3"/>
+            <a:schemeClr val="accent1"/>
           </a:fillRef>
           <a:effectRef idx="0">
-            <a:schemeClr val="accent3"/>
+            <a:schemeClr val="accent1"/>
           </a:effectRef>
           <a:fontRef idx="minor">
             <a:schemeClr val="lt1"/>
@@ -7974,160 +8160,237 @@
           <a:p>
             <a:pPr algn="ctr"/>
             <a:r>
-              <a:rPr lang="en-US" sz="1000" dirty="0" smtClean="0">
+              <a:rPr lang="en-US" sz="900" dirty="0" smtClean="0">
                 <a:solidFill>
                   <a:schemeClr val="tx1"/>
                 </a:solidFill>
               </a:rPr>
-              <a:t>IS1</a:t>
-            </a:r>
-            <a:endParaRPr lang="en-US" sz="1000" dirty="0">
-              <a:solidFill>
-                <a:schemeClr val="tx1"/>
-              </a:solidFill>
-            </a:endParaRPr>
-          </a:p>
-        </p:txBody>
-      </p:sp>
-      <p:sp>
-        <p:nvSpPr>
-          <p:cNvPr id="6" name="Oval 5"/>
-          <p:cNvSpPr/>
-          <p:nvPr/>
-        </p:nvSpPr>
-        <p:spPr>
-          <a:xfrm>
-            <a:off x="2623370" y="1423293"/>
-            <a:ext cx="392163" cy="392163"/>
-          </a:xfrm>
-          <a:prstGeom prst="ellipse">
-            <a:avLst/>
-          </a:prstGeom>
-          <a:solidFill>
-            <a:schemeClr val="accent1">
-              <a:lumMod val="60000"/>
-              <a:lumOff val="40000"/>
-            </a:schemeClr>
-          </a:solidFill>
-          <a:ln>
+              <a:t>SNK2</a:t>
+            </a:r>
+            <a:endParaRPr lang="en-US" sz="900" dirty="0"/>
+          </a:p>
+        </p:txBody>
+      </p:sp>
+      <p:cxnSp>
+        <p:nvCxnSpPr>
+          <p:cNvPr id="11" name="Straight Arrow Connector 10"/>
+          <p:cNvCxnSpPr>
+            <a:stCxn id="19" idx="4"/>
+            <a:endCxn id="9" idx="3"/>
+          </p:cNvCxnSpPr>
+          <p:nvPr/>
+        </p:nvCxnSpPr>
+        <p:spPr>
+          <a:xfrm flipV="1">
+            <a:off x="2160382" y="1518635"/>
+            <a:ext cx="725337" cy="968000"/>
+          </a:xfrm>
+          <a:prstGeom prst="straightConnector1">
+            <a:avLst/>
+          </a:prstGeom>
+          <a:ln w="9525">
             <a:solidFill>
               <a:schemeClr val="tx1"/>
             </a:solidFill>
-          </a:ln>
-        </p:spPr>
-        <p:style>
-          <a:lnRef idx="2">
-            <a:schemeClr val="accent1">
-              <a:shade val="50000"/>
-            </a:schemeClr>
-          </a:lnRef>
-          <a:fillRef idx="1">
+            <a:tailEnd type="arrow" w="sm" len="sm"/>
+          </a:ln>
+        </p:spPr>
+        <p:style>
+          <a:lnRef idx="1">
+            <a:schemeClr val="accent1"/>
+          </a:lnRef>
+          <a:fillRef idx="0">
             <a:schemeClr val="accent1"/>
           </a:fillRef>
           <a:effectRef idx="0">
             <a:schemeClr val="accent1"/>
           </a:effectRef>
           <a:fontRef idx="minor">
-            <a:schemeClr val="lt1"/>
-          </a:fontRef>
-        </p:style>
-        <p:txBody>
-          <a:bodyPr lIns="0" tIns="0" rIns="0" bIns="0" rtlCol="0" anchor="ctr"/>
-          <a:lstStyle/>
-          <a:p>
-            <a:pPr algn="ctr"/>
-            <a:r>
-              <a:rPr lang="en-US" sz="1000" dirty="0" smtClean="0">
-                <a:solidFill>
-                  <a:schemeClr val="tx1"/>
-                </a:solidFill>
-              </a:rPr>
-              <a:t>OP3</a:t>
-            </a:r>
-            <a:endParaRPr lang="en-US" sz="1000" dirty="0"/>
-          </a:p>
-        </p:txBody>
-      </p:sp>
-      <p:sp>
-        <p:nvSpPr>
-          <p:cNvPr id="7" name="Oval 6"/>
-          <p:cNvSpPr/>
-          <p:nvPr/>
-        </p:nvSpPr>
-        <p:spPr>
-          <a:xfrm>
-            <a:off x="2623370" y="525050"/>
-            <a:ext cx="392163" cy="392163"/>
-          </a:xfrm>
-          <a:prstGeom prst="ellipse">
-            <a:avLst/>
-          </a:prstGeom>
-          <a:solidFill>
-            <a:schemeClr val="accent1">
-              <a:lumMod val="60000"/>
-              <a:lumOff val="40000"/>
-            </a:schemeClr>
-          </a:solidFill>
-          <a:ln>
+            <a:schemeClr val="tx1"/>
+          </a:fontRef>
+        </p:style>
+      </p:cxnSp>
+      <p:cxnSp>
+        <p:nvCxnSpPr>
+          <p:cNvPr id="12" name="Straight Arrow Connector 11"/>
+          <p:cNvCxnSpPr>
+            <a:stCxn id="19" idx="4"/>
+            <a:endCxn id="10" idx="2"/>
+          </p:cNvCxnSpPr>
+          <p:nvPr/>
+        </p:nvCxnSpPr>
+        <p:spPr>
+          <a:xfrm>
+            <a:off x="2160382" y="2486635"/>
+            <a:ext cx="652334" cy="3239"/>
+          </a:xfrm>
+          <a:prstGeom prst="straightConnector1">
+            <a:avLst/>
+          </a:prstGeom>
+          <a:ln w="9525">
             <a:solidFill>
               <a:schemeClr val="tx1"/>
             </a:solidFill>
-          </a:ln>
-        </p:spPr>
-        <p:style>
-          <a:lnRef idx="2">
-            <a:schemeClr val="accent1">
-              <a:shade val="50000"/>
-            </a:schemeClr>
-          </a:lnRef>
-          <a:fillRef idx="1">
+            <a:tailEnd type="arrow" w="sm" len="sm"/>
+          </a:ln>
+        </p:spPr>
+        <p:style>
+          <a:lnRef idx="1">
+            <a:schemeClr val="accent1"/>
+          </a:lnRef>
+          <a:fillRef idx="0">
             <a:schemeClr val="accent1"/>
           </a:fillRef>
           <a:effectRef idx="0">
             <a:schemeClr val="accent1"/>
           </a:effectRef>
           <a:fontRef idx="minor">
-            <a:schemeClr val="lt1"/>
-          </a:fontRef>
-        </p:style>
-        <p:txBody>
-          <a:bodyPr lIns="0" tIns="0" rIns="0" bIns="0" rtlCol="0" anchor="ctr"/>
-          <a:lstStyle/>
-          <a:p>
-            <a:pPr algn="ctr"/>
-            <a:r>
-              <a:rPr lang="en-US" sz="1000" dirty="0" smtClean="0">
-                <a:solidFill>
-                  <a:schemeClr val="tx1"/>
-                </a:solidFill>
-              </a:rPr>
-              <a:t>OP2</a:t>
-            </a:r>
-            <a:endParaRPr lang="en-US" sz="1000" dirty="0"/>
-          </a:p>
-        </p:txBody>
-      </p:sp>
-      <p:sp>
-        <p:nvSpPr>
-          <p:cNvPr id="8" name="Can 7"/>
+            <a:schemeClr val="tx1"/>
+          </a:fontRef>
+        </p:style>
+      </p:cxnSp>
+      <p:cxnSp>
+        <p:nvCxnSpPr>
+          <p:cNvPr id="15" name="Straight Arrow Connector 14"/>
+          <p:cNvCxnSpPr>
+            <a:stCxn id="6" idx="6"/>
+            <a:endCxn id="19" idx="2"/>
+          </p:cNvCxnSpPr>
+          <p:nvPr/>
+        </p:nvCxnSpPr>
+        <p:spPr>
+          <a:xfrm>
+            <a:off x="1010093" y="2484182"/>
+            <a:ext cx="677821" cy="2453"/>
+          </a:xfrm>
+          <a:prstGeom prst="straightConnector1">
+            <a:avLst/>
+          </a:prstGeom>
+          <a:ln w="9525">
+            <a:solidFill>
+              <a:schemeClr val="tx1"/>
+            </a:solidFill>
+            <a:tailEnd type="arrow" w="sm" len="sm"/>
+          </a:ln>
+        </p:spPr>
+        <p:style>
+          <a:lnRef idx="1">
+            <a:schemeClr val="accent1"/>
+          </a:lnRef>
+          <a:fillRef idx="0">
+            <a:schemeClr val="accent1"/>
+          </a:fillRef>
+          <a:effectRef idx="0">
+            <a:schemeClr val="accent1"/>
+          </a:effectRef>
+          <a:fontRef idx="minor">
+            <a:schemeClr val="tx1"/>
+          </a:fontRef>
+        </p:style>
+      </p:cxnSp>
+      <p:cxnSp>
+        <p:nvCxnSpPr>
+          <p:cNvPr id="17" name="Straight Arrow Connector 16"/>
+          <p:cNvCxnSpPr>
+            <a:stCxn id="5" idx="4"/>
+            <a:endCxn id="9" idx="2"/>
+          </p:cNvCxnSpPr>
+          <p:nvPr/>
+        </p:nvCxnSpPr>
+        <p:spPr>
+          <a:xfrm flipV="1">
+            <a:off x="2160383" y="1342392"/>
+            <a:ext cx="652333" cy="7814"/>
+          </a:xfrm>
+          <a:prstGeom prst="straightConnector1">
+            <a:avLst/>
+          </a:prstGeom>
+          <a:ln w="9525">
+            <a:solidFill>
+              <a:schemeClr val="tx1"/>
+            </a:solidFill>
+            <a:tailEnd type="arrow" w="sm" len="sm"/>
+          </a:ln>
+        </p:spPr>
+        <p:style>
+          <a:lnRef idx="1">
+            <a:schemeClr val="accent1"/>
+          </a:lnRef>
+          <a:fillRef idx="0">
+            <a:schemeClr val="accent1"/>
+          </a:fillRef>
+          <a:effectRef idx="0">
+            <a:schemeClr val="accent1"/>
+          </a:effectRef>
+          <a:fontRef idx="minor">
+            <a:schemeClr val="tx1"/>
+          </a:fontRef>
+        </p:style>
+      </p:cxnSp>
+      <p:cxnSp>
+        <p:nvCxnSpPr>
+          <p:cNvPr id="18" name="Straight Arrow Connector 17"/>
+          <p:cNvCxnSpPr>
+            <a:stCxn id="4" idx="6"/>
+          </p:cNvCxnSpPr>
+          <p:nvPr/>
+        </p:nvCxnSpPr>
+        <p:spPr>
+          <a:xfrm>
+            <a:off x="1010093" y="1350206"/>
+            <a:ext cx="677822" cy="0"/>
+          </a:xfrm>
+          <a:prstGeom prst="straightConnector1">
+            <a:avLst/>
+          </a:prstGeom>
+          <a:ln w="9525">
+            <a:solidFill>
+              <a:schemeClr val="tx1"/>
+            </a:solidFill>
+            <a:tailEnd type="arrow" w="sm" len="sm"/>
+          </a:ln>
+        </p:spPr>
+        <p:style>
+          <a:lnRef idx="1">
+            <a:schemeClr val="accent1"/>
+          </a:lnRef>
+          <a:fillRef idx="0">
+            <a:schemeClr val="accent1"/>
+          </a:fillRef>
+          <a:effectRef idx="0">
+            <a:schemeClr val="accent1"/>
+          </a:effectRef>
+          <a:fontRef idx="minor">
+            <a:schemeClr val="tx1"/>
+          </a:fontRef>
+        </p:style>
+      </p:cxnSp>
+      <p:sp>
+        <p:nvSpPr>
+          <p:cNvPr id="19" name="Can 18"/>
           <p:cNvSpPr/>
           <p:nvPr/>
         </p:nvSpPr>
         <p:spPr>
           <a:xfrm>
-            <a:off x="3454105" y="525050"/>
-            <a:ext cx="371689" cy="392163"/>
+            <a:off x="1687914" y="2237388"/>
+            <a:ext cx="472468" cy="498493"/>
           </a:xfrm>
           <a:prstGeom prst="can">
             <a:avLst>
               <a:gd name="adj" fmla="val 42241"/>
             </a:avLst>
           </a:prstGeom>
-          <a:ln w="12700">
+          <a:solidFill>
+            <a:schemeClr val="bg2">
+              <a:lumMod val="90000"/>
+            </a:schemeClr>
+          </a:solidFill>
+          <a:ln w="6350">
             <a:solidFill>
               <a:schemeClr val="tx1"/>
             </a:solidFill>
-            <a:prstDash val="sysDot"/>
+            <a:prstDash val="dash"/>
           </a:ln>
         </p:spPr>
         <p:style>
@@ -8152,14 +8415,14 @@
           <a:p>
             <a:pPr algn="ctr"/>
             <a:r>
-              <a:rPr lang="en-US" sz="1000" dirty="0" smtClean="0">
+              <a:rPr lang="en-US" sz="900" dirty="0" smtClean="0">
                 <a:solidFill>
                   <a:schemeClr val="tx1"/>
                 </a:solidFill>
               </a:rPr>
               <a:t>IS2</a:t>
             </a:r>
-            <a:endParaRPr lang="en-US" sz="1000" dirty="0">
+            <a:endParaRPr lang="en-US" sz="900" dirty="0">
               <a:solidFill>
                 <a:schemeClr val="tx1"/>
               </a:solidFill>
@@ -8169,25 +8432,387 @@
       </p:sp>
       <p:sp>
         <p:nvSpPr>
-          <p:cNvPr id="9" name="Oval 8"/>
+          <p:cNvPr id="62" name="Can 61"/>
           <p:cNvSpPr/>
           <p:nvPr/>
         </p:nvSpPr>
         <p:spPr>
           <a:xfrm>
-            <a:off x="4255353" y="525050"/>
-            <a:ext cx="392163" cy="392163"/>
+            <a:off x="685973" y="1116589"/>
+            <a:ext cx="149746" cy="157994"/>
+          </a:xfrm>
+          <a:prstGeom prst="can">
+            <a:avLst>
+              <a:gd name="adj" fmla="val 44344"/>
+            </a:avLst>
+          </a:prstGeom>
+          <a:solidFill>
+            <a:schemeClr val="accent2">
+              <a:lumMod val="40000"/>
+              <a:lumOff val="60000"/>
+            </a:schemeClr>
+          </a:solidFill>
+          <a:ln w="6350">
+            <a:solidFill>
+              <a:schemeClr val="tx1"/>
+            </a:solidFill>
+            <a:prstDash val="solid"/>
+          </a:ln>
+        </p:spPr>
+        <p:style>
+          <a:lnRef idx="2">
+            <a:schemeClr val="accent3">
+              <a:shade val="50000"/>
+            </a:schemeClr>
+          </a:lnRef>
+          <a:fillRef idx="1">
+            <a:schemeClr val="accent3"/>
+          </a:fillRef>
+          <a:effectRef idx="0">
+            <a:schemeClr val="accent3"/>
+          </a:effectRef>
+          <a:fontRef idx="minor">
+            <a:schemeClr val="lt1"/>
+          </a:fontRef>
+        </p:style>
+        <p:txBody>
+          <a:bodyPr lIns="0" tIns="0" rIns="0" bIns="0" rtlCol="0" anchor="ctr"/>
+          <a:lstStyle/>
+          <a:p>
+            <a:pPr algn="ctr"/>
+            <a:endParaRPr lang="en-US" sz="900" dirty="0">
+              <a:solidFill>
+                <a:schemeClr val="tx1"/>
+              </a:solidFill>
+            </a:endParaRPr>
+          </a:p>
+        </p:txBody>
+      </p:sp>
+      <p:sp>
+        <p:nvSpPr>
+          <p:cNvPr id="64" name="Can 63"/>
+          <p:cNvSpPr/>
+          <p:nvPr/>
+        </p:nvSpPr>
+        <p:spPr>
+          <a:xfrm>
+            <a:off x="2987089" y="1108775"/>
+            <a:ext cx="149746" cy="157994"/>
+          </a:xfrm>
+          <a:prstGeom prst="can">
+            <a:avLst>
+              <a:gd name="adj" fmla="val 44344"/>
+            </a:avLst>
+          </a:prstGeom>
+          <a:solidFill>
+            <a:schemeClr val="accent2">
+              <a:lumMod val="40000"/>
+              <a:lumOff val="60000"/>
+            </a:schemeClr>
+          </a:solidFill>
+          <a:ln w="6350">
+            <a:solidFill>
+              <a:schemeClr val="tx1"/>
+            </a:solidFill>
+            <a:prstDash val="solid"/>
+          </a:ln>
+        </p:spPr>
+        <p:style>
+          <a:lnRef idx="2">
+            <a:schemeClr val="accent3">
+              <a:shade val="50000"/>
+            </a:schemeClr>
+          </a:lnRef>
+          <a:fillRef idx="1">
+            <a:schemeClr val="accent3"/>
+          </a:fillRef>
+          <a:effectRef idx="0">
+            <a:schemeClr val="accent3"/>
+          </a:effectRef>
+          <a:fontRef idx="minor">
+            <a:schemeClr val="lt1"/>
+          </a:fontRef>
+        </p:style>
+        <p:txBody>
+          <a:bodyPr lIns="0" tIns="0" rIns="0" bIns="0" rtlCol="0" anchor="ctr"/>
+          <a:lstStyle/>
+          <a:p>
+            <a:pPr algn="ctr"/>
+            <a:endParaRPr lang="en-US" sz="900" dirty="0">
+              <a:solidFill>
+                <a:schemeClr val="tx1"/>
+              </a:solidFill>
+            </a:endParaRPr>
+          </a:p>
+        </p:txBody>
+      </p:sp>
+      <p:sp>
+        <p:nvSpPr>
+          <p:cNvPr id="66" name="Can 65"/>
+          <p:cNvSpPr/>
+          <p:nvPr/>
+        </p:nvSpPr>
+        <p:spPr>
+          <a:xfrm>
+            <a:off x="691171" y="2250565"/>
+            <a:ext cx="149746" cy="157994"/>
+          </a:xfrm>
+          <a:prstGeom prst="can">
+            <a:avLst>
+              <a:gd name="adj" fmla="val 44344"/>
+            </a:avLst>
+          </a:prstGeom>
+          <a:solidFill>
+            <a:schemeClr val="accent2">
+              <a:lumMod val="40000"/>
+              <a:lumOff val="60000"/>
+            </a:schemeClr>
+          </a:solidFill>
+          <a:ln w="6350">
+            <a:solidFill>
+              <a:schemeClr val="tx1"/>
+            </a:solidFill>
+            <a:prstDash val="solid"/>
+          </a:ln>
+        </p:spPr>
+        <p:style>
+          <a:lnRef idx="2">
+            <a:schemeClr val="accent3">
+              <a:shade val="50000"/>
+            </a:schemeClr>
+          </a:lnRef>
+          <a:fillRef idx="1">
+            <a:schemeClr val="accent3"/>
+          </a:fillRef>
+          <a:effectRef idx="0">
+            <a:schemeClr val="accent3"/>
+          </a:effectRef>
+          <a:fontRef idx="minor">
+            <a:schemeClr val="lt1"/>
+          </a:fontRef>
+        </p:style>
+        <p:txBody>
+          <a:bodyPr lIns="0" tIns="0" rIns="0" bIns="0" rtlCol="0" anchor="ctr"/>
+          <a:lstStyle/>
+          <a:p>
+            <a:pPr algn="ctr"/>
+            <a:endParaRPr lang="en-US" sz="900" dirty="0">
+              <a:solidFill>
+                <a:schemeClr val="tx1"/>
+              </a:solidFill>
+            </a:endParaRPr>
+          </a:p>
+        </p:txBody>
+      </p:sp>
+      <p:sp>
+        <p:nvSpPr>
+          <p:cNvPr id="67" name="Can 66"/>
+          <p:cNvSpPr/>
+          <p:nvPr/>
+        </p:nvSpPr>
+        <p:spPr>
+          <a:xfrm>
+            <a:off x="2977023" y="2256257"/>
+            <a:ext cx="149746" cy="157994"/>
+          </a:xfrm>
+          <a:prstGeom prst="can">
+            <a:avLst>
+              <a:gd name="adj" fmla="val 44344"/>
+            </a:avLst>
+          </a:prstGeom>
+          <a:solidFill>
+            <a:schemeClr val="accent2">
+              <a:lumMod val="40000"/>
+              <a:lumOff val="60000"/>
+            </a:schemeClr>
+          </a:solidFill>
+          <a:ln w="6350">
+            <a:solidFill>
+              <a:schemeClr val="tx1"/>
+            </a:solidFill>
+            <a:prstDash val="solid"/>
+          </a:ln>
+        </p:spPr>
+        <p:style>
+          <a:lnRef idx="2">
+            <a:schemeClr val="accent3">
+              <a:shade val="50000"/>
+            </a:schemeClr>
+          </a:lnRef>
+          <a:fillRef idx="1">
+            <a:schemeClr val="accent3"/>
+          </a:fillRef>
+          <a:effectRef idx="0">
+            <a:schemeClr val="accent3"/>
+          </a:effectRef>
+          <a:fontRef idx="minor">
+            <a:schemeClr val="lt1"/>
+          </a:fontRef>
+        </p:style>
+        <p:txBody>
+          <a:bodyPr lIns="0" tIns="0" rIns="0" bIns="0" rtlCol="0" anchor="ctr"/>
+          <a:lstStyle/>
+          <a:p>
+            <a:pPr algn="ctr"/>
+            <a:endParaRPr lang="en-US" sz="900" dirty="0">
+              <a:solidFill>
+                <a:schemeClr val="tx1"/>
+              </a:solidFill>
+            </a:endParaRPr>
+          </a:p>
+        </p:txBody>
+      </p:sp>
+      <p:sp>
+        <p:nvSpPr>
+          <p:cNvPr id="44" name="TextBox 43"/>
+          <p:cNvSpPr txBox="1"/>
+          <p:nvPr/>
+        </p:nvSpPr>
+        <p:spPr>
+          <a:xfrm>
+            <a:off x="259747" y="1754857"/>
+            <a:ext cx="1002197" cy="230832"/>
+          </a:xfrm>
+          <a:prstGeom prst="rect">
+            <a:avLst/>
+          </a:prstGeom>
+          <a:noFill/>
+        </p:spPr>
+        <p:txBody>
+          <a:bodyPr wrap="none" rtlCol="0">
+            <a:spAutoFit/>
+          </a:bodyPr>
+          <a:lstStyle/>
+          <a:p>
+            <a:r>
+              <a:rPr lang="en-US" sz="900" i="1" dirty="0" smtClean="0">
+                <a:latin typeface="+mj-lt"/>
+              </a:rPr>
+              <a:t>Stateful Operator</a:t>
+            </a:r>
+            <a:endParaRPr lang="en-US" sz="900" i="1" dirty="0">
+              <a:latin typeface="+mj-lt"/>
+            </a:endParaRPr>
+          </a:p>
+        </p:txBody>
+      </p:sp>
+      <p:cxnSp>
+        <p:nvCxnSpPr>
+          <p:cNvPr id="69" name="Straight Arrow Connector 68"/>
+          <p:cNvCxnSpPr>
+            <a:stCxn id="44" idx="2"/>
+            <a:endCxn id="6" idx="0"/>
+          </p:cNvCxnSpPr>
+          <p:nvPr/>
+        </p:nvCxnSpPr>
+        <p:spPr>
+          <a:xfrm>
+            <a:off x="760846" y="1985689"/>
+            <a:ext cx="1" cy="249246"/>
+          </a:xfrm>
+          <a:prstGeom prst="straightConnector1">
+            <a:avLst/>
+          </a:prstGeom>
+          <a:ln w="9525">
+            <a:solidFill>
+              <a:schemeClr val="tx1"/>
+            </a:solidFill>
+            <a:prstDash val="dashDot"/>
+            <a:tailEnd type="arrow" w="sm" len="sm"/>
+          </a:ln>
+        </p:spPr>
+        <p:style>
+          <a:lnRef idx="1">
+            <a:schemeClr val="accent1"/>
+          </a:lnRef>
+          <a:fillRef idx="0">
+            <a:schemeClr val="accent1"/>
+          </a:fillRef>
+          <a:effectRef idx="0">
+            <a:schemeClr val="accent1"/>
+          </a:effectRef>
+          <a:fontRef idx="minor">
+            <a:schemeClr val="tx1"/>
+          </a:fontRef>
+        </p:style>
+      </p:cxnSp>
+      <p:sp>
+        <p:nvSpPr>
+          <p:cNvPr id="77" name="TextBox 76"/>
+          <p:cNvSpPr txBox="1"/>
+          <p:nvPr/>
+        </p:nvSpPr>
+        <p:spPr>
+          <a:xfrm>
+            <a:off x="3528406" y="1742734"/>
+            <a:ext cx="1385316" cy="507831"/>
+          </a:xfrm>
+          <a:prstGeom prst="rect">
+            <a:avLst/>
+          </a:prstGeom>
+          <a:noFill/>
+        </p:spPr>
+        <p:txBody>
+          <a:bodyPr wrap="none" rtlCol="0">
+            <a:spAutoFit/>
+          </a:bodyPr>
+          <a:lstStyle/>
+          <a:p>
+            <a:r>
+              <a:rPr lang="en-US" sz="900" i="1" dirty="0" smtClean="0">
+                <a:latin typeface="+mj-lt"/>
+              </a:rPr>
+              <a:t>Materialized Intermediate</a:t>
+            </a:r>
+            <a:br>
+              <a:rPr lang="en-US" sz="900" i="1" dirty="0" smtClean="0">
+                <a:latin typeface="+mj-lt"/>
+              </a:rPr>
+            </a:br>
+            <a:r>
+              <a:rPr lang="en-US" sz="900" i="1" dirty="0" smtClean="0">
+                <a:latin typeface="+mj-lt"/>
+              </a:rPr>
+              <a:t>Data Stream</a:t>
+            </a:r>
+            <a:br>
+              <a:rPr lang="en-US" sz="900" i="1" dirty="0" smtClean="0">
+                <a:latin typeface="+mj-lt"/>
+              </a:rPr>
+            </a:br>
+            <a:r>
+              <a:rPr lang="en-US" sz="900" i="1" dirty="0" smtClean="0">
+                <a:latin typeface="+mj-lt"/>
+              </a:rPr>
+              <a:t>(blocking data exchange)</a:t>
+            </a:r>
+            <a:endParaRPr lang="en-US" sz="900" i="1" dirty="0">
+              <a:latin typeface="+mj-lt"/>
+            </a:endParaRPr>
+          </a:p>
+        </p:txBody>
+      </p:sp>
+      <p:sp>
+        <p:nvSpPr>
+          <p:cNvPr id="102" name="Oval 101"/>
+          <p:cNvSpPr/>
+          <p:nvPr/>
+        </p:nvSpPr>
+        <p:spPr>
+          <a:xfrm>
+            <a:off x="5044949" y="1093144"/>
+            <a:ext cx="498493" cy="498493"/>
           </a:xfrm>
           <a:prstGeom prst="ellipse">
             <a:avLst/>
           </a:prstGeom>
           <a:solidFill>
-            <a:schemeClr val="accent1">
+            <a:schemeClr val="accent6">
               <a:lumMod val="60000"/>
               <a:lumOff val="40000"/>
             </a:schemeClr>
           </a:solidFill>
-          <a:ln>
+          <a:ln w="6350">
             <a:solidFill>
               <a:schemeClr val="tx1"/>
             </a:solidFill>
@@ -8215,91 +8840,35 @@
           <a:p>
             <a:pPr algn="ctr"/>
             <a:r>
-              <a:rPr lang="en-US" sz="1000" dirty="0" smtClean="0">
+              <a:rPr lang="en-US" sz="900" dirty="0" smtClean="0">
                 <a:solidFill>
                   <a:schemeClr val="tx1"/>
                 </a:solidFill>
               </a:rPr>
-              <a:t>OP4</a:t>
-            </a:r>
-            <a:endParaRPr lang="en-US" sz="1000" dirty="0"/>
-          </a:p>
-        </p:txBody>
-      </p:sp>
-      <p:sp>
-        <p:nvSpPr>
-          <p:cNvPr id="10" name="Oval 9"/>
-          <p:cNvSpPr/>
-          <p:nvPr/>
-        </p:nvSpPr>
-        <p:spPr>
-          <a:xfrm>
-            <a:off x="4255353" y="1423293"/>
-            <a:ext cx="392163" cy="392163"/>
-          </a:xfrm>
-          <a:prstGeom prst="ellipse">
-            <a:avLst/>
-          </a:prstGeom>
-          <a:solidFill>
-            <a:schemeClr val="accent1">
-              <a:lumMod val="60000"/>
-              <a:lumOff val="40000"/>
-            </a:schemeClr>
-          </a:solidFill>
-          <a:ln>
-            <a:solidFill>
-              <a:schemeClr val="tx1"/>
-            </a:solidFill>
-          </a:ln>
-        </p:spPr>
-        <p:style>
-          <a:lnRef idx="2">
-            <a:schemeClr val="accent1">
-              <a:shade val="50000"/>
-            </a:schemeClr>
-          </a:lnRef>
-          <a:fillRef idx="1">
-            <a:schemeClr val="accent1"/>
-          </a:fillRef>
-          <a:effectRef idx="0">
-            <a:schemeClr val="accent1"/>
-          </a:effectRef>
-          <a:fontRef idx="minor">
-            <a:schemeClr val="lt1"/>
-          </a:fontRef>
-        </p:style>
-        <p:txBody>
-          <a:bodyPr lIns="0" tIns="0" rIns="0" bIns="0" rtlCol="0" anchor="ctr"/>
-          <a:lstStyle/>
-          <a:p>
-            <a:pPr algn="ctr"/>
-            <a:r>
-              <a:rPr lang="en-US" sz="1000" dirty="0" smtClean="0">
-                <a:solidFill>
-                  <a:schemeClr val="tx1"/>
-                </a:solidFill>
-              </a:rPr>
-              <a:t>OP5</a:t>
-            </a:r>
-            <a:endParaRPr lang="en-US" sz="1000" dirty="0"/>
+              <a:t>SNK1</a:t>
+            </a:r>
+            <a:endParaRPr lang="en-US" sz="900" dirty="0"/>
           </a:p>
         </p:txBody>
       </p:sp>
       <p:cxnSp>
         <p:nvCxnSpPr>
-          <p:cNvPr id="11" name="Straight Arrow Connector 10"/>
-          <p:cNvCxnSpPr/>
+          <p:cNvPr id="103" name="Straight Arrow Connector 102"/>
+          <p:cNvCxnSpPr>
+            <a:stCxn id="9" idx="6"/>
+            <a:endCxn id="115" idx="2"/>
+          </p:cNvCxnSpPr>
           <p:nvPr/>
         </p:nvCxnSpPr>
         <p:spPr>
           <a:xfrm flipV="1">
-            <a:off x="3825794" y="859782"/>
-            <a:ext cx="486990" cy="759593"/>
+            <a:off x="3311209" y="1342391"/>
+            <a:ext cx="673621" cy="1"/>
           </a:xfrm>
           <a:prstGeom prst="straightConnector1">
             <a:avLst/>
           </a:prstGeom>
-          <a:ln w="12700">
+          <a:ln w="9525">
             <a:solidFill>
               <a:schemeClr val="tx1"/>
             </a:solidFill>
@@ -8321,279 +8890,90 @@
           </a:fontRef>
         </p:style>
       </p:cxnSp>
-      <p:cxnSp>
-        <p:nvCxnSpPr>
-          <p:cNvPr id="12" name="Straight Arrow Connector 11"/>
-          <p:cNvCxnSpPr/>
-          <p:nvPr/>
-        </p:nvCxnSpPr>
-        <p:spPr>
-          <a:xfrm>
-            <a:off x="3825794" y="1619375"/>
-            <a:ext cx="429559" cy="0"/>
-          </a:xfrm>
-          <a:prstGeom prst="straightConnector1">
-            <a:avLst/>
-          </a:prstGeom>
-          <a:ln w="12700">
+      <p:sp>
+        <p:nvSpPr>
+          <p:cNvPr id="107" name="Can 106"/>
+          <p:cNvSpPr/>
+          <p:nvPr/>
+        </p:nvSpPr>
+        <p:spPr>
+          <a:xfrm>
+            <a:off x="5219322" y="1123657"/>
+            <a:ext cx="149746" cy="157994"/>
+          </a:xfrm>
+          <a:prstGeom prst="can">
+            <a:avLst>
+              <a:gd name="adj" fmla="val 44344"/>
+            </a:avLst>
+          </a:prstGeom>
+          <a:solidFill>
+            <a:schemeClr val="accent2">
+              <a:lumMod val="40000"/>
+              <a:lumOff val="60000"/>
+            </a:schemeClr>
+          </a:solidFill>
+          <a:ln w="6350">
             <a:solidFill>
               <a:schemeClr val="tx1"/>
             </a:solidFill>
-            <a:tailEnd type="arrow" w="sm" len="sm"/>
-          </a:ln>
-        </p:spPr>
-        <p:style>
-          <a:lnRef idx="1">
-            <a:schemeClr val="accent1"/>
-          </a:lnRef>
-          <a:fillRef idx="0">
-            <a:schemeClr val="accent1"/>
+            <a:prstDash val="solid"/>
+          </a:ln>
+        </p:spPr>
+        <p:style>
+          <a:lnRef idx="2">
+            <a:schemeClr val="accent3">
+              <a:shade val="50000"/>
+            </a:schemeClr>
+          </a:lnRef>
+          <a:fillRef idx="1">
+            <a:schemeClr val="accent3"/>
           </a:fillRef>
           <a:effectRef idx="0">
-            <a:schemeClr val="accent1"/>
-          </a:effectRef>
-          <a:fontRef idx="minor">
-            <a:schemeClr val="tx1"/>
-          </a:fontRef>
-        </p:style>
-      </p:cxnSp>
-      <p:cxnSp>
-        <p:nvCxnSpPr>
-          <p:cNvPr id="13" name="Straight Arrow Connector 12"/>
-          <p:cNvCxnSpPr/>
-          <p:nvPr/>
-        </p:nvCxnSpPr>
-        <p:spPr>
-          <a:xfrm>
-            <a:off x="3825794" y="721132"/>
-            <a:ext cx="429559" cy="0"/>
-          </a:xfrm>
-          <a:prstGeom prst="straightConnector1">
-            <a:avLst/>
-          </a:prstGeom>
-          <a:ln w="12700">
-            <a:solidFill>
-              <a:schemeClr val="tx1"/>
-            </a:solidFill>
-            <a:tailEnd type="arrow" w="sm" len="sm"/>
-          </a:ln>
-        </p:spPr>
-        <p:style>
-          <a:lnRef idx="1">
-            <a:schemeClr val="accent1"/>
-          </a:lnRef>
-          <a:fillRef idx="0">
-            <a:schemeClr val="accent1"/>
-          </a:fillRef>
-          <a:effectRef idx="0">
-            <a:schemeClr val="accent1"/>
-          </a:effectRef>
-          <a:fontRef idx="minor">
-            <a:schemeClr val="tx1"/>
-          </a:fontRef>
-        </p:style>
-      </p:cxnSp>
-      <p:cxnSp>
-        <p:nvCxnSpPr>
-          <p:cNvPr id="14" name="Straight Arrow Connector 13"/>
-          <p:cNvCxnSpPr/>
-          <p:nvPr/>
-        </p:nvCxnSpPr>
-        <p:spPr>
-          <a:xfrm flipV="1">
-            <a:off x="3015533" y="859782"/>
-            <a:ext cx="475529" cy="759594"/>
-          </a:xfrm>
-          <a:prstGeom prst="straightConnector1">
-            <a:avLst/>
-          </a:prstGeom>
-          <a:ln w="12700">
-            <a:solidFill>
-              <a:schemeClr val="tx1"/>
-            </a:solidFill>
-            <a:tailEnd type="arrow" w="sm" len="sm"/>
-          </a:ln>
-        </p:spPr>
-        <p:style>
-          <a:lnRef idx="1">
-            <a:schemeClr val="accent1"/>
-          </a:lnRef>
-          <a:fillRef idx="0">
-            <a:schemeClr val="accent1"/>
-          </a:fillRef>
-          <a:effectRef idx="0">
-            <a:schemeClr val="accent1"/>
-          </a:effectRef>
-          <a:fontRef idx="minor">
-            <a:schemeClr val="tx1"/>
-          </a:fontRef>
-        </p:style>
-      </p:cxnSp>
-      <p:cxnSp>
-        <p:nvCxnSpPr>
-          <p:cNvPr id="15" name="Straight Arrow Connector 14"/>
-          <p:cNvCxnSpPr/>
-          <p:nvPr/>
-        </p:nvCxnSpPr>
-        <p:spPr>
-          <a:xfrm>
-            <a:off x="3015533" y="1619375"/>
-            <a:ext cx="438572" cy="0"/>
-          </a:xfrm>
-          <a:prstGeom prst="straightConnector1">
-            <a:avLst/>
-          </a:prstGeom>
-          <a:ln w="12700">
-            <a:solidFill>
-              <a:schemeClr val="tx1"/>
-            </a:solidFill>
-            <a:tailEnd type="arrow" w="sm" len="sm"/>
-          </a:ln>
-        </p:spPr>
-        <p:style>
-          <a:lnRef idx="1">
-            <a:schemeClr val="accent1"/>
-          </a:lnRef>
-          <a:fillRef idx="0">
-            <a:schemeClr val="accent1"/>
-          </a:fillRef>
-          <a:effectRef idx="0">
-            <a:schemeClr val="accent1"/>
-          </a:effectRef>
-          <a:fontRef idx="minor">
-            <a:schemeClr val="tx1"/>
-          </a:fontRef>
-        </p:style>
-      </p:cxnSp>
-      <p:cxnSp>
-        <p:nvCxnSpPr>
-          <p:cNvPr id="16" name="Straight Arrow Connector 15"/>
-          <p:cNvCxnSpPr/>
-          <p:nvPr/>
-        </p:nvCxnSpPr>
-        <p:spPr>
-          <a:xfrm>
-            <a:off x="3015533" y="721132"/>
-            <a:ext cx="438572" cy="0"/>
-          </a:xfrm>
-          <a:prstGeom prst="straightConnector1">
-            <a:avLst/>
-          </a:prstGeom>
-          <a:ln w="12700">
-            <a:solidFill>
-              <a:schemeClr val="tx1"/>
-            </a:solidFill>
-            <a:tailEnd type="arrow" w="sm" len="sm"/>
-          </a:ln>
-        </p:spPr>
-        <p:style>
-          <a:lnRef idx="1">
-            <a:schemeClr val="accent1"/>
-          </a:lnRef>
-          <a:fillRef idx="0">
-            <a:schemeClr val="accent1"/>
-          </a:fillRef>
-          <a:effectRef idx="0">
-            <a:schemeClr val="accent1"/>
-          </a:effectRef>
-          <a:fontRef idx="minor">
-            <a:schemeClr val="tx1"/>
-          </a:fontRef>
-        </p:style>
-      </p:cxnSp>
-      <p:cxnSp>
-        <p:nvCxnSpPr>
-          <p:cNvPr id="17" name="Straight Arrow Connector 16"/>
-          <p:cNvCxnSpPr/>
-          <p:nvPr/>
-        </p:nvCxnSpPr>
-        <p:spPr>
-          <a:xfrm>
-            <a:off x="2227694" y="721132"/>
-            <a:ext cx="395676" cy="0"/>
-          </a:xfrm>
-          <a:prstGeom prst="straightConnector1">
-            <a:avLst/>
-          </a:prstGeom>
-          <a:ln w="12700">
-            <a:solidFill>
-              <a:schemeClr val="tx1"/>
-            </a:solidFill>
-            <a:tailEnd type="arrow" w="sm" len="sm"/>
-          </a:ln>
-        </p:spPr>
-        <p:style>
-          <a:lnRef idx="1">
-            <a:schemeClr val="accent1"/>
-          </a:lnRef>
-          <a:fillRef idx="0">
-            <a:schemeClr val="accent1"/>
-          </a:fillRef>
-          <a:effectRef idx="0">
-            <a:schemeClr val="accent1"/>
-          </a:effectRef>
-          <a:fontRef idx="minor">
-            <a:schemeClr val="tx1"/>
-          </a:fontRef>
-        </p:style>
-      </p:cxnSp>
-      <p:cxnSp>
-        <p:nvCxnSpPr>
-          <p:cNvPr id="18" name="Straight Arrow Connector 17"/>
-          <p:cNvCxnSpPr/>
-          <p:nvPr/>
-        </p:nvCxnSpPr>
-        <p:spPr>
-          <a:xfrm>
-            <a:off x="1513363" y="721132"/>
-            <a:ext cx="342642" cy="0"/>
-          </a:xfrm>
-          <a:prstGeom prst="straightConnector1">
-            <a:avLst/>
-          </a:prstGeom>
-          <a:ln w="12700">
-            <a:solidFill>
-              <a:schemeClr val="tx1"/>
-            </a:solidFill>
-            <a:tailEnd type="arrow" w="sm" len="sm"/>
-          </a:ln>
-        </p:spPr>
-        <p:style>
-          <a:lnRef idx="1">
-            <a:schemeClr val="accent1"/>
-          </a:lnRef>
-          <a:fillRef idx="0">
-            <a:schemeClr val="accent1"/>
-          </a:fillRef>
-          <a:effectRef idx="0">
-            <a:schemeClr val="accent1"/>
-          </a:effectRef>
-          <a:fontRef idx="minor">
-            <a:schemeClr val="tx1"/>
-          </a:fontRef>
-        </p:style>
-      </p:cxnSp>
-      <p:sp>
-        <p:nvSpPr>
-          <p:cNvPr id="19" name="Can 18"/>
+            <a:schemeClr val="accent3"/>
+          </a:effectRef>
+          <a:fontRef idx="minor">
+            <a:schemeClr val="lt1"/>
+          </a:fontRef>
+        </p:style>
+        <p:txBody>
+          <a:bodyPr lIns="0" tIns="0" rIns="0" bIns="0" rtlCol="0" anchor="ctr"/>
+          <a:lstStyle/>
+          <a:p>
+            <a:pPr algn="ctr"/>
+            <a:endParaRPr lang="en-US" sz="900" dirty="0">
+              <a:solidFill>
+                <a:schemeClr val="tx1"/>
+              </a:solidFill>
+            </a:endParaRPr>
+          </a:p>
+        </p:txBody>
+      </p:sp>
+      <p:sp>
+        <p:nvSpPr>
+          <p:cNvPr id="115" name="Can 114"/>
           <p:cNvSpPr/>
           <p:nvPr/>
         </p:nvSpPr>
         <p:spPr>
           <a:xfrm>
-            <a:off x="3454105" y="1423293"/>
-            <a:ext cx="371689" cy="392163"/>
+            <a:off x="3984830" y="1093144"/>
+            <a:ext cx="472468" cy="498493"/>
           </a:xfrm>
           <a:prstGeom prst="can">
             <a:avLst>
               <a:gd name="adj" fmla="val 42241"/>
             </a:avLst>
           </a:prstGeom>
-          <a:ln w="12700">
+          <a:solidFill>
+            <a:schemeClr val="bg2">
+              <a:lumMod val="90000"/>
+            </a:schemeClr>
+          </a:solidFill>
+          <a:ln w="6350">
             <a:solidFill>
               <a:schemeClr val="tx1"/>
             </a:solidFill>
-            <a:prstDash val="sysDot"/>
+            <a:prstDash val="solid"/>
           </a:ln>
         </p:spPr>
         <p:style>
@@ -8618,58 +8998,833 @@
           <a:p>
             <a:pPr algn="ctr"/>
             <a:r>
-              <a:rPr lang="en-US" sz="1000" dirty="0" smtClean="0">
+              <a:rPr lang="en-US" sz="900" dirty="0" smtClean="0">
                 <a:solidFill>
                   <a:schemeClr val="tx1"/>
                 </a:solidFill>
               </a:rPr>
               <a:t>IS3</a:t>
             </a:r>
-            <a:endParaRPr lang="en-US" sz="1000" dirty="0">
-              <a:solidFill>
-                <a:schemeClr val="tx1"/>
-              </a:solidFill>
+          </a:p>
+        </p:txBody>
+      </p:sp>
+      <p:cxnSp>
+        <p:nvCxnSpPr>
+          <p:cNvPr id="120" name="Straight Arrow Connector 119"/>
+          <p:cNvCxnSpPr>
+            <a:stCxn id="115" idx="4"/>
+            <a:endCxn id="102" idx="2"/>
+          </p:cNvCxnSpPr>
+          <p:nvPr/>
+        </p:nvCxnSpPr>
+        <p:spPr>
+          <a:xfrm>
+            <a:off x="4457298" y="1342391"/>
+            <a:ext cx="587651" cy="0"/>
+          </a:xfrm>
+          <a:prstGeom prst="straightConnector1">
+            <a:avLst/>
+          </a:prstGeom>
+          <a:ln w="9525">
+            <a:solidFill>
+              <a:schemeClr val="tx1"/>
+            </a:solidFill>
+            <a:tailEnd type="arrow" w="sm" len="sm"/>
+          </a:ln>
+        </p:spPr>
+        <p:style>
+          <a:lnRef idx="1">
+            <a:schemeClr val="accent1"/>
+          </a:lnRef>
+          <a:fillRef idx="0">
+            <a:schemeClr val="accent1"/>
+          </a:fillRef>
+          <a:effectRef idx="0">
+            <a:schemeClr val="accent1"/>
+          </a:effectRef>
+          <a:fontRef idx="minor">
+            <a:schemeClr val="tx1"/>
+          </a:fontRef>
+        </p:style>
+      </p:cxnSp>
+      <p:cxnSp>
+        <p:nvCxnSpPr>
+          <p:cNvPr id="137" name="Straight Arrow Connector 136"/>
+          <p:cNvCxnSpPr>
+            <a:stCxn id="77" idx="0"/>
+            <a:endCxn id="115" idx="3"/>
+          </p:cNvCxnSpPr>
+          <p:nvPr/>
+        </p:nvCxnSpPr>
+        <p:spPr>
+          <a:xfrm flipV="1">
+            <a:off x="4221064" y="1591637"/>
+            <a:ext cx="0" cy="151097"/>
+          </a:xfrm>
+          <a:prstGeom prst="straightConnector1">
+            <a:avLst/>
+          </a:prstGeom>
+          <a:ln w="9525">
+            <a:solidFill>
+              <a:schemeClr val="tx1"/>
+            </a:solidFill>
+            <a:prstDash val="sysDash"/>
+            <a:tailEnd type="arrow" w="sm" len="sm"/>
+          </a:ln>
+        </p:spPr>
+        <p:style>
+          <a:lnRef idx="1">
+            <a:schemeClr val="accent1"/>
+          </a:lnRef>
+          <a:fillRef idx="0">
+            <a:schemeClr val="accent1"/>
+          </a:fillRef>
+          <a:effectRef idx="0">
+            <a:schemeClr val="accent1"/>
+          </a:effectRef>
+          <a:fontRef idx="minor">
+            <a:schemeClr val="tx1"/>
+          </a:fontRef>
+        </p:style>
+      </p:cxnSp>
+      <p:cxnSp>
+        <p:nvCxnSpPr>
+          <p:cNvPr id="143" name="Straight Arrow Connector 142"/>
+          <p:cNvCxnSpPr>
+            <a:stCxn id="44" idx="0"/>
+            <a:endCxn id="4" idx="4"/>
+          </p:cNvCxnSpPr>
+          <p:nvPr/>
+        </p:nvCxnSpPr>
+        <p:spPr>
+          <a:xfrm flipV="1">
+            <a:off x="760846" y="1599452"/>
+            <a:ext cx="1" cy="155405"/>
+          </a:xfrm>
+          <a:prstGeom prst="straightConnector1">
+            <a:avLst/>
+          </a:prstGeom>
+          <a:ln w="9525">
+            <a:solidFill>
+              <a:schemeClr val="tx1"/>
+            </a:solidFill>
+            <a:prstDash val="dashDot"/>
+            <a:tailEnd type="arrow" w="sm" len="sm"/>
+          </a:ln>
+        </p:spPr>
+        <p:style>
+          <a:lnRef idx="1">
+            <a:schemeClr val="accent1"/>
+          </a:lnRef>
+          <a:fillRef idx="0">
+            <a:schemeClr val="accent1"/>
+          </a:fillRef>
+          <a:effectRef idx="0">
+            <a:schemeClr val="accent1"/>
+          </a:effectRef>
+          <a:fontRef idx="minor">
+            <a:schemeClr val="tx1"/>
+          </a:fontRef>
+        </p:style>
+      </p:cxnSp>
+      <p:sp>
+        <p:nvSpPr>
+          <p:cNvPr id="166" name="TextBox 165"/>
+          <p:cNvSpPr txBox="1"/>
+          <p:nvPr/>
+        </p:nvSpPr>
+        <p:spPr>
+          <a:xfrm>
+            <a:off x="402605" y="2831429"/>
+            <a:ext cx="1976823" cy="369332"/>
+          </a:xfrm>
+          <a:prstGeom prst="rect">
+            <a:avLst/>
+          </a:prstGeom>
+          <a:noFill/>
+        </p:spPr>
+        <p:txBody>
+          <a:bodyPr wrap="none" rtlCol="0">
+            <a:spAutoFit/>
+          </a:bodyPr>
+          <a:lstStyle/>
+          <a:p>
+            <a:r>
+              <a:rPr lang="en-US" sz="900" i="1" dirty="0" smtClean="0">
+                <a:latin typeface="+mj-lt"/>
+              </a:rPr>
+              <a:t>Transient Intermediate</a:t>
+            </a:r>
+            <a:br>
+              <a:rPr lang="en-US" sz="900" i="1" dirty="0" smtClean="0">
+                <a:latin typeface="+mj-lt"/>
+              </a:rPr>
+            </a:br>
+            <a:r>
+              <a:rPr lang="en-US" sz="900" i="1" dirty="0" smtClean="0">
+                <a:latin typeface="+mj-lt"/>
+              </a:rPr>
+              <a:t>Data Stream (pipelined data exchange)</a:t>
+            </a:r>
+            <a:endParaRPr lang="en-US" sz="900" i="1" dirty="0">
+              <a:latin typeface="+mj-lt"/>
             </a:endParaRPr>
           </a:p>
         </p:txBody>
       </p:sp>
-      <p:sp>
-        <p:nvSpPr>
-          <p:cNvPr id="21" name="Oval 20"/>
+      <p:grpSp>
+        <p:nvGrpSpPr>
+          <p:cNvPr id="196" name="Group 195"/>
+          <p:cNvGrpSpPr/>
+          <p:nvPr/>
+        </p:nvGrpSpPr>
+        <p:grpSpPr>
+          <a:xfrm>
+            <a:off x="1092466" y="1237408"/>
+            <a:ext cx="522998" cy="94050"/>
+            <a:chOff x="5001967" y="2707765"/>
+            <a:chExt cx="522998" cy="94050"/>
+          </a:xfrm>
+        </p:grpSpPr>
+        <p:sp>
+          <p:nvSpPr>
+            <p:cNvPr id="192" name="Triangle 191"/>
+            <p:cNvSpPr/>
+            <p:nvPr/>
+          </p:nvSpPr>
+          <p:spPr>
+            <a:xfrm>
+              <a:off x="5001967" y="2707765"/>
+              <a:ext cx="109099" cy="94050"/>
+            </a:xfrm>
+            <a:prstGeom prst="triangle">
+              <a:avLst/>
+            </a:prstGeom>
+            <a:solidFill>
+              <a:schemeClr val="bg2">
+                <a:lumMod val="50000"/>
+              </a:schemeClr>
+            </a:solidFill>
+            <a:ln>
+              <a:noFill/>
+            </a:ln>
+          </p:spPr>
+          <p:style>
+            <a:lnRef idx="2">
+              <a:schemeClr val="accent1">
+                <a:shade val="50000"/>
+              </a:schemeClr>
+            </a:lnRef>
+            <a:fillRef idx="1">
+              <a:schemeClr val="accent1"/>
+            </a:fillRef>
+            <a:effectRef idx="0">
+              <a:schemeClr val="accent1"/>
+            </a:effectRef>
+            <a:fontRef idx="minor">
+              <a:schemeClr val="lt1"/>
+            </a:fontRef>
+          </p:style>
+          <p:txBody>
+            <a:bodyPr rtlCol="0" anchor="ctr"/>
+            <a:lstStyle/>
+            <a:p>
+              <a:pPr algn="ctr"/>
+              <a:endParaRPr lang="en-US"/>
+            </a:p>
+          </p:txBody>
+        </p:sp>
+        <p:sp>
+          <p:nvSpPr>
+            <p:cNvPr id="193" name="Triangle 192"/>
+            <p:cNvSpPr/>
+            <p:nvPr/>
+          </p:nvSpPr>
+          <p:spPr>
+            <a:xfrm>
+              <a:off x="5139933" y="2707765"/>
+              <a:ext cx="109099" cy="94050"/>
+            </a:xfrm>
+            <a:prstGeom prst="triangle">
+              <a:avLst/>
+            </a:prstGeom>
+            <a:solidFill>
+              <a:srgbClr val="FF0000"/>
+            </a:solidFill>
+            <a:ln>
+              <a:noFill/>
+            </a:ln>
+          </p:spPr>
+          <p:style>
+            <a:lnRef idx="2">
+              <a:schemeClr val="accent1">
+                <a:shade val="50000"/>
+              </a:schemeClr>
+            </a:lnRef>
+            <a:fillRef idx="1">
+              <a:schemeClr val="accent1"/>
+            </a:fillRef>
+            <a:effectRef idx="0">
+              <a:schemeClr val="accent1"/>
+            </a:effectRef>
+            <a:fontRef idx="minor">
+              <a:schemeClr val="lt1"/>
+            </a:fontRef>
+          </p:style>
+          <p:txBody>
+            <a:bodyPr rtlCol="0" anchor="ctr"/>
+            <a:lstStyle/>
+            <a:p>
+              <a:pPr algn="ctr"/>
+              <a:endParaRPr lang="en-US"/>
+            </a:p>
+          </p:txBody>
+        </p:sp>
+        <p:sp>
+          <p:nvSpPr>
+            <p:cNvPr id="194" name="Triangle 193"/>
+            <p:cNvSpPr/>
+            <p:nvPr/>
+          </p:nvSpPr>
+          <p:spPr>
+            <a:xfrm>
+              <a:off x="5277899" y="2707765"/>
+              <a:ext cx="109099" cy="94050"/>
+            </a:xfrm>
+            <a:prstGeom prst="triangle">
+              <a:avLst/>
+            </a:prstGeom>
+            <a:solidFill>
+              <a:schemeClr val="bg2">
+                <a:lumMod val="50000"/>
+              </a:schemeClr>
+            </a:solidFill>
+            <a:ln>
+              <a:noFill/>
+            </a:ln>
+          </p:spPr>
+          <p:style>
+            <a:lnRef idx="2">
+              <a:schemeClr val="accent1">
+                <a:shade val="50000"/>
+              </a:schemeClr>
+            </a:lnRef>
+            <a:fillRef idx="1">
+              <a:schemeClr val="accent1"/>
+            </a:fillRef>
+            <a:effectRef idx="0">
+              <a:schemeClr val="accent1"/>
+            </a:effectRef>
+            <a:fontRef idx="minor">
+              <a:schemeClr val="lt1"/>
+            </a:fontRef>
+          </p:style>
+          <p:txBody>
+            <a:bodyPr rtlCol="0" anchor="ctr"/>
+            <a:lstStyle/>
+            <a:p>
+              <a:pPr algn="ctr"/>
+              <a:endParaRPr lang="en-US"/>
+            </a:p>
+          </p:txBody>
+        </p:sp>
+        <p:sp>
+          <p:nvSpPr>
+            <p:cNvPr id="195" name="Triangle 194"/>
+            <p:cNvSpPr/>
+            <p:nvPr/>
+          </p:nvSpPr>
+          <p:spPr>
+            <a:xfrm>
+              <a:off x="5415866" y="2707765"/>
+              <a:ext cx="109099" cy="94050"/>
+            </a:xfrm>
+            <a:prstGeom prst="triangle">
+              <a:avLst/>
+            </a:prstGeom>
+            <a:solidFill>
+              <a:schemeClr val="bg2">
+                <a:lumMod val="50000"/>
+              </a:schemeClr>
+            </a:solidFill>
+            <a:ln>
+              <a:noFill/>
+            </a:ln>
+          </p:spPr>
+          <p:style>
+            <a:lnRef idx="2">
+              <a:schemeClr val="accent1">
+                <a:shade val="50000"/>
+              </a:schemeClr>
+            </a:lnRef>
+            <a:fillRef idx="1">
+              <a:schemeClr val="accent1"/>
+            </a:fillRef>
+            <a:effectRef idx="0">
+              <a:schemeClr val="accent1"/>
+            </a:effectRef>
+            <a:fontRef idx="minor">
+              <a:schemeClr val="lt1"/>
+            </a:fontRef>
+          </p:style>
+          <p:txBody>
+            <a:bodyPr rtlCol="0" anchor="ctr"/>
+            <a:lstStyle/>
+            <a:p>
+              <a:pPr algn="ctr"/>
+              <a:endParaRPr lang="en-US"/>
+            </a:p>
+          </p:txBody>
+        </p:sp>
+      </p:grpSp>
+      <p:grpSp>
+        <p:nvGrpSpPr>
+          <p:cNvPr id="198" name="Group 197"/>
+          <p:cNvGrpSpPr/>
+          <p:nvPr/>
+        </p:nvGrpSpPr>
+        <p:grpSpPr>
+          <a:xfrm>
+            <a:off x="1058755" y="2361534"/>
+            <a:ext cx="522998" cy="94050"/>
+            <a:chOff x="5001967" y="2707765"/>
+            <a:chExt cx="522998" cy="94050"/>
+          </a:xfrm>
+        </p:grpSpPr>
+        <p:sp>
+          <p:nvSpPr>
+            <p:cNvPr id="199" name="Triangle 198"/>
+            <p:cNvSpPr/>
+            <p:nvPr/>
+          </p:nvSpPr>
+          <p:spPr>
+            <a:xfrm>
+              <a:off x="5001967" y="2707765"/>
+              <a:ext cx="109099" cy="94050"/>
+            </a:xfrm>
+            <a:prstGeom prst="triangle">
+              <a:avLst/>
+            </a:prstGeom>
+            <a:solidFill>
+              <a:schemeClr val="bg2">
+                <a:lumMod val="50000"/>
+              </a:schemeClr>
+            </a:solidFill>
+            <a:ln>
+              <a:noFill/>
+            </a:ln>
+          </p:spPr>
+          <p:style>
+            <a:lnRef idx="2">
+              <a:schemeClr val="accent1">
+                <a:shade val="50000"/>
+              </a:schemeClr>
+            </a:lnRef>
+            <a:fillRef idx="1">
+              <a:schemeClr val="accent1"/>
+            </a:fillRef>
+            <a:effectRef idx="0">
+              <a:schemeClr val="accent1"/>
+            </a:effectRef>
+            <a:fontRef idx="minor">
+              <a:schemeClr val="lt1"/>
+            </a:fontRef>
+          </p:style>
+          <p:txBody>
+            <a:bodyPr rtlCol="0" anchor="ctr"/>
+            <a:lstStyle/>
+            <a:p>
+              <a:pPr algn="ctr"/>
+              <a:endParaRPr lang="en-US"/>
+            </a:p>
+          </p:txBody>
+        </p:sp>
+        <p:sp>
+          <p:nvSpPr>
+            <p:cNvPr id="200" name="Triangle 199"/>
+            <p:cNvSpPr/>
+            <p:nvPr/>
+          </p:nvSpPr>
+          <p:spPr>
+            <a:xfrm>
+              <a:off x="5139933" y="2707765"/>
+              <a:ext cx="109099" cy="94050"/>
+            </a:xfrm>
+            <a:prstGeom prst="triangle">
+              <a:avLst/>
+            </a:prstGeom>
+            <a:solidFill>
+              <a:schemeClr val="tx1">
+                <a:lumMod val="50000"/>
+                <a:lumOff val="50000"/>
+              </a:schemeClr>
+            </a:solidFill>
+            <a:ln>
+              <a:noFill/>
+            </a:ln>
+          </p:spPr>
+          <p:style>
+            <a:lnRef idx="2">
+              <a:schemeClr val="accent1">
+                <a:shade val="50000"/>
+              </a:schemeClr>
+            </a:lnRef>
+            <a:fillRef idx="1">
+              <a:schemeClr val="accent1"/>
+            </a:fillRef>
+            <a:effectRef idx="0">
+              <a:schemeClr val="accent1"/>
+            </a:effectRef>
+            <a:fontRef idx="minor">
+              <a:schemeClr val="lt1"/>
+            </a:fontRef>
+          </p:style>
+          <p:txBody>
+            <a:bodyPr rtlCol="0" anchor="ctr"/>
+            <a:lstStyle/>
+            <a:p>
+              <a:pPr algn="ctr"/>
+              <a:endParaRPr lang="en-US"/>
+            </a:p>
+          </p:txBody>
+        </p:sp>
+        <p:sp>
+          <p:nvSpPr>
+            <p:cNvPr id="201" name="Triangle 200"/>
+            <p:cNvSpPr/>
+            <p:nvPr/>
+          </p:nvSpPr>
+          <p:spPr>
+            <a:xfrm>
+              <a:off x="5277899" y="2707765"/>
+              <a:ext cx="109099" cy="94050"/>
+            </a:xfrm>
+            <a:prstGeom prst="triangle">
+              <a:avLst/>
+            </a:prstGeom>
+            <a:solidFill>
+              <a:srgbClr val="FF0000"/>
+            </a:solidFill>
+            <a:ln>
+              <a:noFill/>
+            </a:ln>
+          </p:spPr>
+          <p:style>
+            <a:lnRef idx="2">
+              <a:schemeClr val="accent1">
+                <a:shade val="50000"/>
+              </a:schemeClr>
+            </a:lnRef>
+            <a:fillRef idx="1">
+              <a:schemeClr val="accent1"/>
+            </a:fillRef>
+            <a:effectRef idx="0">
+              <a:schemeClr val="accent1"/>
+            </a:effectRef>
+            <a:fontRef idx="minor">
+              <a:schemeClr val="lt1"/>
+            </a:fontRef>
+          </p:style>
+          <p:txBody>
+            <a:bodyPr rtlCol="0" anchor="ctr"/>
+            <a:lstStyle/>
+            <a:p>
+              <a:pPr algn="ctr"/>
+              <a:endParaRPr lang="en-US"/>
+            </a:p>
+          </p:txBody>
+        </p:sp>
+        <p:sp>
+          <p:nvSpPr>
+            <p:cNvPr id="202" name="Triangle 201"/>
+            <p:cNvSpPr/>
+            <p:nvPr/>
+          </p:nvSpPr>
+          <p:spPr>
+            <a:xfrm>
+              <a:off x="5415866" y="2707765"/>
+              <a:ext cx="109099" cy="94050"/>
+            </a:xfrm>
+            <a:prstGeom prst="triangle">
+              <a:avLst/>
+            </a:prstGeom>
+            <a:solidFill>
+              <a:schemeClr val="bg2">
+                <a:lumMod val="50000"/>
+              </a:schemeClr>
+            </a:solidFill>
+            <a:ln>
+              <a:noFill/>
+            </a:ln>
+          </p:spPr>
+          <p:style>
+            <a:lnRef idx="2">
+              <a:schemeClr val="accent1">
+                <a:shade val="50000"/>
+              </a:schemeClr>
+            </a:lnRef>
+            <a:fillRef idx="1">
+              <a:schemeClr val="accent1"/>
+            </a:fillRef>
+            <a:effectRef idx="0">
+              <a:schemeClr val="accent1"/>
+            </a:effectRef>
+            <a:fontRef idx="minor">
+              <a:schemeClr val="lt1"/>
+            </a:fontRef>
+          </p:style>
+          <p:txBody>
+            <a:bodyPr rtlCol="0" anchor="ctr"/>
+            <a:lstStyle/>
+            <a:p>
+              <a:pPr algn="ctr"/>
+              <a:endParaRPr lang="en-US"/>
+            </a:p>
+          </p:txBody>
+        </p:sp>
+      </p:grpSp>
+      <p:cxnSp>
+        <p:nvCxnSpPr>
+          <p:cNvPr id="203" name="Straight Arrow Connector 202"/>
+          <p:cNvCxnSpPr>
+            <a:stCxn id="166" idx="0"/>
+            <a:endCxn id="5" idx="3"/>
+          </p:cNvCxnSpPr>
+          <p:nvPr/>
+        </p:nvCxnSpPr>
+        <p:spPr>
+          <a:xfrm flipV="1">
+            <a:off x="1391017" y="1599452"/>
+            <a:ext cx="533132" cy="1231977"/>
+          </a:xfrm>
+          <a:prstGeom prst="straightConnector1">
+            <a:avLst/>
+          </a:prstGeom>
+          <a:ln w="9525">
+            <a:solidFill>
+              <a:schemeClr val="tx1"/>
+            </a:solidFill>
+            <a:prstDash val="sysDash"/>
+            <a:tailEnd type="arrow" w="sm" len="sm"/>
+          </a:ln>
+        </p:spPr>
+        <p:style>
+          <a:lnRef idx="1">
+            <a:schemeClr val="accent1"/>
+          </a:lnRef>
+          <a:fillRef idx="0">
+            <a:schemeClr val="accent1"/>
+          </a:fillRef>
+          <a:effectRef idx="0">
+            <a:schemeClr val="accent1"/>
+          </a:effectRef>
+          <a:fontRef idx="minor">
+            <a:schemeClr val="tx1"/>
+          </a:fontRef>
+        </p:style>
+      </p:cxnSp>
+      <p:sp>
+        <p:nvSpPr>
+          <p:cNvPr id="219" name="TextBox 218"/>
+          <p:cNvSpPr txBox="1"/>
+          <p:nvPr/>
+        </p:nvSpPr>
+        <p:spPr>
+          <a:xfrm>
+            <a:off x="4713749" y="2462288"/>
+            <a:ext cx="803425" cy="230832"/>
+          </a:xfrm>
+          <a:prstGeom prst="rect">
+            <a:avLst/>
+          </a:prstGeom>
+          <a:noFill/>
+        </p:spPr>
+        <p:txBody>
+          <a:bodyPr wrap="none" rtlCol="0">
+            <a:spAutoFit/>
+          </a:bodyPr>
+          <a:lstStyle/>
+          <a:p>
+            <a:r>
+              <a:rPr lang="en-US" sz="900" i="1" dirty="0" smtClean="0">
+                <a:latin typeface="+mj-lt"/>
+              </a:rPr>
+              <a:t>Control Event</a:t>
+            </a:r>
+            <a:endParaRPr lang="en-US" sz="900" i="1" dirty="0">
+              <a:latin typeface="+mj-lt"/>
+            </a:endParaRPr>
+          </a:p>
+        </p:txBody>
+      </p:sp>
+      <p:sp>
+        <p:nvSpPr>
+          <p:cNvPr id="221" name="Triangle 220"/>
           <p:cNvSpPr/>
           <p:nvPr/>
         </p:nvSpPr>
         <p:spPr>
           <a:xfrm>
-            <a:off x="5376677" y="461831"/>
-            <a:ext cx="392163" cy="392163"/>
-          </a:xfrm>
-          <a:prstGeom prst="ellipse">
+            <a:off x="4601048" y="2533732"/>
+            <a:ext cx="109099" cy="94050"/>
+          </a:xfrm>
+          <a:prstGeom prst="triangle">
             <a:avLst/>
           </a:prstGeom>
           <a:solidFill>
+            <a:srgbClr val="FF0000"/>
+          </a:solidFill>
+          <a:ln>
+            <a:noFill/>
+          </a:ln>
+        </p:spPr>
+        <p:style>
+          <a:lnRef idx="2">
             <a:schemeClr val="accent1">
-              <a:lumMod val="60000"/>
-              <a:lumOff val="40000"/>
+              <a:shade val="50000"/>
+            </a:schemeClr>
+          </a:lnRef>
+          <a:fillRef idx="1">
+            <a:schemeClr val="accent1"/>
+          </a:fillRef>
+          <a:effectRef idx="0">
+            <a:schemeClr val="accent1"/>
+          </a:effectRef>
+          <a:fontRef idx="minor">
+            <a:schemeClr val="lt1"/>
+          </a:fontRef>
+        </p:style>
+        <p:txBody>
+          <a:bodyPr rtlCol="0" anchor="ctr"/>
+          <a:lstStyle/>
+          <a:p>
+            <a:pPr algn="ctr"/>
+            <a:endParaRPr lang="en-US"/>
+          </a:p>
+        </p:txBody>
+      </p:sp>
+      <p:sp>
+        <p:nvSpPr>
+          <p:cNvPr id="222" name="Triangle 221"/>
+          <p:cNvSpPr/>
+          <p:nvPr/>
+        </p:nvSpPr>
+        <p:spPr>
+          <a:xfrm>
+            <a:off x="4604957" y="2693947"/>
+            <a:ext cx="109099" cy="94050"/>
+          </a:xfrm>
+          <a:prstGeom prst="triangle">
+            <a:avLst/>
+          </a:prstGeom>
+          <a:solidFill>
+            <a:schemeClr val="bg2">
+              <a:lumMod val="50000"/>
             </a:schemeClr>
           </a:solidFill>
           <a:ln>
+            <a:noFill/>
+          </a:ln>
+        </p:spPr>
+        <p:style>
+          <a:lnRef idx="2">
+            <a:schemeClr val="accent1">
+              <a:shade val="50000"/>
+            </a:schemeClr>
+          </a:lnRef>
+          <a:fillRef idx="1">
+            <a:schemeClr val="accent1"/>
+          </a:fillRef>
+          <a:effectRef idx="0">
+            <a:schemeClr val="accent1"/>
+          </a:effectRef>
+          <a:fontRef idx="minor">
+            <a:schemeClr val="lt1"/>
+          </a:fontRef>
+        </p:style>
+        <p:txBody>
+          <a:bodyPr rtlCol="0" anchor="ctr"/>
+          <a:lstStyle/>
+          <a:p>
+            <a:pPr algn="ctr"/>
+            <a:endParaRPr lang="en-US"/>
+          </a:p>
+        </p:txBody>
+      </p:sp>
+      <p:sp>
+        <p:nvSpPr>
+          <p:cNvPr id="223" name="TextBox 222"/>
+          <p:cNvSpPr txBox="1"/>
+          <p:nvPr/>
+        </p:nvSpPr>
+        <p:spPr>
+          <a:xfrm>
+            <a:off x="4713749" y="2621156"/>
+            <a:ext cx="752129" cy="230832"/>
+          </a:xfrm>
+          <a:prstGeom prst="rect">
+            <a:avLst/>
+          </a:prstGeom>
+          <a:noFill/>
+        </p:spPr>
+        <p:txBody>
+          <a:bodyPr wrap="none" rtlCol="0">
+            <a:spAutoFit/>
+          </a:bodyPr>
+          <a:lstStyle/>
+          <a:p>
+            <a:r>
+              <a:rPr lang="en-US" sz="900" i="1" dirty="0" smtClean="0">
+                <a:latin typeface="+mj-lt"/>
+              </a:rPr>
+              <a:t>Data Record</a:t>
+            </a:r>
+            <a:endParaRPr lang="en-US" sz="900" i="1" dirty="0">
+              <a:latin typeface="+mj-lt"/>
+            </a:endParaRPr>
+          </a:p>
+        </p:txBody>
+      </p:sp>
+      <p:sp>
+        <p:nvSpPr>
+          <p:cNvPr id="224" name="Can 223"/>
+          <p:cNvSpPr/>
+          <p:nvPr/>
+        </p:nvSpPr>
+        <p:spPr>
+          <a:xfrm>
+            <a:off x="4604957" y="2830963"/>
+            <a:ext cx="106085" cy="111928"/>
+          </a:xfrm>
+          <a:prstGeom prst="can">
+            <a:avLst>
+              <a:gd name="adj" fmla="val 44344"/>
+            </a:avLst>
+          </a:prstGeom>
+          <a:solidFill>
+            <a:schemeClr val="accent2">
+              <a:lumMod val="40000"/>
+              <a:lumOff val="60000"/>
+            </a:schemeClr>
+          </a:solidFill>
+          <a:ln w="6350">
             <a:solidFill>
               <a:schemeClr val="tx1"/>
             </a:solidFill>
-          </a:ln>
-        </p:spPr>
-        <p:style>
-          <a:lnRef idx="2">
-            <a:schemeClr val="accent1">
+            <a:prstDash val="solid"/>
+          </a:ln>
+        </p:spPr>
+        <p:style>
+          <a:lnRef idx="2">
+            <a:schemeClr val="accent3">
               <a:shade val="50000"/>
             </a:schemeClr>
           </a:lnRef>
           <a:fillRef idx="1">
-            <a:schemeClr val="accent1"/>
+            <a:schemeClr val="accent3"/>
           </a:fillRef>
           <a:effectRef idx="0">
-            <a:schemeClr val="accent1"/>
+            <a:schemeClr val="accent3"/>
           </a:effectRef>
           <a:fontRef idx="minor">
             <a:schemeClr val="lt1"/>
@@ -8680,14 +9835,6 @@
           <a:lstStyle/>
           <a:p>
             <a:pPr algn="ctr"/>
-            <a:r>
-              <a:rPr lang="en-US" sz="900" dirty="0" smtClean="0">
-                <a:solidFill>
-                  <a:schemeClr val="tx1"/>
-                </a:solidFill>
-              </a:rPr>
-              <a:t>OP11</a:t>
-            </a:r>
             <a:endParaRPr lang="en-US" sz="900" dirty="0">
               <a:solidFill>
                 <a:schemeClr val="tx1"/>
@@ -8698,1083 +9845,692 @@
       </p:sp>
       <p:sp>
         <p:nvSpPr>
-          <p:cNvPr id="22" name="Can 21"/>
-          <p:cNvSpPr/>
-          <p:nvPr/>
-        </p:nvSpPr>
-        <p:spPr>
-          <a:xfrm>
-            <a:off x="6111482" y="461831"/>
-            <a:ext cx="371689" cy="392163"/>
-          </a:xfrm>
-          <a:prstGeom prst="can">
-            <a:avLst>
-              <a:gd name="adj" fmla="val 44344"/>
-            </a:avLst>
-          </a:prstGeom>
-          <a:ln w="12700">
+          <p:cNvPr id="225" name="TextBox 224"/>
+          <p:cNvSpPr txBox="1"/>
+          <p:nvPr/>
+        </p:nvSpPr>
+        <p:spPr>
+          <a:xfrm>
+            <a:off x="4713749" y="2789457"/>
+            <a:ext cx="869149" cy="230832"/>
+          </a:xfrm>
+          <a:prstGeom prst="rect">
+            <a:avLst/>
+          </a:prstGeom>
+          <a:noFill/>
+        </p:spPr>
+        <p:txBody>
+          <a:bodyPr wrap="none" rtlCol="0">
+            <a:spAutoFit/>
+          </a:bodyPr>
+          <a:lstStyle/>
+          <a:p>
+            <a:r>
+              <a:rPr lang="en-US" sz="900" i="1" dirty="0" smtClean="0">
+                <a:latin typeface="+mj-lt"/>
+              </a:rPr>
+              <a:t>Operator State</a:t>
+            </a:r>
+            <a:endParaRPr lang="en-US" sz="900" i="1" dirty="0">
+              <a:latin typeface="+mj-lt"/>
+            </a:endParaRPr>
+          </a:p>
+        </p:txBody>
+      </p:sp>
+      <p:grpSp>
+        <p:nvGrpSpPr>
+          <p:cNvPr id="235" name="Group 234"/>
+          <p:cNvGrpSpPr/>
+          <p:nvPr/>
+        </p:nvGrpSpPr>
+        <p:grpSpPr>
+          <a:xfrm>
+            <a:off x="3385392" y="1234626"/>
+            <a:ext cx="522998" cy="94050"/>
+            <a:chOff x="5001967" y="2707765"/>
+            <a:chExt cx="522998" cy="94050"/>
+          </a:xfrm>
+        </p:grpSpPr>
+        <p:sp>
+          <p:nvSpPr>
+            <p:cNvPr id="236" name="Triangle 235"/>
+            <p:cNvSpPr/>
+            <p:nvPr/>
+          </p:nvSpPr>
+          <p:spPr>
+            <a:xfrm>
+              <a:off x="5001967" y="2707765"/>
+              <a:ext cx="109099" cy="94050"/>
+            </a:xfrm>
+            <a:prstGeom prst="triangle">
+              <a:avLst/>
+            </a:prstGeom>
+            <a:solidFill>
+              <a:srgbClr val="FF0000"/>
+            </a:solidFill>
+            <a:ln>
+              <a:noFill/>
+            </a:ln>
+          </p:spPr>
+          <p:style>
+            <a:lnRef idx="2">
+              <a:schemeClr val="accent1">
+                <a:shade val="50000"/>
+              </a:schemeClr>
+            </a:lnRef>
+            <a:fillRef idx="1">
+              <a:schemeClr val="accent1"/>
+            </a:fillRef>
+            <a:effectRef idx="0">
+              <a:schemeClr val="accent1"/>
+            </a:effectRef>
+            <a:fontRef idx="minor">
+              <a:schemeClr val="lt1"/>
+            </a:fontRef>
+          </p:style>
+          <p:txBody>
+            <a:bodyPr rtlCol="0" anchor="ctr"/>
+            <a:lstStyle/>
+            <a:p>
+              <a:pPr algn="ctr"/>
+              <a:endParaRPr lang="en-US"/>
+            </a:p>
+          </p:txBody>
+        </p:sp>
+        <p:sp>
+          <p:nvSpPr>
+            <p:cNvPr id="237" name="Triangle 236"/>
+            <p:cNvSpPr/>
+            <p:nvPr/>
+          </p:nvSpPr>
+          <p:spPr>
+            <a:xfrm>
+              <a:off x="5139933" y="2707765"/>
+              <a:ext cx="109099" cy="94050"/>
+            </a:xfrm>
+            <a:prstGeom prst="triangle">
+              <a:avLst/>
+            </a:prstGeom>
+            <a:solidFill>
+              <a:schemeClr val="tx1">
+                <a:lumMod val="50000"/>
+                <a:lumOff val="50000"/>
+              </a:schemeClr>
+            </a:solidFill>
+            <a:ln>
+              <a:noFill/>
+            </a:ln>
+          </p:spPr>
+          <p:style>
+            <a:lnRef idx="2">
+              <a:schemeClr val="accent1">
+                <a:shade val="50000"/>
+              </a:schemeClr>
+            </a:lnRef>
+            <a:fillRef idx="1">
+              <a:schemeClr val="accent1"/>
+            </a:fillRef>
+            <a:effectRef idx="0">
+              <a:schemeClr val="accent1"/>
+            </a:effectRef>
+            <a:fontRef idx="minor">
+              <a:schemeClr val="lt1"/>
+            </a:fontRef>
+          </p:style>
+          <p:txBody>
+            <a:bodyPr rtlCol="0" anchor="ctr"/>
+            <a:lstStyle/>
+            <a:p>
+              <a:pPr algn="ctr"/>
+              <a:endParaRPr lang="en-US"/>
+            </a:p>
+          </p:txBody>
+        </p:sp>
+        <p:sp>
+          <p:nvSpPr>
+            <p:cNvPr id="238" name="Triangle 237"/>
+            <p:cNvSpPr/>
+            <p:nvPr/>
+          </p:nvSpPr>
+          <p:spPr>
+            <a:xfrm>
+              <a:off x="5277899" y="2707765"/>
+              <a:ext cx="109099" cy="94050"/>
+            </a:xfrm>
+            <a:prstGeom prst="triangle">
+              <a:avLst/>
+            </a:prstGeom>
+            <a:solidFill>
+              <a:schemeClr val="bg2">
+                <a:lumMod val="50000"/>
+              </a:schemeClr>
+            </a:solidFill>
+            <a:ln>
+              <a:noFill/>
+            </a:ln>
+          </p:spPr>
+          <p:style>
+            <a:lnRef idx="2">
+              <a:schemeClr val="accent1">
+                <a:shade val="50000"/>
+              </a:schemeClr>
+            </a:lnRef>
+            <a:fillRef idx="1">
+              <a:schemeClr val="accent1"/>
+            </a:fillRef>
+            <a:effectRef idx="0">
+              <a:schemeClr val="accent1"/>
+            </a:effectRef>
+            <a:fontRef idx="minor">
+              <a:schemeClr val="lt1"/>
+            </a:fontRef>
+          </p:style>
+          <p:txBody>
+            <a:bodyPr rtlCol="0" anchor="ctr"/>
+            <a:lstStyle/>
+            <a:p>
+              <a:pPr algn="ctr"/>
+              <a:endParaRPr lang="en-US"/>
+            </a:p>
+          </p:txBody>
+        </p:sp>
+        <p:sp>
+          <p:nvSpPr>
+            <p:cNvPr id="239" name="Triangle 238"/>
+            <p:cNvSpPr/>
+            <p:nvPr/>
+          </p:nvSpPr>
+          <p:spPr>
+            <a:xfrm>
+              <a:off x="5415866" y="2707765"/>
+              <a:ext cx="109099" cy="94050"/>
+            </a:xfrm>
+            <a:prstGeom prst="triangle">
+              <a:avLst/>
+            </a:prstGeom>
+            <a:solidFill>
+              <a:srgbClr val="FF0000"/>
+            </a:solidFill>
+            <a:ln>
+              <a:noFill/>
+            </a:ln>
+          </p:spPr>
+          <p:style>
+            <a:lnRef idx="2">
+              <a:schemeClr val="accent1">
+                <a:shade val="50000"/>
+              </a:schemeClr>
+            </a:lnRef>
+            <a:fillRef idx="1">
+              <a:schemeClr val="accent1"/>
+            </a:fillRef>
+            <a:effectRef idx="0">
+              <a:schemeClr val="accent1"/>
+            </a:effectRef>
+            <a:fontRef idx="minor">
+              <a:schemeClr val="lt1"/>
+            </a:fontRef>
+          </p:style>
+          <p:txBody>
+            <a:bodyPr rtlCol="0" anchor="ctr"/>
+            <a:lstStyle/>
+            <a:p>
+              <a:pPr algn="ctr"/>
+              <a:endParaRPr lang="en-US"/>
+            </a:p>
+          </p:txBody>
+        </p:sp>
+      </p:grpSp>
+      <p:cxnSp>
+        <p:nvCxnSpPr>
+          <p:cNvPr id="247" name="Straight Arrow Connector 246"/>
+          <p:cNvCxnSpPr>
+            <a:stCxn id="166" idx="0"/>
+          </p:cNvCxnSpPr>
+          <p:nvPr/>
+        </p:nvCxnSpPr>
+        <p:spPr>
+          <a:xfrm flipV="1">
+            <a:off x="1391017" y="2733427"/>
+            <a:ext cx="296897" cy="98002"/>
+          </a:xfrm>
+          <a:prstGeom prst="straightConnector1">
+            <a:avLst/>
+          </a:prstGeom>
+          <a:ln w="9525">
             <a:solidFill>
               <a:schemeClr val="tx1"/>
             </a:solidFill>
-            <a:prstDash val="sysDot"/>
-          </a:ln>
-        </p:spPr>
-        <p:style>
-          <a:lnRef idx="2">
-            <a:schemeClr val="accent3">
-              <a:shade val="50000"/>
-            </a:schemeClr>
-          </a:lnRef>
-          <a:fillRef idx="1">
-            <a:schemeClr val="accent3"/>
+            <a:prstDash val="sysDash"/>
+            <a:tailEnd type="arrow" w="sm" len="sm"/>
+          </a:ln>
+        </p:spPr>
+        <p:style>
+          <a:lnRef idx="1">
+            <a:schemeClr val="accent1"/>
+          </a:lnRef>
+          <a:fillRef idx="0">
+            <a:schemeClr val="accent1"/>
           </a:fillRef>
           <a:effectRef idx="0">
-            <a:schemeClr val="accent3"/>
-          </a:effectRef>
-          <a:fontRef idx="minor">
-            <a:schemeClr val="lt1"/>
-          </a:fontRef>
-        </p:style>
-        <p:txBody>
-          <a:bodyPr lIns="0" tIns="0" rIns="0" bIns="0" rtlCol="0" anchor="ctr"/>
-          <a:lstStyle/>
-          <a:p>
-            <a:pPr algn="ctr"/>
-            <a:r>
-              <a:rPr lang="en-US" sz="900" dirty="0" smtClean="0">
-                <a:solidFill>
-                  <a:schemeClr val="tx1"/>
-                </a:solidFill>
-              </a:rPr>
-              <a:t>IS11</a:t>
-            </a:r>
-            <a:endParaRPr lang="en-US" sz="900" dirty="0">
-              <a:solidFill>
-                <a:schemeClr val="tx1"/>
-              </a:solidFill>
-            </a:endParaRPr>
-          </a:p>
-        </p:txBody>
-      </p:sp>
-      <p:sp>
-        <p:nvSpPr>
-          <p:cNvPr id="24" name="Oval 23"/>
-          <p:cNvSpPr/>
-          <p:nvPr/>
-        </p:nvSpPr>
-        <p:spPr>
-          <a:xfrm>
-            <a:off x="6878847" y="461831"/>
-            <a:ext cx="392163" cy="392163"/>
-          </a:xfrm>
-          <a:prstGeom prst="ellipse">
-            <a:avLst/>
-          </a:prstGeom>
-          <a:solidFill>
-            <a:schemeClr val="accent1">
-              <a:lumMod val="60000"/>
-              <a:lumOff val="40000"/>
-            </a:schemeClr>
-          </a:solidFill>
-          <a:ln>
+            <a:schemeClr val="accent1"/>
+          </a:effectRef>
+          <a:fontRef idx="minor">
+            <a:schemeClr val="tx1"/>
+          </a:fontRef>
+        </p:style>
+      </p:cxnSp>
+      <p:grpSp>
+        <p:nvGrpSpPr>
+          <p:cNvPr id="262" name="Group 261"/>
+          <p:cNvGrpSpPr/>
+          <p:nvPr/>
+        </p:nvGrpSpPr>
+        <p:grpSpPr>
+          <a:xfrm>
+            <a:off x="2220115" y="2367226"/>
+            <a:ext cx="522998" cy="94050"/>
+            <a:chOff x="5001967" y="2707765"/>
+            <a:chExt cx="522998" cy="94050"/>
+          </a:xfrm>
+        </p:grpSpPr>
+        <p:sp>
+          <p:nvSpPr>
+            <p:cNvPr id="263" name="Triangle 262"/>
+            <p:cNvSpPr/>
+            <p:nvPr/>
+          </p:nvSpPr>
+          <p:spPr>
+            <a:xfrm>
+              <a:off x="5001967" y="2707765"/>
+              <a:ext cx="109099" cy="94050"/>
+            </a:xfrm>
+            <a:prstGeom prst="triangle">
+              <a:avLst/>
+            </a:prstGeom>
             <a:solidFill>
-              <a:schemeClr val="tx1"/>
+              <a:schemeClr val="bg2">
+                <a:lumMod val="50000"/>
+              </a:schemeClr>
             </a:solidFill>
-          </a:ln>
-        </p:spPr>
-        <p:style>
-          <a:lnRef idx="2">
-            <a:schemeClr val="accent1">
-              <a:shade val="50000"/>
-            </a:schemeClr>
-          </a:lnRef>
-          <a:fillRef idx="1">
-            <a:schemeClr val="accent1"/>
-          </a:fillRef>
-          <a:effectRef idx="0">
-            <a:schemeClr val="accent1"/>
-          </a:effectRef>
-          <a:fontRef idx="minor">
-            <a:schemeClr val="lt1"/>
-          </a:fontRef>
-        </p:style>
-        <p:txBody>
-          <a:bodyPr lIns="0" tIns="0" rIns="0" bIns="0" rtlCol="0" anchor="ctr"/>
-          <a:lstStyle/>
-          <a:p>
-            <a:pPr algn="ctr"/>
-            <a:r>
-              <a:rPr lang="en-US" sz="900" dirty="0" smtClean="0">
-                <a:solidFill>
-                  <a:schemeClr val="tx1"/>
-                </a:solidFill>
-              </a:rPr>
-              <a:t>OP21</a:t>
-            </a:r>
-            <a:endParaRPr lang="en-US" sz="900" dirty="0"/>
-          </a:p>
-        </p:txBody>
-      </p:sp>
-      <p:sp>
-        <p:nvSpPr>
-          <p:cNvPr id="25" name="Can 24"/>
-          <p:cNvSpPr/>
-          <p:nvPr/>
-        </p:nvSpPr>
-        <p:spPr>
-          <a:xfrm>
-            <a:off x="7709582" y="461831"/>
-            <a:ext cx="371689" cy="392163"/>
-          </a:xfrm>
-          <a:prstGeom prst="can">
-            <a:avLst>
-              <a:gd name="adj" fmla="val 42241"/>
-            </a:avLst>
-          </a:prstGeom>
-          <a:ln w="12700">
+            <a:ln>
+              <a:noFill/>
+            </a:ln>
+          </p:spPr>
+          <p:style>
+            <a:lnRef idx="2">
+              <a:schemeClr val="accent1">
+                <a:shade val="50000"/>
+              </a:schemeClr>
+            </a:lnRef>
+            <a:fillRef idx="1">
+              <a:schemeClr val="accent1"/>
+            </a:fillRef>
+            <a:effectRef idx="0">
+              <a:schemeClr val="accent1"/>
+            </a:effectRef>
+            <a:fontRef idx="minor">
+              <a:schemeClr val="lt1"/>
+            </a:fontRef>
+          </p:style>
+          <p:txBody>
+            <a:bodyPr rtlCol="0" anchor="ctr"/>
+            <a:lstStyle/>
+            <a:p>
+              <a:pPr algn="ctr"/>
+              <a:endParaRPr lang="en-US"/>
+            </a:p>
+          </p:txBody>
+        </p:sp>
+        <p:sp>
+          <p:nvSpPr>
+            <p:cNvPr id="264" name="Triangle 263"/>
+            <p:cNvSpPr/>
+            <p:nvPr/>
+          </p:nvSpPr>
+          <p:spPr>
+            <a:xfrm>
+              <a:off x="5139933" y="2707765"/>
+              <a:ext cx="109099" cy="94050"/>
+            </a:xfrm>
+            <a:prstGeom prst="triangle">
+              <a:avLst/>
+            </a:prstGeom>
             <a:solidFill>
-              <a:schemeClr val="tx1"/>
+              <a:schemeClr val="tx1">
+                <a:lumMod val="50000"/>
+                <a:lumOff val="50000"/>
+              </a:schemeClr>
             </a:solidFill>
-            <a:prstDash val="sysDot"/>
-          </a:ln>
-        </p:spPr>
-        <p:style>
-          <a:lnRef idx="2">
-            <a:schemeClr val="accent3">
-              <a:shade val="50000"/>
-            </a:schemeClr>
-          </a:lnRef>
-          <a:fillRef idx="1">
-            <a:schemeClr val="accent3"/>
-          </a:fillRef>
-          <a:effectRef idx="0">
-            <a:schemeClr val="accent3"/>
-          </a:effectRef>
-          <a:fontRef idx="minor">
-            <a:schemeClr val="lt1"/>
-          </a:fontRef>
-        </p:style>
-        <p:txBody>
-          <a:bodyPr lIns="0" tIns="0" rIns="0" bIns="0" rtlCol="0" anchor="ctr"/>
-          <a:lstStyle/>
-          <a:p>
-            <a:pPr algn="ctr"/>
-            <a:r>
-              <a:rPr lang="en-US" sz="900" dirty="0" smtClean="0">
-                <a:solidFill>
-                  <a:schemeClr val="tx1"/>
-                </a:solidFill>
-              </a:rPr>
-              <a:t>IS211</a:t>
-            </a:r>
-            <a:endParaRPr lang="en-US" sz="900" dirty="0">
-              <a:solidFill>
-                <a:schemeClr val="tx1"/>
-              </a:solidFill>
-            </a:endParaRPr>
-          </a:p>
-        </p:txBody>
-      </p:sp>
-      <p:sp>
-        <p:nvSpPr>
-          <p:cNvPr id="26" name="Oval 25"/>
-          <p:cNvSpPr/>
-          <p:nvPr/>
-        </p:nvSpPr>
-        <p:spPr>
-          <a:xfrm>
-            <a:off x="8510830" y="461831"/>
-            <a:ext cx="392163" cy="392163"/>
-          </a:xfrm>
-          <a:prstGeom prst="ellipse">
-            <a:avLst/>
-          </a:prstGeom>
-          <a:solidFill>
-            <a:schemeClr val="accent1">
-              <a:lumMod val="60000"/>
-              <a:lumOff val="40000"/>
-            </a:schemeClr>
-          </a:solidFill>
-          <a:ln>
+            <a:ln>
+              <a:noFill/>
+            </a:ln>
+          </p:spPr>
+          <p:style>
+            <a:lnRef idx="2">
+              <a:schemeClr val="accent1">
+                <a:shade val="50000"/>
+              </a:schemeClr>
+            </a:lnRef>
+            <a:fillRef idx="1">
+              <a:schemeClr val="accent1"/>
+            </a:fillRef>
+            <a:effectRef idx="0">
+              <a:schemeClr val="accent1"/>
+            </a:effectRef>
+            <a:fontRef idx="minor">
+              <a:schemeClr val="lt1"/>
+            </a:fontRef>
+          </p:style>
+          <p:txBody>
+            <a:bodyPr rtlCol="0" anchor="ctr"/>
+            <a:lstStyle/>
+            <a:p>
+              <a:pPr algn="ctr"/>
+              <a:endParaRPr lang="en-US"/>
+            </a:p>
+          </p:txBody>
+        </p:sp>
+        <p:sp>
+          <p:nvSpPr>
+            <p:cNvPr id="265" name="Triangle 264"/>
+            <p:cNvSpPr/>
+            <p:nvPr/>
+          </p:nvSpPr>
+          <p:spPr>
+            <a:xfrm>
+              <a:off x="5277899" y="2707765"/>
+              <a:ext cx="109099" cy="94050"/>
+            </a:xfrm>
+            <a:prstGeom prst="triangle">
+              <a:avLst/>
+            </a:prstGeom>
             <a:solidFill>
-              <a:schemeClr val="tx1"/>
+              <a:srgbClr val="FF0000"/>
             </a:solidFill>
-          </a:ln>
-        </p:spPr>
-        <p:style>
-          <a:lnRef idx="2">
-            <a:schemeClr val="accent1">
-              <a:shade val="50000"/>
-            </a:schemeClr>
-          </a:lnRef>
-          <a:fillRef idx="1">
-            <a:schemeClr val="accent1"/>
-          </a:fillRef>
-          <a:effectRef idx="0">
-            <a:schemeClr val="accent1"/>
-          </a:effectRef>
-          <a:fontRef idx="minor">
-            <a:schemeClr val="lt1"/>
-          </a:fontRef>
-        </p:style>
-        <p:txBody>
-          <a:bodyPr lIns="0" tIns="0" rIns="0" bIns="0" rtlCol="0" anchor="ctr"/>
-          <a:lstStyle/>
-          <a:p>
-            <a:pPr algn="ctr"/>
-            <a:r>
-              <a:rPr lang="en-US" sz="900" dirty="0" smtClean="0">
-                <a:solidFill>
-                  <a:schemeClr val="tx1"/>
-                </a:solidFill>
-              </a:rPr>
-              <a:t>OP4</a:t>
-            </a:r>
-            <a:endParaRPr lang="en-US" sz="900" dirty="0"/>
-          </a:p>
-        </p:txBody>
-      </p:sp>
-      <p:cxnSp>
-        <p:nvCxnSpPr>
-          <p:cNvPr id="30" name="Straight Arrow Connector 29"/>
-          <p:cNvCxnSpPr/>
-          <p:nvPr/>
-        </p:nvCxnSpPr>
-        <p:spPr>
-          <a:xfrm>
-            <a:off x="8081271" y="657913"/>
-            <a:ext cx="429559" cy="0"/>
-          </a:xfrm>
-          <a:prstGeom prst="straightConnector1">
-            <a:avLst/>
-          </a:prstGeom>
-          <a:ln w="12700">
+            <a:ln>
+              <a:noFill/>
+            </a:ln>
+          </p:spPr>
+          <p:style>
+            <a:lnRef idx="2">
+              <a:schemeClr val="accent1">
+                <a:shade val="50000"/>
+              </a:schemeClr>
+            </a:lnRef>
+            <a:fillRef idx="1">
+              <a:schemeClr val="accent1"/>
+            </a:fillRef>
+            <a:effectRef idx="0">
+              <a:schemeClr val="accent1"/>
+            </a:effectRef>
+            <a:fontRef idx="minor">
+              <a:schemeClr val="lt1"/>
+            </a:fontRef>
+          </p:style>
+          <p:txBody>
+            <a:bodyPr rtlCol="0" anchor="ctr"/>
+            <a:lstStyle/>
+            <a:p>
+              <a:pPr algn="ctr"/>
+              <a:endParaRPr lang="en-US"/>
+            </a:p>
+          </p:txBody>
+        </p:sp>
+        <p:sp>
+          <p:nvSpPr>
+            <p:cNvPr id="266" name="Triangle 265"/>
+            <p:cNvSpPr/>
+            <p:nvPr/>
+          </p:nvSpPr>
+          <p:spPr>
+            <a:xfrm>
+              <a:off x="5415866" y="2707765"/>
+              <a:ext cx="109099" cy="94050"/>
+            </a:xfrm>
+            <a:prstGeom prst="triangle">
+              <a:avLst/>
+            </a:prstGeom>
             <a:solidFill>
-              <a:schemeClr val="tx1"/>
+              <a:schemeClr val="bg2">
+                <a:lumMod val="50000"/>
+              </a:schemeClr>
             </a:solidFill>
-            <a:tailEnd type="arrow" w="sm" len="sm"/>
-          </a:ln>
-        </p:spPr>
-        <p:style>
-          <a:lnRef idx="1">
-            <a:schemeClr val="accent1"/>
-          </a:lnRef>
-          <a:fillRef idx="0">
-            <a:schemeClr val="accent1"/>
-          </a:fillRef>
-          <a:effectRef idx="0">
-            <a:schemeClr val="accent1"/>
-          </a:effectRef>
-          <a:fontRef idx="minor">
-            <a:schemeClr val="tx1"/>
-          </a:fontRef>
-        </p:style>
-      </p:cxnSp>
-      <p:cxnSp>
-        <p:nvCxnSpPr>
-          <p:cNvPr id="34" name="Straight Arrow Connector 33"/>
-          <p:cNvCxnSpPr/>
-          <p:nvPr/>
-        </p:nvCxnSpPr>
-        <p:spPr>
-          <a:xfrm>
-            <a:off x="6483171" y="657913"/>
-            <a:ext cx="395676" cy="0"/>
-          </a:xfrm>
-          <a:prstGeom prst="straightConnector1">
-            <a:avLst/>
-          </a:prstGeom>
-          <a:ln w="12700">
+            <a:ln>
+              <a:noFill/>
+            </a:ln>
+          </p:spPr>
+          <p:style>
+            <a:lnRef idx="2">
+              <a:schemeClr val="accent1">
+                <a:shade val="50000"/>
+              </a:schemeClr>
+            </a:lnRef>
+            <a:fillRef idx="1">
+              <a:schemeClr val="accent1"/>
+            </a:fillRef>
+            <a:effectRef idx="0">
+              <a:schemeClr val="accent1"/>
+            </a:effectRef>
+            <a:fontRef idx="minor">
+              <a:schemeClr val="lt1"/>
+            </a:fontRef>
+          </p:style>
+          <p:txBody>
+            <a:bodyPr rtlCol="0" anchor="ctr"/>
+            <a:lstStyle/>
+            <a:p>
+              <a:pPr algn="ctr"/>
+              <a:endParaRPr lang="en-US"/>
+            </a:p>
+          </p:txBody>
+        </p:sp>
+      </p:grpSp>
+      <p:grpSp>
+        <p:nvGrpSpPr>
+          <p:cNvPr id="267" name="Group 266"/>
+          <p:cNvGrpSpPr/>
+          <p:nvPr/>
+        </p:nvGrpSpPr>
+        <p:grpSpPr>
+          <a:xfrm>
+            <a:off x="2190364" y="1225603"/>
+            <a:ext cx="522998" cy="94050"/>
+            <a:chOff x="5001967" y="2707765"/>
+            <a:chExt cx="522998" cy="94050"/>
+          </a:xfrm>
+        </p:grpSpPr>
+        <p:sp>
+          <p:nvSpPr>
+            <p:cNvPr id="268" name="Triangle 267"/>
+            <p:cNvSpPr/>
+            <p:nvPr/>
+          </p:nvSpPr>
+          <p:spPr>
+            <a:xfrm>
+              <a:off x="5001967" y="2707765"/>
+              <a:ext cx="109099" cy="94050"/>
+            </a:xfrm>
+            <a:prstGeom prst="triangle">
+              <a:avLst/>
+            </a:prstGeom>
             <a:solidFill>
-              <a:schemeClr val="tx1"/>
+              <a:schemeClr val="bg2">
+                <a:lumMod val="50000"/>
+              </a:schemeClr>
             </a:solidFill>
-            <a:tailEnd type="arrow" w="sm" len="sm"/>
-          </a:ln>
-        </p:spPr>
-        <p:style>
-          <a:lnRef idx="1">
-            <a:schemeClr val="accent1"/>
-          </a:lnRef>
-          <a:fillRef idx="0">
-            <a:schemeClr val="accent1"/>
-          </a:fillRef>
-          <a:effectRef idx="0">
-            <a:schemeClr val="accent1"/>
-          </a:effectRef>
-          <a:fontRef idx="minor">
-            <a:schemeClr val="tx1"/>
-          </a:fontRef>
-        </p:style>
-      </p:cxnSp>
-      <p:cxnSp>
-        <p:nvCxnSpPr>
-          <p:cNvPr id="35" name="Straight Arrow Connector 34"/>
-          <p:cNvCxnSpPr/>
-          <p:nvPr/>
-        </p:nvCxnSpPr>
-        <p:spPr>
-          <a:xfrm>
-            <a:off x="5768840" y="657913"/>
-            <a:ext cx="342642" cy="0"/>
-          </a:xfrm>
-          <a:prstGeom prst="straightConnector1">
-            <a:avLst/>
-          </a:prstGeom>
-          <a:ln w="12700">
+            <a:ln>
+              <a:noFill/>
+            </a:ln>
+          </p:spPr>
+          <p:style>
+            <a:lnRef idx="2">
+              <a:schemeClr val="accent1">
+                <a:shade val="50000"/>
+              </a:schemeClr>
+            </a:lnRef>
+            <a:fillRef idx="1">
+              <a:schemeClr val="accent1"/>
+            </a:fillRef>
+            <a:effectRef idx="0">
+              <a:schemeClr val="accent1"/>
+            </a:effectRef>
+            <a:fontRef idx="minor">
+              <a:schemeClr val="lt1"/>
+            </a:fontRef>
+          </p:style>
+          <p:txBody>
+            <a:bodyPr rtlCol="0" anchor="ctr"/>
+            <a:lstStyle/>
+            <a:p>
+              <a:pPr algn="ctr"/>
+              <a:endParaRPr lang="en-US"/>
+            </a:p>
+          </p:txBody>
+        </p:sp>
+        <p:sp>
+          <p:nvSpPr>
+            <p:cNvPr id="269" name="Triangle 268"/>
+            <p:cNvSpPr/>
+            <p:nvPr/>
+          </p:nvSpPr>
+          <p:spPr>
+            <a:xfrm>
+              <a:off x="5139933" y="2707765"/>
+              <a:ext cx="109099" cy="94050"/>
+            </a:xfrm>
+            <a:prstGeom prst="triangle">
+              <a:avLst/>
+            </a:prstGeom>
             <a:solidFill>
-              <a:schemeClr val="tx1"/>
+              <a:srgbClr val="FF0000"/>
             </a:solidFill>
-            <a:tailEnd type="arrow" w="sm" len="sm"/>
-          </a:ln>
-        </p:spPr>
-        <p:style>
-          <a:lnRef idx="1">
-            <a:schemeClr val="accent1"/>
-          </a:lnRef>
-          <a:fillRef idx="0">
-            <a:schemeClr val="accent1"/>
-          </a:fillRef>
-          <a:effectRef idx="0">
-            <a:schemeClr val="accent1"/>
-          </a:effectRef>
-          <a:fontRef idx="minor">
-            <a:schemeClr val="tx1"/>
-          </a:fontRef>
-        </p:style>
-      </p:cxnSp>
-      <p:sp>
-        <p:nvSpPr>
-          <p:cNvPr id="54" name="Can 53"/>
-          <p:cNvSpPr/>
-          <p:nvPr/>
-        </p:nvSpPr>
-        <p:spPr>
-          <a:xfrm>
-            <a:off x="6127376" y="1602474"/>
-            <a:ext cx="371689" cy="392163"/>
-          </a:xfrm>
-          <a:prstGeom prst="can">
-            <a:avLst>
-              <a:gd name="adj" fmla="val 44344"/>
-            </a:avLst>
-          </a:prstGeom>
-          <a:ln w="12700">
+            <a:ln>
+              <a:noFill/>
+            </a:ln>
+          </p:spPr>
+          <p:style>
+            <a:lnRef idx="2">
+              <a:schemeClr val="accent1">
+                <a:shade val="50000"/>
+              </a:schemeClr>
+            </a:lnRef>
+            <a:fillRef idx="1">
+              <a:schemeClr val="accent1"/>
+            </a:fillRef>
+            <a:effectRef idx="0">
+              <a:schemeClr val="accent1"/>
+            </a:effectRef>
+            <a:fontRef idx="minor">
+              <a:schemeClr val="lt1"/>
+            </a:fontRef>
+          </p:style>
+          <p:txBody>
+            <a:bodyPr rtlCol="0" anchor="ctr"/>
+            <a:lstStyle/>
+            <a:p>
+              <a:pPr algn="ctr"/>
+              <a:endParaRPr lang="en-US"/>
+            </a:p>
+          </p:txBody>
+        </p:sp>
+        <p:sp>
+          <p:nvSpPr>
+            <p:cNvPr id="270" name="Triangle 269"/>
+            <p:cNvSpPr/>
+            <p:nvPr/>
+          </p:nvSpPr>
+          <p:spPr>
+            <a:xfrm>
+              <a:off x="5277899" y="2707765"/>
+              <a:ext cx="109099" cy="94050"/>
+            </a:xfrm>
+            <a:prstGeom prst="triangle">
+              <a:avLst/>
+            </a:prstGeom>
             <a:solidFill>
-              <a:schemeClr val="tx1"/>
+              <a:schemeClr val="bg2">
+                <a:lumMod val="50000"/>
+              </a:schemeClr>
             </a:solidFill>
-            <a:prstDash val="sysDot"/>
-          </a:ln>
-        </p:spPr>
-        <p:style>
-          <a:lnRef idx="2">
-            <a:schemeClr val="accent3">
-              <a:shade val="50000"/>
-            </a:schemeClr>
-          </a:lnRef>
-          <a:fillRef idx="1">
-            <a:schemeClr val="accent3"/>
-          </a:fillRef>
-          <a:effectRef idx="0">
-            <a:schemeClr val="accent3"/>
-          </a:effectRef>
-          <a:fontRef idx="minor">
-            <a:schemeClr val="lt1"/>
-          </a:fontRef>
-        </p:style>
-        <p:txBody>
-          <a:bodyPr lIns="0" tIns="0" rIns="0" bIns="0" rtlCol="0" anchor="ctr"/>
-          <a:lstStyle/>
-          <a:p>
-            <a:pPr algn="ctr"/>
-            <a:r>
-              <a:rPr lang="en-US" sz="900" dirty="0" smtClean="0">
-                <a:solidFill>
-                  <a:schemeClr val="tx1"/>
-                </a:solidFill>
-              </a:rPr>
-              <a:t>IS12</a:t>
-            </a:r>
-            <a:endParaRPr lang="en-US" sz="900" dirty="0">
-              <a:solidFill>
-                <a:schemeClr val="tx1"/>
-              </a:solidFill>
-            </a:endParaRPr>
-          </a:p>
-        </p:txBody>
-      </p:sp>
-      <p:sp>
-        <p:nvSpPr>
-          <p:cNvPr id="55" name="Oval 54"/>
-          <p:cNvSpPr/>
-          <p:nvPr/>
-        </p:nvSpPr>
-        <p:spPr>
-          <a:xfrm>
-            <a:off x="5376677" y="1597727"/>
-            <a:ext cx="392163" cy="392163"/>
-          </a:xfrm>
-          <a:prstGeom prst="ellipse">
-            <a:avLst/>
-          </a:prstGeom>
-          <a:solidFill>
-            <a:schemeClr val="accent1">
-              <a:lumMod val="60000"/>
-              <a:lumOff val="40000"/>
-            </a:schemeClr>
-          </a:solidFill>
-          <a:ln>
+            <a:ln>
+              <a:noFill/>
+            </a:ln>
+          </p:spPr>
+          <p:style>
+            <a:lnRef idx="2">
+              <a:schemeClr val="accent1">
+                <a:shade val="50000"/>
+              </a:schemeClr>
+            </a:lnRef>
+            <a:fillRef idx="1">
+              <a:schemeClr val="accent1"/>
+            </a:fillRef>
+            <a:effectRef idx="0">
+              <a:schemeClr val="accent1"/>
+            </a:effectRef>
+            <a:fontRef idx="minor">
+              <a:schemeClr val="lt1"/>
+            </a:fontRef>
+          </p:style>
+          <p:txBody>
+            <a:bodyPr rtlCol="0" anchor="ctr"/>
+            <a:lstStyle/>
+            <a:p>
+              <a:pPr algn="ctr"/>
+              <a:endParaRPr lang="en-US"/>
+            </a:p>
+          </p:txBody>
+        </p:sp>
+        <p:sp>
+          <p:nvSpPr>
+            <p:cNvPr id="271" name="Triangle 270"/>
+            <p:cNvSpPr/>
+            <p:nvPr/>
+          </p:nvSpPr>
+          <p:spPr>
+            <a:xfrm>
+              <a:off x="5415866" y="2707765"/>
+              <a:ext cx="109099" cy="94050"/>
+            </a:xfrm>
+            <a:prstGeom prst="triangle">
+              <a:avLst/>
+            </a:prstGeom>
             <a:solidFill>
-              <a:schemeClr val="tx1"/>
+              <a:schemeClr val="bg2">
+                <a:lumMod val="50000"/>
+              </a:schemeClr>
             </a:solidFill>
-          </a:ln>
-        </p:spPr>
-        <p:style>
-          <a:lnRef idx="2">
-            <a:schemeClr val="accent1">
-              <a:shade val="50000"/>
-            </a:schemeClr>
-          </a:lnRef>
-          <a:fillRef idx="1">
-            <a:schemeClr val="accent1"/>
-          </a:fillRef>
-          <a:effectRef idx="0">
-            <a:schemeClr val="accent1"/>
-          </a:effectRef>
-          <a:fontRef idx="minor">
-            <a:schemeClr val="lt1"/>
-          </a:fontRef>
-        </p:style>
-        <p:txBody>
-          <a:bodyPr lIns="0" tIns="0" rIns="0" bIns="0" rtlCol="0" anchor="ctr"/>
-          <a:lstStyle/>
-          <a:p>
-            <a:pPr algn="ctr"/>
-            <a:r>
-              <a:rPr lang="en-US" sz="900" dirty="0" smtClean="0">
-                <a:solidFill>
-                  <a:schemeClr val="tx1"/>
-                </a:solidFill>
-              </a:rPr>
-              <a:t>OP12</a:t>
-            </a:r>
-            <a:endParaRPr lang="en-US" sz="900" dirty="0">
-              <a:solidFill>
-                <a:schemeClr val="tx1"/>
-              </a:solidFill>
-            </a:endParaRPr>
-          </a:p>
-        </p:txBody>
-      </p:sp>
-      <p:sp>
-        <p:nvSpPr>
-          <p:cNvPr id="56" name="Oval 55"/>
-          <p:cNvSpPr/>
-          <p:nvPr/>
-        </p:nvSpPr>
-        <p:spPr>
-          <a:xfrm>
-            <a:off x="6884506" y="1597727"/>
-            <a:ext cx="392163" cy="392163"/>
-          </a:xfrm>
-          <a:prstGeom prst="ellipse">
-            <a:avLst/>
-          </a:prstGeom>
-          <a:solidFill>
-            <a:schemeClr val="accent1">
-              <a:lumMod val="60000"/>
-              <a:lumOff val="40000"/>
-            </a:schemeClr>
-          </a:solidFill>
-          <a:ln>
-            <a:solidFill>
-              <a:schemeClr val="tx1"/>
-            </a:solidFill>
-          </a:ln>
-        </p:spPr>
-        <p:style>
-          <a:lnRef idx="2">
-            <a:schemeClr val="accent1">
-              <a:shade val="50000"/>
-            </a:schemeClr>
-          </a:lnRef>
-          <a:fillRef idx="1">
-            <a:schemeClr val="accent1"/>
-          </a:fillRef>
-          <a:effectRef idx="0">
-            <a:schemeClr val="accent1"/>
-          </a:effectRef>
-          <a:fontRef idx="minor">
-            <a:schemeClr val="lt1"/>
-          </a:fontRef>
-        </p:style>
-        <p:txBody>
-          <a:bodyPr lIns="0" tIns="0" rIns="0" bIns="0" rtlCol="0" anchor="ctr"/>
-          <a:lstStyle/>
-          <a:p>
-            <a:pPr algn="ctr"/>
-            <a:r>
-              <a:rPr lang="en-US" sz="900" dirty="0" smtClean="0">
-                <a:solidFill>
-                  <a:schemeClr val="tx1"/>
-                </a:solidFill>
-              </a:rPr>
-              <a:t>OP22</a:t>
-            </a:r>
-            <a:endParaRPr lang="en-US" sz="900" dirty="0"/>
-          </a:p>
-        </p:txBody>
-      </p:sp>
-      <p:cxnSp>
-        <p:nvCxnSpPr>
-          <p:cNvPr id="57" name="Straight Arrow Connector 56"/>
-          <p:cNvCxnSpPr>
-            <a:stCxn id="55" idx="6"/>
-            <a:endCxn id="54" idx="2"/>
-          </p:cNvCxnSpPr>
-          <p:nvPr/>
-        </p:nvCxnSpPr>
-        <p:spPr>
-          <a:xfrm>
-            <a:off x="5768840" y="1793809"/>
-            <a:ext cx="358536" cy="4747"/>
-          </a:xfrm>
-          <a:prstGeom prst="straightConnector1">
-            <a:avLst/>
-          </a:prstGeom>
-          <a:ln w="12700">
-            <a:solidFill>
-              <a:schemeClr val="tx1"/>
-            </a:solidFill>
-            <a:tailEnd type="arrow" w="sm" len="sm"/>
-          </a:ln>
-        </p:spPr>
-        <p:style>
-          <a:lnRef idx="1">
-            <a:schemeClr val="accent1"/>
-          </a:lnRef>
-          <a:fillRef idx="0">
-            <a:schemeClr val="accent1"/>
-          </a:fillRef>
-          <a:effectRef idx="0">
-            <a:schemeClr val="accent1"/>
-          </a:effectRef>
-          <a:fontRef idx="minor">
-            <a:schemeClr val="tx1"/>
-          </a:fontRef>
-        </p:style>
-      </p:cxnSp>
-      <p:cxnSp>
-        <p:nvCxnSpPr>
-          <p:cNvPr id="60" name="Straight Arrow Connector 59"/>
-          <p:cNvCxnSpPr>
-            <a:stCxn id="54" idx="4"/>
-            <a:endCxn id="56" idx="2"/>
-          </p:cNvCxnSpPr>
-          <p:nvPr/>
-        </p:nvCxnSpPr>
-        <p:spPr>
-          <a:xfrm flipV="1">
-            <a:off x="6499065" y="1793809"/>
-            <a:ext cx="385441" cy="4747"/>
-          </a:xfrm>
-          <a:prstGeom prst="straightConnector1">
-            <a:avLst/>
-          </a:prstGeom>
-          <a:ln w="12700">
-            <a:solidFill>
-              <a:schemeClr val="tx1"/>
-            </a:solidFill>
-            <a:tailEnd type="arrow" w="sm" len="sm"/>
-          </a:ln>
-        </p:spPr>
-        <p:style>
-          <a:lnRef idx="1">
-            <a:schemeClr val="accent1"/>
-          </a:lnRef>
-          <a:fillRef idx="0">
-            <a:schemeClr val="accent1"/>
-          </a:fillRef>
-          <a:effectRef idx="0">
-            <a:schemeClr val="accent1"/>
-          </a:effectRef>
-          <a:fontRef idx="minor">
-            <a:schemeClr val="tx1"/>
-          </a:fontRef>
-        </p:style>
-      </p:cxnSp>
-      <p:sp>
-        <p:nvSpPr>
-          <p:cNvPr id="63" name="Can 62"/>
-          <p:cNvSpPr/>
-          <p:nvPr/>
-        </p:nvSpPr>
-        <p:spPr>
-          <a:xfrm>
-            <a:off x="7704637" y="835801"/>
-            <a:ext cx="371689" cy="392163"/>
-          </a:xfrm>
-          <a:prstGeom prst="can">
-            <a:avLst>
-              <a:gd name="adj" fmla="val 42241"/>
-            </a:avLst>
-          </a:prstGeom>
-          <a:ln w="12700">
-            <a:solidFill>
-              <a:schemeClr val="tx1"/>
-            </a:solidFill>
-            <a:prstDash val="sysDot"/>
-          </a:ln>
-        </p:spPr>
-        <p:style>
-          <a:lnRef idx="2">
-            <a:schemeClr val="accent3">
-              <a:shade val="50000"/>
-            </a:schemeClr>
-          </a:lnRef>
-          <a:fillRef idx="1">
-            <a:schemeClr val="accent3"/>
-          </a:fillRef>
-          <a:effectRef idx="0">
-            <a:schemeClr val="accent3"/>
-          </a:effectRef>
-          <a:fontRef idx="minor">
-            <a:schemeClr val="lt1"/>
-          </a:fontRef>
-        </p:style>
-        <p:txBody>
-          <a:bodyPr lIns="0" tIns="0" rIns="0" bIns="0" rtlCol="0" anchor="ctr"/>
-          <a:lstStyle/>
-          <a:p>
-            <a:pPr algn="ctr"/>
-            <a:r>
-              <a:rPr lang="en-US" sz="900" dirty="0" smtClean="0">
-                <a:solidFill>
-                  <a:schemeClr val="tx1"/>
-                </a:solidFill>
-              </a:rPr>
-              <a:t>IS212</a:t>
-            </a:r>
-            <a:endParaRPr lang="en-US" sz="900" dirty="0">
-              <a:solidFill>
-                <a:schemeClr val="tx1"/>
-              </a:solidFill>
-            </a:endParaRPr>
-          </a:p>
-        </p:txBody>
-      </p:sp>
-      <p:cxnSp>
-        <p:nvCxnSpPr>
-          <p:cNvPr id="65" name="Straight Arrow Connector 64"/>
-          <p:cNvCxnSpPr>
-            <a:stCxn id="24" idx="6"/>
-            <a:endCxn id="25" idx="2"/>
-          </p:cNvCxnSpPr>
-          <p:nvPr/>
-        </p:nvCxnSpPr>
-        <p:spPr>
-          <a:xfrm>
-            <a:off x="7271010" y="657913"/>
-            <a:ext cx="438572" cy="0"/>
-          </a:xfrm>
-          <a:prstGeom prst="straightConnector1">
-            <a:avLst/>
-          </a:prstGeom>
-          <a:ln w="12700">
-            <a:solidFill>
-              <a:schemeClr val="tx1"/>
-            </a:solidFill>
-            <a:tailEnd type="arrow" w="sm" len="sm"/>
-          </a:ln>
-        </p:spPr>
-        <p:style>
-          <a:lnRef idx="1">
-            <a:schemeClr val="accent1"/>
-          </a:lnRef>
-          <a:fillRef idx="0">
-            <a:schemeClr val="accent1"/>
-          </a:fillRef>
-          <a:effectRef idx="0">
-            <a:schemeClr val="accent1"/>
-          </a:effectRef>
-          <a:fontRef idx="minor">
-            <a:schemeClr val="tx1"/>
-          </a:fontRef>
-        </p:style>
-      </p:cxnSp>
-      <p:cxnSp>
-        <p:nvCxnSpPr>
-          <p:cNvPr id="68" name="Straight Arrow Connector 67"/>
-          <p:cNvCxnSpPr>
-            <a:stCxn id="24" idx="6"/>
-            <a:endCxn id="63" idx="2"/>
-          </p:cNvCxnSpPr>
-          <p:nvPr/>
-        </p:nvCxnSpPr>
-        <p:spPr>
-          <a:xfrm>
-            <a:off x="7271010" y="657913"/>
-            <a:ext cx="433627" cy="373970"/>
-          </a:xfrm>
-          <a:prstGeom prst="straightConnector1">
-            <a:avLst/>
-          </a:prstGeom>
-          <a:ln w="12700">
-            <a:solidFill>
-              <a:schemeClr val="tx1"/>
-            </a:solidFill>
-            <a:tailEnd type="arrow" w="sm" len="sm"/>
-          </a:ln>
-        </p:spPr>
-        <p:style>
-          <a:lnRef idx="1">
-            <a:schemeClr val="accent1"/>
-          </a:lnRef>
-          <a:fillRef idx="0">
-            <a:schemeClr val="accent1"/>
-          </a:fillRef>
-          <a:effectRef idx="0">
-            <a:schemeClr val="accent1"/>
-          </a:effectRef>
-          <a:fontRef idx="minor">
-            <a:schemeClr val="tx1"/>
-          </a:fontRef>
-        </p:style>
-      </p:cxnSp>
-      <p:sp>
-        <p:nvSpPr>
-          <p:cNvPr id="88" name="Oval 87"/>
-          <p:cNvSpPr/>
-          <p:nvPr/>
-        </p:nvSpPr>
-        <p:spPr>
-          <a:xfrm>
-            <a:off x="8512616" y="962909"/>
-            <a:ext cx="392163" cy="392163"/>
-          </a:xfrm>
-          <a:prstGeom prst="ellipse">
-            <a:avLst/>
-          </a:prstGeom>
-          <a:solidFill>
-            <a:schemeClr val="accent1">
-              <a:lumMod val="60000"/>
-              <a:lumOff val="40000"/>
-            </a:schemeClr>
-          </a:solidFill>
-          <a:ln>
-            <a:solidFill>
-              <a:schemeClr val="tx1"/>
-            </a:solidFill>
-          </a:ln>
-        </p:spPr>
-        <p:style>
-          <a:lnRef idx="2">
-            <a:schemeClr val="accent1">
-              <a:shade val="50000"/>
-            </a:schemeClr>
-          </a:lnRef>
-          <a:fillRef idx="1">
-            <a:schemeClr val="accent1"/>
-          </a:fillRef>
-          <a:effectRef idx="0">
-            <a:schemeClr val="accent1"/>
-          </a:effectRef>
-          <a:fontRef idx="minor">
-            <a:schemeClr val="lt1"/>
-          </a:fontRef>
-        </p:style>
-        <p:txBody>
-          <a:bodyPr lIns="0" tIns="0" rIns="0" bIns="0" rtlCol="0" anchor="ctr"/>
-          <a:lstStyle/>
-          <a:p>
-            <a:pPr algn="ctr"/>
-            <a:r>
-              <a:rPr lang="en-US" sz="900" dirty="0" smtClean="0">
-                <a:solidFill>
-                  <a:schemeClr val="tx1"/>
-                </a:solidFill>
-              </a:rPr>
-              <a:t>OP4</a:t>
-            </a:r>
-            <a:endParaRPr lang="en-US" sz="900" dirty="0"/>
-          </a:p>
-        </p:txBody>
-      </p:sp>
-      <p:cxnSp>
-        <p:nvCxnSpPr>
-          <p:cNvPr id="91" name="Straight Arrow Connector 90"/>
-          <p:cNvCxnSpPr>
-            <a:stCxn id="63" idx="4"/>
-            <a:endCxn id="26" idx="2"/>
-          </p:cNvCxnSpPr>
-          <p:nvPr/>
-        </p:nvCxnSpPr>
-        <p:spPr>
-          <a:xfrm flipV="1">
-            <a:off x="8076326" y="657913"/>
-            <a:ext cx="434504" cy="373970"/>
-          </a:xfrm>
-          <a:prstGeom prst="straightConnector1">
-            <a:avLst/>
-          </a:prstGeom>
-          <a:ln w="12700">
-            <a:solidFill>
-              <a:schemeClr val="tx1"/>
-            </a:solidFill>
-            <a:tailEnd type="arrow" w="sm" len="sm"/>
-          </a:ln>
-        </p:spPr>
-        <p:style>
-          <a:lnRef idx="1">
-            <a:schemeClr val="accent1"/>
-          </a:lnRef>
-          <a:fillRef idx="0">
-            <a:schemeClr val="accent1"/>
-          </a:fillRef>
-          <a:effectRef idx="0">
-            <a:schemeClr val="accent1"/>
-          </a:effectRef>
-          <a:fontRef idx="minor">
-            <a:schemeClr val="tx1"/>
-          </a:fontRef>
-        </p:style>
-      </p:cxnSp>
-      <p:cxnSp>
-        <p:nvCxnSpPr>
-          <p:cNvPr id="101" name="Straight Arrow Connector 100"/>
-          <p:cNvCxnSpPr>
-            <a:stCxn id="25" idx="4"/>
-            <a:endCxn id="88" idx="1"/>
-          </p:cNvCxnSpPr>
-          <p:nvPr/>
-        </p:nvCxnSpPr>
-        <p:spPr>
-          <a:xfrm>
-            <a:off x="8081271" y="657913"/>
-            <a:ext cx="488776" cy="362427"/>
-          </a:xfrm>
-          <a:prstGeom prst="straightConnector1">
-            <a:avLst/>
-          </a:prstGeom>
-          <a:ln w="12700">
-            <a:solidFill>
-              <a:schemeClr val="tx1"/>
-            </a:solidFill>
-            <a:tailEnd type="arrow" w="sm" len="sm"/>
-          </a:ln>
-        </p:spPr>
-        <p:style>
-          <a:lnRef idx="1">
-            <a:schemeClr val="accent1"/>
-          </a:lnRef>
-          <a:fillRef idx="0">
-            <a:schemeClr val="accent1"/>
-          </a:fillRef>
-          <a:effectRef idx="0">
-            <a:schemeClr val="accent1"/>
-          </a:effectRef>
-          <a:fontRef idx="minor">
-            <a:schemeClr val="tx1"/>
-          </a:fontRef>
-        </p:style>
-      </p:cxnSp>
-      <p:sp>
-        <p:nvSpPr>
-          <p:cNvPr id="108" name="Can 107"/>
-          <p:cNvSpPr/>
-          <p:nvPr/>
-        </p:nvSpPr>
-        <p:spPr>
-          <a:xfrm>
-            <a:off x="7712908" y="1597727"/>
-            <a:ext cx="371689" cy="392163"/>
-          </a:xfrm>
-          <a:prstGeom prst="can">
-            <a:avLst>
-              <a:gd name="adj" fmla="val 42241"/>
-            </a:avLst>
-          </a:prstGeom>
-          <a:ln w="12700">
-            <a:solidFill>
-              <a:schemeClr val="tx1"/>
-            </a:solidFill>
-            <a:prstDash val="sysDot"/>
-          </a:ln>
-        </p:spPr>
-        <p:style>
-          <a:lnRef idx="2">
-            <a:schemeClr val="accent3">
-              <a:shade val="50000"/>
-            </a:schemeClr>
-          </a:lnRef>
-          <a:fillRef idx="1">
-            <a:schemeClr val="accent3"/>
-          </a:fillRef>
-          <a:effectRef idx="0">
-            <a:schemeClr val="accent3"/>
-          </a:effectRef>
-          <a:fontRef idx="minor">
-            <a:schemeClr val="lt1"/>
-          </a:fontRef>
-        </p:style>
-        <p:txBody>
-          <a:bodyPr lIns="0" tIns="0" rIns="0" bIns="0" rtlCol="0" anchor="ctr"/>
-          <a:lstStyle/>
-          <a:p>
-            <a:pPr algn="ctr"/>
-            <a:r>
-              <a:rPr lang="en-US" sz="900" dirty="0" smtClean="0">
-                <a:solidFill>
-                  <a:schemeClr val="tx1"/>
-                </a:solidFill>
-              </a:rPr>
-              <a:t>IS211</a:t>
-            </a:r>
-            <a:endParaRPr lang="en-US" sz="900" dirty="0">
-              <a:solidFill>
-                <a:schemeClr val="tx1"/>
-              </a:solidFill>
-            </a:endParaRPr>
-          </a:p>
-        </p:txBody>
-      </p:sp>
-      <p:sp>
-        <p:nvSpPr>
-          <p:cNvPr id="109" name="Can 108"/>
-          <p:cNvSpPr/>
-          <p:nvPr/>
-        </p:nvSpPr>
-        <p:spPr>
-          <a:xfrm>
-            <a:off x="7709582" y="1966863"/>
-            <a:ext cx="371689" cy="392163"/>
-          </a:xfrm>
-          <a:prstGeom prst="can">
-            <a:avLst>
-              <a:gd name="adj" fmla="val 42241"/>
-            </a:avLst>
-          </a:prstGeom>
-          <a:ln w="12700">
-            <a:solidFill>
-              <a:schemeClr val="tx1"/>
-            </a:solidFill>
-            <a:prstDash val="sysDot"/>
-          </a:ln>
-        </p:spPr>
-        <p:style>
-          <a:lnRef idx="2">
-            <a:schemeClr val="accent3">
-              <a:shade val="50000"/>
-            </a:schemeClr>
-          </a:lnRef>
-          <a:fillRef idx="1">
-            <a:schemeClr val="accent3"/>
-          </a:fillRef>
-          <a:effectRef idx="0">
-            <a:schemeClr val="accent3"/>
-          </a:effectRef>
-          <a:fontRef idx="minor">
-            <a:schemeClr val="lt1"/>
-          </a:fontRef>
-        </p:style>
-        <p:txBody>
-          <a:bodyPr lIns="0" tIns="0" rIns="0" bIns="0" rtlCol="0" anchor="ctr"/>
-          <a:lstStyle/>
-          <a:p>
-            <a:pPr algn="ctr"/>
-            <a:r>
-              <a:rPr lang="en-US" sz="900" dirty="0" smtClean="0">
-                <a:solidFill>
-                  <a:schemeClr val="tx1"/>
-                </a:solidFill>
-              </a:rPr>
-              <a:t>IS212</a:t>
-            </a:r>
-            <a:endParaRPr lang="en-US" sz="900" dirty="0">
-              <a:solidFill>
-                <a:schemeClr val="tx1"/>
-              </a:solidFill>
-            </a:endParaRPr>
-          </a:p>
-        </p:txBody>
-      </p:sp>
-      <p:cxnSp>
-        <p:nvCxnSpPr>
-          <p:cNvPr id="116" name="Straight Arrow Connector 115"/>
-          <p:cNvCxnSpPr>
-            <a:stCxn id="56" idx="6"/>
-            <a:endCxn id="108" idx="2"/>
-          </p:cNvCxnSpPr>
-          <p:nvPr/>
-        </p:nvCxnSpPr>
-        <p:spPr>
-          <a:xfrm>
-            <a:off x="7276669" y="1793809"/>
-            <a:ext cx="436239" cy="0"/>
-          </a:xfrm>
-          <a:prstGeom prst="straightConnector1">
-            <a:avLst/>
-          </a:prstGeom>
-          <a:ln w="12700">
-            <a:solidFill>
-              <a:schemeClr val="tx1"/>
-            </a:solidFill>
-            <a:tailEnd type="arrow" w="sm" len="sm"/>
-          </a:ln>
-        </p:spPr>
-        <p:style>
-          <a:lnRef idx="1">
-            <a:schemeClr val="accent1"/>
-          </a:lnRef>
-          <a:fillRef idx="0">
-            <a:schemeClr val="accent1"/>
-          </a:fillRef>
-          <a:effectRef idx="0">
-            <a:schemeClr val="accent1"/>
-          </a:effectRef>
-          <a:fontRef idx="minor">
-            <a:schemeClr val="tx1"/>
-          </a:fontRef>
-        </p:style>
-      </p:cxnSp>
-      <p:cxnSp>
-        <p:nvCxnSpPr>
-          <p:cNvPr id="119" name="Straight Arrow Connector 118"/>
-          <p:cNvCxnSpPr>
-            <a:stCxn id="56" idx="6"/>
-            <a:endCxn id="109" idx="2"/>
-          </p:cNvCxnSpPr>
-          <p:nvPr/>
-        </p:nvCxnSpPr>
-        <p:spPr>
-          <a:xfrm>
-            <a:off x="7276669" y="1793809"/>
-            <a:ext cx="432913" cy="369136"/>
-          </a:xfrm>
-          <a:prstGeom prst="straightConnector1">
-            <a:avLst/>
-          </a:prstGeom>
-          <a:ln w="12700">
-            <a:solidFill>
-              <a:schemeClr val="tx1"/>
-            </a:solidFill>
-            <a:tailEnd type="arrow" w="sm" len="sm"/>
-          </a:ln>
-        </p:spPr>
-        <p:style>
-          <a:lnRef idx="1">
-            <a:schemeClr val="accent1"/>
-          </a:lnRef>
-          <a:fillRef idx="0">
-            <a:schemeClr val="accent1"/>
-          </a:fillRef>
-          <a:effectRef idx="0">
-            <a:schemeClr val="accent1"/>
-          </a:effectRef>
-          <a:fontRef idx="minor">
-            <a:schemeClr val="tx1"/>
-          </a:fontRef>
-        </p:style>
-      </p:cxnSp>
+            <a:ln>
+              <a:noFill/>
+            </a:ln>
+          </p:spPr>
+          <p:style>
+            <a:lnRef idx="2">
+              <a:schemeClr val="accent1">
+                <a:shade val="50000"/>
+              </a:schemeClr>
+            </a:lnRef>
+            <a:fillRef idx="1">
+              <a:schemeClr val="accent1"/>
+            </a:fillRef>
+            <a:effectRef idx="0">
+              <a:schemeClr val="accent1"/>
+            </a:effectRef>
+            <a:fontRef idx="minor">
+              <a:schemeClr val="lt1"/>
+            </a:fontRef>
+          </p:style>
+          <p:txBody>
+            <a:bodyPr rtlCol="0" anchor="ctr"/>
+            <a:lstStyle/>
+            <a:p>
+              <a:pPr algn="ctr"/>
+              <a:endParaRPr lang="en-US"/>
+            </a:p>
+          </p:txBody>
+        </p:sp>
+      </p:grpSp>
     </p:spTree>
     <p:extLst>
       <p:ext uri="{BB962C8B-B14F-4D97-AF65-F5344CB8AC3E}">
@@ -10330,17 +11086,6 @@
                 <a:cs typeface="Calibri" charset="0"/>
               </a:rPr>
               <a:t>Google Comp. Engine,</a:t>
-            </a:r>
-            <a:r>
-              <a:rPr lang="en-US" sz="900" dirty="0" smtClean="0">
-                <a:solidFill>
-                  <a:schemeClr val="tx1"/>
-                </a:solidFill>
-                <a:latin typeface="Calibri" charset="0"/>
-                <a:ea typeface="Calibri" charset="0"/>
-                <a:cs typeface="Calibri" charset="0"/>
-              </a:rPr>
-              <a:t/>
             </a:r>
             <a:br>
               <a:rPr lang="en-US" sz="900" dirty="0" smtClean="0">

--- a/figs/src/diagrams.pptx
+++ b/figs/src/diagrams.pptx
@@ -8,11 +8,12 @@
     <p:sldId id="256" r:id="rId2"/>
     <p:sldId id="263" r:id="rId3"/>
     <p:sldId id="262" r:id="rId4"/>
-    <p:sldId id="257" r:id="rId5"/>
-    <p:sldId id="258" r:id="rId6"/>
-    <p:sldId id="259" r:id="rId7"/>
-    <p:sldId id="260" r:id="rId8"/>
-    <p:sldId id="261" r:id="rId9"/>
+    <p:sldId id="264" r:id="rId5"/>
+    <p:sldId id="257" r:id="rId6"/>
+    <p:sldId id="258" r:id="rId7"/>
+    <p:sldId id="259" r:id="rId8"/>
+    <p:sldId id="260" r:id="rId9"/>
+    <p:sldId id="261" r:id="rId10"/>
   </p:sldIdLst>
   <p:sldSz cx="12192000" cy="6858000"/>
   <p:notesSz cx="6858000" cy="9144000"/>
@@ -10577,8 +10578,8 @@
           </a:prstGeom>
           <a:solidFill>
             <a:schemeClr val="accent4">
-              <a:lumMod val="60000"/>
-              <a:lumOff val="40000"/>
+              <a:lumMod val="20000"/>
+              <a:lumOff val="80000"/>
             </a:schemeClr>
           </a:solidFill>
           <a:ln>
@@ -10666,8 +10667,8 @@
           </a:prstGeom>
           <a:solidFill>
             <a:schemeClr val="accent4">
-              <a:lumMod val="60000"/>
-              <a:lumOff val="40000"/>
+              <a:lumMod val="20000"/>
+              <a:lumOff val="80000"/>
             </a:schemeClr>
           </a:solidFill>
           <a:ln>
@@ -10752,8 +10753,8 @@
           </a:prstGeom>
           <a:solidFill>
             <a:schemeClr val="accent6">
-              <a:lumMod val="60000"/>
-              <a:lumOff val="40000"/>
+              <a:lumMod val="40000"/>
+              <a:lumOff val="60000"/>
             </a:schemeClr>
           </a:solidFill>
           <a:ln>
@@ -11135,8 +11136,8 @@
           </a:prstGeom>
           <a:solidFill>
             <a:schemeClr val="accent2">
-              <a:lumMod val="40000"/>
-              <a:lumOff val="60000"/>
+              <a:lumMod val="20000"/>
+              <a:lumOff val="80000"/>
             </a:schemeClr>
           </a:solidFill>
           <a:ln>
@@ -11230,8 +11231,8 @@
           </a:prstGeom>
           <a:solidFill>
             <a:schemeClr val="accent2">
-              <a:lumMod val="40000"/>
-              <a:lumOff val="60000"/>
+              <a:lumMod val="20000"/>
+              <a:lumOff val="80000"/>
             </a:schemeClr>
           </a:solidFill>
           <a:ln>
@@ -11314,8 +11315,8 @@
           </a:prstGeom>
           <a:solidFill>
             <a:schemeClr val="accent2">
-              <a:lumMod val="40000"/>
-              <a:lumOff val="60000"/>
+              <a:lumMod val="20000"/>
+              <a:lumOff val="80000"/>
             </a:schemeClr>
           </a:solidFill>
           <a:ln>
@@ -11398,8 +11399,8 @@
           </a:prstGeom>
           <a:solidFill>
             <a:schemeClr val="accent2">
-              <a:lumMod val="40000"/>
-              <a:lumOff val="60000"/>
+              <a:lumMod val="20000"/>
+              <a:lumOff val="80000"/>
             </a:schemeClr>
           </a:solidFill>
           <a:ln>
@@ -11681,6 +11682,4578 @@
       </p:grpSpPr>
       <p:sp>
         <p:nvSpPr>
+          <p:cNvPr id="105" name="Rectangle 104"/>
+          <p:cNvSpPr/>
+          <p:nvPr/>
+        </p:nvSpPr>
+        <p:spPr>
+          <a:xfrm>
+            <a:off x="692804" y="1049893"/>
+            <a:ext cx="1685147" cy="931809"/>
+          </a:xfrm>
+          <a:prstGeom prst="rect">
+            <a:avLst/>
+          </a:prstGeom>
+          <a:solidFill>
+            <a:schemeClr val="accent1">
+              <a:lumMod val="20000"/>
+              <a:lumOff val="80000"/>
+              <a:alpha val="33000"/>
+            </a:schemeClr>
+          </a:solidFill>
+          <a:ln>
+            <a:solidFill>
+              <a:schemeClr val="tx1">
+                <a:lumMod val="65000"/>
+                <a:lumOff val="35000"/>
+              </a:schemeClr>
+            </a:solidFill>
+          </a:ln>
+        </p:spPr>
+        <p:style>
+          <a:lnRef idx="2">
+            <a:schemeClr val="accent1">
+              <a:shade val="50000"/>
+            </a:schemeClr>
+          </a:lnRef>
+          <a:fillRef idx="1">
+            <a:schemeClr val="accent1"/>
+          </a:fillRef>
+          <a:effectRef idx="0">
+            <a:schemeClr val="accent1"/>
+          </a:effectRef>
+          <a:fontRef idx="minor">
+            <a:schemeClr val="lt1"/>
+          </a:fontRef>
+        </p:style>
+        <p:txBody>
+          <a:bodyPr lIns="36000" rtlCol="0" anchor="ctr"/>
+          <a:lstStyle/>
+          <a:p>
+            <a:pPr algn="ctr"/>
+            <a:r>
+              <a:rPr lang="en-US" sz="1050" b="1" dirty="0" err="1" smtClean="0">
+                <a:solidFill>
+                  <a:schemeClr val="tx1"/>
+                </a:solidFill>
+                <a:latin typeface="Calibri" charset="0"/>
+                <a:ea typeface="Calibri" charset="0"/>
+                <a:cs typeface="Calibri" charset="0"/>
+              </a:rPr>
+              <a:t>Flink</a:t>
+            </a:r>
+            <a:r>
+              <a:rPr lang="en-US" sz="1050" b="1" dirty="0" smtClean="0">
+                <a:solidFill>
+                  <a:schemeClr val="tx1"/>
+                </a:solidFill>
+                <a:latin typeface="Calibri" charset="0"/>
+                <a:ea typeface="Calibri" charset="0"/>
+                <a:cs typeface="Calibri" charset="0"/>
+              </a:rPr>
+              <a:t> Client</a:t>
+            </a:r>
+            <a:br>
+              <a:rPr lang="en-US" sz="1050" b="1" dirty="0" smtClean="0">
+                <a:solidFill>
+                  <a:schemeClr val="tx1"/>
+                </a:solidFill>
+                <a:latin typeface="Calibri" charset="0"/>
+                <a:ea typeface="Calibri" charset="0"/>
+                <a:cs typeface="Calibri" charset="0"/>
+              </a:rPr>
+            </a:br>
+            <a:r>
+              <a:rPr lang="en-US" sz="1050" b="1" dirty="0" smtClean="0">
+                <a:solidFill>
+                  <a:schemeClr val="tx1"/>
+                </a:solidFill>
+                <a:latin typeface="Calibri" charset="0"/>
+                <a:ea typeface="Calibri" charset="0"/>
+                <a:cs typeface="Calibri" charset="0"/>
+              </a:rPr>
+              <a:t/>
+            </a:r>
+            <a:br>
+              <a:rPr lang="en-US" sz="1050" b="1" dirty="0" smtClean="0">
+                <a:solidFill>
+                  <a:schemeClr val="tx1"/>
+                </a:solidFill>
+                <a:latin typeface="Calibri" charset="0"/>
+                <a:ea typeface="Calibri" charset="0"/>
+                <a:cs typeface="Calibri" charset="0"/>
+              </a:rPr>
+            </a:br>
+            <a:r>
+              <a:rPr lang="en-US" sz="1050" b="1" dirty="0" smtClean="0">
+                <a:solidFill>
+                  <a:schemeClr val="tx1"/>
+                </a:solidFill>
+                <a:latin typeface="Calibri" charset="0"/>
+                <a:ea typeface="Calibri" charset="0"/>
+                <a:cs typeface="Calibri" charset="0"/>
+              </a:rPr>
+              <a:t/>
+            </a:r>
+            <a:br>
+              <a:rPr lang="en-US" sz="1050" b="1" dirty="0" smtClean="0">
+                <a:solidFill>
+                  <a:schemeClr val="tx1"/>
+                </a:solidFill>
+                <a:latin typeface="Calibri" charset="0"/>
+                <a:ea typeface="Calibri" charset="0"/>
+                <a:cs typeface="Calibri" charset="0"/>
+              </a:rPr>
+            </a:br>
+            <a:r>
+              <a:rPr lang="en-US" sz="1050" b="1" dirty="0" smtClean="0">
+                <a:solidFill>
+                  <a:schemeClr val="tx1"/>
+                </a:solidFill>
+                <a:latin typeface="Calibri" charset="0"/>
+                <a:ea typeface="Calibri" charset="0"/>
+                <a:cs typeface="Calibri" charset="0"/>
+              </a:rPr>
+              <a:t/>
+            </a:r>
+            <a:br>
+              <a:rPr lang="en-US" sz="1050" b="1" dirty="0" smtClean="0">
+                <a:solidFill>
+                  <a:schemeClr val="tx1"/>
+                </a:solidFill>
+                <a:latin typeface="Calibri" charset="0"/>
+                <a:ea typeface="Calibri" charset="0"/>
+                <a:cs typeface="Calibri" charset="0"/>
+              </a:rPr>
+            </a:br>
+            <a:r>
+              <a:rPr lang="en-US" sz="1050" b="1" dirty="0" smtClean="0">
+                <a:solidFill>
+                  <a:schemeClr val="tx1"/>
+                </a:solidFill>
+                <a:latin typeface="Calibri" charset="0"/>
+                <a:ea typeface="Calibri" charset="0"/>
+                <a:cs typeface="Calibri" charset="0"/>
+              </a:rPr>
+              <a:t/>
+            </a:r>
+            <a:br>
+              <a:rPr lang="en-US" sz="1050" b="1" dirty="0" smtClean="0">
+                <a:solidFill>
+                  <a:schemeClr val="tx1"/>
+                </a:solidFill>
+                <a:latin typeface="Calibri" charset="0"/>
+                <a:ea typeface="Calibri" charset="0"/>
+                <a:cs typeface="Calibri" charset="0"/>
+              </a:rPr>
+            </a:br>
+            <a:endParaRPr lang="en-US" sz="900" i="1" dirty="0" smtClean="0">
+              <a:solidFill>
+                <a:schemeClr val="tx1"/>
+              </a:solidFill>
+              <a:latin typeface="Calibri" charset="0"/>
+              <a:ea typeface="Calibri" charset="0"/>
+              <a:cs typeface="Calibri" charset="0"/>
+            </a:endParaRPr>
+          </a:p>
+        </p:txBody>
+      </p:sp>
+      <p:sp>
+        <p:nvSpPr>
+          <p:cNvPr id="13" name="Rectangle 12"/>
+          <p:cNvSpPr/>
+          <p:nvPr/>
+        </p:nvSpPr>
+        <p:spPr>
+          <a:xfrm>
+            <a:off x="687808" y="2078352"/>
+            <a:ext cx="1690143" cy="1419537"/>
+          </a:xfrm>
+          <a:prstGeom prst="rect">
+            <a:avLst/>
+          </a:prstGeom>
+          <a:solidFill>
+            <a:schemeClr val="accent1">
+              <a:lumMod val="20000"/>
+              <a:lumOff val="80000"/>
+              <a:alpha val="33000"/>
+            </a:schemeClr>
+          </a:solidFill>
+          <a:ln>
+            <a:solidFill>
+              <a:schemeClr val="tx1">
+                <a:lumMod val="65000"/>
+                <a:lumOff val="35000"/>
+              </a:schemeClr>
+            </a:solidFill>
+          </a:ln>
+        </p:spPr>
+        <p:style>
+          <a:lnRef idx="2">
+            <a:schemeClr val="accent1">
+              <a:shade val="50000"/>
+            </a:schemeClr>
+          </a:lnRef>
+          <a:fillRef idx="1">
+            <a:schemeClr val="accent1"/>
+          </a:fillRef>
+          <a:effectRef idx="0">
+            <a:schemeClr val="accent1"/>
+          </a:effectRef>
+          <a:fontRef idx="minor">
+            <a:schemeClr val="lt1"/>
+          </a:fontRef>
+        </p:style>
+        <p:txBody>
+          <a:bodyPr lIns="36000" rtlCol="0" anchor="ctr"/>
+          <a:lstStyle/>
+          <a:p>
+            <a:pPr algn="ctr"/>
+            <a:r>
+              <a:rPr lang="en-US" sz="1050" b="1" dirty="0" smtClean="0">
+                <a:solidFill>
+                  <a:schemeClr val="tx1"/>
+                </a:solidFill>
+                <a:latin typeface="Calibri" charset="0"/>
+                <a:ea typeface="Calibri" charset="0"/>
+                <a:cs typeface="Calibri" charset="0"/>
+              </a:rPr>
+              <a:t>Job Manager</a:t>
+            </a:r>
+          </a:p>
+          <a:p>
+            <a:pPr algn="ctr"/>
+            <a:endParaRPr lang="en-US" sz="900" b="1" dirty="0">
+              <a:solidFill>
+                <a:schemeClr val="tx1"/>
+              </a:solidFill>
+              <a:latin typeface="Calibri" charset="0"/>
+              <a:ea typeface="Calibri" charset="0"/>
+              <a:cs typeface="Calibri" charset="0"/>
+            </a:endParaRPr>
+          </a:p>
+          <a:p>
+            <a:pPr algn="ctr"/>
+            <a:endParaRPr lang="en-US" sz="900" b="1" dirty="0" smtClean="0">
+              <a:solidFill>
+                <a:schemeClr val="tx1"/>
+              </a:solidFill>
+              <a:latin typeface="Calibri" charset="0"/>
+              <a:ea typeface="Calibri" charset="0"/>
+              <a:cs typeface="Calibri" charset="0"/>
+            </a:endParaRPr>
+          </a:p>
+          <a:p>
+            <a:pPr algn="ctr"/>
+            <a:endParaRPr lang="en-US" sz="900" b="1" i="1" dirty="0">
+              <a:solidFill>
+                <a:schemeClr val="tx1"/>
+              </a:solidFill>
+              <a:latin typeface="Calibri" charset="0"/>
+              <a:ea typeface="Calibri" charset="0"/>
+              <a:cs typeface="Calibri" charset="0"/>
+            </a:endParaRPr>
+          </a:p>
+          <a:p>
+            <a:pPr algn="ctr"/>
+            <a:endParaRPr lang="en-US" sz="900" b="1" i="1" dirty="0" smtClean="0">
+              <a:solidFill>
+                <a:schemeClr val="tx1"/>
+              </a:solidFill>
+              <a:latin typeface="Calibri" charset="0"/>
+              <a:ea typeface="Calibri" charset="0"/>
+              <a:cs typeface="Calibri" charset="0"/>
+            </a:endParaRPr>
+          </a:p>
+          <a:p>
+            <a:pPr algn="ctr"/>
+            <a:endParaRPr lang="en-US" sz="900" b="1" i="1" dirty="0">
+              <a:solidFill>
+                <a:schemeClr val="tx1"/>
+              </a:solidFill>
+              <a:latin typeface="Calibri" charset="0"/>
+              <a:ea typeface="Calibri" charset="0"/>
+              <a:cs typeface="Calibri" charset="0"/>
+            </a:endParaRPr>
+          </a:p>
+          <a:p>
+            <a:pPr algn="ctr"/>
+            <a:endParaRPr lang="en-US" sz="900" b="1" i="1" dirty="0" smtClean="0">
+              <a:solidFill>
+                <a:schemeClr val="tx1"/>
+              </a:solidFill>
+              <a:latin typeface="Calibri" charset="0"/>
+              <a:ea typeface="Calibri" charset="0"/>
+              <a:cs typeface="Calibri" charset="0"/>
+            </a:endParaRPr>
+          </a:p>
+          <a:p>
+            <a:pPr algn="ctr"/>
+            <a:endParaRPr lang="en-US" sz="900" b="1" i="1" dirty="0">
+              <a:solidFill>
+                <a:schemeClr val="tx1"/>
+              </a:solidFill>
+              <a:latin typeface="Calibri" charset="0"/>
+              <a:ea typeface="Calibri" charset="0"/>
+              <a:cs typeface="Calibri" charset="0"/>
+            </a:endParaRPr>
+          </a:p>
+          <a:p>
+            <a:pPr algn="ctr"/>
+            <a:endParaRPr lang="en-US" sz="900" b="1" i="1" dirty="0" smtClean="0">
+              <a:solidFill>
+                <a:schemeClr val="tx1"/>
+              </a:solidFill>
+              <a:latin typeface="Calibri" charset="0"/>
+              <a:ea typeface="Calibri" charset="0"/>
+              <a:cs typeface="Calibri" charset="0"/>
+            </a:endParaRPr>
+          </a:p>
+          <a:p>
+            <a:pPr algn="ctr"/>
+            <a:endParaRPr lang="en-US" sz="900" i="1" dirty="0" smtClean="0">
+              <a:solidFill>
+                <a:schemeClr val="tx1"/>
+              </a:solidFill>
+              <a:latin typeface="Calibri" charset="0"/>
+              <a:ea typeface="Calibri" charset="0"/>
+              <a:cs typeface="Calibri" charset="0"/>
+            </a:endParaRPr>
+          </a:p>
+        </p:txBody>
+      </p:sp>
+      <p:grpSp>
+        <p:nvGrpSpPr>
+          <p:cNvPr id="9" name="Group 8"/>
+          <p:cNvGrpSpPr/>
+          <p:nvPr/>
+        </p:nvGrpSpPr>
+        <p:grpSpPr>
+          <a:xfrm>
+            <a:off x="2991933" y="1049893"/>
+            <a:ext cx="1534396" cy="1419538"/>
+            <a:chOff x="5209908" y="860992"/>
+            <a:chExt cx="1839671" cy="1796239"/>
+          </a:xfrm>
+        </p:grpSpPr>
+        <p:sp>
+          <p:nvSpPr>
+            <p:cNvPr id="7" name="Rectangle 6"/>
+            <p:cNvSpPr/>
+            <p:nvPr/>
+          </p:nvSpPr>
+          <p:spPr>
+            <a:xfrm>
+              <a:off x="5209908" y="860992"/>
+              <a:ext cx="1839671" cy="1796239"/>
+            </a:xfrm>
+            <a:prstGeom prst="rect">
+              <a:avLst/>
+            </a:prstGeom>
+            <a:solidFill>
+              <a:schemeClr val="accent2">
+                <a:lumMod val="20000"/>
+                <a:lumOff val="80000"/>
+                <a:alpha val="30000"/>
+              </a:schemeClr>
+            </a:solidFill>
+            <a:ln w="15875">
+              <a:solidFill>
+                <a:schemeClr val="tx1">
+                  <a:lumMod val="65000"/>
+                  <a:lumOff val="35000"/>
+                </a:schemeClr>
+              </a:solidFill>
+            </a:ln>
+          </p:spPr>
+          <p:style>
+            <a:lnRef idx="2">
+              <a:schemeClr val="accent1">
+                <a:shade val="50000"/>
+              </a:schemeClr>
+            </a:lnRef>
+            <a:fillRef idx="1">
+              <a:schemeClr val="accent1"/>
+            </a:fillRef>
+            <a:effectRef idx="0">
+              <a:schemeClr val="accent1"/>
+            </a:effectRef>
+            <a:fontRef idx="minor">
+              <a:schemeClr val="lt1"/>
+            </a:fontRef>
+          </p:style>
+          <p:txBody>
+            <a:bodyPr lIns="36000" rtlCol="0" anchor="ctr"/>
+            <a:lstStyle/>
+            <a:p>
+              <a:pPr algn="ctr"/>
+              <a:r>
+                <a:rPr lang="en-US" sz="1050" b="1" dirty="0" smtClean="0">
+                  <a:solidFill>
+                    <a:schemeClr val="tx1"/>
+                  </a:solidFill>
+                  <a:latin typeface="Calibri" charset="0"/>
+                  <a:ea typeface="Calibri" charset="0"/>
+                  <a:cs typeface="Calibri" charset="0"/>
+                </a:rPr>
+                <a:t>Task Manager #1</a:t>
+              </a:r>
+            </a:p>
+            <a:p>
+              <a:pPr algn="ctr"/>
+              <a:endParaRPr lang="en-US" sz="700" b="1" i="1" dirty="0" smtClean="0">
+                <a:solidFill>
+                  <a:schemeClr val="tx1"/>
+                </a:solidFill>
+                <a:latin typeface="Calibri" charset="0"/>
+                <a:ea typeface="Calibri" charset="0"/>
+                <a:cs typeface="Calibri" charset="0"/>
+              </a:endParaRPr>
+            </a:p>
+            <a:p>
+              <a:pPr algn="ctr"/>
+              <a:endParaRPr lang="en-US" sz="700" b="1" i="1" dirty="0">
+                <a:solidFill>
+                  <a:schemeClr val="tx1"/>
+                </a:solidFill>
+                <a:latin typeface="Calibri" charset="0"/>
+                <a:ea typeface="Calibri" charset="0"/>
+                <a:cs typeface="Calibri" charset="0"/>
+              </a:endParaRPr>
+            </a:p>
+            <a:p>
+              <a:pPr algn="ctr"/>
+              <a:endParaRPr lang="en-US" sz="700" b="1" i="1" dirty="0" smtClean="0">
+                <a:solidFill>
+                  <a:schemeClr val="tx1"/>
+                </a:solidFill>
+                <a:latin typeface="Calibri" charset="0"/>
+                <a:ea typeface="Calibri" charset="0"/>
+                <a:cs typeface="Calibri" charset="0"/>
+              </a:endParaRPr>
+            </a:p>
+            <a:p>
+              <a:pPr algn="ctr"/>
+              <a:endParaRPr lang="en-US" sz="700" b="1" i="1" dirty="0">
+                <a:solidFill>
+                  <a:schemeClr val="tx1"/>
+                </a:solidFill>
+                <a:latin typeface="Calibri" charset="0"/>
+                <a:ea typeface="Calibri" charset="0"/>
+                <a:cs typeface="Calibri" charset="0"/>
+              </a:endParaRPr>
+            </a:p>
+            <a:p>
+              <a:pPr algn="ctr"/>
+              <a:endParaRPr lang="en-US" sz="700" b="1" i="1" dirty="0" smtClean="0">
+                <a:solidFill>
+                  <a:schemeClr val="tx1"/>
+                </a:solidFill>
+                <a:latin typeface="Calibri" charset="0"/>
+                <a:ea typeface="Calibri" charset="0"/>
+                <a:cs typeface="Calibri" charset="0"/>
+              </a:endParaRPr>
+            </a:p>
+            <a:p>
+              <a:pPr algn="ctr"/>
+              <a:endParaRPr lang="en-US" sz="700" b="1" i="1" dirty="0">
+                <a:solidFill>
+                  <a:schemeClr val="tx1"/>
+                </a:solidFill>
+                <a:latin typeface="Calibri" charset="0"/>
+                <a:ea typeface="Calibri" charset="0"/>
+                <a:cs typeface="Calibri" charset="0"/>
+              </a:endParaRPr>
+            </a:p>
+            <a:p>
+              <a:pPr algn="ctr"/>
+              <a:endParaRPr lang="en-US" sz="700" b="1" i="1" dirty="0">
+                <a:solidFill>
+                  <a:schemeClr val="tx1"/>
+                </a:solidFill>
+                <a:latin typeface="Calibri" charset="0"/>
+                <a:ea typeface="Calibri" charset="0"/>
+                <a:cs typeface="Calibri" charset="0"/>
+              </a:endParaRPr>
+            </a:p>
+            <a:p>
+              <a:pPr algn="ctr"/>
+              <a:endParaRPr lang="en-US" sz="700" b="1" i="1" dirty="0" smtClean="0">
+                <a:solidFill>
+                  <a:schemeClr val="tx1"/>
+                </a:solidFill>
+                <a:latin typeface="Calibri" charset="0"/>
+                <a:ea typeface="Calibri" charset="0"/>
+                <a:cs typeface="Calibri" charset="0"/>
+              </a:endParaRPr>
+            </a:p>
+            <a:p>
+              <a:pPr algn="ctr"/>
+              <a:endParaRPr lang="en-US" sz="700" b="1" i="1" dirty="0">
+                <a:solidFill>
+                  <a:schemeClr val="tx1"/>
+                </a:solidFill>
+                <a:latin typeface="Calibri" charset="0"/>
+                <a:ea typeface="Calibri" charset="0"/>
+                <a:cs typeface="Calibri" charset="0"/>
+              </a:endParaRPr>
+            </a:p>
+            <a:p>
+              <a:pPr algn="ctr"/>
+              <a:endParaRPr lang="en-US" sz="700" b="1" i="1" dirty="0" smtClean="0">
+                <a:solidFill>
+                  <a:schemeClr val="tx1"/>
+                </a:solidFill>
+                <a:latin typeface="Calibri" charset="0"/>
+                <a:ea typeface="Calibri" charset="0"/>
+                <a:cs typeface="Calibri" charset="0"/>
+              </a:endParaRPr>
+            </a:p>
+            <a:p>
+              <a:pPr algn="ctr"/>
+              <a:endParaRPr lang="en-US" sz="700" b="1" i="1" dirty="0">
+                <a:solidFill>
+                  <a:schemeClr val="tx1"/>
+                </a:solidFill>
+                <a:latin typeface="Calibri" charset="0"/>
+                <a:ea typeface="Calibri" charset="0"/>
+                <a:cs typeface="Calibri" charset="0"/>
+              </a:endParaRPr>
+            </a:p>
+            <a:p>
+              <a:pPr algn="ctr"/>
+              <a:endParaRPr lang="en-US" sz="700" i="1" dirty="0" smtClean="0">
+                <a:solidFill>
+                  <a:schemeClr val="tx1"/>
+                </a:solidFill>
+                <a:latin typeface="Calibri" charset="0"/>
+                <a:ea typeface="Calibri" charset="0"/>
+                <a:cs typeface="Calibri" charset="0"/>
+              </a:endParaRPr>
+            </a:p>
+          </p:txBody>
+        </p:sp>
+        <p:grpSp>
+          <p:nvGrpSpPr>
+            <p:cNvPr id="4" name="Group 3"/>
+            <p:cNvGrpSpPr/>
+            <p:nvPr/>
+          </p:nvGrpSpPr>
+          <p:grpSpPr>
+            <a:xfrm>
+              <a:off x="5546992" y="1059262"/>
+              <a:ext cx="455516" cy="933220"/>
+              <a:chOff x="4421368" y="2592101"/>
+              <a:chExt cx="552294" cy="1131490"/>
+            </a:xfrm>
+          </p:grpSpPr>
+          <p:sp>
+            <p:nvSpPr>
+              <p:cNvPr id="24" name="Rectangle 23"/>
+              <p:cNvSpPr/>
+              <p:nvPr/>
+            </p:nvSpPr>
+            <p:spPr>
+              <a:xfrm>
+                <a:off x="4421368" y="2592102"/>
+                <a:ext cx="549218" cy="1131489"/>
+              </a:xfrm>
+              <a:prstGeom prst="rect">
+                <a:avLst/>
+              </a:prstGeom>
+              <a:solidFill>
+                <a:schemeClr val="accent3">
+                  <a:lumMod val="40000"/>
+                  <a:lumOff val="60000"/>
+                </a:schemeClr>
+              </a:solidFill>
+              <a:ln w="9525">
+                <a:solidFill>
+                  <a:schemeClr val="tx1">
+                    <a:lumMod val="65000"/>
+                    <a:lumOff val="35000"/>
+                  </a:schemeClr>
+                </a:solidFill>
+              </a:ln>
+            </p:spPr>
+            <p:style>
+              <a:lnRef idx="2">
+                <a:schemeClr val="accent1">
+                  <a:shade val="50000"/>
+                </a:schemeClr>
+              </a:lnRef>
+              <a:fillRef idx="1">
+                <a:schemeClr val="accent1"/>
+              </a:fillRef>
+              <a:effectRef idx="0">
+                <a:schemeClr val="accent1"/>
+              </a:effectRef>
+              <a:fontRef idx="minor">
+                <a:schemeClr val="lt1"/>
+              </a:fontRef>
+            </p:style>
+            <p:txBody>
+              <a:bodyPr lIns="36000" rtlCol="0" anchor="ctr"/>
+              <a:lstStyle/>
+              <a:p>
+                <a:pPr algn="ctr"/>
+                <a:endParaRPr lang="en-US" sz="700" i="1" dirty="0" smtClean="0">
+                  <a:solidFill>
+                    <a:schemeClr val="tx1"/>
+                  </a:solidFill>
+                  <a:latin typeface="Calibri" charset="0"/>
+                  <a:ea typeface="Calibri" charset="0"/>
+                  <a:cs typeface="Calibri" charset="0"/>
+                </a:endParaRPr>
+              </a:p>
+            </p:txBody>
+          </p:sp>
+          <p:sp>
+            <p:nvSpPr>
+              <p:cNvPr id="2" name="TextBox 1"/>
+              <p:cNvSpPr txBox="1"/>
+              <p:nvPr/>
+            </p:nvSpPr>
+            <p:spPr>
+              <a:xfrm>
+                <a:off x="4430853" y="2592101"/>
+                <a:ext cx="542809" cy="501455"/>
+              </a:xfrm>
+              <a:prstGeom prst="rect">
+                <a:avLst/>
+              </a:prstGeom>
+              <a:noFill/>
+            </p:spPr>
+            <p:txBody>
+              <a:bodyPr wrap="none" rtlCol="0">
+                <a:spAutoFit/>
+              </a:bodyPr>
+              <a:lstStyle/>
+              <a:p>
+                <a:pPr algn="ctr"/>
+                <a:r>
+                  <a:rPr lang="en-US" sz="800" b="1" dirty="0"/>
+                  <a:t>Task </a:t>
+                </a:r>
+                <a:br>
+                  <a:rPr lang="en-US" sz="800" b="1" dirty="0"/>
+                </a:br>
+                <a:r>
+                  <a:rPr lang="en-US" sz="800" b="1" dirty="0"/>
+                  <a:t>Slot</a:t>
+                </a:r>
+                <a:endParaRPr lang="en-US" sz="800" b="1" dirty="0"/>
+              </a:p>
+            </p:txBody>
+          </p:sp>
+          <p:sp>
+            <p:nvSpPr>
+              <p:cNvPr id="3" name="Oval 2"/>
+              <p:cNvSpPr/>
+              <p:nvPr/>
+            </p:nvSpPr>
+            <p:spPr>
+              <a:xfrm>
+                <a:off x="4530829" y="3173477"/>
+                <a:ext cx="351262" cy="351262"/>
+              </a:xfrm>
+              <a:prstGeom prst="ellipse">
+                <a:avLst/>
+              </a:prstGeom>
+            </p:spPr>
+            <p:style>
+              <a:lnRef idx="2">
+                <a:schemeClr val="accent1">
+                  <a:shade val="50000"/>
+                </a:schemeClr>
+              </a:lnRef>
+              <a:fillRef idx="1">
+                <a:schemeClr val="accent1"/>
+              </a:fillRef>
+              <a:effectRef idx="0">
+                <a:schemeClr val="accent1"/>
+              </a:effectRef>
+              <a:fontRef idx="minor">
+                <a:schemeClr val="lt1"/>
+              </a:fontRef>
+            </p:style>
+            <p:txBody>
+              <a:bodyPr rtlCol="0" anchor="ctr"/>
+              <a:lstStyle/>
+              <a:p>
+                <a:pPr algn="ctr"/>
+                <a:endParaRPr lang="en-US" sz="300" dirty="0"/>
+              </a:p>
+            </p:txBody>
+          </p:sp>
+        </p:grpSp>
+        <p:sp>
+          <p:nvSpPr>
+            <p:cNvPr id="26" name="Rectangle 25"/>
+            <p:cNvSpPr/>
+            <p:nvPr/>
+          </p:nvSpPr>
+          <p:spPr>
+            <a:xfrm rot="16200000">
+              <a:off x="4593267" y="1718408"/>
+              <a:ext cx="1544653" cy="226360"/>
+            </a:xfrm>
+            <a:prstGeom prst="rect">
+              <a:avLst/>
+            </a:prstGeom>
+            <a:solidFill>
+              <a:schemeClr val="accent6">
+                <a:lumMod val="60000"/>
+                <a:lumOff val="40000"/>
+              </a:schemeClr>
+            </a:solidFill>
+            <a:ln>
+              <a:solidFill>
+                <a:schemeClr val="tx1">
+                  <a:lumMod val="65000"/>
+                  <a:lumOff val="35000"/>
+                </a:schemeClr>
+              </a:solidFill>
+            </a:ln>
+          </p:spPr>
+          <p:style>
+            <a:lnRef idx="2">
+              <a:schemeClr val="accent1">
+                <a:shade val="50000"/>
+              </a:schemeClr>
+            </a:lnRef>
+            <a:fillRef idx="1">
+              <a:schemeClr val="accent1"/>
+            </a:fillRef>
+            <a:effectRef idx="0">
+              <a:schemeClr val="accent1"/>
+            </a:effectRef>
+            <a:fontRef idx="minor">
+              <a:schemeClr val="lt1"/>
+            </a:fontRef>
+          </p:style>
+          <p:txBody>
+            <a:bodyPr lIns="36000" rtlCol="0" anchor="ctr"/>
+            <a:lstStyle/>
+            <a:p>
+              <a:pPr algn="ctr"/>
+              <a:r>
+                <a:rPr lang="en-US" sz="700" b="1" dirty="0" smtClean="0">
+                  <a:solidFill>
+                    <a:schemeClr val="tx1"/>
+                  </a:solidFill>
+                  <a:latin typeface="Calibri" charset="0"/>
+                  <a:ea typeface="Calibri" charset="0"/>
+                  <a:cs typeface="Calibri" charset="0"/>
+                </a:rPr>
+                <a:t>Actor System</a:t>
+              </a:r>
+              <a:endParaRPr lang="en-US" sz="700" i="1" dirty="0" smtClean="0">
+                <a:solidFill>
+                  <a:schemeClr val="tx1"/>
+                </a:solidFill>
+                <a:latin typeface="Calibri" charset="0"/>
+                <a:ea typeface="Calibri" charset="0"/>
+                <a:cs typeface="Calibri" charset="0"/>
+              </a:endParaRPr>
+            </a:p>
+          </p:txBody>
+        </p:sp>
+        <p:sp>
+          <p:nvSpPr>
+            <p:cNvPr id="28" name="Rectangle 27"/>
+            <p:cNvSpPr/>
+            <p:nvPr/>
+          </p:nvSpPr>
+          <p:spPr>
+            <a:xfrm>
+              <a:off x="5524847" y="2077740"/>
+              <a:ext cx="1459153" cy="230833"/>
+            </a:xfrm>
+            <a:prstGeom prst="rect">
+              <a:avLst/>
+            </a:prstGeom>
+            <a:solidFill>
+              <a:schemeClr val="tx2">
+                <a:lumMod val="40000"/>
+                <a:lumOff val="60000"/>
+              </a:schemeClr>
+            </a:solidFill>
+            <a:ln>
+              <a:solidFill>
+                <a:schemeClr val="tx1">
+                  <a:lumMod val="65000"/>
+                  <a:lumOff val="35000"/>
+                </a:schemeClr>
+              </a:solidFill>
+            </a:ln>
+          </p:spPr>
+          <p:style>
+            <a:lnRef idx="2">
+              <a:schemeClr val="accent1">
+                <a:shade val="50000"/>
+              </a:schemeClr>
+            </a:lnRef>
+            <a:fillRef idx="1">
+              <a:schemeClr val="accent1"/>
+            </a:fillRef>
+            <a:effectRef idx="0">
+              <a:schemeClr val="accent1"/>
+            </a:effectRef>
+            <a:fontRef idx="minor">
+              <a:schemeClr val="lt1"/>
+            </a:fontRef>
+          </p:style>
+          <p:txBody>
+            <a:bodyPr lIns="36000" rtlCol="0" anchor="ctr"/>
+            <a:lstStyle/>
+            <a:p>
+              <a:pPr algn="ctr"/>
+              <a:r>
+                <a:rPr lang="en-US" sz="700" b="1" dirty="0" smtClean="0">
+                  <a:solidFill>
+                    <a:schemeClr val="tx1"/>
+                  </a:solidFill>
+                  <a:latin typeface="Calibri" charset="0"/>
+                  <a:ea typeface="Calibri" charset="0"/>
+                  <a:cs typeface="Calibri" charset="0"/>
+                </a:rPr>
+                <a:t>Memory/IO Manager</a:t>
+              </a:r>
+              <a:endParaRPr lang="en-US" sz="700" i="1" dirty="0" smtClean="0">
+                <a:solidFill>
+                  <a:schemeClr val="tx1"/>
+                </a:solidFill>
+                <a:latin typeface="Calibri" charset="0"/>
+                <a:ea typeface="Calibri" charset="0"/>
+                <a:cs typeface="Calibri" charset="0"/>
+              </a:endParaRPr>
+            </a:p>
+          </p:txBody>
+        </p:sp>
+        <p:sp>
+          <p:nvSpPr>
+            <p:cNvPr id="29" name="Rectangle 28"/>
+            <p:cNvSpPr/>
+            <p:nvPr/>
+          </p:nvSpPr>
+          <p:spPr>
+            <a:xfrm>
+              <a:off x="5524846" y="2373082"/>
+              <a:ext cx="1459153" cy="230833"/>
+            </a:xfrm>
+            <a:prstGeom prst="rect">
+              <a:avLst/>
+            </a:prstGeom>
+            <a:solidFill>
+              <a:schemeClr val="tx2">
+                <a:lumMod val="40000"/>
+                <a:lumOff val="60000"/>
+              </a:schemeClr>
+            </a:solidFill>
+            <a:ln>
+              <a:solidFill>
+                <a:schemeClr val="tx1">
+                  <a:lumMod val="65000"/>
+                  <a:lumOff val="35000"/>
+                </a:schemeClr>
+              </a:solidFill>
+            </a:ln>
+          </p:spPr>
+          <p:style>
+            <a:lnRef idx="2">
+              <a:schemeClr val="accent1">
+                <a:shade val="50000"/>
+              </a:schemeClr>
+            </a:lnRef>
+            <a:fillRef idx="1">
+              <a:schemeClr val="accent1"/>
+            </a:fillRef>
+            <a:effectRef idx="0">
+              <a:schemeClr val="accent1"/>
+            </a:effectRef>
+            <a:fontRef idx="minor">
+              <a:schemeClr val="lt1"/>
+            </a:fontRef>
+          </p:style>
+          <p:txBody>
+            <a:bodyPr lIns="36000" rtlCol="0" anchor="ctr"/>
+            <a:lstStyle/>
+            <a:p>
+              <a:pPr algn="ctr"/>
+              <a:r>
+                <a:rPr lang="en-US" sz="700" b="1" dirty="0" smtClean="0">
+                  <a:solidFill>
+                    <a:schemeClr val="tx1"/>
+                  </a:solidFill>
+                  <a:latin typeface="Calibri" charset="0"/>
+                  <a:ea typeface="Calibri" charset="0"/>
+                  <a:cs typeface="Calibri" charset="0"/>
+                </a:rPr>
+                <a:t>Network Manager</a:t>
+              </a:r>
+              <a:endParaRPr lang="en-US" sz="700" i="1" dirty="0" smtClean="0">
+                <a:solidFill>
+                  <a:schemeClr val="tx1"/>
+                </a:solidFill>
+                <a:latin typeface="Calibri" charset="0"/>
+                <a:ea typeface="Calibri" charset="0"/>
+                <a:cs typeface="Calibri" charset="0"/>
+              </a:endParaRPr>
+            </a:p>
+          </p:txBody>
+        </p:sp>
+        <p:grpSp>
+          <p:nvGrpSpPr>
+            <p:cNvPr id="30" name="Group 29"/>
+            <p:cNvGrpSpPr/>
+            <p:nvPr/>
+          </p:nvGrpSpPr>
+          <p:grpSpPr>
+            <a:xfrm>
+              <a:off x="6017263" y="1060137"/>
+              <a:ext cx="455516" cy="933220"/>
+              <a:chOff x="4421368" y="2592101"/>
+              <a:chExt cx="552294" cy="1131490"/>
+            </a:xfrm>
+          </p:grpSpPr>
+          <p:sp>
+            <p:nvSpPr>
+              <p:cNvPr id="31" name="Rectangle 30"/>
+              <p:cNvSpPr/>
+              <p:nvPr/>
+            </p:nvSpPr>
+            <p:spPr>
+              <a:xfrm>
+                <a:off x="4421368" y="2592102"/>
+                <a:ext cx="549218" cy="1131489"/>
+              </a:xfrm>
+              <a:prstGeom prst="rect">
+                <a:avLst/>
+              </a:prstGeom>
+              <a:solidFill>
+                <a:schemeClr val="accent3">
+                  <a:lumMod val="40000"/>
+                  <a:lumOff val="60000"/>
+                </a:schemeClr>
+              </a:solidFill>
+              <a:ln w="9525">
+                <a:solidFill>
+                  <a:schemeClr val="tx1">
+                    <a:lumMod val="65000"/>
+                    <a:lumOff val="35000"/>
+                  </a:schemeClr>
+                </a:solidFill>
+              </a:ln>
+            </p:spPr>
+            <p:style>
+              <a:lnRef idx="2">
+                <a:schemeClr val="accent1">
+                  <a:shade val="50000"/>
+                </a:schemeClr>
+              </a:lnRef>
+              <a:fillRef idx="1">
+                <a:schemeClr val="accent1"/>
+              </a:fillRef>
+              <a:effectRef idx="0">
+                <a:schemeClr val="accent1"/>
+              </a:effectRef>
+              <a:fontRef idx="minor">
+                <a:schemeClr val="lt1"/>
+              </a:fontRef>
+            </p:style>
+            <p:txBody>
+              <a:bodyPr lIns="36000" rtlCol="0" anchor="ctr"/>
+              <a:lstStyle/>
+              <a:p>
+                <a:pPr algn="ctr"/>
+                <a:endParaRPr lang="en-US" sz="700" i="1" dirty="0" smtClean="0">
+                  <a:solidFill>
+                    <a:schemeClr val="tx1"/>
+                  </a:solidFill>
+                  <a:latin typeface="Calibri" charset="0"/>
+                  <a:ea typeface="Calibri" charset="0"/>
+                  <a:cs typeface="Calibri" charset="0"/>
+                </a:endParaRPr>
+              </a:p>
+            </p:txBody>
+          </p:sp>
+          <p:sp>
+            <p:nvSpPr>
+              <p:cNvPr id="32" name="TextBox 31"/>
+              <p:cNvSpPr txBox="1"/>
+              <p:nvPr/>
+            </p:nvSpPr>
+            <p:spPr>
+              <a:xfrm>
+                <a:off x="4430853" y="2592101"/>
+                <a:ext cx="542809" cy="501455"/>
+              </a:xfrm>
+              <a:prstGeom prst="rect">
+                <a:avLst/>
+              </a:prstGeom>
+              <a:noFill/>
+            </p:spPr>
+            <p:txBody>
+              <a:bodyPr wrap="none" rtlCol="0">
+                <a:spAutoFit/>
+              </a:bodyPr>
+              <a:lstStyle/>
+              <a:p>
+                <a:pPr algn="ctr"/>
+                <a:r>
+                  <a:rPr lang="en-US" sz="800" b="1" dirty="0"/>
+                  <a:t>Task </a:t>
+                </a:r>
+                <a:br>
+                  <a:rPr lang="en-US" sz="800" b="1" dirty="0"/>
+                </a:br>
+                <a:r>
+                  <a:rPr lang="en-US" sz="800" b="1" dirty="0"/>
+                  <a:t>Slot</a:t>
+                </a:r>
+                <a:endParaRPr lang="en-US" sz="800" b="1" dirty="0"/>
+              </a:p>
+            </p:txBody>
+          </p:sp>
+          <p:sp>
+            <p:nvSpPr>
+              <p:cNvPr id="33" name="Oval 32"/>
+              <p:cNvSpPr/>
+              <p:nvPr/>
+            </p:nvSpPr>
+            <p:spPr>
+              <a:xfrm>
+                <a:off x="4530829" y="3173477"/>
+                <a:ext cx="351262" cy="351262"/>
+              </a:xfrm>
+              <a:prstGeom prst="ellipse">
+                <a:avLst/>
+              </a:prstGeom>
+            </p:spPr>
+            <p:style>
+              <a:lnRef idx="2">
+                <a:schemeClr val="accent1">
+                  <a:shade val="50000"/>
+                </a:schemeClr>
+              </a:lnRef>
+              <a:fillRef idx="1">
+                <a:schemeClr val="accent1"/>
+              </a:fillRef>
+              <a:effectRef idx="0">
+                <a:schemeClr val="accent1"/>
+              </a:effectRef>
+              <a:fontRef idx="minor">
+                <a:schemeClr val="lt1"/>
+              </a:fontRef>
+            </p:style>
+            <p:txBody>
+              <a:bodyPr rtlCol="0" anchor="ctr"/>
+              <a:lstStyle/>
+              <a:p>
+                <a:pPr algn="ctr"/>
+                <a:endParaRPr lang="en-US" sz="300" dirty="0"/>
+              </a:p>
+            </p:txBody>
+          </p:sp>
+        </p:grpSp>
+        <p:grpSp>
+          <p:nvGrpSpPr>
+            <p:cNvPr id="34" name="Group 33"/>
+            <p:cNvGrpSpPr/>
+            <p:nvPr/>
+          </p:nvGrpSpPr>
+          <p:grpSpPr>
+            <a:xfrm>
+              <a:off x="6482985" y="1059797"/>
+              <a:ext cx="455516" cy="933220"/>
+              <a:chOff x="4421368" y="2592101"/>
+              <a:chExt cx="552294" cy="1131490"/>
+            </a:xfrm>
+          </p:grpSpPr>
+          <p:sp>
+            <p:nvSpPr>
+              <p:cNvPr id="35" name="Rectangle 34"/>
+              <p:cNvSpPr/>
+              <p:nvPr/>
+            </p:nvSpPr>
+            <p:spPr>
+              <a:xfrm>
+                <a:off x="4421368" y="2592102"/>
+                <a:ext cx="549218" cy="1131489"/>
+              </a:xfrm>
+              <a:prstGeom prst="rect">
+                <a:avLst/>
+              </a:prstGeom>
+              <a:solidFill>
+                <a:schemeClr val="accent3">
+                  <a:lumMod val="40000"/>
+                  <a:lumOff val="60000"/>
+                </a:schemeClr>
+              </a:solidFill>
+              <a:ln w="9525">
+                <a:solidFill>
+                  <a:schemeClr val="tx1">
+                    <a:lumMod val="65000"/>
+                    <a:lumOff val="35000"/>
+                  </a:schemeClr>
+                </a:solidFill>
+              </a:ln>
+            </p:spPr>
+            <p:style>
+              <a:lnRef idx="2">
+                <a:schemeClr val="accent1">
+                  <a:shade val="50000"/>
+                </a:schemeClr>
+              </a:lnRef>
+              <a:fillRef idx="1">
+                <a:schemeClr val="accent1"/>
+              </a:fillRef>
+              <a:effectRef idx="0">
+                <a:schemeClr val="accent1"/>
+              </a:effectRef>
+              <a:fontRef idx="minor">
+                <a:schemeClr val="lt1"/>
+              </a:fontRef>
+            </p:style>
+            <p:txBody>
+              <a:bodyPr lIns="36000" rtlCol="0" anchor="ctr"/>
+              <a:lstStyle/>
+              <a:p>
+                <a:pPr algn="ctr"/>
+                <a:endParaRPr lang="en-US" sz="700" i="1" dirty="0" smtClean="0">
+                  <a:solidFill>
+                    <a:schemeClr val="tx1"/>
+                  </a:solidFill>
+                  <a:latin typeface="Calibri" charset="0"/>
+                  <a:ea typeface="Calibri" charset="0"/>
+                  <a:cs typeface="Calibri" charset="0"/>
+                </a:endParaRPr>
+              </a:p>
+            </p:txBody>
+          </p:sp>
+          <p:sp>
+            <p:nvSpPr>
+              <p:cNvPr id="36" name="TextBox 35"/>
+              <p:cNvSpPr txBox="1"/>
+              <p:nvPr/>
+            </p:nvSpPr>
+            <p:spPr>
+              <a:xfrm>
+                <a:off x="4430853" y="2592101"/>
+                <a:ext cx="542809" cy="501455"/>
+              </a:xfrm>
+              <a:prstGeom prst="rect">
+                <a:avLst/>
+              </a:prstGeom>
+              <a:noFill/>
+            </p:spPr>
+            <p:txBody>
+              <a:bodyPr wrap="none" rtlCol="0">
+                <a:spAutoFit/>
+              </a:bodyPr>
+              <a:lstStyle/>
+              <a:p>
+                <a:pPr algn="ctr"/>
+                <a:r>
+                  <a:rPr lang="en-US" sz="800" b="1" dirty="0"/>
+                  <a:t>Task </a:t>
+                </a:r>
+                <a:br>
+                  <a:rPr lang="en-US" sz="800" b="1" dirty="0"/>
+                </a:br>
+                <a:r>
+                  <a:rPr lang="en-US" sz="800" b="1" dirty="0"/>
+                  <a:t>Slot</a:t>
+                </a:r>
+                <a:endParaRPr lang="en-US" sz="800" b="1" dirty="0"/>
+              </a:p>
+            </p:txBody>
+          </p:sp>
+          <p:sp>
+            <p:nvSpPr>
+              <p:cNvPr id="37" name="Oval 36"/>
+              <p:cNvSpPr/>
+              <p:nvPr/>
+            </p:nvSpPr>
+            <p:spPr>
+              <a:xfrm>
+                <a:off x="4530829" y="3173477"/>
+                <a:ext cx="351262" cy="351262"/>
+              </a:xfrm>
+              <a:prstGeom prst="ellipse">
+                <a:avLst/>
+              </a:prstGeom>
+            </p:spPr>
+            <p:style>
+              <a:lnRef idx="2">
+                <a:schemeClr val="accent1">
+                  <a:shade val="50000"/>
+                </a:schemeClr>
+              </a:lnRef>
+              <a:fillRef idx="1">
+                <a:schemeClr val="accent1"/>
+              </a:fillRef>
+              <a:effectRef idx="0">
+                <a:schemeClr val="accent1"/>
+              </a:effectRef>
+              <a:fontRef idx="minor">
+                <a:schemeClr val="lt1"/>
+              </a:fontRef>
+            </p:style>
+            <p:txBody>
+              <a:bodyPr rtlCol="0" anchor="ctr"/>
+              <a:lstStyle/>
+              <a:p>
+                <a:pPr algn="ctr"/>
+                <a:endParaRPr lang="en-US" sz="300" dirty="0"/>
+              </a:p>
+            </p:txBody>
+          </p:sp>
+        </p:grpSp>
+      </p:grpSp>
+      <p:sp>
+        <p:nvSpPr>
+          <p:cNvPr id="44" name="Rectangle 43"/>
+          <p:cNvSpPr/>
+          <p:nvPr/>
+        </p:nvSpPr>
+        <p:spPr>
+          <a:xfrm>
+            <a:off x="783409" y="2931911"/>
+            <a:ext cx="1274735" cy="230833"/>
+          </a:xfrm>
+          <a:prstGeom prst="rect">
+            <a:avLst/>
+          </a:prstGeom>
+          <a:solidFill>
+            <a:schemeClr val="tx2">
+              <a:lumMod val="40000"/>
+              <a:lumOff val="60000"/>
+            </a:schemeClr>
+          </a:solidFill>
+          <a:ln>
+            <a:solidFill>
+              <a:schemeClr val="tx1">
+                <a:lumMod val="65000"/>
+                <a:lumOff val="35000"/>
+              </a:schemeClr>
+            </a:solidFill>
+          </a:ln>
+        </p:spPr>
+        <p:style>
+          <a:lnRef idx="2">
+            <a:schemeClr val="accent1">
+              <a:shade val="50000"/>
+            </a:schemeClr>
+          </a:lnRef>
+          <a:fillRef idx="1">
+            <a:schemeClr val="accent1"/>
+          </a:fillRef>
+          <a:effectRef idx="0">
+            <a:schemeClr val="accent1"/>
+          </a:effectRef>
+          <a:fontRef idx="minor">
+            <a:schemeClr val="lt1"/>
+          </a:fontRef>
+        </p:style>
+        <p:txBody>
+          <a:bodyPr lIns="36000" rtlCol="0" anchor="ctr"/>
+          <a:lstStyle/>
+          <a:p>
+            <a:pPr algn="ctr"/>
+            <a:r>
+              <a:rPr lang="en-US" sz="700" b="1" dirty="0" smtClean="0">
+                <a:solidFill>
+                  <a:schemeClr val="tx1"/>
+                </a:solidFill>
+                <a:latin typeface="Calibri" charset="0"/>
+                <a:ea typeface="Calibri" charset="0"/>
+                <a:cs typeface="Calibri" charset="0"/>
+              </a:rPr>
+              <a:t>Scheduler</a:t>
+            </a:r>
+            <a:endParaRPr lang="en-US" sz="700" i="1" dirty="0" smtClean="0">
+              <a:solidFill>
+                <a:schemeClr val="tx1"/>
+              </a:solidFill>
+              <a:latin typeface="Calibri" charset="0"/>
+              <a:ea typeface="Calibri" charset="0"/>
+              <a:cs typeface="Calibri" charset="0"/>
+            </a:endParaRPr>
+          </a:p>
+        </p:txBody>
+      </p:sp>
+      <p:sp>
+        <p:nvSpPr>
+          <p:cNvPr id="45" name="Rectangle 44"/>
+          <p:cNvSpPr/>
+          <p:nvPr/>
+        </p:nvSpPr>
+        <p:spPr>
+          <a:xfrm>
+            <a:off x="783408" y="3227230"/>
+            <a:ext cx="1274735" cy="230833"/>
+          </a:xfrm>
+          <a:prstGeom prst="rect">
+            <a:avLst/>
+          </a:prstGeom>
+          <a:solidFill>
+            <a:schemeClr val="tx2">
+              <a:lumMod val="40000"/>
+              <a:lumOff val="60000"/>
+            </a:schemeClr>
+          </a:solidFill>
+          <a:ln>
+            <a:solidFill>
+              <a:schemeClr val="tx1">
+                <a:lumMod val="65000"/>
+                <a:lumOff val="35000"/>
+              </a:schemeClr>
+            </a:solidFill>
+          </a:ln>
+        </p:spPr>
+        <p:style>
+          <a:lnRef idx="2">
+            <a:schemeClr val="accent1">
+              <a:shade val="50000"/>
+            </a:schemeClr>
+          </a:lnRef>
+          <a:fillRef idx="1">
+            <a:schemeClr val="accent1"/>
+          </a:fillRef>
+          <a:effectRef idx="0">
+            <a:schemeClr val="accent1"/>
+          </a:effectRef>
+          <a:fontRef idx="minor">
+            <a:schemeClr val="lt1"/>
+          </a:fontRef>
+        </p:style>
+        <p:txBody>
+          <a:bodyPr lIns="36000" rtlCol="0" anchor="ctr"/>
+          <a:lstStyle/>
+          <a:p>
+            <a:pPr algn="ctr"/>
+            <a:r>
+              <a:rPr lang="en-US" sz="700" b="1" dirty="0" smtClean="0">
+                <a:solidFill>
+                  <a:schemeClr val="tx1"/>
+                </a:solidFill>
+                <a:latin typeface="Calibri" charset="0"/>
+                <a:ea typeface="Calibri" charset="0"/>
+                <a:cs typeface="Calibri" charset="0"/>
+              </a:rPr>
+              <a:t>Checkpoint Coordinator</a:t>
+            </a:r>
+            <a:endParaRPr lang="en-US" sz="700" i="1" dirty="0" smtClean="0">
+              <a:solidFill>
+                <a:schemeClr val="tx1"/>
+              </a:solidFill>
+              <a:latin typeface="Calibri" charset="0"/>
+              <a:ea typeface="Calibri" charset="0"/>
+              <a:cs typeface="Calibri" charset="0"/>
+            </a:endParaRPr>
+          </a:p>
+        </p:txBody>
+      </p:sp>
+      <p:grpSp>
+        <p:nvGrpSpPr>
+          <p:cNvPr id="8" name="Group 7"/>
+          <p:cNvGrpSpPr/>
+          <p:nvPr/>
+        </p:nvGrpSpPr>
+        <p:grpSpPr>
+          <a:xfrm>
+            <a:off x="855452" y="2439585"/>
+            <a:ext cx="945784" cy="360809"/>
+            <a:chOff x="9592301" y="3964103"/>
+            <a:chExt cx="1635004" cy="623741"/>
+          </a:xfrm>
+        </p:grpSpPr>
+        <p:sp>
+          <p:nvSpPr>
+            <p:cNvPr id="46" name="Oval 45"/>
+            <p:cNvSpPr/>
+            <p:nvPr/>
+          </p:nvSpPr>
+          <p:spPr>
+            <a:xfrm>
+              <a:off x="9592301" y="3964103"/>
+              <a:ext cx="226244" cy="226244"/>
+            </a:xfrm>
+            <a:prstGeom prst="ellipse">
+              <a:avLst/>
+            </a:prstGeom>
+            <a:solidFill>
+              <a:schemeClr val="accent6">
+                <a:lumMod val="60000"/>
+                <a:lumOff val="40000"/>
+              </a:schemeClr>
+            </a:solidFill>
+            <a:ln w="6350">
+              <a:solidFill>
+                <a:schemeClr val="tx1"/>
+              </a:solidFill>
+              <a:prstDash val="sysDot"/>
+            </a:ln>
+          </p:spPr>
+          <p:style>
+            <a:lnRef idx="2">
+              <a:schemeClr val="accent1">
+                <a:shade val="50000"/>
+              </a:schemeClr>
+            </a:lnRef>
+            <a:fillRef idx="1">
+              <a:schemeClr val="accent1"/>
+            </a:fillRef>
+            <a:effectRef idx="0">
+              <a:schemeClr val="accent1"/>
+            </a:effectRef>
+            <a:fontRef idx="minor">
+              <a:schemeClr val="lt1"/>
+            </a:fontRef>
+          </p:style>
+          <p:txBody>
+            <a:bodyPr rtlCol="0" anchor="ctr"/>
+            <a:lstStyle/>
+            <a:p>
+              <a:pPr algn="ctr"/>
+              <a:endParaRPr lang="en-US"/>
+            </a:p>
+          </p:txBody>
+        </p:sp>
+        <p:sp>
+          <p:nvSpPr>
+            <p:cNvPr id="47" name="Oval 46"/>
+            <p:cNvSpPr/>
+            <p:nvPr/>
+          </p:nvSpPr>
+          <p:spPr>
+            <a:xfrm>
+              <a:off x="9592301" y="4361600"/>
+              <a:ext cx="226244" cy="226244"/>
+            </a:xfrm>
+            <a:prstGeom prst="ellipse">
+              <a:avLst/>
+            </a:prstGeom>
+            <a:solidFill>
+              <a:schemeClr val="accent6">
+                <a:lumMod val="60000"/>
+                <a:lumOff val="40000"/>
+              </a:schemeClr>
+            </a:solidFill>
+            <a:ln w="6350">
+              <a:solidFill>
+                <a:schemeClr val="tx1"/>
+              </a:solidFill>
+              <a:prstDash val="sysDot"/>
+            </a:ln>
+          </p:spPr>
+          <p:style>
+            <a:lnRef idx="2">
+              <a:schemeClr val="accent1">
+                <a:shade val="50000"/>
+              </a:schemeClr>
+            </a:lnRef>
+            <a:fillRef idx="1">
+              <a:schemeClr val="accent1"/>
+            </a:fillRef>
+            <a:effectRef idx="0">
+              <a:schemeClr val="accent1"/>
+            </a:effectRef>
+            <a:fontRef idx="minor">
+              <a:schemeClr val="lt1"/>
+            </a:fontRef>
+          </p:style>
+          <p:txBody>
+            <a:bodyPr rtlCol="0" anchor="ctr"/>
+            <a:lstStyle/>
+            <a:p>
+              <a:pPr algn="ctr"/>
+              <a:endParaRPr lang="en-US"/>
+            </a:p>
+          </p:txBody>
+        </p:sp>
+        <p:sp>
+          <p:nvSpPr>
+            <p:cNvPr id="48" name="Oval 47"/>
+            <p:cNvSpPr/>
+            <p:nvPr/>
+          </p:nvSpPr>
+          <p:spPr>
+            <a:xfrm>
+              <a:off x="9957136" y="3964103"/>
+              <a:ext cx="226244" cy="226244"/>
+            </a:xfrm>
+            <a:prstGeom prst="ellipse">
+              <a:avLst/>
+            </a:prstGeom>
+            <a:ln w="6350">
+              <a:solidFill>
+                <a:schemeClr val="tx1"/>
+              </a:solidFill>
+            </a:ln>
+          </p:spPr>
+          <p:style>
+            <a:lnRef idx="2">
+              <a:schemeClr val="accent1">
+                <a:shade val="50000"/>
+              </a:schemeClr>
+            </a:lnRef>
+            <a:fillRef idx="1">
+              <a:schemeClr val="accent1"/>
+            </a:fillRef>
+            <a:effectRef idx="0">
+              <a:schemeClr val="accent1"/>
+            </a:effectRef>
+            <a:fontRef idx="minor">
+              <a:schemeClr val="lt1"/>
+            </a:fontRef>
+          </p:style>
+          <p:txBody>
+            <a:bodyPr rtlCol="0" anchor="ctr"/>
+            <a:lstStyle/>
+            <a:p>
+              <a:pPr algn="ctr"/>
+              <a:endParaRPr lang="en-US"/>
+            </a:p>
+          </p:txBody>
+        </p:sp>
+        <p:sp>
+          <p:nvSpPr>
+            <p:cNvPr id="49" name="Oval 48"/>
+            <p:cNvSpPr/>
+            <p:nvPr/>
+          </p:nvSpPr>
+          <p:spPr>
+            <a:xfrm>
+              <a:off x="10321971" y="3964103"/>
+              <a:ext cx="226244" cy="226244"/>
+            </a:xfrm>
+            <a:prstGeom prst="ellipse">
+              <a:avLst/>
+            </a:prstGeom>
+            <a:ln w="6350">
+              <a:solidFill>
+                <a:schemeClr val="tx1"/>
+              </a:solidFill>
+            </a:ln>
+          </p:spPr>
+          <p:style>
+            <a:lnRef idx="2">
+              <a:schemeClr val="accent1">
+                <a:shade val="50000"/>
+              </a:schemeClr>
+            </a:lnRef>
+            <a:fillRef idx="1">
+              <a:schemeClr val="accent1"/>
+            </a:fillRef>
+            <a:effectRef idx="0">
+              <a:schemeClr val="accent1"/>
+            </a:effectRef>
+            <a:fontRef idx="minor">
+              <a:schemeClr val="lt1"/>
+            </a:fontRef>
+          </p:style>
+          <p:txBody>
+            <a:bodyPr rtlCol="0" anchor="ctr"/>
+            <a:lstStyle/>
+            <a:p>
+              <a:pPr algn="ctr"/>
+              <a:endParaRPr lang="en-US"/>
+            </a:p>
+          </p:txBody>
+        </p:sp>
+        <p:sp>
+          <p:nvSpPr>
+            <p:cNvPr id="50" name="Oval 49"/>
+            <p:cNvSpPr/>
+            <p:nvPr/>
+          </p:nvSpPr>
+          <p:spPr>
+            <a:xfrm>
+              <a:off x="11001061" y="4157214"/>
+              <a:ext cx="226244" cy="226244"/>
+            </a:xfrm>
+            <a:prstGeom prst="ellipse">
+              <a:avLst/>
+            </a:prstGeom>
+            <a:solidFill>
+              <a:schemeClr val="accent2">
+                <a:lumMod val="75000"/>
+              </a:schemeClr>
+            </a:solidFill>
+            <a:ln w="6350">
+              <a:solidFill>
+                <a:schemeClr val="tx1"/>
+              </a:solidFill>
+              <a:prstDash val="sysDot"/>
+            </a:ln>
+          </p:spPr>
+          <p:style>
+            <a:lnRef idx="2">
+              <a:schemeClr val="accent1">
+                <a:shade val="50000"/>
+              </a:schemeClr>
+            </a:lnRef>
+            <a:fillRef idx="1">
+              <a:schemeClr val="accent1"/>
+            </a:fillRef>
+            <a:effectRef idx="0">
+              <a:schemeClr val="accent1"/>
+            </a:effectRef>
+            <a:fontRef idx="minor">
+              <a:schemeClr val="lt1"/>
+            </a:fontRef>
+          </p:style>
+          <p:txBody>
+            <a:bodyPr rtlCol="0" anchor="ctr"/>
+            <a:lstStyle/>
+            <a:p>
+              <a:pPr algn="ctr"/>
+              <a:endParaRPr lang="en-US"/>
+            </a:p>
+          </p:txBody>
+        </p:sp>
+        <p:cxnSp>
+          <p:nvCxnSpPr>
+            <p:cNvPr id="51" name="Straight Arrow Connector 50"/>
+            <p:cNvCxnSpPr/>
+            <p:nvPr/>
+          </p:nvCxnSpPr>
+          <p:spPr>
+            <a:xfrm>
+              <a:off x="9818545" y="4077225"/>
+              <a:ext cx="138591" cy="0"/>
+            </a:xfrm>
+            <a:prstGeom prst="straightConnector1">
+              <a:avLst/>
+            </a:prstGeom>
+            <a:ln w="6350">
+              <a:solidFill>
+                <a:schemeClr val="tx1"/>
+              </a:solidFill>
+              <a:tailEnd type="arrow" w="sm" len="sm"/>
+            </a:ln>
+          </p:spPr>
+          <p:style>
+            <a:lnRef idx="1">
+              <a:schemeClr val="accent1"/>
+            </a:lnRef>
+            <a:fillRef idx="0">
+              <a:schemeClr val="accent1"/>
+            </a:fillRef>
+            <a:effectRef idx="0">
+              <a:schemeClr val="accent1"/>
+            </a:effectRef>
+            <a:fontRef idx="minor">
+              <a:schemeClr val="tx1"/>
+            </a:fontRef>
+          </p:style>
+        </p:cxnSp>
+        <p:cxnSp>
+          <p:nvCxnSpPr>
+            <p:cNvPr id="52" name="Straight Arrow Connector 51"/>
+            <p:cNvCxnSpPr/>
+            <p:nvPr/>
+          </p:nvCxnSpPr>
+          <p:spPr>
+            <a:xfrm>
+              <a:off x="10183380" y="4077225"/>
+              <a:ext cx="138591" cy="0"/>
+            </a:xfrm>
+            <a:prstGeom prst="straightConnector1">
+              <a:avLst/>
+            </a:prstGeom>
+            <a:ln w="6350">
+              <a:solidFill>
+                <a:schemeClr val="tx1"/>
+              </a:solidFill>
+              <a:tailEnd type="arrow" w="sm" len="sm"/>
+            </a:ln>
+          </p:spPr>
+          <p:style>
+            <a:lnRef idx="1">
+              <a:schemeClr val="accent1"/>
+            </a:lnRef>
+            <a:fillRef idx="0">
+              <a:schemeClr val="accent1"/>
+            </a:fillRef>
+            <a:effectRef idx="0">
+              <a:schemeClr val="accent1"/>
+            </a:effectRef>
+            <a:fontRef idx="minor">
+              <a:schemeClr val="tx1"/>
+            </a:fontRef>
+          </p:style>
+        </p:cxnSp>
+        <p:cxnSp>
+          <p:nvCxnSpPr>
+            <p:cNvPr id="53" name="Straight Arrow Connector 52"/>
+            <p:cNvCxnSpPr/>
+            <p:nvPr/>
+          </p:nvCxnSpPr>
+          <p:spPr>
+            <a:xfrm flipV="1">
+              <a:off x="9818545" y="4157214"/>
+              <a:ext cx="536559" cy="317508"/>
+            </a:xfrm>
+            <a:prstGeom prst="straightConnector1">
+              <a:avLst/>
+            </a:prstGeom>
+            <a:ln w="6350">
+              <a:solidFill>
+                <a:schemeClr val="tx1"/>
+              </a:solidFill>
+              <a:tailEnd type="arrow" w="sm" len="sm"/>
+            </a:ln>
+          </p:spPr>
+          <p:style>
+            <a:lnRef idx="1">
+              <a:schemeClr val="accent1"/>
+            </a:lnRef>
+            <a:fillRef idx="0">
+              <a:schemeClr val="accent1"/>
+            </a:fillRef>
+            <a:effectRef idx="0">
+              <a:schemeClr val="accent1"/>
+            </a:effectRef>
+            <a:fontRef idx="minor">
+              <a:schemeClr val="tx1"/>
+            </a:fontRef>
+          </p:style>
+        </p:cxnSp>
+        <p:sp>
+          <p:nvSpPr>
+            <p:cNvPr id="54" name="Oval 53"/>
+            <p:cNvSpPr/>
+            <p:nvPr/>
+          </p:nvSpPr>
+          <p:spPr>
+            <a:xfrm>
+              <a:off x="10321971" y="4360007"/>
+              <a:ext cx="226244" cy="226244"/>
+            </a:xfrm>
+            <a:prstGeom prst="ellipse">
+              <a:avLst/>
+            </a:prstGeom>
+            <a:ln w="6350">
+              <a:solidFill>
+                <a:schemeClr val="tx1"/>
+              </a:solidFill>
+            </a:ln>
+          </p:spPr>
+          <p:style>
+            <a:lnRef idx="2">
+              <a:schemeClr val="accent1">
+                <a:shade val="50000"/>
+              </a:schemeClr>
+            </a:lnRef>
+            <a:fillRef idx="1">
+              <a:schemeClr val="accent1"/>
+            </a:fillRef>
+            <a:effectRef idx="0">
+              <a:schemeClr val="accent1"/>
+            </a:effectRef>
+            <a:fontRef idx="minor">
+              <a:schemeClr val="lt1"/>
+            </a:fontRef>
+          </p:style>
+          <p:txBody>
+            <a:bodyPr rtlCol="0" anchor="ctr"/>
+            <a:lstStyle/>
+            <a:p>
+              <a:pPr algn="ctr"/>
+              <a:endParaRPr lang="en-US"/>
+            </a:p>
+          </p:txBody>
+        </p:sp>
+        <p:cxnSp>
+          <p:nvCxnSpPr>
+            <p:cNvPr id="55" name="Straight Arrow Connector 54"/>
+            <p:cNvCxnSpPr/>
+            <p:nvPr/>
+          </p:nvCxnSpPr>
+          <p:spPr>
+            <a:xfrm flipV="1">
+              <a:off x="9818545" y="4473129"/>
+              <a:ext cx="503426" cy="1593"/>
+            </a:xfrm>
+            <a:prstGeom prst="straightConnector1">
+              <a:avLst/>
+            </a:prstGeom>
+            <a:ln w="6350">
+              <a:solidFill>
+                <a:schemeClr val="tx1"/>
+              </a:solidFill>
+              <a:tailEnd type="arrow" w="sm" len="sm"/>
+            </a:ln>
+          </p:spPr>
+          <p:style>
+            <a:lnRef idx="1">
+              <a:schemeClr val="accent1"/>
+            </a:lnRef>
+            <a:fillRef idx="0">
+              <a:schemeClr val="accent1"/>
+            </a:fillRef>
+            <a:effectRef idx="0">
+              <a:schemeClr val="accent1"/>
+            </a:effectRef>
+            <a:fontRef idx="minor">
+              <a:schemeClr val="tx1"/>
+            </a:fontRef>
+          </p:style>
+        </p:cxnSp>
+        <p:sp>
+          <p:nvSpPr>
+            <p:cNvPr id="56" name="Oval 55"/>
+            <p:cNvSpPr/>
+            <p:nvPr/>
+          </p:nvSpPr>
+          <p:spPr>
+            <a:xfrm>
+              <a:off x="10635773" y="4157214"/>
+              <a:ext cx="226244" cy="226244"/>
+            </a:xfrm>
+            <a:prstGeom prst="ellipse">
+              <a:avLst/>
+            </a:prstGeom>
+            <a:ln w="6350">
+              <a:solidFill>
+                <a:schemeClr val="tx1"/>
+              </a:solidFill>
+            </a:ln>
+          </p:spPr>
+          <p:style>
+            <a:lnRef idx="2">
+              <a:schemeClr val="accent1">
+                <a:shade val="50000"/>
+              </a:schemeClr>
+            </a:lnRef>
+            <a:fillRef idx="1">
+              <a:schemeClr val="accent1"/>
+            </a:fillRef>
+            <a:effectRef idx="0">
+              <a:schemeClr val="accent1"/>
+            </a:effectRef>
+            <a:fontRef idx="minor">
+              <a:schemeClr val="lt1"/>
+            </a:fontRef>
+          </p:style>
+          <p:txBody>
+            <a:bodyPr rtlCol="0" anchor="ctr"/>
+            <a:lstStyle/>
+            <a:p>
+              <a:pPr algn="ctr"/>
+              <a:endParaRPr lang="en-US"/>
+            </a:p>
+          </p:txBody>
+        </p:sp>
+        <p:cxnSp>
+          <p:nvCxnSpPr>
+            <p:cNvPr id="57" name="Straight Arrow Connector 56"/>
+            <p:cNvCxnSpPr/>
+            <p:nvPr/>
+          </p:nvCxnSpPr>
+          <p:spPr>
+            <a:xfrm>
+              <a:off x="10548215" y="4077225"/>
+              <a:ext cx="120691" cy="113122"/>
+            </a:xfrm>
+            <a:prstGeom prst="straightConnector1">
+              <a:avLst/>
+            </a:prstGeom>
+            <a:ln w="6350">
+              <a:solidFill>
+                <a:schemeClr val="tx1"/>
+              </a:solidFill>
+              <a:tailEnd type="arrow" w="sm" len="sm"/>
+            </a:ln>
+          </p:spPr>
+          <p:style>
+            <a:lnRef idx="1">
+              <a:schemeClr val="accent1"/>
+            </a:lnRef>
+            <a:fillRef idx="0">
+              <a:schemeClr val="accent1"/>
+            </a:fillRef>
+            <a:effectRef idx="0">
+              <a:schemeClr val="accent1"/>
+            </a:effectRef>
+            <a:fontRef idx="minor">
+              <a:schemeClr val="tx1"/>
+            </a:fontRef>
+          </p:style>
+        </p:cxnSp>
+        <p:cxnSp>
+          <p:nvCxnSpPr>
+            <p:cNvPr id="58" name="Straight Arrow Connector 57"/>
+            <p:cNvCxnSpPr/>
+            <p:nvPr/>
+          </p:nvCxnSpPr>
+          <p:spPr>
+            <a:xfrm flipV="1">
+              <a:off x="10548215" y="4350325"/>
+              <a:ext cx="120691" cy="122804"/>
+            </a:xfrm>
+            <a:prstGeom prst="straightConnector1">
+              <a:avLst/>
+            </a:prstGeom>
+            <a:ln w="6350">
+              <a:solidFill>
+                <a:schemeClr val="tx1"/>
+              </a:solidFill>
+              <a:tailEnd type="arrow" w="sm" len="sm"/>
+            </a:ln>
+          </p:spPr>
+          <p:style>
+            <a:lnRef idx="1">
+              <a:schemeClr val="accent1"/>
+            </a:lnRef>
+            <a:fillRef idx="0">
+              <a:schemeClr val="accent1"/>
+            </a:fillRef>
+            <a:effectRef idx="0">
+              <a:schemeClr val="accent1"/>
+            </a:effectRef>
+            <a:fontRef idx="minor">
+              <a:schemeClr val="tx1"/>
+            </a:fontRef>
+          </p:style>
+        </p:cxnSp>
+        <p:cxnSp>
+          <p:nvCxnSpPr>
+            <p:cNvPr id="59" name="Straight Arrow Connector 58"/>
+            <p:cNvCxnSpPr/>
+            <p:nvPr/>
+          </p:nvCxnSpPr>
+          <p:spPr>
+            <a:xfrm>
+              <a:off x="10862017" y="4270336"/>
+              <a:ext cx="139044" cy="0"/>
+            </a:xfrm>
+            <a:prstGeom prst="straightConnector1">
+              <a:avLst/>
+            </a:prstGeom>
+            <a:ln w="6350">
+              <a:solidFill>
+                <a:schemeClr val="tx1"/>
+              </a:solidFill>
+              <a:tailEnd type="arrow" w="sm" len="sm"/>
+            </a:ln>
+          </p:spPr>
+          <p:style>
+            <a:lnRef idx="1">
+              <a:schemeClr val="accent1"/>
+            </a:lnRef>
+            <a:fillRef idx="0">
+              <a:schemeClr val="accent1"/>
+            </a:fillRef>
+            <a:effectRef idx="0">
+              <a:schemeClr val="accent1"/>
+            </a:effectRef>
+            <a:fontRef idx="minor">
+              <a:schemeClr val="tx1"/>
+            </a:fontRef>
+          </p:style>
+        </p:cxnSp>
+      </p:grpSp>
+      <p:sp>
+        <p:nvSpPr>
+          <p:cNvPr id="10" name="Left-Right Arrow 9"/>
+          <p:cNvSpPr/>
+          <p:nvPr/>
+        </p:nvSpPr>
+        <p:spPr>
+          <a:xfrm rot="5400000">
+            <a:off x="3135602" y="2550526"/>
+            <a:ext cx="337149" cy="175987"/>
+          </a:xfrm>
+          <a:prstGeom prst="leftRightArrow">
+            <a:avLst>
+              <a:gd name="adj1" fmla="val 40910"/>
+              <a:gd name="adj2" fmla="val 63095"/>
+            </a:avLst>
+          </a:prstGeom>
+          <a:ln w="9525">
+            <a:solidFill>
+              <a:schemeClr val="accent1">
+                <a:shade val="50000"/>
+              </a:schemeClr>
+            </a:solidFill>
+          </a:ln>
+        </p:spPr>
+        <p:style>
+          <a:lnRef idx="2">
+            <a:schemeClr val="accent1">
+              <a:shade val="50000"/>
+            </a:schemeClr>
+          </a:lnRef>
+          <a:fillRef idx="1">
+            <a:schemeClr val="accent1"/>
+          </a:fillRef>
+          <a:effectRef idx="0">
+            <a:schemeClr val="accent1"/>
+          </a:effectRef>
+          <a:fontRef idx="minor">
+            <a:schemeClr val="lt1"/>
+          </a:fontRef>
+        </p:style>
+        <p:txBody>
+          <a:bodyPr rtlCol="0" anchor="ctr"/>
+          <a:lstStyle/>
+          <a:p>
+            <a:pPr algn="ctr"/>
+            <a:endParaRPr lang="en-US"/>
+          </a:p>
+        </p:txBody>
+      </p:sp>
+      <p:grpSp>
+        <p:nvGrpSpPr>
+          <p:cNvPr id="78" name="Group 77"/>
+          <p:cNvGrpSpPr/>
+          <p:nvPr/>
+        </p:nvGrpSpPr>
+        <p:grpSpPr>
+          <a:xfrm rot="5400000">
+            <a:off x="3309461" y="2604145"/>
+            <a:ext cx="254237" cy="45719"/>
+            <a:chOff x="5001967" y="2707765"/>
+            <a:chExt cx="522998" cy="94050"/>
+          </a:xfrm>
+        </p:grpSpPr>
+        <p:sp>
+          <p:nvSpPr>
+            <p:cNvPr id="79" name="Triangle 78"/>
+            <p:cNvSpPr/>
+            <p:nvPr/>
+          </p:nvSpPr>
+          <p:spPr>
+            <a:xfrm>
+              <a:off x="5001967" y="2707765"/>
+              <a:ext cx="109099" cy="94050"/>
+            </a:xfrm>
+            <a:prstGeom prst="triangle">
+              <a:avLst/>
+            </a:prstGeom>
+            <a:solidFill>
+              <a:schemeClr val="bg2">
+                <a:lumMod val="50000"/>
+              </a:schemeClr>
+            </a:solidFill>
+            <a:ln>
+              <a:noFill/>
+            </a:ln>
+          </p:spPr>
+          <p:style>
+            <a:lnRef idx="2">
+              <a:schemeClr val="accent1">
+                <a:shade val="50000"/>
+              </a:schemeClr>
+            </a:lnRef>
+            <a:fillRef idx="1">
+              <a:schemeClr val="accent1"/>
+            </a:fillRef>
+            <a:effectRef idx="0">
+              <a:schemeClr val="accent1"/>
+            </a:effectRef>
+            <a:fontRef idx="minor">
+              <a:schemeClr val="lt1"/>
+            </a:fontRef>
+          </p:style>
+          <p:txBody>
+            <a:bodyPr rtlCol="0" anchor="ctr"/>
+            <a:lstStyle/>
+            <a:p>
+              <a:pPr algn="ctr"/>
+              <a:endParaRPr lang="en-US"/>
+            </a:p>
+          </p:txBody>
+        </p:sp>
+        <p:sp>
+          <p:nvSpPr>
+            <p:cNvPr id="80" name="Triangle 79"/>
+            <p:cNvSpPr/>
+            <p:nvPr/>
+          </p:nvSpPr>
+          <p:spPr>
+            <a:xfrm>
+              <a:off x="5139933" y="2707765"/>
+              <a:ext cx="109099" cy="94050"/>
+            </a:xfrm>
+            <a:prstGeom prst="triangle">
+              <a:avLst/>
+            </a:prstGeom>
+            <a:solidFill>
+              <a:srgbClr val="FF0000"/>
+            </a:solidFill>
+            <a:ln>
+              <a:noFill/>
+            </a:ln>
+          </p:spPr>
+          <p:style>
+            <a:lnRef idx="2">
+              <a:schemeClr val="accent1">
+                <a:shade val="50000"/>
+              </a:schemeClr>
+            </a:lnRef>
+            <a:fillRef idx="1">
+              <a:schemeClr val="accent1"/>
+            </a:fillRef>
+            <a:effectRef idx="0">
+              <a:schemeClr val="accent1"/>
+            </a:effectRef>
+            <a:fontRef idx="minor">
+              <a:schemeClr val="lt1"/>
+            </a:fontRef>
+          </p:style>
+          <p:txBody>
+            <a:bodyPr rtlCol="0" anchor="ctr"/>
+            <a:lstStyle/>
+            <a:p>
+              <a:pPr algn="ctr"/>
+              <a:endParaRPr lang="en-US"/>
+            </a:p>
+          </p:txBody>
+        </p:sp>
+        <p:sp>
+          <p:nvSpPr>
+            <p:cNvPr id="81" name="Triangle 80"/>
+            <p:cNvSpPr/>
+            <p:nvPr/>
+          </p:nvSpPr>
+          <p:spPr>
+            <a:xfrm>
+              <a:off x="5277899" y="2707765"/>
+              <a:ext cx="109099" cy="94050"/>
+            </a:xfrm>
+            <a:prstGeom prst="triangle">
+              <a:avLst/>
+            </a:prstGeom>
+            <a:solidFill>
+              <a:schemeClr val="bg2">
+                <a:lumMod val="50000"/>
+              </a:schemeClr>
+            </a:solidFill>
+            <a:ln>
+              <a:noFill/>
+            </a:ln>
+          </p:spPr>
+          <p:style>
+            <a:lnRef idx="2">
+              <a:schemeClr val="accent1">
+                <a:shade val="50000"/>
+              </a:schemeClr>
+            </a:lnRef>
+            <a:fillRef idx="1">
+              <a:schemeClr val="accent1"/>
+            </a:fillRef>
+            <a:effectRef idx="0">
+              <a:schemeClr val="accent1"/>
+            </a:effectRef>
+            <a:fontRef idx="minor">
+              <a:schemeClr val="lt1"/>
+            </a:fontRef>
+          </p:style>
+          <p:txBody>
+            <a:bodyPr rtlCol="0" anchor="ctr"/>
+            <a:lstStyle/>
+            <a:p>
+              <a:pPr algn="ctr"/>
+              <a:endParaRPr lang="en-US"/>
+            </a:p>
+          </p:txBody>
+        </p:sp>
+        <p:sp>
+          <p:nvSpPr>
+            <p:cNvPr id="82" name="Triangle 81"/>
+            <p:cNvSpPr/>
+            <p:nvPr/>
+          </p:nvSpPr>
+          <p:spPr>
+            <a:xfrm>
+              <a:off x="5415866" y="2707765"/>
+              <a:ext cx="109099" cy="94050"/>
+            </a:xfrm>
+            <a:prstGeom prst="triangle">
+              <a:avLst/>
+            </a:prstGeom>
+            <a:solidFill>
+              <a:schemeClr val="bg2">
+                <a:lumMod val="50000"/>
+              </a:schemeClr>
+            </a:solidFill>
+            <a:ln>
+              <a:noFill/>
+            </a:ln>
+          </p:spPr>
+          <p:style>
+            <a:lnRef idx="2">
+              <a:schemeClr val="accent1">
+                <a:shade val="50000"/>
+              </a:schemeClr>
+            </a:lnRef>
+            <a:fillRef idx="1">
+              <a:schemeClr val="accent1"/>
+            </a:fillRef>
+            <a:effectRef idx="0">
+              <a:schemeClr val="accent1"/>
+            </a:effectRef>
+            <a:fontRef idx="minor">
+              <a:schemeClr val="lt1"/>
+            </a:fontRef>
+          </p:style>
+          <p:txBody>
+            <a:bodyPr rtlCol="0" anchor="ctr"/>
+            <a:lstStyle/>
+            <a:p>
+              <a:pPr algn="ctr"/>
+              <a:endParaRPr lang="en-US"/>
+            </a:p>
+          </p:txBody>
+        </p:sp>
+      </p:grpSp>
+      <p:sp>
+        <p:nvSpPr>
+          <p:cNvPr id="83" name="TextBox 82"/>
+          <p:cNvSpPr txBox="1"/>
+          <p:nvPr/>
+        </p:nvSpPr>
+        <p:spPr>
+          <a:xfrm>
+            <a:off x="3398346" y="2489733"/>
+            <a:ext cx="539815" cy="338554"/>
+          </a:xfrm>
+          <a:prstGeom prst="rect">
+            <a:avLst/>
+          </a:prstGeom>
+          <a:noFill/>
+        </p:spPr>
+        <p:txBody>
+          <a:bodyPr wrap="square" rtlCol="0">
+            <a:spAutoFit/>
+          </a:bodyPr>
+          <a:lstStyle/>
+          <a:p>
+            <a:r>
+              <a:rPr lang="en-US" sz="800" b="1" dirty="0" smtClean="0"/>
+              <a:t>Data</a:t>
+            </a:r>
+            <a:br>
+              <a:rPr lang="en-US" sz="800" b="1" dirty="0" smtClean="0"/>
+            </a:br>
+            <a:r>
+              <a:rPr lang="en-US" sz="800" b="1" dirty="0" smtClean="0"/>
+              <a:t>Streams</a:t>
+            </a:r>
+            <a:endParaRPr lang="en-US" sz="800" b="1" dirty="0"/>
+          </a:p>
+        </p:txBody>
+      </p:sp>
+      <p:sp>
+        <p:nvSpPr>
+          <p:cNvPr id="84" name="Rectangle 83"/>
+          <p:cNvSpPr/>
+          <p:nvPr/>
+        </p:nvSpPr>
+        <p:spPr>
+          <a:xfrm>
+            <a:off x="741265" y="1289792"/>
+            <a:ext cx="1274735" cy="307777"/>
+          </a:xfrm>
+          <a:prstGeom prst="rect">
+            <a:avLst/>
+          </a:prstGeom>
+          <a:solidFill>
+            <a:srgbClr val="FDFCFE"/>
+          </a:solidFill>
+          <a:ln w="3175">
+            <a:solidFill>
+              <a:schemeClr val="bg1">
+                <a:lumMod val="50000"/>
+              </a:schemeClr>
+            </a:solidFill>
+          </a:ln>
+        </p:spPr>
+        <p:txBody>
+          <a:bodyPr wrap="square">
+            <a:spAutoFit/>
+          </a:bodyPr>
+          <a:lstStyle/>
+          <a:p>
+            <a:r>
+              <a:rPr lang="en-US" sz="100" b="1" dirty="0" smtClean="0">
+                <a:solidFill>
+                  <a:srgbClr val="262626"/>
+                </a:solidFill>
+                <a:latin typeface="Consolas" charset="0"/>
+                <a:ea typeface="Consolas" charset="0"/>
+                <a:cs typeface="Consolas" charset="0"/>
+              </a:rPr>
+              <a:t>final </a:t>
+            </a:r>
+            <a:r>
+              <a:rPr lang="en-US" sz="100" b="1" dirty="0" err="1" smtClean="0">
+                <a:solidFill>
+                  <a:srgbClr val="262626"/>
+                </a:solidFill>
+                <a:latin typeface="Consolas" charset="0"/>
+                <a:ea typeface="Consolas" charset="0"/>
+                <a:cs typeface="Consolas" charset="0"/>
+              </a:rPr>
+              <a:t>ExecutionEnvironment</a:t>
+            </a:r>
+            <a:r>
+              <a:rPr lang="en-US" sz="100" b="1" dirty="0" smtClean="0">
+                <a:solidFill>
+                  <a:srgbClr val="262626"/>
+                </a:solidFill>
+                <a:latin typeface="Consolas" charset="0"/>
+                <a:ea typeface="Consolas" charset="0"/>
+                <a:cs typeface="Consolas" charset="0"/>
+              </a:rPr>
+              <a:t> </a:t>
+            </a:r>
+            <a:r>
+              <a:rPr lang="en-US" sz="100" b="1" dirty="0" err="1" smtClean="0">
+                <a:solidFill>
+                  <a:srgbClr val="262626"/>
+                </a:solidFill>
+                <a:latin typeface="Consolas" charset="0"/>
+                <a:ea typeface="Consolas" charset="0"/>
+                <a:cs typeface="Consolas" charset="0"/>
+              </a:rPr>
+              <a:t>env</a:t>
+            </a:r>
+            <a:r>
+              <a:rPr lang="en-US" sz="100" b="1" dirty="0" smtClean="0">
+                <a:solidFill>
+                  <a:srgbClr val="262626"/>
+                </a:solidFill>
+                <a:latin typeface="Consolas" charset="0"/>
+                <a:ea typeface="Consolas" charset="0"/>
+                <a:cs typeface="Consolas" charset="0"/>
+              </a:rPr>
+              <a:t> = </a:t>
+            </a:r>
+            <a:r>
+              <a:rPr lang="en-US" sz="100" b="1" dirty="0" err="1" smtClean="0">
+                <a:solidFill>
+                  <a:srgbClr val="262626"/>
+                </a:solidFill>
+                <a:latin typeface="Consolas" charset="0"/>
+                <a:ea typeface="Consolas" charset="0"/>
+                <a:cs typeface="Consolas" charset="0"/>
+              </a:rPr>
+              <a:t>ExecutionEnvironment.</a:t>
+            </a:r>
+            <a:r>
+              <a:rPr lang="en-US" sz="100" b="1" dirty="0" err="1" smtClean="0">
+                <a:solidFill>
+                  <a:srgbClr val="0E6E6D"/>
+                </a:solidFill>
+                <a:latin typeface="Consolas" charset="0"/>
+                <a:ea typeface="Consolas" charset="0"/>
+                <a:cs typeface="Consolas" charset="0"/>
+              </a:rPr>
+              <a:t>getExecutionEnvironment</a:t>
+            </a:r>
+            <a:r>
+              <a:rPr lang="en-US" sz="100" b="1" dirty="0" smtClean="0">
+                <a:solidFill>
+                  <a:srgbClr val="262626"/>
+                </a:solidFill>
+                <a:latin typeface="Consolas" charset="0"/>
+                <a:ea typeface="Consolas" charset="0"/>
+                <a:cs typeface="Consolas" charset="0"/>
+              </a:rPr>
+              <a:t>();</a:t>
+            </a:r>
+          </a:p>
+          <a:p>
+            <a:endParaRPr lang="en-US" sz="100" b="1" dirty="0" smtClean="0">
+              <a:solidFill>
+                <a:srgbClr val="262626"/>
+              </a:solidFill>
+              <a:latin typeface="Consolas" charset="0"/>
+              <a:ea typeface="Consolas" charset="0"/>
+              <a:cs typeface="Consolas" charset="0"/>
+            </a:endParaRPr>
+          </a:p>
+          <a:p>
+            <a:r>
+              <a:rPr lang="en-US" sz="100" b="1" i="1" dirty="0" smtClean="0">
+                <a:solidFill>
+                  <a:srgbClr val="878875"/>
+                </a:solidFill>
+                <a:latin typeface="Consolas" charset="0"/>
+                <a:ea typeface="Consolas" charset="0"/>
+                <a:cs typeface="Consolas" charset="0"/>
+              </a:rPr>
+              <a:t>// Create initial </a:t>
+            </a:r>
+            <a:r>
+              <a:rPr lang="en-US" sz="100" b="1" i="1" dirty="0" err="1" smtClean="0">
+                <a:solidFill>
+                  <a:srgbClr val="878875"/>
+                </a:solidFill>
+                <a:latin typeface="Consolas" charset="0"/>
+                <a:ea typeface="Consolas" charset="0"/>
+                <a:cs typeface="Consolas" charset="0"/>
+              </a:rPr>
+              <a:t>IterativeDataSet</a:t>
+            </a:r>
+            <a:endParaRPr lang="en-US" sz="100" b="1" i="0" dirty="0" smtClean="0">
+              <a:solidFill>
+                <a:srgbClr val="262626"/>
+              </a:solidFill>
+              <a:latin typeface="Consolas" charset="0"/>
+              <a:ea typeface="Consolas" charset="0"/>
+              <a:cs typeface="Consolas" charset="0"/>
+            </a:endParaRPr>
+          </a:p>
+          <a:p>
+            <a:r>
+              <a:rPr lang="en-US" sz="100" b="1" i="0" dirty="0" err="1" smtClean="0">
+                <a:solidFill>
+                  <a:srgbClr val="262626"/>
+                </a:solidFill>
+                <a:latin typeface="Consolas" charset="0"/>
+                <a:ea typeface="Consolas" charset="0"/>
+                <a:cs typeface="Consolas" charset="0"/>
+              </a:rPr>
+              <a:t>IterativeDataSet</a:t>
+            </a:r>
+            <a:r>
+              <a:rPr lang="en-US" sz="100" b="1" i="0" dirty="0" smtClean="0">
+                <a:solidFill>
+                  <a:srgbClr val="262626"/>
+                </a:solidFill>
+                <a:latin typeface="Consolas" charset="0"/>
+                <a:ea typeface="Consolas" charset="0"/>
+                <a:cs typeface="Consolas" charset="0"/>
+              </a:rPr>
+              <a:t>&lt;Integer&gt; initial = </a:t>
+            </a:r>
+            <a:r>
+              <a:rPr lang="en-US" sz="100" b="1" i="0" dirty="0" err="1" smtClean="0">
+                <a:solidFill>
+                  <a:srgbClr val="262626"/>
+                </a:solidFill>
+                <a:latin typeface="Consolas" charset="0"/>
+                <a:ea typeface="Consolas" charset="0"/>
+                <a:cs typeface="Consolas" charset="0"/>
+              </a:rPr>
+              <a:t>env.</a:t>
+            </a:r>
+            <a:r>
+              <a:rPr lang="en-US" sz="100" b="1" i="0" dirty="0" err="1" smtClean="0">
+                <a:solidFill>
+                  <a:srgbClr val="0E6E6D"/>
+                </a:solidFill>
+                <a:latin typeface="Consolas" charset="0"/>
+                <a:ea typeface="Consolas" charset="0"/>
+                <a:cs typeface="Consolas" charset="0"/>
+              </a:rPr>
+              <a:t>fromElements</a:t>
+            </a:r>
+            <a:r>
+              <a:rPr lang="en-US" sz="100" b="1" i="0" dirty="0" smtClean="0">
+                <a:solidFill>
+                  <a:srgbClr val="262626"/>
+                </a:solidFill>
+                <a:latin typeface="Consolas" charset="0"/>
+                <a:ea typeface="Consolas" charset="0"/>
+                <a:cs typeface="Consolas" charset="0"/>
+              </a:rPr>
+              <a:t>(</a:t>
+            </a:r>
+            <a:r>
+              <a:rPr lang="en-US" sz="100" b="1" i="0" dirty="0" smtClean="0">
+                <a:solidFill>
+                  <a:srgbClr val="118987"/>
+                </a:solidFill>
+                <a:latin typeface="Consolas" charset="0"/>
+                <a:ea typeface="Consolas" charset="0"/>
+                <a:cs typeface="Consolas" charset="0"/>
+              </a:rPr>
+              <a:t>0</a:t>
+            </a:r>
+            <a:r>
+              <a:rPr lang="en-US" sz="100" b="1" i="0" dirty="0" smtClean="0">
+                <a:solidFill>
+                  <a:srgbClr val="262626"/>
+                </a:solidFill>
+                <a:latin typeface="Consolas" charset="0"/>
+                <a:ea typeface="Consolas" charset="0"/>
+                <a:cs typeface="Consolas" charset="0"/>
+              </a:rPr>
+              <a:t>).</a:t>
+            </a:r>
+            <a:r>
+              <a:rPr lang="en-US" sz="100" b="1" i="0" dirty="0" smtClean="0">
+                <a:solidFill>
+                  <a:srgbClr val="0E6E6D"/>
+                </a:solidFill>
+                <a:latin typeface="Consolas" charset="0"/>
+                <a:ea typeface="Consolas" charset="0"/>
+                <a:cs typeface="Consolas" charset="0"/>
+              </a:rPr>
+              <a:t>iterate</a:t>
+            </a:r>
+            <a:r>
+              <a:rPr lang="en-US" sz="100" b="1" i="0" dirty="0" smtClean="0">
+                <a:solidFill>
+                  <a:srgbClr val="262626"/>
+                </a:solidFill>
+                <a:latin typeface="Consolas" charset="0"/>
+                <a:ea typeface="Consolas" charset="0"/>
+                <a:cs typeface="Consolas" charset="0"/>
+              </a:rPr>
+              <a:t>(</a:t>
+            </a:r>
+            <a:r>
+              <a:rPr lang="en-US" sz="100" b="1" i="0" dirty="0" smtClean="0">
+                <a:solidFill>
+                  <a:srgbClr val="118987"/>
+                </a:solidFill>
+                <a:latin typeface="Consolas" charset="0"/>
+                <a:ea typeface="Consolas" charset="0"/>
+                <a:cs typeface="Consolas" charset="0"/>
+              </a:rPr>
+              <a:t>10000</a:t>
+            </a:r>
+            <a:r>
+              <a:rPr lang="en-US" sz="100" b="1" i="0" dirty="0" smtClean="0">
+                <a:solidFill>
+                  <a:srgbClr val="262626"/>
+                </a:solidFill>
+                <a:latin typeface="Consolas" charset="0"/>
+                <a:ea typeface="Consolas" charset="0"/>
+                <a:cs typeface="Consolas" charset="0"/>
+              </a:rPr>
+              <a:t>);</a:t>
+            </a:r>
+          </a:p>
+          <a:p>
+            <a:endParaRPr lang="en-US" sz="100" b="1" i="0" dirty="0" smtClean="0">
+              <a:solidFill>
+                <a:srgbClr val="262626"/>
+              </a:solidFill>
+              <a:latin typeface="Consolas" charset="0"/>
+              <a:ea typeface="Consolas" charset="0"/>
+              <a:cs typeface="Consolas" charset="0"/>
+            </a:endParaRPr>
+          </a:p>
+          <a:p>
+            <a:r>
+              <a:rPr lang="en-US" sz="100" b="1" i="0" dirty="0" err="1" smtClean="0">
+                <a:solidFill>
+                  <a:srgbClr val="262626"/>
+                </a:solidFill>
+                <a:latin typeface="Consolas" charset="0"/>
+                <a:ea typeface="Consolas" charset="0"/>
+                <a:cs typeface="Consolas" charset="0"/>
+              </a:rPr>
+              <a:t>DataSet</a:t>
+            </a:r>
+            <a:r>
+              <a:rPr lang="en-US" sz="100" b="1" i="0" dirty="0" smtClean="0">
+                <a:solidFill>
+                  <a:srgbClr val="262626"/>
+                </a:solidFill>
+                <a:latin typeface="Consolas" charset="0"/>
+                <a:ea typeface="Consolas" charset="0"/>
+                <a:cs typeface="Consolas" charset="0"/>
+              </a:rPr>
+              <a:t>&lt;Integer&gt; iteration = </a:t>
+            </a:r>
+            <a:r>
+              <a:rPr lang="en-US" sz="100" b="1" i="0" dirty="0" err="1" smtClean="0">
+                <a:solidFill>
+                  <a:srgbClr val="262626"/>
+                </a:solidFill>
+                <a:latin typeface="Consolas" charset="0"/>
+                <a:ea typeface="Consolas" charset="0"/>
+                <a:cs typeface="Consolas" charset="0"/>
+              </a:rPr>
+              <a:t>initial.</a:t>
+            </a:r>
+            <a:r>
+              <a:rPr lang="en-US" sz="100" b="1" i="0" dirty="0" err="1" smtClean="0">
+                <a:solidFill>
+                  <a:srgbClr val="0E6E6D"/>
+                </a:solidFill>
+                <a:latin typeface="Consolas" charset="0"/>
+                <a:ea typeface="Consolas" charset="0"/>
+                <a:cs typeface="Consolas" charset="0"/>
+              </a:rPr>
+              <a:t>map</a:t>
+            </a:r>
+            <a:r>
+              <a:rPr lang="en-US" sz="100" b="1" i="0" dirty="0" smtClean="0">
+                <a:solidFill>
+                  <a:srgbClr val="262626"/>
+                </a:solidFill>
+                <a:latin typeface="Consolas" charset="0"/>
+                <a:ea typeface="Consolas" charset="0"/>
+                <a:cs typeface="Consolas" charset="0"/>
+              </a:rPr>
+              <a:t>(new </a:t>
+            </a:r>
+            <a:r>
+              <a:rPr lang="en-US" sz="100" b="1" i="0" dirty="0" err="1" smtClean="0">
+                <a:solidFill>
+                  <a:srgbClr val="262626"/>
+                </a:solidFill>
+                <a:latin typeface="Consolas" charset="0"/>
+                <a:ea typeface="Consolas" charset="0"/>
+                <a:cs typeface="Consolas" charset="0"/>
+              </a:rPr>
+              <a:t>MapFunction</a:t>
+            </a:r>
+            <a:r>
+              <a:rPr lang="en-US" sz="100" b="1" i="0" dirty="0" smtClean="0">
+                <a:solidFill>
+                  <a:srgbClr val="262626"/>
+                </a:solidFill>
+                <a:latin typeface="Consolas" charset="0"/>
+                <a:ea typeface="Consolas" charset="0"/>
+                <a:cs typeface="Consolas" charset="0"/>
+              </a:rPr>
+              <a:t>&lt;Integer, Integer&gt;() {</a:t>
+            </a:r>
+          </a:p>
+          <a:p>
+            <a:r>
+              <a:rPr lang="en-US" sz="100" b="1" i="0" dirty="0" smtClean="0">
+                <a:solidFill>
+                  <a:srgbClr val="262626"/>
+                </a:solidFill>
+                <a:latin typeface="Consolas" charset="0"/>
+                <a:ea typeface="Consolas" charset="0"/>
+                <a:cs typeface="Consolas" charset="0"/>
+              </a:rPr>
+              <a:t>    @Override</a:t>
+            </a:r>
+          </a:p>
+          <a:p>
+            <a:r>
+              <a:rPr lang="en-US" sz="100" b="1" i="0" dirty="0" smtClean="0">
+                <a:solidFill>
+                  <a:srgbClr val="262626"/>
+                </a:solidFill>
+                <a:latin typeface="Consolas" charset="0"/>
+                <a:ea typeface="Consolas" charset="0"/>
+                <a:cs typeface="Consolas" charset="0"/>
+              </a:rPr>
+              <a:t>    public Integer </a:t>
+            </a:r>
+            <a:r>
+              <a:rPr lang="en-US" sz="100" b="1" i="0" dirty="0" smtClean="0">
+                <a:solidFill>
+                  <a:srgbClr val="850002"/>
+                </a:solidFill>
+                <a:latin typeface="Consolas" charset="0"/>
+                <a:ea typeface="Consolas" charset="0"/>
+                <a:cs typeface="Consolas" charset="0"/>
+              </a:rPr>
+              <a:t>map</a:t>
+            </a:r>
+            <a:r>
+              <a:rPr lang="en-US" sz="100" b="1" i="0" dirty="0" smtClean="0">
+                <a:solidFill>
+                  <a:srgbClr val="262626"/>
+                </a:solidFill>
+                <a:latin typeface="Consolas" charset="0"/>
+                <a:ea typeface="Consolas" charset="0"/>
+                <a:cs typeface="Consolas" charset="0"/>
+              </a:rPr>
+              <a:t>(Integer </a:t>
+            </a:r>
+            <a:r>
+              <a:rPr lang="en-US" sz="100" b="1" i="0" dirty="0" err="1" smtClean="0">
+                <a:solidFill>
+                  <a:srgbClr val="262626"/>
+                </a:solidFill>
+                <a:latin typeface="Consolas" charset="0"/>
+                <a:ea typeface="Consolas" charset="0"/>
+                <a:cs typeface="Consolas" charset="0"/>
+              </a:rPr>
+              <a:t>i</a:t>
+            </a:r>
+            <a:r>
+              <a:rPr lang="en-US" sz="100" b="1" i="0" dirty="0" smtClean="0">
+                <a:solidFill>
+                  <a:srgbClr val="262626"/>
+                </a:solidFill>
+                <a:latin typeface="Consolas" charset="0"/>
+                <a:ea typeface="Consolas" charset="0"/>
+                <a:cs typeface="Consolas" charset="0"/>
+              </a:rPr>
+              <a:t>) throws Exception {</a:t>
+            </a:r>
+          </a:p>
+          <a:p>
+            <a:r>
+              <a:rPr lang="en-US" sz="100" b="1" i="0" dirty="0" smtClean="0">
+                <a:solidFill>
+                  <a:srgbClr val="262626"/>
+                </a:solidFill>
+                <a:latin typeface="Consolas" charset="0"/>
+                <a:ea typeface="Consolas" charset="0"/>
+                <a:cs typeface="Consolas" charset="0"/>
+              </a:rPr>
+              <a:t>        </a:t>
+            </a:r>
+            <a:r>
+              <a:rPr lang="en-US" sz="100" b="1" i="0" dirty="0" smtClean="0">
+                <a:solidFill>
+                  <a:srgbClr val="354175"/>
+                </a:solidFill>
+                <a:latin typeface="Consolas" charset="0"/>
+                <a:ea typeface="Consolas" charset="0"/>
+                <a:cs typeface="Consolas" charset="0"/>
+              </a:rPr>
+              <a:t>double</a:t>
+            </a:r>
+            <a:r>
+              <a:rPr lang="en-US" sz="100" b="1" i="0" dirty="0" smtClean="0">
+                <a:solidFill>
+                  <a:srgbClr val="262626"/>
+                </a:solidFill>
+                <a:latin typeface="Consolas" charset="0"/>
+                <a:ea typeface="Consolas" charset="0"/>
+                <a:cs typeface="Consolas" charset="0"/>
+              </a:rPr>
+              <a:t> x = </a:t>
+            </a:r>
+            <a:r>
+              <a:rPr lang="en-US" sz="100" b="1" i="0" dirty="0" err="1" smtClean="0">
+                <a:solidFill>
+                  <a:srgbClr val="262626"/>
+                </a:solidFill>
+                <a:latin typeface="Consolas" charset="0"/>
+                <a:ea typeface="Consolas" charset="0"/>
+                <a:cs typeface="Consolas" charset="0"/>
+              </a:rPr>
+              <a:t>Math.</a:t>
+            </a:r>
+            <a:r>
+              <a:rPr lang="en-US" sz="100" b="1" i="0" dirty="0" err="1" smtClean="0">
+                <a:solidFill>
+                  <a:srgbClr val="0E6E6D"/>
+                </a:solidFill>
+                <a:latin typeface="Consolas" charset="0"/>
+                <a:ea typeface="Consolas" charset="0"/>
+                <a:cs typeface="Consolas" charset="0"/>
+              </a:rPr>
+              <a:t>random</a:t>
+            </a:r>
+            <a:r>
+              <a:rPr lang="en-US" sz="100" b="1" i="0" dirty="0" smtClean="0">
+                <a:solidFill>
+                  <a:srgbClr val="262626"/>
+                </a:solidFill>
+                <a:latin typeface="Consolas" charset="0"/>
+                <a:ea typeface="Consolas" charset="0"/>
+                <a:cs typeface="Consolas" charset="0"/>
+              </a:rPr>
+              <a:t>();</a:t>
+            </a:r>
+          </a:p>
+          <a:p>
+            <a:r>
+              <a:rPr lang="es-ES_tradnl" sz="100" b="1" i="0" dirty="0" smtClean="0">
+                <a:solidFill>
+                  <a:srgbClr val="262626"/>
+                </a:solidFill>
+                <a:latin typeface="Consolas" charset="0"/>
+                <a:ea typeface="Consolas" charset="0"/>
+                <a:cs typeface="Consolas" charset="0"/>
+              </a:rPr>
+              <a:t>        </a:t>
+            </a:r>
+            <a:r>
+              <a:rPr lang="es-ES_tradnl" sz="100" b="1" i="0" dirty="0" err="1" smtClean="0">
+                <a:solidFill>
+                  <a:srgbClr val="354175"/>
+                </a:solidFill>
+                <a:latin typeface="Consolas" charset="0"/>
+                <a:ea typeface="Consolas" charset="0"/>
+                <a:cs typeface="Consolas" charset="0"/>
+              </a:rPr>
+              <a:t>double</a:t>
+            </a:r>
+            <a:r>
+              <a:rPr lang="es-ES_tradnl" sz="100" b="1" i="0" dirty="0" smtClean="0">
+                <a:solidFill>
+                  <a:srgbClr val="262626"/>
+                </a:solidFill>
+                <a:latin typeface="Consolas" charset="0"/>
+                <a:ea typeface="Consolas" charset="0"/>
+                <a:cs typeface="Consolas" charset="0"/>
+              </a:rPr>
+              <a:t> y = </a:t>
+            </a:r>
+            <a:r>
+              <a:rPr lang="es-ES_tradnl" sz="100" b="1" i="0" dirty="0" err="1" smtClean="0">
+                <a:solidFill>
+                  <a:srgbClr val="262626"/>
+                </a:solidFill>
+                <a:latin typeface="Consolas" charset="0"/>
+                <a:ea typeface="Consolas" charset="0"/>
+                <a:cs typeface="Consolas" charset="0"/>
+              </a:rPr>
+              <a:t>Math.</a:t>
+            </a:r>
+            <a:r>
+              <a:rPr lang="es-ES_tradnl" sz="100" b="1" i="0" dirty="0" err="1" smtClean="0">
+                <a:solidFill>
+                  <a:srgbClr val="0E6E6D"/>
+                </a:solidFill>
+                <a:latin typeface="Consolas" charset="0"/>
+                <a:ea typeface="Consolas" charset="0"/>
+                <a:cs typeface="Consolas" charset="0"/>
+              </a:rPr>
+              <a:t>random</a:t>
+            </a:r>
+            <a:r>
+              <a:rPr lang="es-ES_tradnl" sz="100" b="1" i="0" dirty="0" smtClean="0">
+                <a:solidFill>
+                  <a:srgbClr val="262626"/>
+                </a:solidFill>
+                <a:latin typeface="Consolas" charset="0"/>
+                <a:ea typeface="Consolas" charset="0"/>
+                <a:cs typeface="Consolas" charset="0"/>
+              </a:rPr>
+              <a:t>();</a:t>
+            </a:r>
+          </a:p>
+          <a:p>
+            <a:endParaRPr lang="es-ES_tradnl" sz="100" b="1" i="0" dirty="0" smtClean="0">
+              <a:solidFill>
+                <a:srgbClr val="262626"/>
+              </a:solidFill>
+              <a:latin typeface="Consolas" charset="0"/>
+              <a:ea typeface="Consolas" charset="0"/>
+              <a:cs typeface="Consolas" charset="0"/>
+            </a:endParaRPr>
+          </a:p>
+          <a:p>
+            <a:r>
+              <a:rPr lang="es-ES_tradnl" sz="100" b="1" i="0" dirty="0" smtClean="0">
+                <a:solidFill>
+                  <a:srgbClr val="262626"/>
+                </a:solidFill>
+                <a:latin typeface="Consolas" charset="0"/>
+                <a:ea typeface="Consolas" charset="0"/>
+                <a:cs typeface="Consolas" charset="0"/>
+              </a:rPr>
+              <a:t>        </a:t>
+            </a:r>
+            <a:r>
+              <a:rPr lang="es-ES_tradnl" sz="100" b="1" i="0" dirty="0" err="1" smtClean="0">
+                <a:solidFill>
+                  <a:srgbClr val="262626"/>
+                </a:solidFill>
+                <a:latin typeface="Consolas" charset="0"/>
+                <a:ea typeface="Consolas" charset="0"/>
+                <a:cs typeface="Consolas" charset="0"/>
+              </a:rPr>
+              <a:t>return</a:t>
+            </a:r>
+            <a:r>
+              <a:rPr lang="es-ES_tradnl" sz="100" b="1" i="0" dirty="0" smtClean="0">
+                <a:solidFill>
+                  <a:srgbClr val="262626"/>
+                </a:solidFill>
+                <a:latin typeface="Consolas" charset="0"/>
+                <a:ea typeface="Consolas" charset="0"/>
+                <a:cs typeface="Consolas" charset="0"/>
+              </a:rPr>
+              <a:t> i + ((x * x + y * y &lt; </a:t>
+            </a:r>
+            <a:r>
+              <a:rPr lang="es-ES_tradnl" sz="100" b="1" i="0" dirty="0" smtClean="0">
+                <a:solidFill>
+                  <a:srgbClr val="118987"/>
+                </a:solidFill>
+                <a:latin typeface="Consolas" charset="0"/>
+                <a:ea typeface="Consolas" charset="0"/>
+                <a:cs typeface="Consolas" charset="0"/>
+              </a:rPr>
+              <a:t>1</a:t>
+            </a:r>
+            <a:r>
+              <a:rPr lang="es-ES_tradnl" sz="100" b="1" i="0" dirty="0" smtClean="0">
+                <a:solidFill>
+                  <a:srgbClr val="262626"/>
+                </a:solidFill>
+                <a:latin typeface="Consolas" charset="0"/>
+                <a:ea typeface="Consolas" charset="0"/>
+                <a:cs typeface="Consolas" charset="0"/>
+              </a:rPr>
+              <a:t>) ? </a:t>
+            </a:r>
+            <a:r>
+              <a:rPr lang="es-ES_tradnl" sz="100" b="1" i="0" dirty="0" smtClean="0">
+                <a:solidFill>
+                  <a:srgbClr val="118987"/>
+                </a:solidFill>
+                <a:latin typeface="Consolas" charset="0"/>
+                <a:ea typeface="Consolas" charset="0"/>
+                <a:cs typeface="Consolas" charset="0"/>
+              </a:rPr>
+              <a:t>1</a:t>
+            </a:r>
+            <a:r>
+              <a:rPr lang="es-ES_tradnl" sz="100" b="1" i="0" dirty="0" smtClean="0">
+                <a:solidFill>
+                  <a:srgbClr val="262626"/>
+                </a:solidFill>
+                <a:latin typeface="Consolas" charset="0"/>
+                <a:ea typeface="Consolas" charset="0"/>
+                <a:cs typeface="Consolas" charset="0"/>
+              </a:rPr>
+              <a:t> : </a:t>
+            </a:r>
+            <a:r>
+              <a:rPr lang="es-ES_tradnl" sz="100" b="1" i="0" dirty="0" smtClean="0">
+                <a:solidFill>
+                  <a:srgbClr val="118987"/>
+                </a:solidFill>
+                <a:latin typeface="Consolas" charset="0"/>
+                <a:ea typeface="Consolas" charset="0"/>
+                <a:cs typeface="Consolas" charset="0"/>
+              </a:rPr>
+              <a:t>0</a:t>
+            </a:r>
+            <a:r>
+              <a:rPr lang="es-ES_tradnl" sz="100" b="1" i="0" dirty="0" smtClean="0">
+                <a:solidFill>
+                  <a:srgbClr val="262626"/>
+                </a:solidFill>
+                <a:latin typeface="Consolas" charset="0"/>
+                <a:ea typeface="Consolas" charset="0"/>
+                <a:cs typeface="Consolas" charset="0"/>
+              </a:rPr>
+              <a:t>);</a:t>
+            </a:r>
+          </a:p>
+          <a:p>
+            <a:r>
+              <a:rPr lang="es-ES_tradnl" sz="100" b="1" i="0" dirty="0" smtClean="0">
+                <a:solidFill>
+                  <a:srgbClr val="262626"/>
+                </a:solidFill>
+                <a:latin typeface="Consolas" charset="0"/>
+                <a:ea typeface="Consolas" charset="0"/>
+                <a:cs typeface="Consolas" charset="0"/>
+              </a:rPr>
+              <a:t>    }</a:t>
+            </a:r>
+          </a:p>
+          <a:p>
+            <a:r>
+              <a:rPr lang="es-ES_tradnl" sz="100" b="1" i="0" dirty="0" smtClean="0">
+                <a:solidFill>
+                  <a:srgbClr val="262626"/>
+                </a:solidFill>
+                <a:latin typeface="Consolas" charset="0"/>
+                <a:ea typeface="Consolas" charset="0"/>
+                <a:cs typeface="Consolas" charset="0"/>
+              </a:rPr>
+              <a:t>});</a:t>
+            </a:r>
+            <a:endParaRPr lang="es-ES_tradnl" sz="100" b="1" i="0" dirty="0" smtClean="0">
+              <a:solidFill>
+                <a:srgbClr val="262626"/>
+              </a:solidFill>
+              <a:latin typeface="Consolas" charset="0"/>
+              <a:ea typeface="Consolas" charset="0"/>
+              <a:cs typeface="Consolas" charset="0"/>
+            </a:endParaRPr>
+          </a:p>
+        </p:txBody>
+      </p:sp>
+      <p:sp>
+        <p:nvSpPr>
+          <p:cNvPr id="11" name="Rectangle 10"/>
+          <p:cNvSpPr/>
+          <p:nvPr/>
+        </p:nvSpPr>
+        <p:spPr>
+          <a:xfrm>
+            <a:off x="1163373" y="1406369"/>
+            <a:ext cx="853118" cy="230832"/>
+          </a:xfrm>
+          <a:prstGeom prst="rect">
+            <a:avLst/>
+          </a:prstGeom>
+        </p:spPr>
+        <p:txBody>
+          <a:bodyPr wrap="none">
+            <a:spAutoFit/>
+          </a:bodyPr>
+          <a:lstStyle/>
+          <a:p>
+            <a:pPr algn="ctr"/>
+            <a:r>
+              <a:rPr lang="en-US" sz="900" i="1" dirty="0" err="1">
+                <a:latin typeface="Calibri" charset="0"/>
+                <a:ea typeface="Calibri" charset="0"/>
+                <a:cs typeface="Calibri" charset="0"/>
+              </a:rPr>
+              <a:t>Flink</a:t>
+            </a:r>
+            <a:r>
+              <a:rPr lang="en-US" sz="900" i="1" dirty="0">
+                <a:latin typeface="Calibri" charset="0"/>
+                <a:ea typeface="Calibri" charset="0"/>
+                <a:cs typeface="Calibri" charset="0"/>
+              </a:rPr>
+              <a:t> </a:t>
+            </a:r>
+            <a:r>
+              <a:rPr lang="en-US" sz="900" i="1" dirty="0" smtClean="0">
+                <a:latin typeface="Calibri" charset="0"/>
+                <a:ea typeface="Calibri" charset="0"/>
+                <a:cs typeface="Calibri" charset="0"/>
+              </a:rPr>
+              <a:t>Program</a:t>
+            </a:r>
+            <a:endParaRPr lang="en-US" sz="900" i="1" dirty="0">
+              <a:latin typeface="Calibri" charset="0"/>
+              <a:ea typeface="Calibri" charset="0"/>
+              <a:cs typeface="Calibri" charset="0"/>
+            </a:endParaRPr>
+          </a:p>
+        </p:txBody>
+      </p:sp>
+      <p:sp>
+        <p:nvSpPr>
+          <p:cNvPr id="86" name="Rectangle 85"/>
+          <p:cNvSpPr/>
+          <p:nvPr/>
+        </p:nvSpPr>
+        <p:spPr>
+          <a:xfrm>
+            <a:off x="767910" y="2258326"/>
+            <a:ext cx="950902" cy="230832"/>
+          </a:xfrm>
+          <a:prstGeom prst="rect">
+            <a:avLst/>
+          </a:prstGeom>
+        </p:spPr>
+        <p:txBody>
+          <a:bodyPr wrap="none">
+            <a:spAutoFit/>
+          </a:bodyPr>
+          <a:lstStyle/>
+          <a:p>
+            <a:pPr algn="ctr"/>
+            <a:r>
+              <a:rPr lang="en-US" sz="900" i="1" dirty="0" smtClean="0">
+                <a:latin typeface="Calibri" charset="0"/>
+                <a:ea typeface="Calibri" charset="0"/>
+                <a:cs typeface="Calibri" charset="0"/>
+              </a:rPr>
+              <a:t>Dataflow Graph</a:t>
+            </a:r>
+            <a:endParaRPr lang="en-US" sz="900" i="1" dirty="0">
+              <a:latin typeface="Calibri" charset="0"/>
+              <a:ea typeface="Calibri" charset="0"/>
+              <a:cs typeface="Calibri" charset="0"/>
+            </a:endParaRPr>
+          </a:p>
+        </p:txBody>
+      </p:sp>
+      <p:grpSp>
+        <p:nvGrpSpPr>
+          <p:cNvPr id="88" name="Group 87"/>
+          <p:cNvGrpSpPr/>
+          <p:nvPr/>
+        </p:nvGrpSpPr>
+        <p:grpSpPr>
+          <a:xfrm>
+            <a:off x="2991933" y="2809180"/>
+            <a:ext cx="1534396" cy="1419538"/>
+            <a:chOff x="5209908" y="860992"/>
+            <a:chExt cx="1839671" cy="1796239"/>
+          </a:xfrm>
+        </p:grpSpPr>
+        <p:sp>
+          <p:nvSpPr>
+            <p:cNvPr id="89" name="Rectangle 88"/>
+            <p:cNvSpPr/>
+            <p:nvPr/>
+          </p:nvSpPr>
+          <p:spPr>
+            <a:xfrm>
+              <a:off x="5209908" y="860992"/>
+              <a:ext cx="1839671" cy="1796239"/>
+            </a:xfrm>
+            <a:prstGeom prst="rect">
+              <a:avLst/>
+            </a:prstGeom>
+            <a:solidFill>
+              <a:schemeClr val="accent2">
+                <a:lumMod val="20000"/>
+                <a:lumOff val="80000"/>
+                <a:alpha val="30000"/>
+              </a:schemeClr>
+            </a:solidFill>
+            <a:ln>
+              <a:solidFill>
+                <a:schemeClr val="tx1">
+                  <a:lumMod val="65000"/>
+                  <a:lumOff val="35000"/>
+                </a:schemeClr>
+              </a:solidFill>
+            </a:ln>
+          </p:spPr>
+          <p:style>
+            <a:lnRef idx="2">
+              <a:schemeClr val="accent1">
+                <a:shade val="50000"/>
+              </a:schemeClr>
+            </a:lnRef>
+            <a:fillRef idx="1">
+              <a:schemeClr val="accent1"/>
+            </a:fillRef>
+            <a:effectRef idx="0">
+              <a:schemeClr val="accent1"/>
+            </a:effectRef>
+            <a:fontRef idx="minor">
+              <a:schemeClr val="lt1"/>
+            </a:fontRef>
+          </p:style>
+          <p:txBody>
+            <a:bodyPr lIns="36000" rtlCol="0" anchor="ctr"/>
+            <a:lstStyle/>
+            <a:p>
+              <a:pPr algn="ctr"/>
+              <a:r>
+                <a:rPr lang="en-US" sz="1050" b="1" dirty="0" smtClean="0">
+                  <a:solidFill>
+                    <a:schemeClr val="tx1"/>
+                  </a:solidFill>
+                  <a:latin typeface="Calibri" charset="0"/>
+                  <a:ea typeface="Calibri" charset="0"/>
+                  <a:cs typeface="Calibri" charset="0"/>
+                </a:rPr>
+                <a:t>Task Manager #2</a:t>
+              </a:r>
+            </a:p>
+            <a:p>
+              <a:pPr algn="ctr"/>
+              <a:endParaRPr lang="en-US" sz="700" b="1" i="1" dirty="0" smtClean="0">
+                <a:solidFill>
+                  <a:schemeClr val="tx1"/>
+                </a:solidFill>
+                <a:latin typeface="Calibri" charset="0"/>
+                <a:ea typeface="Calibri" charset="0"/>
+                <a:cs typeface="Calibri" charset="0"/>
+              </a:endParaRPr>
+            </a:p>
+            <a:p>
+              <a:pPr algn="ctr"/>
+              <a:endParaRPr lang="en-US" sz="700" b="1" i="1" dirty="0">
+                <a:solidFill>
+                  <a:schemeClr val="tx1"/>
+                </a:solidFill>
+                <a:latin typeface="Calibri" charset="0"/>
+                <a:ea typeface="Calibri" charset="0"/>
+                <a:cs typeface="Calibri" charset="0"/>
+              </a:endParaRPr>
+            </a:p>
+            <a:p>
+              <a:pPr algn="ctr"/>
+              <a:endParaRPr lang="en-US" sz="700" b="1" i="1" dirty="0" smtClean="0">
+                <a:solidFill>
+                  <a:schemeClr val="tx1"/>
+                </a:solidFill>
+                <a:latin typeface="Calibri" charset="0"/>
+                <a:ea typeface="Calibri" charset="0"/>
+                <a:cs typeface="Calibri" charset="0"/>
+              </a:endParaRPr>
+            </a:p>
+            <a:p>
+              <a:pPr algn="ctr"/>
+              <a:endParaRPr lang="en-US" sz="700" b="1" i="1" dirty="0">
+                <a:solidFill>
+                  <a:schemeClr val="tx1"/>
+                </a:solidFill>
+                <a:latin typeface="Calibri" charset="0"/>
+                <a:ea typeface="Calibri" charset="0"/>
+                <a:cs typeface="Calibri" charset="0"/>
+              </a:endParaRPr>
+            </a:p>
+            <a:p>
+              <a:pPr algn="ctr"/>
+              <a:endParaRPr lang="en-US" sz="700" b="1" i="1" dirty="0" smtClean="0">
+                <a:solidFill>
+                  <a:schemeClr val="tx1"/>
+                </a:solidFill>
+                <a:latin typeface="Calibri" charset="0"/>
+                <a:ea typeface="Calibri" charset="0"/>
+                <a:cs typeface="Calibri" charset="0"/>
+              </a:endParaRPr>
+            </a:p>
+            <a:p>
+              <a:pPr algn="ctr"/>
+              <a:endParaRPr lang="en-US" sz="700" b="1" i="1" dirty="0">
+                <a:solidFill>
+                  <a:schemeClr val="tx1"/>
+                </a:solidFill>
+                <a:latin typeface="Calibri" charset="0"/>
+                <a:ea typeface="Calibri" charset="0"/>
+                <a:cs typeface="Calibri" charset="0"/>
+              </a:endParaRPr>
+            </a:p>
+            <a:p>
+              <a:pPr algn="ctr"/>
+              <a:endParaRPr lang="en-US" sz="700" b="1" i="1" dirty="0">
+                <a:solidFill>
+                  <a:schemeClr val="tx1"/>
+                </a:solidFill>
+                <a:latin typeface="Calibri" charset="0"/>
+                <a:ea typeface="Calibri" charset="0"/>
+                <a:cs typeface="Calibri" charset="0"/>
+              </a:endParaRPr>
+            </a:p>
+            <a:p>
+              <a:pPr algn="ctr"/>
+              <a:endParaRPr lang="en-US" sz="700" b="1" i="1" dirty="0" smtClean="0">
+                <a:solidFill>
+                  <a:schemeClr val="tx1"/>
+                </a:solidFill>
+                <a:latin typeface="Calibri" charset="0"/>
+                <a:ea typeface="Calibri" charset="0"/>
+                <a:cs typeface="Calibri" charset="0"/>
+              </a:endParaRPr>
+            </a:p>
+            <a:p>
+              <a:pPr algn="ctr"/>
+              <a:endParaRPr lang="en-US" sz="700" b="1" i="1" dirty="0">
+                <a:solidFill>
+                  <a:schemeClr val="tx1"/>
+                </a:solidFill>
+                <a:latin typeface="Calibri" charset="0"/>
+                <a:ea typeface="Calibri" charset="0"/>
+                <a:cs typeface="Calibri" charset="0"/>
+              </a:endParaRPr>
+            </a:p>
+            <a:p>
+              <a:pPr algn="ctr"/>
+              <a:endParaRPr lang="en-US" sz="700" b="1" i="1" dirty="0" smtClean="0">
+                <a:solidFill>
+                  <a:schemeClr val="tx1"/>
+                </a:solidFill>
+                <a:latin typeface="Calibri" charset="0"/>
+                <a:ea typeface="Calibri" charset="0"/>
+                <a:cs typeface="Calibri" charset="0"/>
+              </a:endParaRPr>
+            </a:p>
+            <a:p>
+              <a:pPr algn="ctr"/>
+              <a:endParaRPr lang="en-US" sz="700" b="1" i="1" dirty="0">
+                <a:solidFill>
+                  <a:schemeClr val="tx1"/>
+                </a:solidFill>
+                <a:latin typeface="Calibri" charset="0"/>
+                <a:ea typeface="Calibri" charset="0"/>
+                <a:cs typeface="Calibri" charset="0"/>
+              </a:endParaRPr>
+            </a:p>
+            <a:p>
+              <a:pPr algn="ctr"/>
+              <a:endParaRPr lang="en-US" sz="700" i="1" dirty="0" smtClean="0">
+                <a:solidFill>
+                  <a:schemeClr val="tx1"/>
+                </a:solidFill>
+                <a:latin typeface="Calibri" charset="0"/>
+                <a:ea typeface="Calibri" charset="0"/>
+                <a:cs typeface="Calibri" charset="0"/>
+              </a:endParaRPr>
+            </a:p>
+          </p:txBody>
+        </p:sp>
+        <p:grpSp>
+          <p:nvGrpSpPr>
+            <p:cNvPr id="90" name="Group 89"/>
+            <p:cNvGrpSpPr/>
+            <p:nvPr/>
+          </p:nvGrpSpPr>
+          <p:grpSpPr>
+            <a:xfrm>
+              <a:off x="5546992" y="1059262"/>
+              <a:ext cx="455516" cy="933220"/>
+              <a:chOff x="4421368" y="2592101"/>
+              <a:chExt cx="552294" cy="1131490"/>
+            </a:xfrm>
+          </p:grpSpPr>
+          <p:sp>
+            <p:nvSpPr>
+              <p:cNvPr id="102" name="Rectangle 101"/>
+              <p:cNvSpPr/>
+              <p:nvPr/>
+            </p:nvSpPr>
+            <p:spPr>
+              <a:xfrm>
+                <a:off x="4421368" y="2592102"/>
+                <a:ext cx="549218" cy="1131489"/>
+              </a:xfrm>
+              <a:prstGeom prst="rect">
+                <a:avLst/>
+              </a:prstGeom>
+              <a:solidFill>
+                <a:schemeClr val="accent3">
+                  <a:lumMod val="40000"/>
+                  <a:lumOff val="60000"/>
+                </a:schemeClr>
+              </a:solidFill>
+              <a:ln w="9525">
+                <a:solidFill>
+                  <a:schemeClr val="tx1">
+                    <a:lumMod val="65000"/>
+                    <a:lumOff val="35000"/>
+                  </a:schemeClr>
+                </a:solidFill>
+              </a:ln>
+            </p:spPr>
+            <p:style>
+              <a:lnRef idx="2">
+                <a:schemeClr val="accent1">
+                  <a:shade val="50000"/>
+                </a:schemeClr>
+              </a:lnRef>
+              <a:fillRef idx="1">
+                <a:schemeClr val="accent1"/>
+              </a:fillRef>
+              <a:effectRef idx="0">
+                <a:schemeClr val="accent1"/>
+              </a:effectRef>
+              <a:fontRef idx="minor">
+                <a:schemeClr val="lt1"/>
+              </a:fontRef>
+            </p:style>
+            <p:txBody>
+              <a:bodyPr lIns="36000" rtlCol="0" anchor="ctr"/>
+              <a:lstStyle/>
+              <a:p>
+                <a:pPr algn="ctr"/>
+                <a:endParaRPr lang="en-US" sz="700" i="1" dirty="0" smtClean="0">
+                  <a:solidFill>
+                    <a:schemeClr val="tx1"/>
+                  </a:solidFill>
+                  <a:latin typeface="Calibri" charset="0"/>
+                  <a:ea typeface="Calibri" charset="0"/>
+                  <a:cs typeface="Calibri" charset="0"/>
+                </a:endParaRPr>
+              </a:p>
+            </p:txBody>
+          </p:sp>
+          <p:sp>
+            <p:nvSpPr>
+              <p:cNvPr id="103" name="TextBox 102"/>
+              <p:cNvSpPr txBox="1"/>
+              <p:nvPr/>
+            </p:nvSpPr>
+            <p:spPr>
+              <a:xfrm>
+                <a:off x="4430853" y="2592101"/>
+                <a:ext cx="542809" cy="501455"/>
+              </a:xfrm>
+              <a:prstGeom prst="rect">
+                <a:avLst/>
+              </a:prstGeom>
+              <a:noFill/>
+            </p:spPr>
+            <p:txBody>
+              <a:bodyPr wrap="none" rtlCol="0">
+                <a:spAutoFit/>
+              </a:bodyPr>
+              <a:lstStyle/>
+              <a:p>
+                <a:pPr algn="ctr"/>
+                <a:r>
+                  <a:rPr lang="en-US" sz="800" b="1" dirty="0"/>
+                  <a:t>Task </a:t>
+                </a:r>
+                <a:br>
+                  <a:rPr lang="en-US" sz="800" b="1" dirty="0"/>
+                </a:br>
+                <a:r>
+                  <a:rPr lang="en-US" sz="800" b="1" dirty="0"/>
+                  <a:t>Slot</a:t>
+                </a:r>
+                <a:endParaRPr lang="en-US" sz="800" b="1" dirty="0"/>
+              </a:p>
+            </p:txBody>
+          </p:sp>
+          <p:sp>
+            <p:nvSpPr>
+              <p:cNvPr id="104" name="Oval 103"/>
+              <p:cNvSpPr/>
+              <p:nvPr/>
+            </p:nvSpPr>
+            <p:spPr>
+              <a:xfrm>
+                <a:off x="4530829" y="3173477"/>
+                <a:ext cx="351262" cy="351262"/>
+              </a:xfrm>
+              <a:prstGeom prst="ellipse">
+                <a:avLst/>
+              </a:prstGeom>
+            </p:spPr>
+            <p:style>
+              <a:lnRef idx="2">
+                <a:schemeClr val="accent1">
+                  <a:shade val="50000"/>
+                </a:schemeClr>
+              </a:lnRef>
+              <a:fillRef idx="1">
+                <a:schemeClr val="accent1"/>
+              </a:fillRef>
+              <a:effectRef idx="0">
+                <a:schemeClr val="accent1"/>
+              </a:effectRef>
+              <a:fontRef idx="minor">
+                <a:schemeClr val="lt1"/>
+              </a:fontRef>
+            </p:style>
+            <p:txBody>
+              <a:bodyPr rtlCol="0" anchor="ctr"/>
+              <a:lstStyle/>
+              <a:p>
+                <a:pPr algn="ctr"/>
+                <a:endParaRPr lang="en-US" sz="300" dirty="0"/>
+              </a:p>
+            </p:txBody>
+          </p:sp>
+        </p:grpSp>
+        <p:sp>
+          <p:nvSpPr>
+            <p:cNvPr id="91" name="Rectangle 90"/>
+            <p:cNvSpPr/>
+            <p:nvPr/>
+          </p:nvSpPr>
+          <p:spPr>
+            <a:xfrm rot="16200000">
+              <a:off x="4593267" y="1718408"/>
+              <a:ext cx="1544653" cy="226360"/>
+            </a:xfrm>
+            <a:prstGeom prst="rect">
+              <a:avLst/>
+            </a:prstGeom>
+            <a:solidFill>
+              <a:schemeClr val="accent6">
+                <a:lumMod val="60000"/>
+                <a:lumOff val="40000"/>
+              </a:schemeClr>
+            </a:solidFill>
+            <a:ln>
+              <a:solidFill>
+                <a:schemeClr val="tx1">
+                  <a:lumMod val="65000"/>
+                  <a:lumOff val="35000"/>
+                </a:schemeClr>
+              </a:solidFill>
+            </a:ln>
+          </p:spPr>
+          <p:style>
+            <a:lnRef idx="2">
+              <a:schemeClr val="accent1">
+                <a:shade val="50000"/>
+              </a:schemeClr>
+            </a:lnRef>
+            <a:fillRef idx="1">
+              <a:schemeClr val="accent1"/>
+            </a:fillRef>
+            <a:effectRef idx="0">
+              <a:schemeClr val="accent1"/>
+            </a:effectRef>
+            <a:fontRef idx="minor">
+              <a:schemeClr val="lt1"/>
+            </a:fontRef>
+          </p:style>
+          <p:txBody>
+            <a:bodyPr lIns="36000" rtlCol="0" anchor="ctr"/>
+            <a:lstStyle/>
+            <a:p>
+              <a:pPr algn="ctr"/>
+              <a:r>
+                <a:rPr lang="en-US" sz="700" b="1" dirty="0" smtClean="0">
+                  <a:solidFill>
+                    <a:schemeClr val="tx1"/>
+                  </a:solidFill>
+                  <a:latin typeface="Calibri" charset="0"/>
+                  <a:ea typeface="Calibri" charset="0"/>
+                  <a:cs typeface="Calibri" charset="0"/>
+                </a:rPr>
+                <a:t>Actor System</a:t>
+              </a:r>
+              <a:endParaRPr lang="en-US" sz="700" i="1" dirty="0" smtClean="0">
+                <a:solidFill>
+                  <a:schemeClr val="tx1"/>
+                </a:solidFill>
+                <a:latin typeface="Calibri" charset="0"/>
+                <a:ea typeface="Calibri" charset="0"/>
+                <a:cs typeface="Calibri" charset="0"/>
+              </a:endParaRPr>
+            </a:p>
+          </p:txBody>
+        </p:sp>
+        <p:sp>
+          <p:nvSpPr>
+            <p:cNvPr id="92" name="Rectangle 91"/>
+            <p:cNvSpPr/>
+            <p:nvPr/>
+          </p:nvSpPr>
+          <p:spPr>
+            <a:xfrm>
+              <a:off x="5524847" y="2077740"/>
+              <a:ext cx="1459153" cy="230833"/>
+            </a:xfrm>
+            <a:prstGeom prst="rect">
+              <a:avLst/>
+            </a:prstGeom>
+            <a:solidFill>
+              <a:schemeClr val="tx2">
+                <a:lumMod val="40000"/>
+                <a:lumOff val="60000"/>
+              </a:schemeClr>
+            </a:solidFill>
+            <a:ln>
+              <a:solidFill>
+                <a:schemeClr val="tx1">
+                  <a:lumMod val="65000"/>
+                  <a:lumOff val="35000"/>
+                </a:schemeClr>
+              </a:solidFill>
+            </a:ln>
+          </p:spPr>
+          <p:style>
+            <a:lnRef idx="2">
+              <a:schemeClr val="accent1">
+                <a:shade val="50000"/>
+              </a:schemeClr>
+            </a:lnRef>
+            <a:fillRef idx="1">
+              <a:schemeClr val="accent1"/>
+            </a:fillRef>
+            <a:effectRef idx="0">
+              <a:schemeClr val="accent1"/>
+            </a:effectRef>
+            <a:fontRef idx="minor">
+              <a:schemeClr val="lt1"/>
+            </a:fontRef>
+          </p:style>
+          <p:txBody>
+            <a:bodyPr lIns="36000" rtlCol="0" anchor="ctr"/>
+            <a:lstStyle/>
+            <a:p>
+              <a:pPr algn="ctr"/>
+              <a:r>
+                <a:rPr lang="en-US" sz="700" b="1" dirty="0" smtClean="0">
+                  <a:solidFill>
+                    <a:schemeClr val="tx1"/>
+                  </a:solidFill>
+                  <a:latin typeface="Calibri" charset="0"/>
+                  <a:ea typeface="Calibri" charset="0"/>
+                  <a:cs typeface="Calibri" charset="0"/>
+                </a:rPr>
+                <a:t>Memory/IO Manager</a:t>
+              </a:r>
+              <a:endParaRPr lang="en-US" sz="700" i="1" dirty="0" smtClean="0">
+                <a:solidFill>
+                  <a:schemeClr val="tx1"/>
+                </a:solidFill>
+                <a:latin typeface="Calibri" charset="0"/>
+                <a:ea typeface="Calibri" charset="0"/>
+                <a:cs typeface="Calibri" charset="0"/>
+              </a:endParaRPr>
+            </a:p>
+          </p:txBody>
+        </p:sp>
+        <p:sp>
+          <p:nvSpPr>
+            <p:cNvPr id="93" name="Rectangle 92"/>
+            <p:cNvSpPr/>
+            <p:nvPr/>
+          </p:nvSpPr>
+          <p:spPr>
+            <a:xfrm>
+              <a:off x="5524846" y="2373082"/>
+              <a:ext cx="1459153" cy="230833"/>
+            </a:xfrm>
+            <a:prstGeom prst="rect">
+              <a:avLst/>
+            </a:prstGeom>
+            <a:solidFill>
+              <a:schemeClr val="tx2">
+                <a:lumMod val="40000"/>
+                <a:lumOff val="60000"/>
+              </a:schemeClr>
+            </a:solidFill>
+            <a:ln>
+              <a:solidFill>
+                <a:schemeClr val="tx1">
+                  <a:lumMod val="65000"/>
+                  <a:lumOff val="35000"/>
+                </a:schemeClr>
+              </a:solidFill>
+            </a:ln>
+          </p:spPr>
+          <p:style>
+            <a:lnRef idx="2">
+              <a:schemeClr val="accent1">
+                <a:shade val="50000"/>
+              </a:schemeClr>
+            </a:lnRef>
+            <a:fillRef idx="1">
+              <a:schemeClr val="accent1"/>
+            </a:fillRef>
+            <a:effectRef idx="0">
+              <a:schemeClr val="accent1"/>
+            </a:effectRef>
+            <a:fontRef idx="minor">
+              <a:schemeClr val="lt1"/>
+            </a:fontRef>
+          </p:style>
+          <p:txBody>
+            <a:bodyPr lIns="36000" rtlCol="0" anchor="ctr"/>
+            <a:lstStyle/>
+            <a:p>
+              <a:pPr algn="ctr"/>
+              <a:r>
+                <a:rPr lang="en-US" sz="700" b="1" dirty="0" smtClean="0">
+                  <a:solidFill>
+                    <a:schemeClr val="tx1"/>
+                  </a:solidFill>
+                  <a:latin typeface="Calibri" charset="0"/>
+                  <a:ea typeface="Calibri" charset="0"/>
+                  <a:cs typeface="Calibri" charset="0"/>
+                </a:rPr>
+                <a:t>Network Manager</a:t>
+              </a:r>
+              <a:endParaRPr lang="en-US" sz="700" i="1" dirty="0" smtClean="0">
+                <a:solidFill>
+                  <a:schemeClr val="tx1"/>
+                </a:solidFill>
+                <a:latin typeface="Calibri" charset="0"/>
+                <a:ea typeface="Calibri" charset="0"/>
+                <a:cs typeface="Calibri" charset="0"/>
+              </a:endParaRPr>
+            </a:p>
+          </p:txBody>
+        </p:sp>
+        <p:grpSp>
+          <p:nvGrpSpPr>
+            <p:cNvPr id="94" name="Group 93"/>
+            <p:cNvGrpSpPr/>
+            <p:nvPr/>
+          </p:nvGrpSpPr>
+          <p:grpSpPr>
+            <a:xfrm>
+              <a:off x="6017263" y="1060137"/>
+              <a:ext cx="455516" cy="933220"/>
+              <a:chOff x="4421368" y="2592101"/>
+              <a:chExt cx="552294" cy="1131490"/>
+            </a:xfrm>
+          </p:grpSpPr>
+          <p:sp>
+            <p:nvSpPr>
+              <p:cNvPr id="99" name="Rectangle 98"/>
+              <p:cNvSpPr/>
+              <p:nvPr/>
+            </p:nvSpPr>
+            <p:spPr>
+              <a:xfrm>
+                <a:off x="4421368" y="2592102"/>
+                <a:ext cx="549218" cy="1131489"/>
+              </a:xfrm>
+              <a:prstGeom prst="rect">
+                <a:avLst/>
+              </a:prstGeom>
+              <a:solidFill>
+                <a:schemeClr val="accent3">
+                  <a:lumMod val="40000"/>
+                  <a:lumOff val="60000"/>
+                </a:schemeClr>
+              </a:solidFill>
+              <a:ln w="9525">
+                <a:solidFill>
+                  <a:schemeClr val="tx1">
+                    <a:lumMod val="65000"/>
+                    <a:lumOff val="35000"/>
+                  </a:schemeClr>
+                </a:solidFill>
+              </a:ln>
+            </p:spPr>
+            <p:style>
+              <a:lnRef idx="2">
+                <a:schemeClr val="accent1">
+                  <a:shade val="50000"/>
+                </a:schemeClr>
+              </a:lnRef>
+              <a:fillRef idx="1">
+                <a:schemeClr val="accent1"/>
+              </a:fillRef>
+              <a:effectRef idx="0">
+                <a:schemeClr val="accent1"/>
+              </a:effectRef>
+              <a:fontRef idx="minor">
+                <a:schemeClr val="lt1"/>
+              </a:fontRef>
+            </p:style>
+            <p:txBody>
+              <a:bodyPr lIns="36000" rtlCol="0" anchor="ctr"/>
+              <a:lstStyle/>
+              <a:p>
+                <a:pPr algn="ctr"/>
+                <a:endParaRPr lang="en-US" sz="700" i="1" dirty="0" smtClean="0">
+                  <a:solidFill>
+                    <a:schemeClr val="tx1"/>
+                  </a:solidFill>
+                  <a:latin typeface="Calibri" charset="0"/>
+                  <a:ea typeface="Calibri" charset="0"/>
+                  <a:cs typeface="Calibri" charset="0"/>
+                </a:endParaRPr>
+              </a:p>
+            </p:txBody>
+          </p:sp>
+          <p:sp>
+            <p:nvSpPr>
+              <p:cNvPr id="100" name="TextBox 99"/>
+              <p:cNvSpPr txBox="1"/>
+              <p:nvPr/>
+            </p:nvSpPr>
+            <p:spPr>
+              <a:xfrm>
+                <a:off x="4430853" y="2592101"/>
+                <a:ext cx="542809" cy="501455"/>
+              </a:xfrm>
+              <a:prstGeom prst="rect">
+                <a:avLst/>
+              </a:prstGeom>
+              <a:noFill/>
+            </p:spPr>
+            <p:txBody>
+              <a:bodyPr wrap="none" rtlCol="0">
+                <a:spAutoFit/>
+              </a:bodyPr>
+              <a:lstStyle/>
+              <a:p>
+                <a:pPr algn="ctr"/>
+                <a:r>
+                  <a:rPr lang="en-US" sz="800" b="1" dirty="0"/>
+                  <a:t>Task </a:t>
+                </a:r>
+                <a:br>
+                  <a:rPr lang="en-US" sz="800" b="1" dirty="0"/>
+                </a:br>
+                <a:r>
+                  <a:rPr lang="en-US" sz="800" b="1" dirty="0"/>
+                  <a:t>Slot</a:t>
+                </a:r>
+                <a:endParaRPr lang="en-US" sz="800" b="1" dirty="0"/>
+              </a:p>
+            </p:txBody>
+          </p:sp>
+          <p:sp>
+            <p:nvSpPr>
+              <p:cNvPr id="101" name="Oval 100"/>
+              <p:cNvSpPr/>
+              <p:nvPr/>
+            </p:nvSpPr>
+            <p:spPr>
+              <a:xfrm>
+                <a:off x="4530829" y="3173477"/>
+                <a:ext cx="351262" cy="351262"/>
+              </a:xfrm>
+              <a:prstGeom prst="ellipse">
+                <a:avLst/>
+              </a:prstGeom>
+            </p:spPr>
+            <p:style>
+              <a:lnRef idx="2">
+                <a:schemeClr val="accent1">
+                  <a:shade val="50000"/>
+                </a:schemeClr>
+              </a:lnRef>
+              <a:fillRef idx="1">
+                <a:schemeClr val="accent1"/>
+              </a:fillRef>
+              <a:effectRef idx="0">
+                <a:schemeClr val="accent1"/>
+              </a:effectRef>
+              <a:fontRef idx="minor">
+                <a:schemeClr val="lt1"/>
+              </a:fontRef>
+            </p:style>
+            <p:txBody>
+              <a:bodyPr rtlCol="0" anchor="ctr"/>
+              <a:lstStyle/>
+              <a:p>
+                <a:pPr algn="ctr"/>
+                <a:endParaRPr lang="en-US" sz="300" dirty="0"/>
+              </a:p>
+            </p:txBody>
+          </p:sp>
+        </p:grpSp>
+        <p:grpSp>
+          <p:nvGrpSpPr>
+            <p:cNvPr id="95" name="Group 94"/>
+            <p:cNvGrpSpPr/>
+            <p:nvPr/>
+          </p:nvGrpSpPr>
+          <p:grpSpPr>
+            <a:xfrm>
+              <a:off x="6482985" y="1059797"/>
+              <a:ext cx="455516" cy="933220"/>
+              <a:chOff x="4421368" y="2592101"/>
+              <a:chExt cx="552294" cy="1131490"/>
+            </a:xfrm>
+          </p:grpSpPr>
+          <p:sp>
+            <p:nvSpPr>
+              <p:cNvPr id="96" name="Rectangle 95"/>
+              <p:cNvSpPr/>
+              <p:nvPr/>
+            </p:nvSpPr>
+            <p:spPr>
+              <a:xfrm>
+                <a:off x="4421368" y="2592102"/>
+                <a:ext cx="549218" cy="1131489"/>
+              </a:xfrm>
+              <a:prstGeom prst="rect">
+                <a:avLst/>
+              </a:prstGeom>
+              <a:solidFill>
+                <a:schemeClr val="accent3">
+                  <a:lumMod val="40000"/>
+                  <a:lumOff val="60000"/>
+                </a:schemeClr>
+              </a:solidFill>
+              <a:ln w="9525">
+                <a:solidFill>
+                  <a:schemeClr val="tx1">
+                    <a:lumMod val="65000"/>
+                    <a:lumOff val="35000"/>
+                  </a:schemeClr>
+                </a:solidFill>
+              </a:ln>
+            </p:spPr>
+            <p:style>
+              <a:lnRef idx="2">
+                <a:schemeClr val="accent1">
+                  <a:shade val="50000"/>
+                </a:schemeClr>
+              </a:lnRef>
+              <a:fillRef idx="1">
+                <a:schemeClr val="accent1"/>
+              </a:fillRef>
+              <a:effectRef idx="0">
+                <a:schemeClr val="accent1"/>
+              </a:effectRef>
+              <a:fontRef idx="minor">
+                <a:schemeClr val="lt1"/>
+              </a:fontRef>
+            </p:style>
+            <p:txBody>
+              <a:bodyPr lIns="36000" rtlCol="0" anchor="ctr"/>
+              <a:lstStyle/>
+              <a:p>
+                <a:pPr algn="ctr"/>
+                <a:endParaRPr lang="en-US" sz="700" i="1" dirty="0" smtClean="0">
+                  <a:solidFill>
+                    <a:schemeClr val="tx1"/>
+                  </a:solidFill>
+                  <a:latin typeface="Calibri" charset="0"/>
+                  <a:ea typeface="Calibri" charset="0"/>
+                  <a:cs typeface="Calibri" charset="0"/>
+                </a:endParaRPr>
+              </a:p>
+            </p:txBody>
+          </p:sp>
+          <p:sp>
+            <p:nvSpPr>
+              <p:cNvPr id="97" name="TextBox 96"/>
+              <p:cNvSpPr txBox="1"/>
+              <p:nvPr/>
+            </p:nvSpPr>
+            <p:spPr>
+              <a:xfrm>
+                <a:off x="4430853" y="2592101"/>
+                <a:ext cx="542809" cy="501455"/>
+              </a:xfrm>
+              <a:prstGeom prst="rect">
+                <a:avLst/>
+              </a:prstGeom>
+              <a:noFill/>
+            </p:spPr>
+            <p:txBody>
+              <a:bodyPr wrap="none" rtlCol="0">
+                <a:spAutoFit/>
+              </a:bodyPr>
+              <a:lstStyle/>
+              <a:p>
+                <a:pPr algn="ctr"/>
+                <a:r>
+                  <a:rPr lang="en-US" sz="800" b="1" dirty="0"/>
+                  <a:t>Task </a:t>
+                </a:r>
+                <a:br>
+                  <a:rPr lang="en-US" sz="800" b="1" dirty="0"/>
+                </a:br>
+                <a:r>
+                  <a:rPr lang="en-US" sz="800" b="1" dirty="0"/>
+                  <a:t>Slot</a:t>
+                </a:r>
+                <a:endParaRPr lang="en-US" sz="800" b="1" dirty="0"/>
+              </a:p>
+            </p:txBody>
+          </p:sp>
+          <p:sp>
+            <p:nvSpPr>
+              <p:cNvPr id="98" name="Oval 97"/>
+              <p:cNvSpPr/>
+              <p:nvPr/>
+            </p:nvSpPr>
+            <p:spPr>
+              <a:xfrm>
+                <a:off x="4530829" y="3173477"/>
+                <a:ext cx="351262" cy="351262"/>
+              </a:xfrm>
+              <a:prstGeom prst="ellipse">
+                <a:avLst/>
+              </a:prstGeom>
+            </p:spPr>
+            <p:style>
+              <a:lnRef idx="2">
+                <a:schemeClr val="accent1">
+                  <a:shade val="50000"/>
+                </a:schemeClr>
+              </a:lnRef>
+              <a:fillRef idx="1">
+                <a:schemeClr val="accent1"/>
+              </a:fillRef>
+              <a:effectRef idx="0">
+                <a:schemeClr val="accent1"/>
+              </a:effectRef>
+              <a:fontRef idx="minor">
+                <a:schemeClr val="lt1"/>
+              </a:fontRef>
+            </p:style>
+            <p:txBody>
+              <a:bodyPr rtlCol="0" anchor="ctr"/>
+              <a:lstStyle/>
+              <a:p>
+                <a:pPr algn="ctr"/>
+                <a:endParaRPr lang="en-US" sz="300" dirty="0"/>
+              </a:p>
+            </p:txBody>
+          </p:sp>
+        </p:grpSp>
+      </p:grpSp>
+      <p:sp>
+        <p:nvSpPr>
+          <p:cNvPr id="106" name="Rectangle 105"/>
+          <p:cNvSpPr/>
+          <p:nvPr/>
+        </p:nvSpPr>
+        <p:spPr>
+          <a:xfrm>
+            <a:off x="741266" y="1674090"/>
+            <a:ext cx="1274735" cy="230833"/>
+          </a:xfrm>
+          <a:prstGeom prst="rect">
+            <a:avLst/>
+          </a:prstGeom>
+          <a:solidFill>
+            <a:schemeClr val="tx2">
+              <a:lumMod val="40000"/>
+              <a:lumOff val="60000"/>
+            </a:schemeClr>
+          </a:solidFill>
+          <a:ln>
+            <a:solidFill>
+              <a:schemeClr val="tx1">
+                <a:lumMod val="65000"/>
+                <a:lumOff val="35000"/>
+              </a:schemeClr>
+            </a:solidFill>
+          </a:ln>
+        </p:spPr>
+        <p:style>
+          <a:lnRef idx="2">
+            <a:schemeClr val="accent1">
+              <a:shade val="50000"/>
+            </a:schemeClr>
+          </a:lnRef>
+          <a:fillRef idx="1">
+            <a:schemeClr val="accent1"/>
+          </a:fillRef>
+          <a:effectRef idx="0">
+            <a:schemeClr val="accent1"/>
+          </a:effectRef>
+          <a:fontRef idx="minor">
+            <a:schemeClr val="lt1"/>
+          </a:fontRef>
+        </p:style>
+        <p:txBody>
+          <a:bodyPr lIns="36000" rtlCol="0" anchor="ctr"/>
+          <a:lstStyle/>
+          <a:p>
+            <a:pPr algn="ctr"/>
+            <a:r>
+              <a:rPr lang="en-US" sz="700" b="1" dirty="0" smtClean="0">
+                <a:solidFill>
+                  <a:schemeClr val="tx1"/>
+                </a:solidFill>
+                <a:latin typeface="Calibri" charset="0"/>
+                <a:ea typeface="Calibri" charset="0"/>
+                <a:cs typeface="Calibri" charset="0"/>
+              </a:rPr>
+              <a:t>Graph Builder &amp; Optimizer</a:t>
+            </a:r>
+            <a:endParaRPr lang="en-US" sz="700" i="1" dirty="0" smtClean="0">
+              <a:solidFill>
+                <a:schemeClr val="tx1"/>
+              </a:solidFill>
+              <a:latin typeface="Calibri" charset="0"/>
+              <a:ea typeface="Calibri" charset="0"/>
+              <a:cs typeface="Calibri" charset="0"/>
+            </a:endParaRPr>
+          </a:p>
+        </p:txBody>
+      </p:sp>
+      <p:sp>
+        <p:nvSpPr>
+          <p:cNvPr id="110" name="Rectangle 109"/>
+          <p:cNvSpPr/>
+          <p:nvPr/>
+        </p:nvSpPr>
+        <p:spPr>
+          <a:xfrm rot="16200000">
+            <a:off x="1625577" y="2753307"/>
+            <a:ext cx="1220714" cy="188798"/>
+          </a:xfrm>
+          <a:prstGeom prst="rect">
+            <a:avLst/>
+          </a:prstGeom>
+          <a:solidFill>
+            <a:schemeClr val="accent6">
+              <a:lumMod val="60000"/>
+              <a:lumOff val="40000"/>
+            </a:schemeClr>
+          </a:solidFill>
+          <a:ln>
+            <a:solidFill>
+              <a:schemeClr val="tx1">
+                <a:lumMod val="65000"/>
+                <a:lumOff val="35000"/>
+              </a:schemeClr>
+            </a:solidFill>
+          </a:ln>
+        </p:spPr>
+        <p:style>
+          <a:lnRef idx="2">
+            <a:schemeClr val="accent1">
+              <a:shade val="50000"/>
+            </a:schemeClr>
+          </a:lnRef>
+          <a:fillRef idx="1">
+            <a:schemeClr val="accent1"/>
+          </a:fillRef>
+          <a:effectRef idx="0">
+            <a:schemeClr val="accent1"/>
+          </a:effectRef>
+          <a:fontRef idx="minor">
+            <a:schemeClr val="lt1"/>
+          </a:fontRef>
+        </p:style>
+        <p:txBody>
+          <a:bodyPr lIns="36000" rtlCol="0" anchor="ctr"/>
+          <a:lstStyle/>
+          <a:p>
+            <a:pPr algn="ctr"/>
+            <a:r>
+              <a:rPr lang="en-US" sz="700" b="1" dirty="0" smtClean="0">
+                <a:solidFill>
+                  <a:schemeClr val="tx1"/>
+                </a:solidFill>
+                <a:latin typeface="Calibri" charset="0"/>
+                <a:ea typeface="Calibri" charset="0"/>
+                <a:cs typeface="Calibri" charset="0"/>
+              </a:rPr>
+              <a:t>Actor System</a:t>
+            </a:r>
+            <a:endParaRPr lang="en-US" sz="700" i="1" dirty="0" smtClean="0">
+              <a:solidFill>
+                <a:schemeClr val="tx1"/>
+              </a:solidFill>
+              <a:latin typeface="Calibri" charset="0"/>
+              <a:ea typeface="Calibri" charset="0"/>
+              <a:cs typeface="Calibri" charset="0"/>
+            </a:endParaRPr>
+          </a:p>
+        </p:txBody>
+      </p:sp>
+      <p:cxnSp>
+        <p:nvCxnSpPr>
+          <p:cNvPr id="113" name="Curved Connector 112"/>
+          <p:cNvCxnSpPr>
+            <a:stCxn id="105" idx="1"/>
+            <a:endCxn id="13" idx="1"/>
+          </p:cNvCxnSpPr>
+          <p:nvPr/>
+        </p:nvCxnSpPr>
+        <p:spPr>
+          <a:xfrm rot="10800000" flipV="1">
+            <a:off x="687808" y="1515797"/>
+            <a:ext cx="4996" cy="1272323"/>
+          </a:xfrm>
+          <a:prstGeom prst="curvedConnector3">
+            <a:avLst>
+              <a:gd name="adj1" fmla="val 4675661"/>
+            </a:avLst>
+          </a:prstGeom>
+          <a:ln w="12700">
+            <a:solidFill>
+              <a:schemeClr val="tx1"/>
+            </a:solidFill>
+            <a:tailEnd type="triangle"/>
+          </a:ln>
+        </p:spPr>
+        <p:style>
+          <a:lnRef idx="1">
+            <a:schemeClr val="accent1"/>
+          </a:lnRef>
+          <a:fillRef idx="0">
+            <a:schemeClr val="accent1"/>
+          </a:fillRef>
+          <a:effectRef idx="0">
+            <a:schemeClr val="accent1"/>
+          </a:effectRef>
+          <a:fontRef idx="minor">
+            <a:schemeClr val="tx1"/>
+          </a:fontRef>
+        </p:style>
+      </p:cxnSp>
+      <p:sp>
+        <p:nvSpPr>
+          <p:cNvPr id="116" name="Rectangle 115"/>
+          <p:cNvSpPr/>
+          <p:nvPr/>
+        </p:nvSpPr>
+        <p:spPr>
+          <a:xfrm rot="16200000">
+            <a:off x="-99841" y="1971025"/>
+            <a:ext cx="950902" cy="230832"/>
+          </a:xfrm>
+          <a:prstGeom prst="rect">
+            <a:avLst/>
+          </a:prstGeom>
+        </p:spPr>
+        <p:txBody>
+          <a:bodyPr wrap="none">
+            <a:spAutoFit/>
+          </a:bodyPr>
+          <a:lstStyle/>
+          <a:p>
+            <a:pPr algn="ctr"/>
+            <a:r>
+              <a:rPr lang="en-US" sz="900" i="1" dirty="0" smtClean="0">
+                <a:latin typeface="Calibri" charset="0"/>
+                <a:ea typeface="Calibri" charset="0"/>
+                <a:cs typeface="Calibri" charset="0"/>
+              </a:rPr>
+              <a:t>Dataflow Graph</a:t>
+            </a:r>
+            <a:endParaRPr lang="en-US" sz="900" i="1" dirty="0">
+              <a:latin typeface="Calibri" charset="0"/>
+              <a:ea typeface="Calibri" charset="0"/>
+              <a:cs typeface="Calibri" charset="0"/>
+            </a:endParaRPr>
+          </a:p>
+        </p:txBody>
+      </p:sp>
+      <p:sp>
+        <p:nvSpPr>
+          <p:cNvPr id="123" name="Rectangle 122"/>
+          <p:cNvSpPr/>
+          <p:nvPr/>
+        </p:nvSpPr>
+        <p:spPr>
+          <a:xfrm rot="16200000">
+            <a:off x="1831344" y="1429463"/>
+            <a:ext cx="815969" cy="188798"/>
+          </a:xfrm>
+          <a:prstGeom prst="rect">
+            <a:avLst/>
+          </a:prstGeom>
+          <a:solidFill>
+            <a:schemeClr val="accent6">
+              <a:lumMod val="60000"/>
+              <a:lumOff val="40000"/>
+            </a:schemeClr>
+          </a:solidFill>
+          <a:ln>
+            <a:solidFill>
+              <a:schemeClr val="tx1">
+                <a:lumMod val="65000"/>
+                <a:lumOff val="35000"/>
+              </a:schemeClr>
+            </a:solidFill>
+          </a:ln>
+        </p:spPr>
+        <p:style>
+          <a:lnRef idx="2">
+            <a:schemeClr val="accent1">
+              <a:shade val="50000"/>
+            </a:schemeClr>
+          </a:lnRef>
+          <a:fillRef idx="1">
+            <a:schemeClr val="accent1"/>
+          </a:fillRef>
+          <a:effectRef idx="0">
+            <a:schemeClr val="accent1"/>
+          </a:effectRef>
+          <a:fontRef idx="minor">
+            <a:schemeClr val="lt1"/>
+          </a:fontRef>
+        </p:style>
+        <p:txBody>
+          <a:bodyPr lIns="36000" rtlCol="0" anchor="ctr"/>
+          <a:lstStyle/>
+          <a:p>
+            <a:pPr algn="ctr"/>
+            <a:r>
+              <a:rPr lang="en-US" sz="700" b="1" dirty="0" smtClean="0">
+                <a:solidFill>
+                  <a:schemeClr val="tx1"/>
+                </a:solidFill>
+                <a:latin typeface="Calibri" charset="0"/>
+                <a:ea typeface="Calibri" charset="0"/>
+                <a:cs typeface="Calibri" charset="0"/>
+              </a:rPr>
+              <a:t>Actor System</a:t>
+            </a:r>
+            <a:endParaRPr lang="en-US" sz="700" i="1" dirty="0" smtClean="0">
+              <a:solidFill>
+                <a:schemeClr val="tx1"/>
+              </a:solidFill>
+              <a:latin typeface="Calibri" charset="0"/>
+              <a:ea typeface="Calibri" charset="0"/>
+              <a:cs typeface="Calibri" charset="0"/>
+            </a:endParaRPr>
+          </a:p>
+        </p:txBody>
+      </p:sp>
+      <p:cxnSp>
+        <p:nvCxnSpPr>
+          <p:cNvPr id="129" name="Straight Arrow Connector 128"/>
+          <p:cNvCxnSpPr/>
+          <p:nvPr/>
+        </p:nvCxnSpPr>
+        <p:spPr>
+          <a:xfrm>
+            <a:off x="2385162" y="2201211"/>
+            <a:ext cx="606771" cy="5993"/>
+          </a:xfrm>
+          <a:prstGeom prst="straightConnector1">
+            <a:avLst/>
+          </a:prstGeom>
+          <a:ln w="12700">
+            <a:solidFill>
+              <a:schemeClr val="tx1"/>
+            </a:solidFill>
+            <a:prstDash val="solid"/>
+            <a:headEnd type="triangle"/>
+            <a:tailEnd type="triangle"/>
+          </a:ln>
+        </p:spPr>
+        <p:style>
+          <a:lnRef idx="1">
+            <a:schemeClr val="accent1"/>
+          </a:lnRef>
+          <a:fillRef idx="0">
+            <a:schemeClr val="accent1"/>
+          </a:fillRef>
+          <a:effectRef idx="0">
+            <a:schemeClr val="accent1"/>
+          </a:effectRef>
+          <a:fontRef idx="minor">
+            <a:schemeClr val="tx1"/>
+          </a:fontRef>
+        </p:style>
+      </p:cxnSp>
+      <p:cxnSp>
+        <p:nvCxnSpPr>
+          <p:cNvPr id="131" name="Straight Arrow Connector 130"/>
+          <p:cNvCxnSpPr/>
+          <p:nvPr/>
+        </p:nvCxnSpPr>
+        <p:spPr>
+          <a:xfrm>
+            <a:off x="2375746" y="3240671"/>
+            <a:ext cx="606771" cy="5993"/>
+          </a:xfrm>
+          <a:prstGeom prst="straightConnector1">
+            <a:avLst/>
+          </a:prstGeom>
+          <a:ln w="12700">
+            <a:solidFill>
+              <a:schemeClr val="tx1"/>
+            </a:solidFill>
+            <a:prstDash val="solid"/>
+            <a:headEnd type="triangle"/>
+            <a:tailEnd type="triangle"/>
+          </a:ln>
+        </p:spPr>
+        <p:style>
+          <a:lnRef idx="1">
+            <a:schemeClr val="accent1"/>
+          </a:lnRef>
+          <a:fillRef idx="0">
+            <a:schemeClr val="accent1"/>
+          </a:fillRef>
+          <a:effectRef idx="0">
+            <a:schemeClr val="accent1"/>
+          </a:effectRef>
+          <a:fontRef idx="minor">
+            <a:schemeClr val="tx1"/>
+          </a:fontRef>
+        </p:style>
+      </p:cxnSp>
+      <p:sp>
+        <p:nvSpPr>
+          <p:cNvPr id="77" name="Rectangle 76"/>
+          <p:cNvSpPr/>
+          <p:nvPr/>
+        </p:nvSpPr>
+        <p:spPr>
+          <a:xfrm rot="5400000">
+            <a:off x="2779352" y="2731995"/>
+            <a:ext cx="1910079" cy="2021562"/>
+          </a:xfrm>
+          <a:prstGeom prst="rect">
+            <a:avLst/>
+          </a:prstGeom>
+          <a:gradFill flip="none" rotWithShape="1">
+            <a:gsLst>
+              <a:gs pos="16000">
+                <a:schemeClr val="accent5">
+                  <a:lumMod val="0"/>
+                  <a:lumOff val="100000"/>
+                  <a:alpha val="0"/>
+                </a:schemeClr>
+              </a:gs>
+              <a:gs pos="38000">
+                <a:schemeClr val="accent5">
+                  <a:lumMod val="0"/>
+                  <a:lumOff val="100000"/>
+                </a:schemeClr>
+              </a:gs>
+              <a:gs pos="100000">
+                <a:schemeClr val="bg1"/>
+              </a:gs>
+            </a:gsLst>
+            <a:lin ang="0" scaled="1"/>
+            <a:tileRect/>
+          </a:gradFill>
+          <a:ln>
+            <a:noFill/>
+          </a:ln>
+        </p:spPr>
+        <p:style>
+          <a:lnRef idx="2">
+            <a:schemeClr val="accent1">
+              <a:shade val="50000"/>
+            </a:schemeClr>
+          </a:lnRef>
+          <a:fillRef idx="1">
+            <a:schemeClr val="accent1"/>
+          </a:fillRef>
+          <a:effectRef idx="0">
+            <a:schemeClr val="accent1"/>
+          </a:effectRef>
+          <a:fontRef idx="minor">
+            <a:schemeClr val="lt1"/>
+          </a:fontRef>
+        </p:style>
+        <p:txBody>
+          <a:bodyPr rtlCol="0" anchor="ctr"/>
+          <a:lstStyle/>
+          <a:p>
+            <a:pPr algn="ctr"/>
+            <a:endParaRPr lang="en-US"/>
+          </a:p>
+        </p:txBody>
+      </p:sp>
+      <p:sp>
+        <p:nvSpPr>
+          <p:cNvPr id="132" name="Rectangle 131"/>
+          <p:cNvSpPr/>
+          <p:nvPr/>
+        </p:nvSpPr>
+        <p:spPr>
+          <a:xfrm rot="16200000">
+            <a:off x="2147147" y="1401687"/>
+            <a:ext cx="1133644" cy="584775"/>
+          </a:xfrm>
+          <a:prstGeom prst="rect">
+            <a:avLst/>
+          </a:prstGeom>
+        </p:spPr>
+        <p:txBody>
+          <a:bodyPr wrap="none">
+            <a:spAutoFit/>
+          </a:bodyPr>
+          <a:lstStyle/>
+          <a:p>
+            <a:r>
+              <a:rPr lang="en-US" sz="800" i="1" dirty="0" smtClean="0">
+                <a:latin typeface="+mj-lt"/>
+                <a:ea typeface="Calibri" charset="0"/>
+                <a:cs typeface="Calibri" charset="0"/>
+              </a:rPr>
+              <a:t>Task Status</a:t>
+            </a:r>
+            <a:br>
+              <a:rPr lang="en-US" sz="800" i="1" dirty="0" smtClean="0">
+                <a:latin typeface="+mj-lt"/>
+                <a:ea typeface="Calibri" charset="0"/>
+                <a:cs typeface="Calibri" charset="0"/>
+              </a:rPr>
+            </a:br>
+            <a:r>
+              <a:rPr lang="en-US" sz="800" i="1" dirty="0" smtClean="0">
+                <a:latin typeface="+mj-lt"/>
+                <a:ea typeface="Calibri" charset="0"/>
+                <a:cs typeface="Calibri" charset="0"/>
+              </a:rPr>
+              <a:t>Heartbeats</a:t>
+            </a:r>
+            <a:br>
+              <a:rPr lang="en-US" sz="800" i="1" dirty="0" smtClean="0">
+                <a:latin typeface="+mj-lt"/>
+                <a:ea typeface="Calibri" charset="0"/>
+                <a:cs typeface="Calibri" charset="0"/>
+              </a:rPr>
+            </a:br>
+            <a:r>
+              <a:rPr lang="en-US" sz="800" i="1" dirty="0" smtClean="0">
+                <a:latin typeface="+mj-lt"/>
+                <a:ea typeface="Calibri" charset="0"/>
+                <a:cs typeface="Calibri" charset="0"/>
+              </a:rPr>
+              <a:t>Statistics</a:t>
+            </a:r>
+            <a:br>
+              <a:rPr lang="en-US" sz="800" i="1" dirty="0" smtClean="0">
+                <a:latin typeface="+mj-lt"/>
+                <a:ea typeface="Calibri" charset="0"/>
+                <a:cs typeface="Calibri" charset="0"/>
+              </a:rPr>
+            </a:br>
+            <a:r>
+              <a:rPr lang="en-US" sz="800" i="1" dirty="0" smtClean="0">
+                <a:latin typeface="+mj-lt"/>
+                <a:ea typeface="Calibri" charset="0"/>
+                <a:cs typeface="Calibri" charset="0"/>
+              </a:rPr>
+              <a:t>Trigger Checkpoints, </a:t>
+            </a:r>
+            <a:r>
+              <a:rPr lang="is-IS" sz="800" i="1" dirty="0" smtClean="0">
+                <a:latin typeface="+mj-lt"/>
+                <a:ea typeface="Calibri" charset="0"/>
+                <a:cs typeface="Calibri" charset="0"/>
+              </a:rPr>
+              <a:t>…</a:t>
+            </a:r>
+            <a:endParaRPr lang="en-US" sz="800" i="1" dirty="0">
+              <a:latin typeface="+mj-lt"/>
+              <a:ea typeface="Calibri" charset="0"/>
+              <a:cs typeface="Calibri" charset="0"/>
+            </a:endParaRPr>
+          </a:p>
+        </p:txBody>
+      </p:sp>
+      <p:sp>
+        <p:nvSpPr>
+          <p:cNvPr id="133" name="Rectangle 132"/>
+          <p:cNvSpPr/>
+          <p:nvPr/>
+        </p:nvSpPr>
+        <p:spPr>
+          <a:xfrm rot="16200000">
+            <a:off x="2574748" y="3021573"/>
+            <a:ext cx="261610" cy="215444"/>
+          </a:xfrm>
+          <a:prstGeom prst="rect">
+            <a:avLst/>
+          </a:prstGeom>
+        </p:spPr>
+        <p:txBody>
+          <a:bodyPr wrap="none">
+            <a:spAutoFit/>
+          </a:bodyPr>
+          <a:lstStyle/>
+          <a:p>
+            <a:r>
+              <a:rPr lang="is-IS" sz="800" i="1" smtClean="0">
+                <a:latin typeface="Calibri" charset="0"/>
+                <a:ea typeface="Calibri" charset="0"/>
+                <a:cs typeface="Calibri" charset="0"/>
+              </a:rPr>
+              <a:t>…</a:t>
+            </a:r>
+            <a:endParaRPr lang="en-US" sz="800" i="1" dirty="0">
+              <a:latin typeface="Calibri" charset="0"/>
+              <a:ea typeface="Calibri" charset="0"/>
+              <a:cs typeface="Calibri" charset="0"/>
+            </a:endParaRPr>
+          </a:p>
+        </p:txBody>
+      </p:sp>
+    </p:spTree>
+    <p:extLst>
+      <p:ext uri="{BB962C8B-B14F-4D97-AF65-F5344CB8AC3E}">
+        <p14:creationId xmlns:p14="http://schemas.microsoft.com/office/powerpoint/2010/main" val="986134524"/>
+      </p:ext>
+    </p:extLst>
+  </p:cSld>
+  <p:clrMapOvr>
+    <a:masterClrMapping/>
+  </p:clrMapOvr>
+</p:sld>
+</file>
+
+<file path=ppt/slides/slide5.xml><?xml version="1.0" encoding="utf-8"?>
+<p:sld xmlns:a="http://schemas.openxmlformats.org/drawingml/2006/main" xmlns:r="http://schemas.openxmlformats.org/officeDocument/2006/relationships" xmlns:p="http://schemas.openxmlformats.org/presentationml/2006/main">
+  <p:cSld>
+    <p:spTree>
+      <p:nvGrpSpPr>
+        <p:cNvPr id="1" name=""/>
+        <p:cNvGrpSpPr/>
+        <p:nvPr/>
+      </p:nvGrpSpPr>
+      <p:grpSpPr>
+        <a:xfrm>
+          <a:off x="0" y="0"/>
+          <a:ext cx="0" cy="0"/>
+          <a:chOff x="0" y="0"/>
+          <a:chExt cx="0" cy="0"/>
+        </a:xfrm>
+      </p:grpSpPr>
+      <p:sp>
+        <p:nvSpPr>
           <p:cNvPr id="2" name="Title 1"/>
           <p:cNvSpPr>
             <a:spLocks noGrp="1"/>
@@ -11730,7 +16303,7 @@
                 </a:solidFill>
               </a:rPr>
               <a:pPr/>
-              <a:t>4</a:t>
+              <a:t>5</a:t>
             </a:fld>
             <a:endParaRPr lang="en-US">
               <a:solidFill>
@@ -13700,7 +18273,7 @@
 </p:sld>
 </file>
 
-<file path=ppt/slides/slide5.xml><?xml version="1.0" encoding="utf-8"?>
+<file path=ppt/slides/slide6.xml><?xml version="1.0" encoding="utf-8"?>
 <p:sld xmlns:a="http://schemas.openxmlformats.org/drawingml/2006/main" xmlns:r="http://schemas.openxmlformats.org/officeDocument/2006/relationships" xmlns:p="http://schemas.openxmlformats.org/presentationml/2006/main">
   <p:cSld>
     <p:spTree>
@@ -13749,7 +18322,7 @@
                 <a:cs typeface="Verdana" panose="020B0604030504040204" pitchFamily="34" charset="0"/>
               </a:rPr>
               <a:pPr/>
-              <a:t>5</a:t>
+              <a:t>6</a:t>
             </a:fld>
             <a:endParaRPr lang="en-US">
               <a:solidFill>
@@ -22754,1541 +27327,6 @@
 </p:sld>
 </file>
 
-<file path=ppt/slides/slide6.xml><?xml version="1.0" encoding="utf-8"?>
-<p:sld xmlns:a="http://schemas.openxmlformats.org/drawingml/2006/main" xmlns:r="http://schemas.openxmlformats.org/officeDocument/2006/relationships" xmlns:p="http://schemas.openxmlformats.org/presentationml/2006/main">
-  <p:cSld>
-    <p:spTree>
-      <p:nvGrpSpPr>
-        <p:cNvPr id="1" name=""/>
-        <p:cNvGrpSpPr/>
-        <p:nvPr/>
-      </p:nvGrpSpPr>
-      <p:grpSpPr>
-        <a:xfrm>
-          <a:off x="0" y="0"/>
-          <a:ext cx="0" cy="0"/>
-          <a:chOff x="0" y="0"/>
-          <a:chExt cx="0" cy="0"/>
-        </a:xfrm>
-      </p:grpSpPr>
-      <p:sp>
-        <p:nvSpPr>
-          <p:cNvPr id="2" name="Rechteck 1"/>
-          <p:cNvSpPr/>
-          <p:nvPr/>
-        </p:nvSpPr>
-        <p:spPr>
-          <a:xfrm>
-            <a:off x="537312" y="486719"/>
-            <a:ext cx="4818646" cy="517274"/>
-          </a:xfrm>
-          <a:prstGeom prst="rect">
-            <a:avLst/>
-          </a:prstGeom>
-          <a:solidFill>
-            <a:srgbClr val="E4EAF4"/>
-          </a:solidFill>
-          <a:ln>
-            <a:noFill/>
-          </a:ln>
-        </p:spPr>
-        <p:style>
-          <a:lnRef idx="2">
-            <a:schemeClr val="accent1">
-              <a:shade val="50000"/>
-            </a:schemeClr>
-          </a:lnRef>
-          <a:fillRef idx="1">
-            <a:schemeClr val="accent1"/>
-          </a:fillRef>
-          <a:effectRef idx="0">
-            <a:schemeClr val="accent1"/>
-          </a:effectRef>
-          <a:fontRef idx="minor">
-            <a:schemeClr val="lt1"/>
-          </a:fontRef>
-        </p:style>
-        <p:txBody>
-          <a:bodyPr rtlCol="0" anchor="ctr"/>
-          <a:lstStyle/>
-          <a:p>
-            <a:pPr algn="ctr"/>
-            <a:endParaRPr lang="en-US"/>
-          </a:p>
-        </p:txBody>
-      </p:sp>
-      <p:sp>
-        <p:nvSpPr>
-          <p:cNvPr id="3" name="Rechteck 2"/>
-          <p:cNvSpPr/>
-          <p:nvPr/>
-        </p:nvSpPr>
-        <p:spPr>
-          <a:xfrm>
-            <a:off x="3619455" y="515542"/>
-            <a:ext cx="56255" cy="453053"/>
-          </a:xfrm>
-          <a:prstGeom prst="rect">
-            <a:avLst/>
-          </a:prstGeom>
-          <a:solidFill>
-            <a:srgbClr val="6E7277"/>
-          </a:solidFill>
-          <a:ln>
-            <a:noFill/>
-          </a:ln>
-        </p:spPr>
-        <p:style>
-          <a:lnRef idx="2">
-            <a:schemeClr val="accent1">
-              <a:shade val="50000"/>
-            </a:schemeClr>
-          </a:lnRef>
-          <a:fillRef idx="1">
-            <a:schemeClr val="accent1"/>
-          </a:fillRef>
-          <a:effectRef idx="0">
-            <a:schemeClr val="accent1"/>
-          </a:effectRef>
-          <a:fontRef idx="minor">
-            <a:schemeClr val="lt1"/>
-          </a:fontRef>
-        </p:style>
-        <p:txBody>
-          <a:bodyPr rtlCol="0" anchor="ctr"/>
-          <a:lstStyle/>
-          <a:p>
-            <a:pPr algn="ctr"/>
-            <a:endParaRPr lang="en-US"/>
-          </a:p>
-        </p:txBody>
-      </p:sp>
-      <p:sp>
-        <p:nvSpPr>
-          <p:cNvPr id="5" name="Textfeld 4"/>
-          <p:cNvSpPr txBox="1"/>
-          <p:nvPr/>
-        </p:nvSpPr>
-        <p:spPr>
-          <a:xfrm>
-            <a:off x="3223760" y="997422"/>
-            <a:ext cx="955711" cy="430887"/>
-          </a:xfrm>
-          <a:prstGeom prst="rect">
-            <a:avLst/>
-          </a:prstGeom>
-          <a:noFill/>
-        </p:spPr>
-        <p:txBody>
-          <a:bodyPr wrap="none" rtlCol="0">
-            <a:spAutoFit/>
-          </a:bodyPr>
-          <a:lstStyle/>
-          <a:p>
-            <a:pPr algn="ctr"/>
-            <a:r>
-              <a:rPr lang="en-US" sz="1100" dirty="0">
-                <a:latin typeface="Verdana" panose="020B0604030504040204" pitchFamily="34" charset="0"/>
-                <a:ea typeface="Verdana" panose="020B0604030504040204" pitchFamily="34" charset="0"/>
-                <a:cs typeface="Verdana" panose="020B0604030504040204" pitchFamily="34" charset="0"/>
-              </a:rPr>
-              <a:t>c</a:t>
-            </a:r>
-            <a:r>
-              <a:rPr lang="en-US" sz="1100" dirty="0" smtClean="0">
-                <a:latin typeface="Verdana" panose="020B0604030504040204" pitchFamily="34" charset="0"/>
-                <a:ea typeface="Verdana" panose="020B0604030504040204" pitchFamily="34" charset="0"/>
-                <a:cs typeface="Verdana" panose="020B0604030504040204" pitchFamily="34" charset="0"/>
-              </a:rPr>
-              <a:t>heckpoint</a:t>
-            </a:r>
-            <a:br>
-              <a:rPr lang="en-US" sz="1100" dirty="0" smtClean="0">
-                <a:latin typeface="Verdana" panose="020B0604030504040204" pitchFamily="34" charset="0"/>
-                <a:ea typeface="Verdana" panose="020B0604030504040204" pitchFamily="34" charset="0"/>
-                <a:cs typeface="Verdana" panose="020B0604030504040204" pitchFamily="34" charset="0"/>
-              </a:rPr>
-            </a:br>
-            <a:r>
-              <a:rPr lang="en-US" sz="1100" dirty="0" smtClean="0">
-                <a:latin typeface="Verdana" panose="020B0604030504040204" pitchFamily="34" charset="0"/>
-                <a:ea typeface="Verdana" panose="020B0604030504040204" pitchFamily="34" charset="0"/>
-                <a:cs typeface="Verdana" panose="020B0604030504040204" pitchFamily="34" charset="0"/>
-              </a:rPr>
-              <a:t>barrier </a:t>
-            </a:r>
-            <a:r>
-              <a:rPr lang="en-US" sz="1100" i="1" dirty="0" smtClean="0">
-                <a:latin typeface="Verdana" panose="020B0604030504040204" pitchFamily="34" charset="0"/>
-                <a:ea typeface="Verdana" panose="020B0604030504040204" pitchFamily="34" charset="0"/>
-                <a:cs typeface="Verdana" panose="020B0604030504040204" pitchFamily="34" charset="0"/>
-              </a:rPr>
-              <a:t>n-1</a:t>
-            </a:r>
-            <a:endParaRPr lang="en-US" sz="1100" i="1" dirty="0">
-              <a:latin typeface="Verdana" panose="020B0604030504040204" pitchFamily="34" charset="0"/>
-              <a:ea typeface="Verdana" panose="020B0604030504040204" pitchFamily="34" charset="0"/>
-              <a:cs typeface="Verdana" panose="020B0604030504040204" pitchFamily="34" charset="0"/>
-            </a:endParaRPr>
-          </a:p>
-        </p:txBody>
-      </p:sp>
-      <p:sp>
-        <p:nvSpPr>
-          <p:cNvPr id="6" name="Textfeld 5"/>
-          <p:cNvSpPr txBox="1"/>
-          <p:nvPr/>
-        </p:nvSpPr>
-        <p:spPr>
-          <a:xfrm>
-            <a:off x="2286101" y="-4748"/>
-            <a:ext cx="1274709" cy="307777"/>
-          </a:xfrm>
-          <a:prstGeom prst="rect">
-            <a:avLst/>
-          </a:prstGeom>
-          <a:noFill/>
-        </p:spPr>
-        <p:txBody>
-          <a:bodyPr wrap="none" rtlCol="0">
-            <a:spAutoFit/>
-          </a:bodyPr>
-          <a:lstStyle/>
-          <a:p>
-            <a:pPr algn="ctr"/>
-            <a:r>
-              <a:rPr lang="en-US" sz="1400" dirty="0" smtClean="0">
-                <a:latin typeface="Verdana" panose="020B0604030504040204" pitchFamily="34" charset="0"/>
-                <a:ea typeface="Verdana" panose="020B0604030504040204" pitchFamily="34" charset="0"/>
-                <a:cs typeface="Verdana" panose="020B0604030504040204" pitchFamily="34" charset="0"/>
-              </a:rPr>
-              <a:t>data stream</a:t>
-            </a:r>
-            <a:endParaRPr lang="en-US" sz="1400" i="1" dirty="0">
-              <a:latin typeface="Verdana" panose="020B0604030504040204" pitchFamily="34" charset="0"/>
-              <a:ea typeface="Verdana" panose="020B0604030504040204" pitchFamily="34" charset="0"/>
-              <a:cs typeface="Verdana" panose="020B0604030504040204" pitchFamily="34" charset="0"/>
-            </a:endParaRPr>
-          </a:p>
-        </p:txBody>
-      </p:sp>
-      <p:sp>
-        <p:nvSpPr>
-          <p:cNvPr id="10" name="Textfeld 9"/>
-          <p:cNvSpPr txBox="1"/>
-          <p:nvPr/>
-        </p:nvSpPr>
-        <p:spPr>
-          <a:xfrm>
-            <a:off x="4751523" y="1028199"/>
-            <a:ext cx="1093568" cy="400110"/>
-          </a:xfrm>
-          <a:prstGeom prst="rect">
-            <a:avLst/>
-          </a:prstGeom>
-          <a:noFill/>
-        </p:spPr>
-        <p:txBody>
-          <a:bodyPr wrap="none" rtlCol="0">
-            <a:spAutoFit/>
-          </a:bodyPr>
-          <a:lstStyle/>
-          <a:p>
-            <a:pPr algn="ctr"/>
-            <a:r>
-              <a:rPr lang="en-US" sz="1000" i="1" dirty="0" smtClean="0">
-                <a:latin typeface="Verdana" panose="020B0604030504040204" pitchFamily="34" charset="0"/>
-                <a:ea typeface="Verdana" panose="020B0604030504040204" pitchFamily="34" charset="0"/>
-                <a:cs typeface="Verdana" panose="020B0604030504040204" pitchFamily="34" charset="0"/>
-              </a:rPr>
-              <a:t>stream record</a:t>
-            </a:r>
-            <a:br>
-              <a:rPr lang="en-US" sz="1000" i="1" dirty="0" smtClean="0">
-                <a:latin typeface="Verdana" panose="020B0604030504040204" pitchFamily="34" charset="0"/>
-                <a:ea typeface="Verdana" panose="020B0604030504040204" pitchFamily="34" charset="0"/>
-                <a:cs typeface="Verdana" panose="020B0604030504040204" pitchFamily="34" charset="0"/>
-              </a:rPr>
-            </a:br>
-            <a:r>
-              <a:rPr lang="en-US" sz="1000" i="1" dirty="0" smtClean="0">
-                <a:latin typeface="Verdana" panose="020B0604030504040204" pitchFamily="34" charset="0"/>
-                <a:ea typeface="Verdana" panose="020B0604030504040204" pitchFamily="34" charset="0"/>
-                <a:cs typeface="Verdana" panose="020B0604030504040204" pitchFamily="34" charset="0"/>
-              </a:rPr>
-              <a:t>(event)</a:t>
-            </a:r>
-            <a:endParaRPr lang="en-US" sz="1000" i="1" dirty="0">
-              <a:latin typeface="Verdana" panose="020B0604030504040204" pitchFamily="34" charset="0"/>
-              <a:ea typeface="Verdana" panose="020B0604030504040204" pitchFamily="34" charset="0"/>
-              <a:cs typeface="Verdana" panose="020B0604030504040204" pitchFamily="34" charset="0"/>
-            </a:endParaRPr>
-          </a:p>
-        </p:txBody>
-      </p:sp>
-      <p:sp>
-        <p:nvSpPr>
-          <p:cNvPr id="13" name="Textfeld 12"/>
-          <p:cNvSpPr txBox="1"/>
-          <p:nvPr/>
-        </p:nvSpPr>
-        <p:spPr>
-          <a:xfrm>
-            <a:off x="753126" y="997422"/>
-            <a:ext cx="946093" cy="430887"/>
-          </a:xfrm>
-          <a:prstGeom prst="rect">
-            <a:avLst/>
-          </a:prstGeom>
-          <a:noFill/>
-        </p:spPr>
-        <p:txBody>
-          <a:bodyPr wrap="none" rtlCol="0">
-            <a:spAutoFit/>
-          </a:bodyPr>
-          <a:lstStyle/>
-          <a:p>
-            <a:pPr algn="ctr"/>
-            <a:r>
-              <a:rPr lang="en-US" sz="1100" dirty="0">
-                <a:latin typeface="Verdana" panose="020B0604030504040204" pitchFamily="34" charset="0"/>
-                <a:ea typeface="Verdana" panose="020B0604030504040204" pitchFamily="34" charset="0"/>
-                <a:cs typeface="Verdana" panose="020B0604030504040204" pitchFamily="34" charset="0"/>
-              </a:rPr>
-              <a:t>c</a:t>
-            </a:r>
-            <a:r>
-              <a:rPr lang="en-US" sz="1100" dirty="0" smtClean="0">
-                <a:latin typeface="Verdana" panose="020B0604030504040204" pitchFamily="34" charset="0"/>
-                <a:ea typeface="Verdana" panose="020B0604030504040204" pitchFamily="34" charset="0"/>
-                <a:cs typeface="Verdana" panose="020B0604030504040204" pitchFamily="34" charset="0"/>
-              </a:rPr>
-              <a:t>heckpoint</a:t>
-            </a:r>
-            <a:br>
-              <a:rPr lang="en-US" sz="1100" dirty="0" smtClean="0">
-                <a:latin typeface="Verdana" panose="020B0604030504040204" pitchFamily="34" charset="0"/>
-                <a:ea typeface="Verdana" panose="020B0604030504040204" pitchFamily="34" charset="0"/>
-                <a:cs typeface="Verdana" panose="020B0604030504040204" pitchFamily="34" charset="0"/>
-              </a:rPr>
-            </a:br>
-            <a:r>
-              <a:rPr lang="en-US" sz="1100" dirty="0" smtClean="0">
-                <a:latin typeface="Verdana" panose="020B0604030504040204" pitchFamily="34" charset="0"/>
-                <a:ea typeface="Verdana" panose="020B0604030504040204" pitchFamily="34" charset="0"/>
-                <a:cs typeface="Verdana" panose="020B0604030504040204" pitchFamily="34" charset="0"/>
-              </a:rPr>
-              <a:t>barrier </a:t>
-            </a:r>
-            <a:r>
-              <a:rPr lang="en-US" sz="1100" i="1" dirty="0" smtClean="0">
-                <a:latin typeface="Verdana" panose="020B0604030504040204" pitchFamily="34" charset="0"/>
-                <a:ea typeface="Verdana" panose="020B0604030504040204" pitchFamily="34" charset="0"/>
-                <a:cs typeface="Verdana" panose="020B0604030504040204" pitchFamily="34" charset="0"/>
-              </a:rPr>
-              <a:t>n</a:t>
-            </a:r>
-            <a:endParaRPr lang="en-US" sz="1100" i="1" dirty="0">
-              <a:latin typeface="Verdana" panose="020B0604030504040204" pitchFamily="34" charset="0"/>
-              <a:ea typeface="Verdana" panose="020B0604030504040204" pitchFamily="34" charset="0"/>
-              <a:cs typeface="Verdana" panose="020B0604030504040204" pitchFamily="34" charset="0"/>
-            </a:endParaRPr>
-          </a:p>
-        </p:txBody>
-      </p:sp>
-      <p:sp>
-        <p:nvSpPr>
-          <p:cNvPr id="18" name="Pfeil nach rechts 17"/>
-          <p:cNvSpPr/>
-          <p:nvPr/>
-        </p:nvSpPr>
-        <p:spPr>
-          <a:xfrm>
-            <a:off x="5408345" y="584657"/>
-            <a:ext cx="204287" cy="314826"/>
-          </a:xfrm>
-          <a:prstGeom prst="rightArrow">
-            <a:avLst/>
-          </a:prstGeom>
-          <a:solidFill>
-            <a:srgbClr val="898C92"/>
-          </a:solidFill>
-          <a:ln>
-            <a:solidFill>
-              <a:srgbClr val="535353"/>
-            </a:solidFill>
-          </a:ln>
-        </p:spPr>
-        <p:style>
-          <a:lnRef idx="2">
-            <a:schemeClr val="accent1">
-              <a:shade val="50000"/>
-            </a:schemeClr>
-          </a:lnRef>
-          <a:fillRef idx="1">
-            <a:schemeClr val="accent1"/>
-          </a:fillRef>
-          <a:effectRef idx="0">
-            <a:schemeClr val="accent1"/>
-          </a:effectRef>
-          <a:fontRef idx="minor">
-            <a:schemeClr val="lt1"/>
-          </a:fontRef>
-        </p:style>
-        <p:txBody>
-          <a:bodyPr rtlCol="0" anchor="ctr"/>
-          <a:lstStyle/>
-          <a:p>
-            <a:pPr algn="ctr"/>
-            <a:endParaRPr lang="en-US"/>
-          </a:p>
-        </p:txBody>
-      </p:sp>
-      <p:sp>
-        <p:nvSpPr>
-          <p:cNvPr id="21" name="Pfeil nach rechts 20"/>
-          <p:cNvSpPr/>
-          <p:nvPr/>
-        </p:nvSpPr>
-        <p:spPr>
-          <a:xfrm>
-            <a:off x="274799" y="584657"/>
-            <a:ext cx="204287" cy="314826"/>
-          </a:xfrm>
-          <a:prstGeom prst="rightArrow">
-            <a:avLst/>
-          </a:prstGeom>
-          <a:solidFill>
-            <a:srgbClr val="898C92"/>
-          </a:solidFill>
-          <a:ln>
-            <a:solidFill>
-              <a:srgbClr val="535353"/>
-            </a:solidFill>
-          </a:ln>
-        </p:spPr>
-        <p:style>
-          <a:lnRef idx="2">
-            <a:schemeClr val="accent1">
-              <a:shade val="50000"/>
-            </a:schemeClr>
-          </a:lnRef>
-          <a:fillRef idx="1">
-            <a:schemeClr val="accent1"/>
-          </a:fillRef>
-          <a:effectRef idx="0">
-            <a:schemeClr val="accent1"/>
-          </a:effectRef>
-          <a:fontRef idx="minor">
-            <a:schemeClr val="lt1"/>
-          </a:fontRef>
-        </p:style>
-        <p:txBody>
-          <a:bodyPr rtlCol="0" anchor="ctr"/>
-          <a:lstStyle/>
-          <a:p>
-            <a:pPr algn="ctr"/>
-            <a:endParaRPr lang="en-US"/>
-          </a:p>
-        </p:txBody>
-      </p:sp>
-      <p:cxnSp>
-        <p:nvCxnSpPr>
-          <p:cNvPr id="27" name="Gerade Verbindung mit Pfeil 26"/>
-          <p:cNvCxnSpPr/>
-          <p:nvPr/>
-        </p:nvCxnSpPr>
-        <p:spPr>
-          <a:xfrm>
-            <a:off x="4932008" y="363607"/>
-            <a:ext cx="300038" cy="0"/>
-          </a:xfrm>
-          <a:prstGeom prst="straightConnector1">
-            <a:avLst/>
-          </a:prstGeom>
-          <a:ln w="28575">
-            <a:solidFill>
-              <a:schemeClr val="tx1"/>
-            </a:solidFill>
-            <a:tailEnd type="triangle"/>
-          </a:ln>
-        </p:spPr>
-        <p:style>
-          <a:lnRef idx="1">
-            <a:schemeClr val="accent1"/>
-          </a:lnRef>
-          <a:fillRef idx="0">
-            <a:schemeClr val="accent1"/>
-          </a:fillRef>
-          <a:effectRef idx="0">
-            <a:schemeClr val="accent1"/>
-          </a:effectRef>
-          <a:fontRef idx="minor">
-            <a:schemeClr val="tx1"/>
-          </a:fontRef>
-        </p:style>
-      </p:cxnSp>
-      <p:sp>
-        <p:nvSpPr>
-          <p:cNvPr id="28" name="Textfeld 27"/>
-          <p:cNvSpPr txBox="1"/>
-          <p:nvPr/>
-        </p:nvSpPr>
-        <p:spPr>
-          <a:xfrm>
-            <a:off x="931008" y="240498"/>
-            <a:ext cx="1103187" cy="246221"/>
-          </a:xfrm>
-          <a:prstGeom prst="rect">
-            <a:avLst/>
-          </a:prstGeom>
-          <a:noFill/>
-        </p:spPr>
-        <p:txBody>
-          <a:bodyPr wrap="none" rtlCol="0">
-            <a:spAutoFit/>
-          </a:bodyPr>
-          <a:lstStyle/>
-          <a:p>
-            <a:pPr algn="ctr"/>
-            <a:r>
-              <a:rPr lang="en-US" sz="1000" i="1" dirty="0" smtClean="0">
-                <a:latin typeface="Verdana" panose="020B0604030504040204" pitchFamily="34" charset="0"/>
-                <a:ea typeface="Verdana" panose="020B0604030504040204" pitchFamily="34" charset="0"/>
-                <a:cs typeface="Verdana" panose="020B0604030504040204" pitchFamily="34" charset="0"/>
-              </a:rPr>
-              <a:t>newer records</a:t>
-            </a:r>
-            <a:endParaRPr lang="en-US" sz="1000" i="1" dirty="0">
-              <a:latin typeface="Verdana" panose="020B0604030504040204" pitchFamily="34" charset="0"/>
-              <a:ea typeface="Verdana" panose="020B0604030504040204" pitchFamily="34" charset="0"/>
-              <a:cs typeface="Verdana" panose="020B0604030504040204" pitchFamily="34" charset="0"/>
-            </a:endParaRPr>
-          </a:p>
-        </p:txBody>
-      </p:sp>
-      <p:cxnSp>
-        <p:nvCxnSpPr>
-          <p:cNvPr id="29" name="Gerade Verbindung mit Pfeil 28"/>
-          <p:cNvCxnSpPr/>
-          <p:nvPr/>
-        </p:nvCxnSpPr>
-        <p:spPr>
-          <a:xfrm flipH="1">
-            <a:off x="667821" y="363608"/>
-            <a:ext cx="310697" cy="0"/>
-          </a:xfrm>
-          <a:prstGeom prst="straightConnector1">
-            <a:avLst/>
-          </a:prstGeom>
-          <a:ln w="28575">
-            <a:solidFill>
-              <a:schemeClr val="tx1"/>
-            </a:solidFill>
-            <a:tailEnd type="triangle"/>
-          </a:ln>
-        </p:spPr>
-        <p:style>
-          <a:lnRef idx="1">
-            <a:schemeClr val="accent1"/>
-          </a:lnRef>
-          <a:fillRef idx="0">
-            <a:schemeClr val="accent1"/>
-          </a:fillRef>
-          <a:effectRef idx="0">
-            <a:schemeClr val="accent1"/>
-          </a:effectRef>
-          <a:fontRef idx="minor">
-            <a:schemeClr val="tx1"/>
-          </a:fontRef>
-        </p:style>
-      </p:cxnSp>
-      <p:sp>
-        <p:nvSpPr>
-          <p:cNvPr id="31" name="Geschweifte Klammer rechts 30"/>
-          <p:cNvSpPr/>
-          <p:nvPr/>
-        </p:nvSpPr>
-        <p:spPr>
-          <a:xfrm rot="5400000">
-            <a:off x="2367042" y="415042"/>
-            <a:ext cx="166688" cy="2394393"/>
-          </a:xfrm>
-          <a:prstGeom prst="rightBrace">
-            <a:avLst/>
-          </a:prstGeom>
-        </p:spPr>
-        <p:style>
-          <a:lnRef idx="1">
-            <a:schemeClr val="accent1"/>
-          </a:lnRef>
-          <a:fillRef idx="0">
-            <a:schemeClr val="accent1"/>
-          </a:fillRef>
-          <a:effectRef idx="0">
-            <a:schemeClr val="accent1"/>
-          </a:effectRef>
-          <a:fontRef idx="minor">
-            <a:schemeClr val="tx1"/>
-          </a:fontRef>
-        </p:style>
-        <p:txBody>
-          <a:bodyPr rtlCol="0" anchor="ctr"/>
-          <a:lstStyle/>
-          <a:p>
-            <a:pPr algn="ctr"/>
-            <a:endParaRPr lang="en-US"/>
-          </a:p>
-        </p:txBody>
-      </p:sp>
-      <p:sp>
-        <p:nvSpPr>
-          <p:cNvPr id="32" name="Geschweifte Klammer rechts 31"/>
-          <p:cNvSpPr/>
-          <p:nvPr/>
-        </p:nvSpPr>
-        <p:spPr>
-          <a:xfrm rot="5400000">
-            <a:off x="4416618" y="813895"/>
-            <a:ext cx="166688" cy="1596690"/>
-          </a:xfrm>
-          <a:prstGeom prst="rightBrace">
-            <a:avLst/>
-          </a:prstGeom>
-        </p:spPr>
-        <p:style>
-          <a:lnRef idx="1">
-            <a:schemeClr val="accent1"/>
-          </a:lnRef>
-          <a:fillRef idx="0">
-            <a:schemeClr val="accent1"/>
-          </a:fillRef>
-          <a:effectRef idx="0">
-            <a:schemeClr val="accent1"/>
-          </a:effectRef>
-          <a:fontRef idx="minor">
-            <a:schemeClr val="tx1"/>
-          </a:fontRef>
-        </p:style>
-        <p:txBody>
-          <a:bodyPr rtlCol="0" anchor="ctr"/>
-          <a:lstStyle/>
-          <a:p>
-            <a:pPr algn="ctr"/>
-            <a:endParaRPr lang="en-US"/>
-          </a:p>
-        </p:txBody>
-      </p:sp>
-      <p:sp>
-        <p:nvSpPr>
-          <p:cNvPr id="33" name="Geschweifte Klammer rechts 32"/>
-          <p:cNvSpPr/>
-          <p:nvPr/>
-        </p:nvSpPr>
-        <p:spPr>
-          <a:xfrm rot="5400000">
-            <a:off x="784889" y="1281318"/>
-            <a:ext cx="166688" cy="661843"/>
-          </a:xfrm>
-          <a:prstGeom prst="rightBrace">
-            <a:avLst/>
-          </a:prstGeom>
-        </p:spPr>
-        <p:style>
-          <a:lnRef idx="1">
-            <a:schemeClr val="accent1"/>
-          </a:lnRef>
-          <a:fillRef idx="0">
-            <a:schemeClr val="accent1"/>
-          </a:fillRef>
-          <a:effectRef idx="0">
-            <a:schemeClr val="accent1"/>
-          </a:effectRef>
-          <a:fontRef idx="minor">
-            <a:schemeClr val="tx1"/>
-          </a:fontRef>
-        </p:style>
-        <p:txBody>
-          <a:bodyPr rtlCol="0" anchor="ctr"/>
-          <a:lstStyle/>
-          <a:p>
-            <a:pPr algn="ctr"/>
-            <a:endParaRPr lang="en-US"/>
-          </a:p>
-        </p:txBody>
-      </p:sp>
-      <p:sp>
-        <p:nvSpPr>
-          <p:cNvPr id="34" name="Textfeld 33"/>
-          <p:cNvSpPr txBox="1"/>
-          <p:nvPr/>
-        </p:nvSpPr>
-        <p:spPr>
-          <a:xfrm>
-            <a:off x="3880241" y="1737768"/>
-            <a:ext cx="1239442" cy="430887"/>
-          </a:xfrm>
-          <a:prstGeom prst="rect">
-            <a:avLst/>
-          </a:prstGeom>
-          <a:noFill/>
-        </p:spPr>
-        <p:txBody>
-          <a:bodyPr wrap="none" rtlCol="0">
-            <a:spAutoFit/>
-          </a:bodyPr>
-          <a:lstStyle/>
-          <a:p>
-            <a:pPr algn="ctr"/>
-            <a:r>
-              <a:rPr lang="en-US" sz="1100" dirty="0" smtClean="0">
-                <a:latin typeface="Verdana" panose="020B0604030504040204" pitchFamily="34" charset="0"/>
-                <a:ea typeface="Verdana" panose="020B0604030504040204" pitchFamily="34" charset="0"/>
-                <a:cs typeface="Verdana" panose="020B0604030504040204" pitchFamily="34" charset="0"/>
-              </a:rPr>
-              <a:t>part of</a:t>
-            </a:r>
-            <a:br>
-              <a:rPr lang="en-US" sz="1100" dirty="0" smtClean="0">
-                <a:latin typeface="Verdana" panose="020B0604030504040204" pitchFamily="34" charset="0"/>
-                <a:ea typeface="Verdana" panose="020B0604030504040204" pitchFamily="34" charset="0"/>
-                <a:cs typeface="Verdana" panose="020B0604030504040204" pitchFamily="34" charset="0"/>
-              </a:rPr>
-            </a:br>
-            <a:r>
-              <a:rPr lang="en-US" sz="1100" dirty="0" smtClean="0">
-                <a:latin typeface="Verdana" panose="020B0604030504040204" pitchFamily="34" charset="0"/>
-                <a:ea typeface="Verdana" panose="020B0604030504040204" pitchFamily="34" charset="0"/>
-                <a:cs typeface="Verdana" panose="020B0604030504040204" pitchFamily="34" charset="0"/>
-              </a:rPr>
-              <a:t>checkpoint </a:t>
-            </a:r>
-            <a:r>
-              <a:rPr lang="en-US" sz="1100" i="1" dirty="0" smtClean="0">
-                <a:latin typeface="Verdana" panose="020B0604030504040204" pitchFamily="34" charset="0"/>
-                <a:ea typeface="Verdana" panose="020B0604030504040204" pitchFamily="34" charset="0"/>
-                <a:cs typeface="Verdana" panose="020B0604030504040204" pitchFamily="34" charset="0"/>
-              </a:rPr>
-              <a:t>n-1</a:t>
-            </a:r>
-            <a:endParaRPr lang="en-US" sz="1100" i="1" dirty="0">
-              <a:latin typeface="Verdana" panose="020B0604030504040204" pitchFamily="34" charset="0"/>
-              <a:ea typeface="Verdana" panose="020B0604030504040204" pitchFamily="34" charset="0"/>
-              <a:cs typeface="Verdana" panose="020B0604030504040204" pitchFamily="34" charset="0"/>
-            </a:endParaRPr>
-          </a:p>
-        </p:txBody>
-      </p:sp>
-      <p:sp>
-        <p:nvSpPr>
-          <p:cNvPr id="35" name="Textfeld 34"/>
-          <p:cNvSpPr txBox="1"/>
-          <p:nvPr/>
-        </p:nvSpPr>
-        <p:spPr>
-          <a:xfrm>
-            <a:off x="1907609" y="1737768"/>
-            <a:ext cx="1085554" cy="430887"/>
-          </a:xfrm>
-          <a:prstGeom prst="rect">
-            <a:avLst/>
-          </a:prstGeom>
-          <a:noFill/>
-        </p:spPr>
-        <p:txBody>
-          <a:bodyPr wrap="none" rtlCol="0">
-            <a:spAutoFit/>
-          </a:bodyPr>
-          <a:lstStyle/>
-          <a:p>
-            <a:pPr algn="ctr"/>
-            <a:r>
-              <a:rPr lang="en-US" sz="1100" dirty="0" smtClean="0">
-                <a:latin typeface="Verdana" panose="020B0604030504040204" pitchFamily="34" charset="0"/>
-                <a:ea typeface="Verdana" panose="020B0604030504040204" pitchFamily="34" charset="0"/>
-                <a:cs typeface="Verdana" panose="020B0604030504040204" pitchFamily="34" charset="0"/>
-              </a:rPr>
-              <a:t>part of</a:t>
-            </a:r>
-            <a:br>
-              <a:rPr lang="en-US" sz="1100" dirty="0" smtClean="0">
-                <a:latin typeface="Verdana" panose="020B0604030504040204" pitchFamily="34" charset="0"/>
-                <a:ea typeface="Verdana" panose="020B0604030504040204" pitchFamily="34" charset="0"/>
-                <a:cs typeface="Verdana" panose="020B0604030504040204" pitchFamily="34" charset="0"/>
-              </a:rPr>
-            </a:br>
-            <a:r>
-              <a:rPr lang="en-US" sz="1100" dirty="0" smtClean="0">
-                <a:latin typeface="Verdana" panose="020B0604030504040204" pitchFamily="34" charset="0"/>
-                <a:ea typeface="Verdana" panose="020B0604030504040204" pitchFamily="34" charset="0"/>
-                <a:cs typeface="Verdana" panose="020B0604030504040204" pitchFamily="34" charset="0"/>
-              </a:rPr>
-              <a:t>checkpoint </a:t>
-            </a:r>
-            <a:r>
-              <a:rPr lang="en-US" sz="1100" i="1" dirty="0" smtClean="0">
-                <a:latin typeface="Verdana" panose="020B0604030504040204" pitchFamily="34" charset="0"/>
-                <a:ea typeface="Verdana" panose="020B0604030504040204" pitchFamily="34" charset="0"/>
-                <a:cs typeface="Verdana" panose="020B0604030504040204" pitchFamily="34" charset="0"/>
-              </a:rPr>
-              <a:t>n</a:t>
-            </a:r>
-            <a:endParaRPr lang="en-US" sz="1100" i="1" dirty="0">
-              <a:latin typeface="Verdana" panose="020B0604030504040204" pitchFamily="34" charset="0"/>
-              <a:ea typeface="Verdana" panose="020B0604030504040204" pitchFamily="34" charset="0"/>
-              <a:cs typeface="Verdana" panose="020B0604030504040204" pitchFamily="34" charset="0"/>
-            </a:endParaRPr>
-          </a:p>
-        </p:txBody>
-      </p:sp>
-      <p:sp>
-        <p:nvSpPr>
-          <p:cNvPr id="36" name="Textfeld 35"/>
-          <p:cNvSpPr txBox="1"/>
-          <p:nvPr/>
-        </p:nvSpPr>
-        <p:spPr>
-          <a:xfrm>
-            <a:off x="22452" y="1737768"/>
-            <a:ext cx="1290738" cy="430887"/>
-          </a:xfrm>
-          <a:prstGeom prst="rect">
-            <a:avLst/>
-          </a:prstGeom>
-          <a:noFill/>
-        </p:spPr>
-        <p:txBody>
-          <a:bodyPr wrap="none" rtlCol="0">
-            <a:spAutoFit/>
-          </a:bodyPr>
-          <a:lstStyle/>
-          <a:p>
-            <a:pPr algn="ctr"/>
-            <a:r>
-              <a:rPr lang="en-US" sz="1100" dirty="0" smtClean="0">
-                <a:latin typeface="Verdana" panose="020B0604030504040204" pitchFamily="34" charset="0"/>
-                <a:ea typeface="Verdana" panose="020B0604030504040204" pitchFamily="34" charset="0"/>
-                <a:cs typeface="Verdana" panose="020B0604030504040204" pitchFamily="34" charset="0"/>
-              </a:rPr>
-              <a:t>part of</a:t>
-            </a:r>
-            <a:br>
-              <a:rPr lang="en-US" sz="1100" dirty="0" smtClean="0">
-                <a:latin typeface="Verdana" panose="020B0604030504040204" pitchFamily="34" charset="0"/>
-                <a:ea typeface="Verdana" panose="020B0604030504040204" pitchFamily="34" charset="0"/>
-                <a:cs typeface="Verdana" panose="020B0604030504040204" pitchFamily="34" charset="0"/>
-              </a:rPr>
-            </a:br>
-            <a:r>
-              <a:rPr lang="en-US" sz="1100" dirty="0" smtClean="0">
-                <a:latin typeface="Verdana" panose="020B0604030504040204" pitchFamily="34" charset="0"/>
-                <a:ea typeface="Verdana" panose="020B0604030504040204" pitchFamily="34" charset="0"/>
-                <a:cs typeface="Verdana" panose="020B0604030504040204" pitchFamily="34" charset="0"/>
-              </a:rPr>
-              <a:t>checkpoint </a:t>
-            </a:r>
-            <a:r>
-              <a:rPr lang="en-US" sz="1100" i="1" dirty="0" smtClean="0">
-                <a:latin typeface="Verdana" panose="020B0604030504040204" pitchFamily="34" charset="0"/>
-                <a:ea typeface="Verdana" panose="020B0604030504040204" pitchFamily="34" charset="0"/>
-                <a:cs typeface="Verdana" panose="020B0604030504040204" pitchFamily="34" charset="0"/>
-              </a:rPr>
-              <a:t>n+1</a:t>
-            </a:r>
-            <a:endParaRPr lang="en-US" sz="1100" i="1" dirty="0">
-              <a:latin typeface="Verdana" panose="020B0604030504040204" pitchFamily="34" charset="0"/>
-              <a:ea typeface="Verdana" panose="020B0604030504040204" pitchFamily="34" charset="0"/>
-              <a:cs typeface="Verdana" panose="020B0604030504040204" pitchFamily="34" charset="0"/>
-            </a:endParaRPr>
-          </a:p>
-        </p:txBody>
-      </p:sp>
-      <p:sp>
-        <p:nvSpPr>
-          <p:cNvPr id="38" name="Rechteck 37"/>
-          <p:cNvSpPr/>
-          <p:nvPr/>
-        </p:nvSpPr>
-        <p:spPr>
-          <a:xfrm>
-            <a:off x="5031351" y="641351"/>
-            <a:ext cx="176663" cy="201438"/>
-          </a:xfrm>
-          <a:prstGeom prst="rect">
-            <a:avLst/>
-          </a:prstGeom>
-          <a:solidFill>
-            <a:srgbClr val="F5A030"/>
-          </a:solidFill>
-          <a:ln>
-            <a:noFill/>
-          </a:ln>
-        </p:spPr>
-        <p:style>
-          <a:lnRef idx="2">
-            <a:schemeClr val="accent1">
-              <a:shade val="50000"/>
-            </a:schemeClr>
-          </a:lnRef>
-          <a:fillRef idx="1">
-            <a:schemeClr val="accent1"/>
-          </a:fillRef>
-          <a:effectRef idx="0">
-            <a:schemeClr val="accent1"/>
-          </a:effectRef>
-          <a:fontRef idx="minor">
-            <a:schemeClr val="lt1"/>
-          </a:fontRef>
-        </p:style>
-        <p:txBody>
-          <a:bodyPr rtlCol="0" anchor="ctr"/>
-          <a:lstStyle/>
-          <a:p>
-            <a:pPr algn="ctr"/>
-            <a:endParaRPr lang="en-US"/>
-          </a:p>
-        </p:txBody>
-      </p:sp>
-      <p:sp>
-        <p:nvSpPr>
-          <p:cNvPr id="41" name="Rechteck 40"/>
-          <p:cNvSpPr/>
-          <p:nvPr/>
-        </p:nvSpPr>
-        <p:spPr>
-          <a:xfrm>
-            <a:off x="4802188" y="641351"/>
-            <a:ext cx="176663" cy="201438"/>
-          </a:xfrm>
-          <a:prstGeom prst="rect">
-            <a:avLst/>
-          </a:prstGeom>
-          <a:solidFill>
-            <a:srgbClr val="F5A030"/>
-          </a:solidFill>
-          <a:ln>
-            <a:noFill/>
-          </a:ln>
-        </p:spPr>
-        <p:style>
-          <a:lnRef idx="2">
-            <a:schemeClr val="accent1">
-              <a:shade val="50000"/>
-            </a:schemeClr>
-          </a:lnRef>
-          <a:fillRef idx="1">
-            <a:schemeClr val="accent1"/>
-          </a:fillRef>
-          <a:effectRef idx="0">
-            <a:schemeClr val="accent1"/>
-          </a:effectRef>
-          <a:fontRef idx="minor">
-            <a:schemeClr val="lt1"/>
-          </a:fontRef>
-        </p:style>
-        <p:txBody>
-          <a:bodyPr rtlCol="0" anchor="ctr"/>
-          <a:lstStyle/>
-          <a:p>
-            <a:pPr algn="ctr"/>
-            <a:endParaRPr lang="en-US"/>
-          </a:p>
-        </p:txBody>
-      </p:sp>
-      <p:sp>
-        <p:nvSpPr>
-          <p:cNvPr id="42" name="Rechteck 41"/>
-          <p:cNvSpPr/>
-          <p:nvPr/>
-        </p:nvSpPr>
-        <p:spPr>
-          <a:xfrm>
-            <a:off x="4189820" y="641351"/>
-            <a:ext cx="176663" cy="201438"/>
-          </a:xfrm>
-          <a:prstGeom prst="rect">
-            <a:avLst/>
-          </a:prstGeom>
-          <a:solidFill>
-            <a:srgbClr val="F5A030"/>
-          </a:solidFill>
-          <a:ln>
-            <a:noFill/>
-          </a:ln>
-        </p:spPr>
-        <p:style>
-          <a:lnRef idx="2">
-            <a:schemeClr val="accent1">
-              <a:shade val="50000"/>
-            </a:schemeClr>
-          </a:lnRef>
-          <a:fillRef idx="1">
-            <a:schemeClr val="accent1"/>
-          </a:fillRef>
-          <a:effectRef idx="0">
-            <a:schemeClr val="accent1"/>
-          </a:effectRef>
-          <a:fontRef idx="minor">
-            <a:schemeClr val="lt1"/>
-          </a:fontRef>
-        </p:style>
-        <p:txBody>
-          <a:bodyPr rtlCol="0" anchor="ctr"/>
-          <a:lstStyle/>
-          <a:p>
-            <a:pPr algn="ctr"/>
-            <a:endParaRPr lang="en-US"/>
-          </a:p>
-        </p:txBody>
-      </p:sp>
-      <p:sp>
-        <p:nvSpPr>
-          <p:cNvPr id="43" name="Rechteck 42"/>
-          <p:cNvSpPr/>
-          <p:nvPr/>
-        </p:nvSpPr>
-        <p:spPr>
-          <a:xfrm>
-            <a:off x="3742805" y="641351"/>
-            <a:ext cx="176663" cy="201438"/>
-          </a:xfrm>
-          <a:prstGeom prst="rect">
-            <a:avLst/>
-          </a:prstGeom>
-          <a:solidFill>
-            <a:srgbClr val="F5A030"/>
-          </a:solidFill>
-          <a:ln>
-            <a:noFill/>
-          </a:ln>
-        </p:spPr>
-        <p:style>
-          <a:lnRef idx="2">
-            <a:schemeClr val="accent1">
-              <a:shade val="50000"/>
-            </a:schemeClr>
-          </a:lnRef>
-          <a:fillRef idx="1">
-            <a:schemeClr val="accent1"/>
-          </a:fillRef>
-          <a:effectRef idx="0">
-            <a:schemeClr val="accent1"/>
-          </a:effectRef>
-          <a:fontRef idx="minor">
-            <a:schemeClr val="lt1"/>
-          </a:fontRef>
-        </p:style>
-        <p:txBody>
-          <a:bodyPr rtlCol="0" anchor="ctr"/>
-          <a:lstStyle/>
-          <a:p>
-            <a:pPr algn="ctr"/>
-            <a:endParaRPr lang="en-US"/>
-          </a:p>
-        </p:txBody>
-      </p:sp>
-      <p:sp>
-        <p:nvSpPr>
-          <p:cNvPr id="44" name="Rechteck 43"/>
-          <p:cNvSpPr/>
-          <p:nvPr/>
-        </p:nvSpPr>
-        <p:spPr>
-          <a:xfrm>
-            <a:off x="3288899" y="641351"/>
-            <a:ext cx="176663" cy="201438"/>
-          </a:xfrm>
-          <a:prstGeom prst="rect">
-            <a:avLst/>
-          </a:prstGeom>
-          <a:solidFill>
-            <a:srgbClr val="F5A030"/>
-          </a:solidFill>
-          <a:ln>
-            <a:noFill/>
-          </a:ln>
-        </p:spPr>
-        <p:style>
-          <a:lnRef idx="2">
-            <a:schemeClr val="accent1">
-              <a:shade val="50000"/>
-            </a:schemeClr>
-          </a:lnRef>
-          <a:fillRef idx="1">
-            <a:schemeClr val="accent1"/>
-          </a:fillRef>
-          <a:effectRef idx="0">
-            <a:schemeClr val="accent1"/>
-          </a:effectRef>
-          <a:fontRef idx="minor">
-            <a:schemeClr val="lt1"/>
-          </a:fontRef>
-        </p:style>
-        <p:txBody>
-          <a:bodyPr rtlCol="0" anchor="ctr"/>
-          <a:lstStyle/>
-          <a:p>
-            <a:pPr algn="ctr"/>
-            <a:endParaRPr lang="en-US"/>
-          </a:p>
-        </p:txBody>
-      </p:sp>
-      <p:sp>
-        <p:nvSpPr>
-          <p:cNvPr id="45" name="Rechteck 44"/>
-          <p:cNvSpPr/>
-          <p:nvPr/>
-        </p:nvSpPr>
-        <p:spPr>
-          <a:xfrm>
-            <a:off x="2547011" y="641351"/>
-            <a:ext cx="176663" cy="201438"/>
-          </a:xfrm>
-          <a:prstGeom prst="rect">
-            <a:avLst/>
-          </a:prstGeom>
-          <a:solidFill>
-            <a:srgbClr val="F5A030"/>
-          </a:solidFill>
-          <a:ln>
-            <a:noFill/>
-          </a:ln>
-        </p:spPr>
-        <p:style>
-          <a:lnRef idx="2">
-            <a:schemeClr val="accent1">
-              <a:shade val="50000"/>
-            </a:schemeClr>
-          </a:lnRef>
-          <a:fillRef idx="1">
-            <a:schemeClr val="accent1"/>
-          </a:fillRef>
-          <a:effectRef idx="0">
-            <a:schemeClr val="accent1"/>
-          </a:effectRef>
-          <a:fontRef idx="minor">
-            <a:schemeClr val="lt1"/>
-          </a:fontRef>
-        </p:style>
-        <p:txBody>
-          <a:bodyPr rtlCol="0" anchor="ctr"/>
-          <a:lstStyle/>
-          <a:p>
-            <a:pPr algn="ctr"/>
-            <a:endParaRPr lang="en-US"/>
-          </a:p>
-        </p:txBody>
-      </p:sp>
-      <p:sp>
-        <p:nvSpPr>
-          <p:cNvPr id="46" name="Rechteck 45"/>
-          <p:cNvSpPr/>
-          <p:nvPr/>
-        </p:nvSpPr>
-        <p:spPr>
-          <a:xfrm>
-            <a:off x="2776061" y="641351"/>
-            <a:ext cx="176663" cy="201438"/>
-          </a:xfrm>
-          <a:prstGeom prst="rect">
-            <a:avLst/>
-          </a:prstGeom>
-          <a:solidFill>
-            <a:srgbClr val="F5A030"/>
-          </a:solidFill>
-          <a:ln>
-            <a:noFill/>
-          </a:ln>
-        </p:spPr>
-        <p:style>
-          <a:lnRef idx="2">
-            <a:schemeClr val="accent1">
-              <a:shade val="50000"/>
-            </a:schemeClr>
-          </a:lnRef>
-          <a:fillRef idx="1">
-            <a:schemeClr val="accent1"/>
-          </a:fillRef>
-          <a:effectRef idx="0">
-            <a:schemeClr val="accent1"/>
-          </a:effectRef>
-          <a:fontRef idx="minor">
-            <a:schemeClr val="lt1"/>
-          </a:fontRef>
-        </p:style>
-        <p:txBody>
-          <a:bodyPr rtlCol="0" anchor="ctr"/>
-          <a:lstStyle/>
-          <a:p>
-            <a:pPr algn="ctr"/>
-            <a:endParaRPr lang="en-US"/>
-          </a:p>
-        </p:txBody>
-      </p:sp>
-      <p:sp>
-        <p:nvSpPr>
-          <p:cNvPr id="47" name="Rechteck 46"/>
-          <p:cNvSpPr/>
-          <p:nvPr/>
-        </p:nvSpPr>
-        <p:spPr>
-          <a:xfrm>
-            <a:off x="2317427" y="641351"/>
-            <a:ext cx="176663" cy="201438"/>
-          </a:xfrm>
-          <a:prstGeom prst="rect">
-            <a:avLst/>
-          </a:prstGeom>
-          <a:solidFill>
-            <a:srgbClr val="F5A030"/>
-          </a:solidFill>
-          <a:ln>
-            <a:noFill/>
-          </a:ln>
-        </p:spPr>
-        <p:style>
-          <a:lnRef idx="2">
-            <a:schemeClr val="accent1">
-              <a:shade val="50000"/>
-            </a:schemeClr>
-          </a:lnRef>
-          <a:fillRef idx="1">
-            <a:schemeClr val="accent1"/>
-          </a:fillRef>
-          <a:effectRef idx="0">
-            <a:schemeClr val="accent1"/>
-          </a:effectRef>
-          <a:fontRef idx="minor">
-            <a:schemeClr val="lt1"/>
-          </a:fontRef>
-        </p:style>
-        <p:txBody>
-          <a:bodyPr rtlCol="0" anchor="ctr"/>
-          <a:lstStyle/>
-          <a:p>
-            <a:pPr algn="ctr"/>
-            <a:endParaRPr lang="en-US"/>
-          </a:p>
-        </p:txBody>
-      </p:sp>
-      <p:sp>
-        <p:nvSpPr>
-          <p:cNvPr id="48" name="Rechteck 47"/>
-          <p:cNvSpPr/>
-          <p:nvPr/>
-        </p:nvSpPr>
-        <p:spPr>
-          <a:xfrm>
-            <a:off x="1938379" y="641351"/>
-            <a:ext cx="176663" cy="201438"/>
-          </a:xfrm>
-          <a:prstGeom prst="rect">
-            <a:avLst/>
-          </a:prstGeom>
-          <a:solidFill>
-            <a:srgbClr val="F5A030"/>
-          </a:solidFill>
-          <a:ln>
-            <a:noFill/>
-          </a:ln>
-        </p:spPr>
-        <p:style>
-          <a:lnRef idx="2">
-            <a:schemeClr val="accent1">
-              <a:shade val="50000"/>
-            </a:schemeClr>
-          </a:lnRef>
-          <a:fillRef idx="1">
-            <a:schemeClr val="accent1"/>
-          </a:fillRef>
-          <a:effectRef idx="0">
-            <a:schemeClr val="accent1"/>
-          </a:effectRef>
-          <a:fontRef idx="minor">
-            <a:schemeClr val="lt1"/>
-          </a:fontRef>
-        </p:style>
-        <p:txBody>
-          <a:bodyPr rtlCol="0" anchor="ctr"/>
-          <a:lstStyle/>
-          <a:p>
-            <a:pPr algn="ctr"/>
-            <a:endParaRPr lang="en-US"/>
-          </a:p>
-        </p:txBody>
-      </p:sp>
-      <p:sp>
-        <p:nvSpPr>
-          <p:cNvPr id="49" name="Rechteck 48"/>
-          <p:cNvSpPr/>
-          <p:nvPr/>
-        </p:nvSpPr>
-        <p:spPr>
-          <a:xfrm>
-            <a:off x="1435211" y="641351"/>
-            <a:ext cx="176663" cy="201438"/>
-          </a:xfrm>
-          <a:prstGeom prst="rect">
-            <a:avLst/>
-          </a:prstGeom>
-          <a:solidFill>
-            <a:srgbClr val="F5A030"/>
-          </a:solidFill>
-          <a:ln>
-            <a:noFill/>
-          </a:ln>
-        </p:spPr>
-        <p:style>
-          <a:lnRef idx="2">
-            <a:schemeClr val="accent1">
-              <a:shade val="50000"/>
-            </a:schemeClr>
-          </a:lnRef>
-          <a:fillRef idx="1">
-            <a:schemeClr val="accent1"/>
-          </a:fillRef>
-          <a:effectRef idx="0">
-            <a:schemeClr val="accent1"/>
-          </a:effectRef>
-          <a:fontRef idx="minor">
-            <a:schemeClr val="lt1"/>
-          </a:fontRef>
-        </p:style>
-        <p:txBody>
-          <a:bodyPr rtlCol="0" anchor="ctr"/>
-          <a:lstStyle/>
-          <a:p>
-            <a:pPr algn="ctr"/>
-            <a:endParaRPr lang="en-US"/>
-          </a:p>
-        </p:txBody>
-      </p:sp>
-      <p:sp>
-        <p:nvSpPr>
-          <p:cNvPr id="50" name="Rechteck 49"/>
-          <p:cNvSpPr/>
-          <p:nvPr/>
-        </p:nvSpPr>
-        <p:spPr>
-          <a:xfrm>
-            <a:off x="872652" y="641351"/>
-            <a:ext cx="176663" cy="201438"/>
-          </a:xfrm>
-          <a:prstGeom prst="rect">
-            <a:avLst/>
-          </a:prstGeom>
-          <a:solidFill>
-            <a:srgbClr val="F5A030"/>
-          </a:solidFill>
-          <a:ln>
-            <a:noFill/>
-          </a:ln>
-        </p:spPr>
-        <p:style>
-          <a:lnRef idx="2">
-            <a:schemeClr val="accent1">
-              <a:shade val="50000"/>
-            </a:schemeClr>
-          </a:lnRef>
-          <a:fillRef idx="1">
-            <a:schemeClr val="accent1"/>
-          </a:fillRef>
-          <a:effectRef idx="0">
-            <a:schemeClr val="accent1"/>
-          </a:effectRef>
-          <a:fontRef idx="minor">
-            <a:schemeClr val="lt1"/>
-          </a:fontRef>
-        </p:style>
-        <p:txBody>
-          <a:bodyPr rtlCol="0" anchor="ctr"/>
-          <a:lstStyle/>
-          <a:p>
-            <a:pPr algn="ctr"/>
-            <a:endParaRPr lang="en-US"/>
-          </a:p>
-        </p:txBody>
-      </p:sp>
-      <p:sp>
-        <p:nvSpPr>
-          <p:cNvPr id="51" name="Rechteck 50"/>
-          <p:cNvSpPr/>
-          <p:nvPr/>
-        </p:nvSpPr>
-        <p:spPr>
-          <a:xfrm>
-            <a:off x="628928" y="641351"/>
-            <a:ext cx="176663" cy="201438"/>
-          </a:xfrm>
-          <a:prstGeom prst="rect">
-            <a:avLst/>
-          </a:prstGeom>
-          <a:solidFill>
-            <a:srgbClr val="F5A030"/>
-          </a:solidFill>
-          <a:ln>
-            <a:noFill/>
-          </a:ln>
-        </p:spPr>
-        <p:style>
-          <a:lnRef idx="2">
-            <a:schemeClr val="accent1">
-              <a:shade val="50000"/>
-            </a:schemeClr>
-          </a:lnRef>
-          <a:fillRef idx="1">
-            <a:schemeClr val="accent1"/>
-          </a:fillRef>
-          <a:effectRef idx="0">
-            <a:schemeClr val="accent1"/>
-          </a:effectRef>
-          <a:fontRef idx="minor">
-            <a:schemeClr val="lt1"/>
-          </a:fontRef>
-        </p:style>
-        <p:txBody>
-          <a:bodyPr rtlCol="0" anchor="ctr"/>
-          <a:lstStyle/>
-          <a:p>
-            <a:pPr algn="ctr"/>
-            <a:endParaRPr lang="en-US"/>
-          </a:p>
-        </p:txBody>
-      </p:sp>
-      <p:sp>
-        <p:nvSpPr>
-          <p:cNvPr id="52" name="Rechteck 51"/>
-          <p:cNvSpPr/>
-          <p:nvPr/>
-        </p:nvSpPr>
-        <p:spPr>
-          <a:xfrm>
-            <a:off x="1218158" y="515542"/>
-            <a:ext cx="56255" cy="453053"/>
-          </a:xfrm>
-          <a:prstGeom prst="rect">
-            <a:avLst/>
-          </a:prstGeom>
-          <a:solidFill>
-            <a:srgbClr val="6E7277"/>
-          </a:solidFill>
-          <a:ln>
-            <a:noFill/>
-          </a:ln>
-        </p:spPr>
-        <p:style>
-          <a:lnRef idx="2">
-            <a:schemeClr val="accent1">
-              <a:shade val="50000"/>
-            </a:schemeClr>
-          </a:lnRef>
-          <a:fillRef idx="1">
-            <a:schemeClr val="accent1"/>
-          </a:fillRef>
-          <a:effectRef idx="0">
-            <a:schemeClr val="accent1"/>
-          </a:effectRef>
-          <a:fontRef idx="minor">
-            <a:schemeClr val="lt1"/>
-          </a:fontRef>
-        </p:style>
-        <p:txBody>
-          <a:bodyPr rtlCol="0" anchor="ctr"/>
-          <a:lstStyle/>
-          <a:p>
-            <a:pPr algn="ctr"/>
-            <a:endParaRPr lang="en-US"/>
-          </a:p>
-        </p:txBody>
-      </p:sp>
-      <p:cxnSp>
-        <p:nvCxnSpPr>
-          <p:cNvPr id="54" name="Gerader Verbinder 53"/>
-          <p:cNvCxnSpPr/>
-          <p:nvPr/>
-        </p:nvCxnSpPr>
-        <p:spPr>
-          <a:xfrm flipH="1" flipV="1">
-            <a:off x="5128011" y="734687"/>
-            <a:ext cx="52112" cy="311490"/>
-          </a:xfrm>
-          <a:prstGeom prst="line">
-            <a:avLst/>
-          </a:prstGeom>
-          <a:ln w="9525">
-            <a:solidFill>
-              <a:schemeClr val="tx1"/>
-            </a:solidFill>
-            <a:tailEnd type="oval" w="sm" len="sm"/>
-          </a:ln>
-        </p:spPr>
-        <p:style>
-          <a:lnRef idx="1">
-            <a:schemeClr val="accent1"/>
-          </a:lnRef>
-          <a:fillRef idx="0">
-            <a:schemeClr val="accent1"/>
-          </a:fillRef>
-          <a:effectRef idx="0">
-            <a:schemeClr val="accent1"/>
-          </a:effectRef>
-          <a:fontRef idx="minor">
-            <a:schemeClr val="tx1"/>
-          </a:fontRef>
-        </p:style>
-      </p:cxnSp>
-      <p:sp>
-        <p:nvSpPr>
-          <p:cNvPr id="56" name="Textfeld 55"/>
-          <p:cNvSpPr txBox="1"/>
-          <p:nvPr/>
-        </p:nvSpPr>
-        <p:spPr>
-          <a:xfrm>
-            <a:off x="3916458" y="240498"/>
-            <a:ext cx="1034257" cy="246221"/>
-          </a:xfrm>
-          <a:prstGeom prst="rect">
-            <a:avLst/>
-          </a:prstGeom>
-          <a:noFill/>
-        </p:spPr>
-        <p:txBody>
-          <a:bodyPr wrap="none" rtlCol="0">
-            <a:spAutoFit/>
-          </a:bodyPr>
-          <a:lstStyle/>
-          <a:p>
-            <a:pPr algn="ctr"/>
-            <a:r>
-              <a:rPr lang="en-US" sz="1000" i="1" dirty="0" smtClean="0">
-                <a:latin typeface="Verdana" panose="020B0604030504040204" pitchFamily="34" charset="0"/>
-                <a:ea typeface="Verdana" panose="020B0604030504040204" pitchFamily="34" charset="0"/>
-                <a:cs typeface="Verdana" panose="020B0604030504040204" pitchFamily="34" charset="0"/>
-              </a:rPr>
-              <a:t>older records</a:t>
-            </a:r>
-            <a:endParaRPr lang="en-US" sz="1000" i="1" dirty="0">
-              <a:latin typeface="Verdana" panose="020B0604030504040204" pitchFamily="34" charset="0"/>
-              <a:ea typeface="Verdana" panose="020B0604030504040204" pitchFamily="34" charset="0"/>
-              <a:cs typeface="Verdana" panose="020B0604030504040204" pitchFamily="34" charset="0"/>
-            </a:endParaRPr>
-          </a:p>
-        </p:txBody>
-      </p:sp>
-    </p:spTree>
-    <p:extLst>
-      <p:ext uri="{BB962C8B-B14F-4D97-AF65-F5344CB8AC3E}">
-        <p14:creationId xmlns:p14="http://schemas.microsoft.com/office/powerpoint/2010/main" val="137117251"/>
-      </p:ext>
-    </p:extLst>
-  </p:cSld>
-  <p:clrMapOvr>
-    <a:masterClrMapping/>
-  </p:clrMapOvr>
-</p:sld>
-</file>
-
 <file path=ppt/slides/slide7.xml><?xml version="1.0" encoding="utf-8"?>
 <p:sld xmlns:a="http://schemas.openxmlformats.org/drawingml/2006/main" xmlns:r="http://schemas.openxmlformats.org/officeDocument/2006/relationships" xmlns:p="http://schemas.openxmlformats.org/presentationml/2006/main">
   <p:cSld>
@@ -24308,6 +27346,1541 @@
       </p:grpSpPr>
       <p:sp>
         <p:nvSpPr>
+          <p:cNvPr id="2" name="Rechteck 1"/>
+          <p:cNvSpPr/>
+          <p:nvPr/>
+        </p:nvSpPr>
+        <p:spPr>
+          <a:xfrm>
+            <a:off x="537312" y="486719"/>
+            <a:ext cx="4818646" cy="517274"/>
+          </a:xfrm>
+          <a:prstGeom prst="rect">
+            <a:avLst/>
+          </a:prstGeom>
+          <a:solidFill>
+            <a:srgbClr val="E4EAF4"/>
+          </a:solidFill>
+          <a:ln>
+            <a:noFill/>
+          </a:ln>
+        </p:spPr>
+        <p:style>
+          <a:lnRef idx="2">
+            <a:schemeClr val="accent1">
+              <a:shade val="50000"/>
+            </a:schemeClr>
+          </a:lnRef>
+          <a:fillRef idx="1">
+            <a:schemeClr val="accent1"/>
+          </a:fillRef>
+          <a:effectRef idx="0">
+            <a:schemeClr val="accent1"/>
+          </a:effectRef>
+          <a:fontRef idx="minor">
+            <a:schemeClr val="lt1"/>
+          </a:fontRef>
+        </p:style>
+        <p:txBody>
+          <a:bodyPr rtlCol="0" anchor="ctr"/>
+          <a:lstStyle/>
+          <a:p>
+            <a:pPr algn="ctr"/>
+            <a:endParaRPr lang="en-US"/>
+          </a:p>
+        </p:txBody>
+      </p:sp>
+      <p:sp>
+        <p:nvSpPr>
+          <p:cNvPr id="3" name="Rechteck 2"/>
+          <p:cNvSpPr/>
+          <p:nvPr/>
+        </p:nvSpPr>
+        <p:spPr>
+          <a:xfrm>
+            <a:off x="3619455" y="515542"/>
+            <a:ext cx="56255" cy="453053"/>
+          </a:xfrm>
+          <a:prstGeom prst="rect">
+            <a:avLst/>
+          </a:prstGeom>
+          <a:solidFill>
+            <a:srgbClr val="6E7277"/>
+          </a:solidFill>
+          <a:ln>
+            <a:noFill/>
+          </a:ln>
+        </p:spPr>
+        <p:style>
+          <a:lnRef idx="2">
+            <a:schemeClr val="accent1">
+              <a:shade val="50000"/>
+            </a:schemeClr>
+          </a:lnRef>
+          <a:fillRef idx="1">
+            <a:schemeClr val="accent1"/>
+          </a:fillRef>
+          <a:effectRef idx="0">
+            <a:schemeClr val="accent1"/>
+          </a:effectRef>
+          <a:fontRef idx="minor">
+            <a:schemeClr val="lt1"/>
+          </a:fontRef>
+        </p:style>
+        <p:txBody>
+          <a:bodyPr rtlCol="0" anchor="ctr"/>
+          <a:lstStyle/>
+          <a:p>
+            <a:pPr algn="ctr"/>
+            <a:endParaRPr lang="en-US"/>
+          </a:p>
+        </p:txBody>
+      </p:sp>
+      <p:sp>
+        <p:nvSpPr>
+          <p:cNvPr id="5" name="Textfeld 4"/>
+          <p:cNvSpPr txBox="1"/>
+          <p:nvPr/>
+        </p:nvSpPr>
+        <p:spPr>
+          <a:xfrm>
+            <a:off x="3223760" y="997422"/>
+            <a:ext cx="955711" cy="430887"/>
+          </a:xfrm>
+          <a:prstGeom prst="rect">
+            <a:avLst/>
+          </a:prstGeom>
+          <a:noFill/>
+        </p:spPr>
+        <p:txBody>
+          <a:bodyPr wrap="none" rtlCol="0">
+            <a:spAutoFit/>
+          </a:bodyPr>
+          <a:lstStyle/>
+          <a:p>
+            <a:pPr algn="ctr"/>
+            <a:r>
+              <a:rPr lang="en-US" sz="1100" dirty="0">
+                <a:latin typeface="Verdana" panose="020B0604030504040204" pitchFamily="34" charset="0"/>
+                <a:ea typeface="Verdana" panose="020B0604030504040204" pitchFamily="34" charset="0"/>
+                <a:cs typeface="Verdana" panose="020B0604030504040204" pitchFamily="34" charset="0"/>
+              </a:rPr>
+              <a:t>c</a:t>
+            </a:r>
+            <a:r>
+              <a:rPr lang="en-US" sz="1100" dirty="0" smtClean="0">
+                <a:latin typeface="Verdana" panose="020B0604030504040204" pitchFamily="34" charset="0"/>
+                <a:ea typeface="Verdana" panose="020B0604030504040204" pitchFamily="34" charset="0"/>
+                <a:cs typeface="Verdana" panose="020B0604030504040204" pitchFamily="34" charset="0"/>
+              </a:rPr>
+              <a:t>heckpoint</a:t>
+            </a:r>
+            <a:br>
+              <a:rPr lang="en-US" sz="1100" dirty="0" smtClean="0">
+                <a:latin typeface="Verdana" panose="020B0604030504040204" pitchFamily="34" charset="0"/>
+                <a:ea typeface="Verdana" panose="020B0604030504040204" pitchFamily="34" charset="0"/>
+                <a:cs typeface="Verdana" panose="020B0604030504040204" pitchFamily="34" charset="0"/>
+              </a:rPr>
+            </a:br>
+            <a:r>
+              <a:rPr lang="en-US" sz="1100" dirty="0" smtClean="0">
+                <a:latin typeface="Verdana" panose="020B0604030504040204" pitchFamily="34" charset="0"/>
+                <a:ea typeface="Verdana" panose="020B0604030504040204" pitchFamily="34" charset="0"/>
+                <a:cs typeface="Verdana" panose="020B0604030504040204" pitchFamily="34" charset="0"/>
+              </a:rPr>
+              <a:t>barrier </a:t>
+            </a:r>
+            <a:r>
+              <a:rPr lang="en-US" sz="1100" i="1" dirty="0" smtClean="0">
+                <a:latin typeface="Verdana" panose="020B0604030504040204" pitchFamily="34" charset="0"/>
+                <a:ea typeface="Verdana" panose="020B0604030504040204" pitchFamily="34" charset="0"/>
+                <a:cs typeface="Verdana" panose="020B0604030504040204" pitchFamily="34" charset="0"/>
+              </a:rPr>
+              <a:t>n-1</a:t>
+            </a:r>
+            <a:endParaRPr lang="en-US" sz="1100" i="1" dirty="0">
+              <a:latin typeface="Verdana" panose="020B0604030504040204" pitchFamily="34" charset="0"/>
+              <a:ea typeface="Verdana" panose="020B0604030504040204" pitchFamily="34" charset="0"/>
+              <a:cs typeface="Verdana" panose="020B0604030504040204" pitchFamily="34" charset="0"/>
+            </a:endParaRPr>
+          </a:p>
+        </p:txBody>
+      </p:sp>
+      <p:sp>
+        <p:nvSpPr>
+          <p:cNvPr id="6" name="Textfeld 5"/>
+          <p:cNvSpPr txBox="1"/>
+          <p:nvPr/>
+        </p:nvSpPr>
+        <p:spPr>
+          <a:xfrm>
+            <a:off x="2286101" y="-4748"/>
+            <a:ext cx="1274709" cy="307777"/>
+          </a:xfrm>
+          <a:prstGeom prst="rect">
+            <a:avLst/>
+          </a:prstGeom>
+          <a:noFill/>
+        </p:spPr>
+        <p:txBody>
+          <a:bodyPr wrap="none" rtlCol="0">
+            <a:spAutoFit/>
+          </a:bodyPr>
+          <a:lstStyle/>
+          <a:p>
+            <a:pPr algn="ctr"/>
+            <a:r>
+              <a:rPr lang="en-US" sz="1400" dirty="0" smtClean="0">
+                <a:latin typeface="Verdana" panose="020B0604030504040204" pitchFamily="34" charset="0"/>
+                <a:ea typeface="Verdana" panose="020B0604030504040204" pitchFamily="34" charset="0"/>
+                <a:cs typeface="Verdana" panose="020B0604030504040204" pitchFamily="34" charset="0"/>
+              </a:rPr>
+              <a:t>data stream</a:t>
+            </a:r>
+            <a:endParaRPr lang="en-US" sz="1400" i="1" dirty="0">
+              <a:latin typeface="Verdana" panose="020B0604030504040204" pitchFamily="34" charset="0"/>
+              <a:ea typeface="Verdana" panose="020B0604030504040204" pitchFamily="34" charset="0"/>
+              <a:cs typeface="Verdana" panose="020B0604030504040204" pitchFamily="34" charset="0"/>
+            </a:endParaRPr>
+          </a:p>
+        </p:txBody>
+      </p:sp>
+      <p:sp>
+        <p:nvSpPr>
+          <p:cNvPr id="10" name="Textfeld 9"/>
+          <p:cNvSpPr txBox="1"/>
+          <p:nvPr/>
+        </p:nvSpPr>
+        <p:spPr>
+          <a:xfrm>
+            <a:off x="4751523" y="1028199"/>
+            <a:ext cx="1093568" cy="400110"/>
+          </a:xfrm>
+          <a:prstGeom prst="rect">
+            <a:avLst/>
+          </a:prstGeom>
+          <a:noFill/>
+        </p:spPr>
+        <p:txBody>
+          <a:bodyPr wrap="none" rtlCol="0">
+            <a:spAutoFit/>
+          </a:bodyPr>
+          <a:lstStyle/>
+          <a:p>
+            <a:pPr algn="ctr"/>
+            <a:r>
+              <a:rPr lang="en-US" sz="1000" i="1" dirty="0" smtClean="0">
+                <a:latin typeface="Verdana" panose="020B0604030504040204" pitchFamily="34" charset="0"/>
+                <a:ea typeface="Verdana" panose="020B0604030504040204" pitchFamily="34" charset="0"/>
+                <a:cs typeface="Verdana" panose="020B0604030504040204" pitchFamily="34" charset="0"/>
+              </a:rPr>
+              <a:t>stream record</a:t>
+            </a:r>
+            <a:br>
+              <a:rPr lang="en-US" sz="1000" i="1" dirty="0" smtClean="0">
+                <a:latin typeface="Verdana" panose="020B0604030504040204" pitchFamily="34" charset="0"/>
+                <a:ea typeface="Verdana" panose="020B0604030504040204" pitchFamily="34" charset="0"/>
+                <a:cs typeface="Verdana" panose="020B0604030504040204" pitchFamily="34" charset="0"/>
+              </a:rPr>
+            </a:br>
+            <a:r>
+              <a:rPr lang="en-US" sz="1000" i="1" dirty="0" smtClean="0">
+                <a:latin typeface="Verdana" panose="020B0604030504040204" pitchFamily="34" charset="0"/>
+                <a:ea typeface="Verdana" panose="020B0604030504040204" pitchFamily="34" charset="0"/>
+                <a:cs typeface="Verdana" panose="020B0604030504040204" pitchFamily="34" charset="0"/>
+              </a:rPr>
+              <a:t>(event)</a:t>
+            </a:r>
+            <a:endParaRPr lang="en-US" sz="1000" i="1" dirty="0">
+              <a:latin typeface="Verdana" panose="020B0604030504040204" pitchFamily="34" charset="0"/>
+              <a:ea typeface="Verdana" panose="020B0604030504040204" pitchFamily="34" charset="0"/>
+              <a:cs typeface="Verdana" panose="020B0604030504040204" pitchFamily="34" charset="0"/>
+            </a:endParaRPr>
+          </a:p>
+        </p:txBody>
+      </p:sp>
+      <p:sp>
+        <p:nvSpPr>
+          <p:cNvPr id="13" name="Textfeld 12"/>
+          <p:cNvSpPr txBox="1"/>
+          <p:nvPr/>
+        </p:nvSpPr>
+        <p:spPr>
+          <a:xfrm>
+            <a:off x="753126" y="997422"/>
+            <a:ext cx="946093" cy="430887"/>
+          </a:xfrm>
+          <a:prstGeom prst="rect">
+            <a:avLst/>
+          </a:prstGeom>
+          <a:noFill/>
+        </p:spPr>
+        <p:txBody>
+          <a:bodyPr wrap="none" rtlCol="0">
+            <a:spAutoFit/>
+          </a:bodyPr>
+          <a:lstStyle/>
+          <a:p>
+            <a:pPr algn="ctr"/>
+            <a:r>
+              <a:rPr lang="en-US" sz="1100" dirty="0">
+                <a:latin typeface="Verdana" panose="020B0604030504040204" pitchFamily="34" charset="0"/>
+                <a:ea typeface="Verdana" panose="020B0604030504040204" pitchFamily="34" charset="0"/>
+                <a:cs typeface="Verdana" panose="020B0604030504040204" pitchFamily="34" charset="0"/>
+              </a:rPr>
+              <a:t>c</a:t>
+            </a:r>
+            <a:r>
+              <a:rPr lang="en-US" sz="1100" dirty="0" smtClean="0">
+                <a:latin typeface="Verdana" panose="020B0604030504040204" pitchFamily="34" charset="0"/>
+                <a:ea typeface="Verdana" panose="020B0604030504040204" pitchFamily="34" charset="0"/>
+                <a:cs typeface="Verdana" panose="020B0604030504040204" pitchFamily="34" charset="0"/>
+              </a:rPr>
+              <a:t>heckpoint</a:t>
+            </a:r>
+            <a:br>
+              <a:rPr lang="en-US" sz="1100" dirty="0" smtClean="0">
+                <a:latin typeface="Verdana" panose="020B0604030504040204" pitchFamily="34" charset="0"/>
+                <a:ea typeface="Verdana" panose="020B0604030504040204" pitchFamily="34" charset="0"/>
+                <a:cs typeface="Verdana" panose="020B0604030504040204" pitchFamily="34" charset="0"/>
+              </a:rPr>
+            </a:br>
+            <a:r>
+              <a:rPr lang="en-US" sz="1100" dirty="0" smtClean="0">
+                <a:latin typeface="Verdana" panose="020B0604030504040204" pitchFamily="34" charset="0"/>
+                <a:ea typeface="Verdana" panose="020B0604030504040204" pitchFamily="34" charset="0"/>
+                <a:cs typeface="Verdana" panose="020B0604030504040204" pitchFamily="34" charset="0"/>
+              </a:rPr>
+              <a:t>barrier </a:t>
+            </a:r>
+            <a:r>
+              <a:rPr lang="en-US" sz="1100" i="1" dirty="0" smtClean="0">
+                <a:latin typeface="Verdana" panose="020B0604030504040204" pitchFamily="34" charset="0"/>
+                <a:ea typeface="Verdana" panose="020B0604030504040204" pitchFamily="34" charset="0"/>
+                <a:cs typeface="Verdana" panose="020B0604030504040204" pitchFamily="34" charset="0"/>
+              </a:rPr>
+              <a:t>n</a:t>
+            </a:r>
+            <a:endParaRPr lang="en-US" sz="1100" i="1" dirty="0">
+              <a:latin typeface="Verdana" panose="020B0604030504040204" pitchFamily="34" charset="0"/>
+              <a:ea typeface="Verdana" panose="020B0604030504040204" pitchFamily="34" charset="0"/>
+              <a:cs typeface="Verdana" panose="020B0604030504040204" pitchFamily="34" charset="0"/>
+            </a:endParaRPr>
+          </a:p>
+        </p:txBody>
+      </p:sp>
+      <p:sp>
+        <p:nvSpPr>
+          <p:cNvPr id="18" name="Pfeil nach rechts 17"/>
+          <p:cNvSpPr/>
+          <p:nvPr/>
+        </p:nvSpPr>
+        <p:spPr>
+          <a:xfrm>
+            <a:off x="5408345" y="584657"/>
+            <a:ext cx="204287" cy="314826"/>
+          </a:xfrm>
+          <a:prstGeom prst="rightArrow">
+            <a:avLst/>
+          </a:prstGeom>
+          <a:solidFill>
+            <a:srgbClr val="898C92"/>
+          </a:solidFill>
+          <a:ln>
+            <a:solidFill>
+              <a:srgbClr val="535353"/>
+            </a:solidFill>
+          </a:ln>
+        </p:spPr>
+        <p:style>
+          <a:lnRef idx="2">
+            <a:schemeClr val="accent1">
+              <a:shade val="50000"/>
+            </a:schemeClr>
+          </a:lnRef>
+          <a:fillRef idx="1">
+            <a:schemeClr val="accent1"/>
+          </a:fillRef>
+          <a:effectRef idx="0">
+            <a:schemeClr val="accent1"/>
+          </a:effectRef>
+          <a:fontRef idx="minor">
+            <a:schemeClr val="lt1"/>
+          </a:fontRef>
+        </p:style>
+        <p:txBody>
+          <a:bodyPr rtlCol="0" anchor="ctr"/>
+          <a:lstStyle/>
+          <a:p>
+            <a:pPr algn="ctr"/>
+            <a:endParaRPr lang="en-US"/>
+          </a:p>
+        </p:txBody>
+      </p:sp>
+      <p:sp>
+        <p:nvSpPr>
+          <p:cNvPr id="21" name="Pfeil nach rechts 20"/>
+          <p:cNvSpPr/>
+          <p:nvPr/>
+        </p:nvSpPr>
+        <p:spPr>
+          <a:xfrm>
+            <a:off x="274799" y="584657"/>
+            <a:ext cx="204287" cy="314826"/>
+          </a:xfrm>
+          <a:prstGeom prst="rightArrow">
+            <a:avLst/>
+          </a:prstGeom>
+          <a:solidFill>
+            <a:srgbClr val="898C92"/>
+          </a:solidFill>
+          <a:ln>
+            <a:solidFill>
+              <a:srgbClr val="535353"/>
+            </a:solidFill>
+          </a:ln>
+        </p:spPr>
+        <p:style>
+          <a:lnRef idx="2">
+            <a:schemeClr val="accent1">
+              <a:shade val="50000"/>
+            </a:schemeClr>
+          </a:lnRef>
+          <a:fillRef idx="1">
+            <a:schemeClr val="accent1"/>
+          </a:fillRef>
+          <a:effectRef idx="0">
+            <a:schemeClr val="accent1"/>
+          </a:effectRef>
+          <a:fontRef idx="minor">
+            <a:schemeClr val="lt1"/>
+          </a:fontRef>
+        </p:style>
+        <p:txBody>
+          <a:bodyPr rtlCol="0" anchor="ctr"/>
+          <a:lstStyle/>
+          <a:p>
+            <a:pPr algn="ctr"/>
+            <a:endParaRPr lang="en-US"/>
+          </a:p>
+        </p:txBody>
+      </p:sp>
+      <p:cxnSp>
+        <p:nvCxnSpPr>
+          <p:cNvPr id="27" name="Gerade Verbindung mit Pfeil 26"/>
+          <p:cNvCxnSpPr/>
+          <p:nvPr/>
+        </p:nvCxnSpPr>
+        <p:spPr>
+          <a:xfrm>
+            <a:off x="4932008" y="363607"/>
+            <a:ext cx="300038" cy="0"/>
+          </a:xfrm>
+          <a:prstGeom prst="straightConnector1">
+            <a:avLst/>
+          </a:prstGeom>
+          <a:ln w="28575">
+            <a:solidFill>
+              <a:schemeClr val="tx1"/>
+            </a:solidFill>
+            <a:tailEnd type="triangle"/>
+          </a:ln>
+        </p:spPr>
+        <p:style>
+          <a:lnRef idx="1">
+            <a:schemeClr val="accent1"/>
+          </a:lnRef>
+          <a:fillRef idx="0">
+            <a:schemeClr val="accent1"/>
+          </a:fillRef>
+          <a:effectRef idx="0">
+            <a:schemeClr val="accent1"/>
+          </a:effectRef>
+          <a:fontRef idx="minor">
+            <a:schemeClr val="tx1"/>
+          </a:fontRef>
+        </p:style>
+      </p:cxnSp>
+      <p:sp>
+        <p:nvSpPr>
+          <p:cNvPr id="28" name="Textfeld 27"/>
+          <p:cNvSpPr txBox="1"/>
+          <p:nvPr/>
+        </p:nvSpPr>
+        <p:spPr>
+          <a:xfrm>
+            <a:off x="931008" y="240498"/>
+            <a:ext cx="1103187" cy="246221"/>
+          </a:xfrm>
+          <a:prstGeom prst="rect">
+            <a:avLst/>
+          </a:prstGeom>
+          <a:noFill/>
+        </p:spPr>
+        <p:txBody>
+          <a:bodyPr wrap="none" rtlCol="0">
+            <a:spAutoFit/>
+          </a:bodyPr>
+          <a:lstStyle/>
+          <a:p>
+            <a:pPr algn="ctr"/>
+            <a:r>
+              <a:rPr lang="en-US" sz="1000" i="1" dirty="0" smtClean="0">
+                <a:latin typeface="Verdana" panose="020B0604030504040204" pitchFamily="34" charset="0"/>
+                <a:ea typeface="Verdana" panose="020B0604030504040204" pitchFamily="34" charset="0"/>
+                <a:cs typeface="Verdana" panose="020B0604030504040204" pitchFamily="34" charset="0"/>
+              </a:rPr>
+              <a:t>newer records</a:t>
+            </a:r>
+            <a:endParaRPr lang="en-US" sz="1000" i="1" dirty="0">
+              <a:latin typeface="Verdana" panose="020B0604030504040204" pitchFamily="34" charset="0"/>
+              <a:ea typeface="Verdana" panose="020B0604030504040204" pitchFamily="34" charset="0"/>
+              <a:cs typeface="Verdana" panose="020B0604030504040204" pitchFamily="34" charset="0"/>
+            </a:endParaRPr>
+          </a:p>
+        </p:txBody>
+      </p:sp>
+      <p:cxnSp>
+        <p:nvCxnSpPr>
+          <p:cNvPr id="29" name="Gerade Verbindung mit Pfeil 28"/>
+          <p:cNvCxnSpPr/>
+          <p:nvPr/>
+        </p:nvCxnSpPr>
+        <p:spPr>
+          <a:xfrm flipH="1">
+            <a:off x="667821" y="363608"/>
+            <a:ext cx="310697" cy="0"/>
+          </a:xfrm>
+          <a:prstGeom prst="straightConnector1">
+            <a:avLst/>
+          </a:prstGeom>
+          <a:ln w="28575">
+            <a:solidFill>
+              <a:schemeClr val="tx1"/>
+            </a:solidFill>
+            <a:tailEnd type="triangle"/>
+          </a:ln>
+        </p:spPr>
+        <p:style>
+          <a:lnRef idx="1">
+            <a:schemeClr val="accent1"/>
+          </a:lnRef>
+          <a:fillRef idx="0">
+            <a:schemeClr val="accent1"/>
+          </a:fillRef>
+          <a:effectRef idx="0">
+            <a:schemeClr val="accent1"/>
+          </a:effectRef>
+          <a:fontRef idx="minor">
+            <a:schemeClr val="tx1"/>
+          </a:fontRef>
+        </p:style>
+      </p:cxnSp>
+      <p:sp>
+        <p:nvSpPr>
+          <p:cNvPr id="31" name="Geschweifte Klammer rechts 30"/>
+          <p:cNvSpPr/>
+          <p:nvPr/>
+        </p:nvSpPr>
+        <p:spPr>
+          <a:xfrm rot="5400000">
+            <a:off x="2367042" y="415042"/>
+            <a:ext cx="166688" cy="2394393"/>
+          </a:xfrm>
+          <a:prstGeom prst="rightBrace">
+            <a:avLst/>
+          </a:prstGeom>
+        </p:spPr>
+        <p:style>
+          <a:lnRef idx="1">
+            <a:schemeClr val="accent1"/>
+          </a:lnRef>
+          <a:fillRef idx="0">
+            <a:schemeClr val="accent1"/>
+          </a:fillRef>
+          <a:effectRef idx="0">
+            <a:schemeClr val="accent1"/>
+          </a:effectRef>
+          <a:fontRef idx="minor">
+            <a:schemeClr val="tx1"/>
+          </a:fontRef>
+        </p:style>
+        <p:txBody>
+          <a:bodyPr rtlCol="0" anchor="ctr"/>
+          <a:lstStyle/>
+          <a:p>
+            <a:pPr algn="ctr"/>
+            <a:endParaRPr lang="en-US"/>
+          </a:p>
+        </p:txBody>
+      </p:sp>
+      <p:sp>
+        <p:nvSpPr>
+          <p:cNvPr id="32" name="Geschweifte Klammer rechts 31"/>
+          <p:cNvSpPr/>
+          <p:nvPr/>
+        </p:nvSpPr>
+        <p:spPr>
+          <a:xfrm rot="5400000">
+            <a:off x="4416618" y="813895"/>
+            <a:ext cx="166688" cy="1596690"/>
+          </a:xfrm>
+          <a:prstGeom prst="rightBrace">
+            <a:avLst/>
+          </a:prstGeom>
+        </p:spPr>
+        <p:style>
+          <a:lnRef idx="1">
+            <a:schemeClr val="accent1"/>
+          </a:lnRef>
+          <a:fillRef idx="0">
+            <a:schemeClr val="accent1"/>
+          </a:fillRef>
+          <a:effectRef idx="0">
+            <a:schemeClr val="accent1"/>
+          </a:effectRef>
+          <a:fontRef idx="minor">
+            <a:schemeClr val="tx1"/>
+          </a:fontRef>
+        </p:style>
+        <p:txBody>
+          <a:bodyPr rtlCol="0" anchor="ctr"/>
+          <a:lstStyle/>
+          <a:p>
+            <a:pPr algn="ctr"/>
+            <a:endParaRPr lang="en-US"/>
+          </a:p>
+        </p:txBody>
+      </p:sp>
+      <p:sp>
+        <p:nvSpPr>
+          <p:cNvPr id="33" name="Geschweifte Klammer rechts 32"/>
+          <p:cNvSpPr/>
+          <p:nvPr/>
+        </p:nvSpPr>
+        <p:spPr>
+          <a:xfrm rot="5400000">
+            <a:off x="784889" y="1281318"/>
+            <a:ext cx="166688" cy="661843"/>
+          </a:xfrm>
+          <a:prstGeom prst="rightBrace">
+            <a:avLst/>
+          </a:prstGeom>
+        </p:spPr>
+        <p:style>
+          <a:lnRef idx="1">
+            <a:schemeClr val="accent1"/>
+          </a:lnRef>
+          <a:fillRef idx="0">
+            <a:schemeClr val="accent1"/>
+          </a:fillRef>
+          <a:effectRef idx="0">
+            <a:schemeClr val="accent1"/>
+          </a:effectRef>
+          <a:fontRef idx="minor">
+            <a:schemeClr val="tx1"/>
+          </a:fontRef>
+        </p:style>
+        <p:txBody>
+          <a:bodyPr rtlCol="0" anchor="ctr"/>
+          <a:lstStyle/>
+          <a:p>
+            <a:pPr algn="ctr"/>
+            <a:endParaRPr lang="en-US"/>
+          </a:p>
+        </p:txBody>
+      </p:sp>
+      <p:sp>
+        <p:nvSpPr>
+          <p:cNvPr id="34" name="Textfeld 33"/>
+          <p:cNvSpPr txBox="1"/>
+          <p:nvPr/>
+        </p:nvSpPr>
+        <p:spPr>
+          <a:xfrm>
+            <a:off x="3880241" y="1737768"/>
+            <a:ext cx="1239442" cy="430887"/>
+          </a:xfrm>
+          <a:prstGeom prst="rect">
+            <a:avLst/>
+          </a:prstGeom>
+          <a:noFill/>
+        </p:spPr>
+        <p:txBody>
+          <a:bodyPr wrap="none" rtlCol="0">
+            <a:spAutoFit/>
+          </a:bodyPr>
+          <a:lstStyle/>
+          <a:p>
+            <a:pPr algn="ctr"/>
+            <a:r>
+              <a:rPr lang="en-US" sz="1100" dirty="0" smtClean="0">
+                <a:latin typeface="Verdana" panose="020B0604030504040204" pitchFamily="34" charset="0"/>
+                <a:ea typeface="Verdana" panose="020B0604030504040204" pitchFamily="34" charset="0"/>
+                <a:cs typeface="Verdana" panose="020B0604030504040204" pitchFamily="34" charset="0"/>
+              </a:rPr>
+              <a:t>part of</a:t>
+            </a:r>
+            <a:br>
+              <a:rPr lang="en-US" sz="1100" dirty="0" smtClean="0">
+                <a:latin typeface="Verdana" panose="020B0604030504040204" pitchFamily="34" charset="0"/>
+                <a:ea typeface="Verdana" panose="020B0604030504040204" pitchFamily="34" charset="0"/>
+                <a:cs typeface="Verdana" panose="020B0604030504040204" pitchFamily="34" charset="0"/>
+              </a:rPr>
+            </a:br>
+            <a:r>
+              <a:rPr lang="en-US" sz="1100" dirty="0" smtClean="0">
+                <a:latin typeface="Verdana" panose="020B0604030504040204" pitchFamily="34" charset="0"/>
+                <a:ea typeface="Verdana" panose="020B0604030504040204" pitchFamily="34" charset="0"/>
+                <a:cs typeface="Verdana" panose="020B0604030504040204" pitchFamily="34" charset="0"/>
+              </a:rPr>
+              <a:t>checkpoint </a:t>
+            </a:r>
+            <a:r>
+              <a:rPr lang="en-US" sz="1100" i="1" dirty="0" smtClean="0">
+                <a:latin typeface="Verdana" panose="020B0604030504040204" pitchFamily="34" charset="0"/>
+                <a:ea typeface="Verdana" panose="020B0604030504040204" pitchFamily="34" charset="0"/>
+                <a:cs typeface="Verdana" panose="020B0604030504040204" pitchFamily="34" charset="0"/>
+              </a:rPr>
+              <a:t>n-1</a:t>
+            </a:r>
+            <a:endParaRPr lang="en-US" sz="1100" i="1" dirty="0">
+              <a:latin typeface="Verdana" panose="020B0604030504040204" pitchFamily="34" charset="0"/>
+              <a:ea typeface="Verdana" panose="020B0604030504040204" pitchFamily="34" charset="0"/>
+              <a:cs typeface="Verdana" panose="020B0604030504040204" pitchFamily="34" charset="0"/>
+            </a:endParaRPr>
+          </a:p>
+        </p:txBody>
+      </p:sp>
+      <p:sp>
+        <p:nvSpPr>
+          <p:cNvPr id="35" name="Textfeld 34"/>
+          <p:cNvSpPr txBox="1"/>
+          <p:nvPr/>
+        </p:nvSpPr>
+        <p:spPr>
+          <a:xfrm>
+            <a:off x="1907609" y="1737768"/>
+            <a:ext cx="1085554" cy="430887"/>
+          </a:xfrm>
+          <a:prstGeom prst="rect">
+            <a:avLst/>
+          </a:prstGeom>
+          <a:noFill/>
+        </p:spPr>
+        <p:txBody>
+          <a:bodyPr wrap="none" rtlCol="0">
+            <a:spAutoFit/>
+          </a:bodyPr>
+          <a:lstStyle/>
+          <a:p>
+            <a:pPr algn="ctr"/>
+            <a:r>
+              <a:rPr lang="en-US" sz="1100" dirty="0" smtClean="0">
+                <a:latin typeface="Verdana" panose="020B0604030504040204" pitchFamily="34" charset="0"/>
+                <a:ea typeface="Verdana" panose="020B0604030504040204" pitchFamily="34" charset="0"/>
+                <a:cs typeface="Verdana" panose="020B0604030504040204" pitchFamily="34" charset="0"/>
+              </a:rPr>
+              <a:t>part of</a:t>
+            </a:r>
+            <a:br>
+              <a:rPr lang="en-US" sz="1100" dirty="0" smtClean="0">
+                <a:latin typeface="Verdana" panose="020B0604030504040204" pitchFamily="34" charset="0"/>
+                <a:ea typeface="Verdana" panose="020B0604030504040204" pitchFamily="34" charset="0"/>
+                <a:cs typeface="Verdana" panose="020B0604030504040204" pitchFamily="34" charset="0"/>
+              </a:rPr>
+            </a:br>
+            <a:r>
+              <a:rPr lang="en-US" sz="1100" dirty="0" smtClean="0">
+                <a:latin typeface="Verdana" panose="020B0604030504040204" pitchFamily="34" charset="0"/>
+                <a:ea typeface="Verdana" panose="020B0604030504040204" pitchFamily="34" charset="0"/>
+                <a:cs typeface="Verdana" panose="020B0604030504040204" pitchFamily="34" charset="0"/>
+              </a:rPr>
+              <a:t>checkpoint </a:t>
+            </a:r>
+            <a:r>
+              <a:rPr lang="en-US" sz="1100" i="1" dirty="0" smtClean="0">
+                <a:latin typeface="Verdana" panose="020B0604030504040204" pitchFamily="34" charset="0"/>
+                <a:ea typeface="Verdana" panose="020B0604030504040204" pitchFamily="34" charset="0"/>
+                <a:cs typeface="Verdana" panose="020B0604030504040204" pitchFamily="34" charset="0"/>
+              </a:rPr>
+              <a:t>n</a:t>
+            </a:r>
+            <a:endParaRPr lang="en-US" sz="1100" i="1" dirty="0">
+              <a:latin typeface="Verdana" panose="020B0604030504040204" pitchFamily="34" charset="0"/>
+              <a:ea typeface="Verdana" panose="020B0604030504040204" pitchFamily="34" charset="0"/>
+              <a:cs typeface="Verdana" panose="020B0604030504040204" pitchFamily="34" charset="0"/>
+            </a:endParaRPr>
+          </a:p>
+        </p:txBody>
+      </p:sp>
+      <p:sp>
+        <p:nvSpPr>
+          <p:cNvPr id="36" name="Textfeld 35"/>
+          <p:cNvSpPr txBox="1"/>
+          <p:nvPr/>
+        </p:nvSpPr>
+        <p:spPr>
+          <a:xfrm>
+            <a:off x="22452" y="1737768"/>
+            <a:ext cx="1290738" cy="430887"/>
+          </a:xfrm>
+          <a:prstGeom prst="rect">
+            <a:avLst/>
+          </a:prstGeom>
+          <a:noFill/>
+        </p:spPr>
+        <p:txBody>
+          <a:bodyPr wrap="none" rtlCol="0">
+            <a:spAutoFit/>
+          </a:bodyPr>
+          <a:lstStyle/>
+          <a:p>
+            <a:pPr algn="ctr"/>
+            <a:r>
+              <a:rPr lang="en-US" sz="1100" dirty="0" smtClean="0">
+                <a:latin typeface="Verdana" panose="020B0604030504040204" pitchFamily="34" charset="0"/>
+                <a:ea typeface="Verdana" panose="020B0604030504040204" pitchFamily="34" charset="0"/>
+                <a:cs typeface="Verdana" panose="020B0604030504040204" pitchFamily="34" charset="0"/>
+              </a:rPr>
+              <a:t>part of</a:t>
+            </a:r>
+            <a:br>
+              <a:rPr lang="en-US" sz="1100" dirty="0" smtClean="0">
+                <a:latin typeface="Verdana" panose="020B0604030504040204" pitchFamily="34" charset="0"/>
+                <a:ea typeface="Verdana" panose="020B0604030504040204" pitchFamily="34" charset="0"/>
+                <a:cs typeface="Verdana" panose="020B0604030504040204" pitchFamily="34" charset="0"/>
+              </a:rPr>
+            </a:br>
+            <a:r>
+              <a:rPr lang="en-US" sz="1100" dirty="0" smtClean="0">
+                <a:latin typeface="Verdana" panose="020B0604030504040204" pitchFamily="34" charset="0"/>
+                <a:ea typeface="Verdana" panose="020B0604030504040204" pitchFamily="34" charset="0"/>
+                <a:cs typeface="Verdana" panose="020B0604030504040204" pitchFamily="34" charset="0"/>
+              </a:rPr>
+              <a:t>checkpoint </a:t>
+            </a:r>
+            <a:r>
+              <a:rPr lang="en-US" sz="1100" i="1" dirty="0" smtClean="0">
+                <a:latin typeface="Verdana" panose="020B0604030504040204" pitchFamily="34" charset="0"/>
+                <a:ea typeface="Verdana" panose="020B0604030504040204" pitchFamily="34" charset="0"/>
+                <a:cs typeface="Verdana" panose="020B0604030504040204" pitchFamily="34" charset="0"/>
+              </a:rPr>
+              <a:t>n+1</a:t>
+            </a:r>
+            <a:endParaRPr lang="en-US" sz="1100" i="1" dirty="0">
+              <a:latin typeface="Verdana" panose="020B0604030504040204" pitchFamily="34" charset="0"/>
+              <a:ea typeface="Verdana" panose="020B0604030504040204" pitchFamily="34" charset="0"/>
+              <a:cs typeface="Verdana" panose="020B0604030504040204" pitchFamily="34" charset="0"/>
+            </a:endParaRPr>
+          </a:p>
+        </p:txBody>
+      </p:sp>
+      <p:sp>
+        <p:nvSpPr>
+          <p:cNvPr id="38" name="Rechteck 37"/>
+          <p:cNvSpPr/>
+          <p:nvPr/>
+        </p:nvSpPr>
+        <p:spPr>
+          <a:xfrm>
+            <a:off x="5031351" y="641351"/>
+            <a:ext cx="176663" cy="201438"/>
+          </a:xfrm>
+          <a:prstGeom prst="rect">
+            <a:avLst/>
+          </a:prstGeom>
+          <a:solidFill>
+            <a:srgbClr val="F5A030"/>
+          </a:solidFill>
+          <a:ln>
+            <a:noFill/>
+          </a:ln>
+        </p:spPr>
+        <p:style>
+          <a:lnRef idx="2">
+            <a:schemeClr val="accent1">
+              <a:shade val="50000"/>
+            </a:schemeClr>
+          </a:lnRef>
+          <a:fillRef idx="1">
+            <a:schemeClr val="accent1"/>
+          </a:fillRef>
+          <a:effectRef idx="0">
+            <a:schemeClr val="accent1"/>
+          </a:effectRef>
+          <a:fontRef idx="minor">
+            <a:schemeClr val="lt1"/>
+          </a:fontRef>
+        </p:style>
+        <p:txBody>
+          <a:bodyPr rtlCol="0" anchor="ctr"/>
+          <a:lstStyle/>
+          <a:p>
+            <a:pPr algn="ctr"/>
+            <a:endParaRPr lang="en-US"/>
+          </a:p>
+        </p:txBody>
+      </p:sp>
+      <p:sp>
+        <p:nvSpPr>
+          <p:cNvPr id="41" name="Rechteck 40"/>
+          <p:cNvSpPr/>
+          <p:nvPr/>
+        </p:nvSpPr>
+        <p:spPr>
+          <a:xfrm>
+            <a:off x="4802188" y="641351"/>
+            <a:ext cx="176663" cy="201438"/>
+          </a:xfrm>
+          <a:prstGeom prst="rect">
+            <a:avLst/>
+          </a:prstGeom>
+          <a:solidFill>
+            <a:srgbClr val="F5A030"/>
+          </a:solidFill>
+          <a:ln>
+            <a:noFill/>
+          </a:ln>
+        </p:spPr>
+        <p:style>
+          <a:lnRef idx="2">
+            <a:schemeClr val="accent1">
+              <a:shade val="50000"/>
+            </a:schemeClr>
+          </a:lnRef>
+          <a:fillRef idx="1">
+            <a:schemeClr val="accent1"/>
+          </a:fillRef>
+          <a:effectRef idx="0">
+            <a:schemeClr val="accent1"/>
+          </a:effectRef>
+          <a:fontRef idx="minor">
+            <a:schemeClr val="lt1"/>
+          </a:fontRef>
+        </p:style>
+        <p:txBody>
+          <a:bodyPr rtlCol="0" anchor="ctr"/>
+          <a:lstStyle/>
+          <a:p>
+            <a:pPr algn="ctr"/>
+            <a:endParaRPr lang="en-US"/>
+          </a:p>
+        </p:txBody>
+      </p:sp>
+      <p:sp>
+        <p:nvSpPr>
+          <p:cNvPr id="42" name="Rechteck 41"/>
+          <p:cNvSpPr/>
+          <p:nvPr/>
+        </p:nvSpPr>
+        <p:spPr>
+          <a:xfrm>
+            <a:off x="4189820" y="641351"/>
+            <a:ext cx="176663" cy="201438"/>
+          </a:xfrm>
+          <a:prstGeom prst="rect">
+            <a:avLst/>
+          </a:prstGeom>
+          <a:solidFill>
+            <a:srgbClr val="F5A030"/>
+          </a:solidFill>
+          <a:ln>
+            <a:noFill/>
+          </a:ln>
+        </p:spPr>
+        <p:style>
+          <a:lnRef idx="2">
+            <a:schemeClr val="accent1">
+              <a:shade val="50000"/>
+            </a:schemeClr>
+          </a:lnRef>
+          <a:fillRef idx="1">
+            <a:schemeClr val="accent1"/>
+          </a:fillRef>
+          <a:effectRef idx="0">
+            <a:schemeClr val="accent1"/>
+          </a:effectRef>
+          <a:fontRef idx="minor">
+            <a:schemeClr val="lt1"/>
+          </a:fontRef>
+        </p:style>
+        <p:txBody>
+          <a:bodyPr rtlCol="0" anchor="ctr"/>
+          <a:lstStyle/>
+          <a:p>
+            <a:pPr algn="ctr"/>
+            <a:endParaRPr lang="en-US"/>
+          </a:p>
+        </p:txBody>
+      </p:sp>
+      <p:sp>
+        <p:nvSpPr>
+          <p:cNvPr id="43" name="Rechteck 42"/>
+          <p:cNvSpPr/>
+          <p:nvPr/>
+        </p:nvSpPr>
+        <p:spPr>
+          <a:xfrm>
+            <a:off x="3742805" y="641351"/>
+            <a:ext cx="176663" cy="201438"/>
+          </a:xfrm>
+          <a:prstGeom prst="rect">
+            <a:avLst/>
+          </a:prstGeom>
+          <a:solidFill>
+            <a:srgbClr val="F5A030"/>
+          </a:solidFill>
+          <a:ln>
+            <a:noFill/>
+          </a:ln>
+        </p:spPr>
+        <p:style>
+          <a:lnRef idx="2">
+            <a:schemeClr val="accent1">
+              <a:shade val="50000"/>
+            </a:schemeClr>
+          </a:lnRef>
+          <a:fillRef idx="1">
+            <a:schemeClr val="accent1"/>
+          </a:fillRef>
+          <a:effectRef idx="0">
+            <a:schemeClr val="accent1"/>
+          </a:effectRef>
+          <a:fontRef idx="minor">
+            <a:schemeClr val="lt1"/>
+          </a:fontRef>
+        </p:style>
+        <p:txBody>
+          <a:bodyPr rtlCol="0" anchor="ctr"/>
+          <a:lstStyle/>
+          <a:p>
+            <a:pPr algn="ctr"/>
+            <a:endParaRPr lang="en-US"/>
+          </a:p>
+        </p:txBody>
+      </p:sp>
+      <p:sp>
+        <p:nvSpPr>
+          <p:cNvPr id="44" name="Rechteck 43"/>
+          <p:cNvSpPr/>
+          <p:nvPr/>
+        </p:nvSpPr>
+        <p:spPr>
+          <a:xfrm>
+            <a:off x="3288899" y="641351"/>
+            <a:ext cx="176663" cy="201438"/>
+          </a:xfrm>
+          <a:prstGeom prst="rect">
+            <a:avLst/>
+          </a:prstGeom>
+          <a:solidFill>
+            <a:srgbClr val="F5A030"/>
+          </a:solidFill>
+          <a:ln>
+            <a:noFill/>
+          </a:ln>
+        </p:spPr>
+        <p:style>
+          <a:lnRef idx="2">
+            <a:schemeClr val="accent1">
+              <a:shade val="50000"/>
+            </a:schemeClr>
+          </a:lnRef>
+          <a:fillRef idx="1">
+            <a:schemeClr val="accent1"/>
+          </a:fillRef>
+          <a:effectRef idx="0">
+            <a:schemeClr val="accent1"/>
+          </a:effectRef>
+          <a:fontRef idx="minor">
+            <a:schemeClr val="lt1"/>
+          </a:fontRef>
+        </p:style>
+        <p:txBody>
+          <a:bodyPr rtlCol="0" anchor="ctr"/>
+          <a:lstStyle/>
+          <a:p>
+            <a:pPr algn="ctr"/>
+            <a:endParaRPr lang="en-US"/>
+          </a:p>
+        </p:txBody>
+      </p:sp>
+      <p:sp>
+        <p:nvSpPr>
+          <p:cNvPr id="45" name="Rechteck 44"/>
+          <p:cNvSpPr/>
+          <p:nvPr/>
+        </p:nvSpPr>
+        <p:spPr>
+          <a:xfrm>
+            <a:off x="2547011" y="641351"/>
+            <a:ext cx="176663" cy="201438"/>
+          </a:xfrm>
+          <a:prstGeom prst="rect">
+            <a:avLst/>
+          </a:prstGeom>
+          <a:solidFill>
+            <a:srgbClr val="F5A030"/>
+          </a:solidFill>
+          <a:ln>
+            <a:noFill/>
+          </a:ln>
+        </p:spPr>
+        <p:style>
+          <a:lnRef idx="2">
+            <a:schemeClr val="accent1">
+              <a:shade val="50000"/>
+            </a:schemeClr>
+          </a:lnRef>
+          <a:fillRef idx="1">
+            <a:schemeClr val="accent1"/>
+          </a:fillRef>
+          <a:effectRef idx="0">
+            <a:schemeClr val="accent1"/>
+          </a:effectRef>
+          <a:fontRef idx="minor">
+            <a:schemeClr val="lt1"/>
+          </a:fontRef>
+        </p:style>
+        <p:txBody>
+          <a:bodyPr rtlCol="0" anchor="ctr"/>
+          <a:lstStyle/>
+          <a:p>
+            <a:pPr algn="ctr"/>
+            <a:endParaRPr lang="en-US"/>
+          </a:p>
+        </p:txBody>
+      </p:sp>
+      <p:sp>
+        <p:nvSpPr>
+          <p:cNvPr id="46" name="Rechteck 45"/>
+          <p:cNvSpPr/>
+          <p:nvPr/>
+        </p:nvSpPr>
+        <p:spPr>
+          <a:xfrm>
+            <a:off x="2776061" y="641351"/>
+            <a:ext cx="176663" cy="201438"/>
+          </a:xfrm>
+          <a:prstGeom prst="rect">
+            <a:avLst/>
+          </a:prstGeom>
+          <a:solidFill>
+            <a:srgbClr val="F5A030"/>
+          </a:solidFill>
+          <a:ln>
+            <a:noFill/>
+          </a:ln>
+        </p:spPr>
+        <p:style>
+          <a:lnRef idx="2">
+            <a:schemeClr val="accent1">
+              <a:shade val="50000"/>
+            </a:schemeClr>
+          </a:lnRef>
+          <a:fillRef idx="1">
+            <a:schemeClr val="accent1"/>
+          </a:fillRef>
+          <a:effectRef idx="0">
+            <a:schemeClr val="accent1"/>
+          </a:effectRef>
+          <a:fontRef idx="minor">
+            <a:schemeClr val="lt1"/>
+          </a:fontRef>
+        </p:style>
+        <p:txBody>
+          <a:bodyPr rtlCol="0" anchor="ctr"/>
+          <a:lstStyle/>
+          <a:p>
+            <a:pPr algn="ctr"/>
+            <a:endParaRPr lang="en-US"/>
+          </a:p>
+        </p:txBody>
+      </p:sp>
+      <p:sp>
+        <p:nvSpPr>
+          <p:cNvPr id="47" name="Rechteck 46"/>
+          <p:cNvSpPr/>
+          <p:nvPr/>
+        </p:nvSpPr>
+        <p:spPr>
+          <a:xfrm>
+            <a:off x="2317427" y="641351"/>
+            <a:ext cx="176663" cy="201438"/>
+          </a:xfrm>
+          <a:prstGeom prst="rect">
+            <a:avLst/>
+          </a:prstGeom>
+          <a:solidFill>
+            <a:srgbClr val="F5A030"/>
+          </a:solidFill>
+          <a:ln>
+            <a:noFill/>
+          </a:ln>
+        </p:spPr>
+        <p:style>
+          <a:lnRef idx="2">
+            <a:schemeClr val="accent1">
+              <a:shade val="50000"/>
+            </a:schemeClr>
+          </a:lnRef>
+          <a:fillRef idx="1">
+            <a:schemeClr val="accent1"/>
+          </a:fillRef>
+          <a:effectRef idx="0">
+            <a:schemeClr val="accent1"/>
+          </a:effectRef>
+          <a:fontRef idx="minor">
+            <a:schemeClr val="lt1"/>
+          </a:fontRef>
+        </p:style>
+        <p:txBody>
+          <a:bodyPr rtlCol="0" anchor="ctr"/>
+          <a:lstStyle/>
+          <a:p>
+            <a:pPr algn="ctr"/>
+            <a:endParaRPr lang="en-US"/>
+          </a:p>
+        </p:txBody>
+      </p:sp>
+      <p:sp>
+        <p:nvSpPr>
+          <p:cNvPr id="48" name="Rechteck 47"/>
+          <p:cNvSpPr/>
+          <p:nvPr/>
+        </p:nvSpPr>
+        <p:spPr>
+          <a:xfrm>
+            <a:off x="1938379" y="641351"/>
+            <a:ext cx="176663" cy="201438"/>
+          </a:xfrm>
+          <a:prstGeom prst="rect">
+            <a:avLst/>
+          </a:prstGeom>
+          <a:solidFill>
+            <a:srgbClr val="F5A030"/>
+          </a:solidFill>
+          <a:ln>
+            <a:noFill/>
+          </a:ln>
+        </p:spPr>
+        <p:style>
+          <a:lnRef idx="2">
+            <a:schemeClr val="accent1">
+              <a:shade val="50000"/>
+            </a:schemeClr>
+          </a:lnRef>
+          <a:fillRef idx="1">
+            <a:schemeClr val="accent1"/>
+          </a:fillRef>
+          <a:effectRef idx="0">
+            <a:schemeClr val="accent1"/>
+          </a:effectRef>
+          <a:fontRef idx="minor">
+            <a:schemeClr val="lt1"/>
+          </a:fontRef>
+        </p:style>
+        <p:txBody>
+          <a:bodyPr rtlCol="0" anchor="ctr"/>
+          <a:lstStyle/>
+          <a:p>
+            <a:pPr algn="ctr"/>
+            <a:endParaRPr lang="en-US"/>
+          </a:p>
+        </p:txBody>
+      </p:sp>
+      <p:sp>
+        <p:nvSpPr>
+          <p:cNvPr id="49" name="Rechteck 48"/>
+          <p:cNvSpPr/>
+          <p:nvPr/>
+        </p:nvSpPr>
+        <p:spPr>
+          <a:xfrm>
+            <a:off x="1435211" y="641351"/>
+            <a:ext cx="176663" cy="201438"/>
+          </a:xfrm>
+          <a:prstGeom prst="rect">
+            <a:avLst/>
+          </a:prstGeom>
+          <a:solidFill>
+            <a:srgbClr val="F5A030"/>
+          </a:solidFill>
+          <a:ln>
+            <a:noFill/>
+          </a:ln>
+        </p:spPr>
+        <p:style>
+          <a:lnRef idx="2">
+            <a:schemeClr val="accent1">
+              <a:shade val="50000"/>
+            </a:schemeClr>
+          </a:lnRef>
+          <a:fillRef idx="1">
+            <a:schemeClr val="accent1"/>
+          </a:fillRef>
+          <a:effectRef idx="0">
+            <a:schemeClr val="accent1"/>
+          </a:effectRef>
+          <a:fontRef idx="minor">
+            <a:schemeClr val="lt1"/>
+          </a:fontRef>
+        </p:style>
+        <p:txBody>
+          <a:bodyPr rtlCol="0" anchor="ctr"/>
+          <a:lstStyle/>
+          <a:p>
+            <a:pPr algn="ctr"/>
+            <a:endParaRPr lang="en-US"/>
+          </a:p>
+        </p:txBody>
+      </p:sp>
+      <p:sp>
+        <p:nvSpPr>
+          <p:cNvPr id="50" name="Rechteck 49"/>
+          <p:cNvSpPr/>
+          <p:nvPr/>
+        </p:nvSpPr>
+        <p:spPr>
+          <a:xfrm>
+            <a:off x="872652" y="641351"/>
+            <a:ext cx="176663" cy="201438"/>
+          </a:xfrm>
+          <a:prstGeom prst="rect">
+            <a:avLst/>
+          </a:prstGeom>
+          <a:solidFill>
+            <a:srgbClr val="F5A030"/>
+          </a:solidFill>
+          <a:ln>
+            <a:noFill/>
+          </a:ln>
+        </p:spPr>
+        <p:style>
+          <a:lnRef idx="2">
+            <a:schemeClr val="accent1">
+              <a:shade val="50000"/>
+            </a:schemeClr>
+          </a:lnRef>
+          <a:fillRef idx="1">
+            <a:schemeClr val="accent1"/>
+          </a:fillRef>
+          <a:effectRef idx="0">
+            <a:schemeClr val="accent1"/>
+          </a:effectRef>
+          <a:fontRef idx="minor">
+            <a:schemeClr val="lt1"/>
+          </a:fontRef>
+        </p:style>
+        <p:txBody>
+          <a:bodyPr rtlCol="0" anchor="ctr"/>
+          <a:lstStyle/>
+          <a:p>
+            <a:pPr algn="ctr"/>
+            <a:endParaRPr lang="en-US"/>
+          </a:p>
+        </p:txBody>
+      </p:sp>
+      <p:sp>
+        <p:nvSpPr>
+          <p:cNvPr id="51" name="Rechteck 50"/>
+          <p:cNvSpPr/>
+          <p:nvPr/>
+        </p:nvSpPr>
+        <p:spPr>
+          <a:xfrm>
+            <a:off x="628928" y="641351"/>
+            <a:ext cx="176663" cy="201438"/>
+          </a:xfrm>
+          <a:prstGeom prst="rect">
+            <a:avLst/>
+          </a:prstGeom>
+          <a:solidFill>
+            <a:srgbClr val="F5A030"/>
+          </a:solidFill>
+          <a:ln>
+            <a:noFill/>
+          </a:ln>
+        </p:spPr>
+        <p:style>
+          <a:lnRef idx="2">
+            <a:schemeClr val="accent1">
+              <a:shade val="50000"/>
+            </a:schemeClr>
+          </a:lnRef>
+          <a:fillRef idx="1">
+            <a:schemeClr val="accent1"/>
+          </a:fillRef>
+          <a:effectRef idx="0">
+            <a:schemeClr val="accent1"/>
+          </a:effectRef>
+          <a:fontRef idx="minor">
+            <a:schemeClr val="lt1"/>
+          </a:fontRef>
+        </p:style>
+        <p:txBody>
+          <a:bodyPr rtlCol="0" anchor="ctr"/>
+          <a:lstStyle/>
+          <a:p>
+            <a:pPr algn="ctr"/>
+            <a:endParaRPr lang="en-US"/>
+          </a:p>
+        </p:txBody>
+      </p:sp>
+      <p:sp>
+        <p:nvSpPr>
+          <p:cNvPr id="52" name="Rechteck 51"/>
+          <p:cNvSpPr/>
+          <p:nvPr/>
+        </p:nvSpPr>
+        <p:spPr>
+          <a:xfrm>
+            <a:off x="1218158" y="515542"/>
+            <a:ext cx="56255" cy="453053"/>
+          </a:xfrm>
+          <a:prstGeom prst="rect">
+            <a:avLst/>
+          </a:prstGeom>
+          <a:solidFill>
+            <a:srgbClr val="6E7277"/>
+          </a:solidFill>
+          <a:ln>
+            <a:noFill/>
+          </a:ln>
+        </p:spPr>
+        <p:style>
+          <a:lnRef idx="2">
+            <a:schemeClr val="accent1">
+              <a:shade val="50000"/>
+            </a:schemeClr>
+          </a:lnRef>
+          <a:fillRef idx="1">
+            <a:schemeClr val="accent1"/>
+          </a:fillRef>
+          <a:effectRef idx="0">
+            <a:schemeClr val="accent1"/>
+          </a:effectRef>
+          <a:fontRef idx="minor">
+            <a:schemeClr val="lt1"/>
+          </a:fontRef>
+        </p:style>
+        <p:txBody>
+          <a:bodyPr rtlCol="0" anchor="ctr"/>
+          <a:lstStyle/>
+          <a:p>
+            <a:pPr algn="ctr"/>
+            <a:endParaRPr lang="en-US"/>
+          </a:p>
+        </p:txBody>
+      </p:sp>
+      <p:cxnSp>
+        <p:nvCxnSpPr>
+          <p:cNvPr id="54" name="Gerader Verbinder 53"/>
+          <p:cNvCxnSpPr/>
+          <p:nvPr/>
+        </p:nvCxnSpPr>
+        <p:spPr>
+          <a:xfrm flipH="1" flipV="1">
+            <a:off x="5128011" y="734687"/>
+            <a:ext cx="52112" cy="311490"/>
+          </a:xfrm>
+          <a:prstGeom prst="line">
+            <a:avLst/>
+          </a:prstGeom>
+          <a:ln w="9525">
+            <a:solidFill>
+              <a:schemeClr val="tx1"/>
+            </a:solidFill>
+            <a:tailEnd type="oval" w="sm" len="sm"/>
+          </a:ln>
+        </p:spPr>
+        <p:style>
+          <a:lnRef idx="1">
+            <a:schemeClr val="accent1"/>
+          </a:lnRef>
+          <a:fillRef idx="0">
+            <a:schemeClr val="accent1"/>
+          </a:fillRef>
+          <a:effectRef idx="0">
+            <a:schemeClr val="accent1"/>
+          </a:effectRef>
+          <a:fontRef idx="minor">
+            <a:schemeClr val="tx1"/>
+          </a:fontRef>
+        </p:style>
+      </p:cxnSp>
+      <p:sp>
+        <p:nvSpPr>
+          <p:cNvPr id="56" name="Textfeld 55"/>
+          <p:cNvSpPr txBox="1"/>
+          <p:nvPr/>
+        </p:nvSpPr>
+        <p:spPr>
+          <a:xfrm>
+            <a:off x="3916458" y="240498"/>
+            <a:ext cx="1034257" cy="246221"/>
+          </a:xfrm>
+          <a:prstGeom prst="rect">
+            <a:avLst/>
+          </a:prstGeom>
+          <a:noFill/>
+        </p:spPr>
+        <p:txBody>
+          <a:bodyPr wrap="none" rtlCol="0">
+            <a:spAutoFit/>
+          </a:bodyPr>
+          <a:lstStyle/>
+          <a:p>
+            <a:pPr algn="ctr"/>
+            <a:r>
+              <a:rPr lang="en-US" sz="1000" i="1" dirty="0" smtClean="0">
+                <a:latin typeface="Verdana" panose="020B0604030504040204" pitchFamily="34" charset="0"/>
+                <a:ea typeface="Verdana" panose="020B0604030504040204" pitchFamily="34" charset="0"/>
+                <a:cs typeface="Verdana" panose="020B0604030504040204" pitchFamily="34" charset="0"/>
+              </a:rPr>
+              <a:t>older records</a:t>
+            </a:r>
+            <a:endParaRPr lang="en-US" sz="1000" i="1" dirty="0">
+              <a:latin typeface="Verdana" panose="020B0604030504040204" pitchFamily="34" charset="0"/>
+              <a:ea typeface="Verdana" panose="020B0604030504040204" pitchFamily="34" charset="0"/>
+              <a:cs typeface="Verdana" panose="020B0604030504040204" pitchFamily="34" charset="0"/>
+            </a:endParaRPr>
+          </a:p>
+        </p:txBody>
+      </p:sp>
+    </p:spTree>
+    <p:extLst>
+      <p:ext uri="{BB962C8B-B14F-4D97-AF65-F5344CB8AC3E}">
+        <p14:creationId xmlns:p14="http://schemas.microsoft.com/office/powerpoint/2010/main" val="137117251"/>
+      </p:ext>
+    </p:extLst>
+  </p:cSld>
+  <p:clrMapOvr>
+    <a:masterClrMapping/>
+  </p:clrMapOvr>
+</p:sld>
+</file>
+
+<file path=ppt/slides/slide8.xml><?xml version="1.0" encoding="utf-8"?>
+<p:sld xmlns:a="http://schemas.openxmlformats.org/drawingml/2006/main" xmlns:r="http://schemas.openxmlformats.org/officeDocument/2006/relationships" xmlns:p="http://schemas.openxmlformats.org/presentationml/2006/main">
+  <p:cSld>
+    <p:spTree>
+      <p:nvGrpSpPr>
+        <p:cNvPr id="1" name=""/>
+        <p:cNvGrpSpPr/>
+        <p:nvPr/>
+      </p:nvGrpSpPr>
+      <p:grpSpPr>
+        <a:xfrm>
+          <a:off x="0" y="0"/>
+          <a:ext cx="0" cy="0"/>
+          <a:chOff x="0" y="0"/>
+          <a:chExt cx="0" cy="0"/>
+        </a:xfrm>
+      </p:grpSpPr>
+      <p:sp>
+        <p:nvSpPr>
           <p:cNvPr id="2" name="Ellipse 1"/>
           <p:cNvSpPr/>
           <p:nvPr/>
@@ -30728,7 +35301,7 @@
 </p:sld>
 </file>
 
-<file path=ppt/slides/slide8.xml><?xml version="1.0" encoding="utf-8"?>
+<file path=ppt/slides/slide9.xml><?xml version="1.0" encoding="utf-8"?>
 <p:sld xmlns:a="http://schemas.openxmlformats.org/drawingml/2006/main" xmlns:r="http://schemas.openxmlformats.org/officeDocument/2006/relationships" xmlns:p="http://schemas.openxmlformats.org/presentationml/2006/main">
   <p:cSld>
     <p:spTree>
@@ -31334,7 +35907,7 @@
                 <a:cs typeface="Verdana" panose="020B0604030504040204" pitchFamily="34" charset="0"/>
               </a:rPr>
               <a:pPr/>
-              <a:t>8</a:t>
+              <a:t>9</a:t>
             </a:fld>
             <a:endParaRPr lang="en-US">
               <a:solidFill>
